--- a/publications/presentation-2023-06-general-pediatrics/crdw-2022-06.pptx
+++ b/publications/presentation-2023-06-general-pediatrics/crdw-2022-06.pptx
@@ -5,7 +5,7 @@
     <p:sldMasterId id="2147483648" r:id="rId1"/>
   </p:sldMasterIdLst>
   <p:notesMasterIdLst>
-    <p:notesMasterId r:id="rId30"/>
+    <p:notesMasterId r:id="rId32"/>
   </p:notesMasterIdLst>
   <p:sldIdLst>
     <p:sldId id="292" r:id="rId2"/>
@@ -13,29 +13,31 @@
     <p:sldId id="384" r:id="rId4"/>
     <p:sldId id="289" r:id="rId5"/>
     <p:sldId id="276" r:id="rId6"/>
-    <p:sldId id="400" r:id="rId7"/>
-    <p:sldId id="442" r:id="rId8"/>
-    <p:sldId id="424" r:id="rId9"/>
-    <p:sldId id="430" r:id="rId10"/>
-    <p:sldId id="393" r:id="rId11"/>
-    <p:sldId id="367" r:id="rId12"/>
-    <p:sldId id="441" r:id="rId13"/>
-    <p:sldId id="426" r:id="rId14"/>
-    <p:sldId id="296" r:id="rId15"/>
-    <p:sldId id="434" r:id="rId16"/>
-    <p:sldId id="435" r:id="rId17"/>
-    <p:sldId id="436" r:id="rId18"/>
-    <p:sldId id="437" r:id="rId19"/>
-    <p:sldId id="340" r:id="rId20"/>
-    <p:sldId id="390" r:id="rId21"/>
-    <p:sldId id="428" r:id="rId22"/>
-    <p:sldId id="427" r:id="rId23"/>
-    <p:sldId id="433" r:id="rId24"/>
-    <p:sldId id="391" r:id="rId25"/>
-    <p:sldId id="438" r:id="rId26"/>
-    <p:sldId id="439" r:id="rId27"/>
-    <p:sldId id="440" r:id="rId28"/>
-    <p:sldId id="401" r:id="rId29"/>
+    <p:sldId id="443" r:id="rId7"/>
+    <p:sldId id="444" r:id="rId8"/>
+    <p:sldId id="400" r:id="rId9"/>
+    <p:sldId id="442" r:id="rId10"/>
+    <p:sldId id="424" r:id="rId11"/>
+    <p:sldId id="430" r:id="rId12"/>
+    <p:sldId id="393" r:id="rId13"/>
+    <p:sldId id="367" r:id="rId14"/>
+    <p:sldId id="441" r:id="rId15"/>
+    <p:sldId id="426" r:id="rId16"/>
+    <p:sldId id="296" r:id="rId17"/>
+    <p:sldId id="434" r:id="rId18"/>
+    <p:sldId id="435" r:id="rId19"/>
+    <p:sldId id="436" r:id="rId20"/>
+    <p:sldId id="437" r:id="rId21"/>
+    <p:sldId id="340" r:id="rId22"/>
+    <p:sldId id="390" r:id="rId23"/>
+    <p:sldId id="428" r:id="rId24"/>
+    <p:sldId id="427" r:id="rId25"/>
+    <p:sldId id="433" r:id="rId26"/>
+    <p:sldId id="391" r:id="rId27"/>
+    <p:sldId id="438" r:id="rId28"/>
+    <p:sldId id="439" r:id="rId29"/>
+    <p:sldId id="440" r:id="rId30"/>
+    <p:sldId id="401" r:id="rId31"/>
   </p:sldIdLst>
   <p:sldSz cx="12192000" cy="6858000"/>
   <p:notesSz cx="6858000" cy="9144000"/>
@@ -2112,13 +2114,6 @@
         </dgm:presLayoutVars>
       </dgm:prSet>
       <dgm:spPr/>
-      <dgm:t>
-        <a:bodyPr/>
-        <a:lstStyle/>
-        <a:p>
-          <a:endParaRPr lang="en-US"/>
-        </a:p>
-      </dgm:t>
     </dgm:pt>
     <dgm:pt modelId="{C24CF265-89BA-4CC5-B2E0-D2EB87594CC8}" type="pres">
       <dgm:prSet presAssocID="{0010D89C-854E-448B-8127-DA3929F939E8}" presName="Triangle" presStyleLbl="alignNode1" presStyleIdx="1" presStyleCnt="13" custLinFactNeighborY="3848"/>
@@ -2149,13 +2144,6 @@
         </dgm:presLayoutVars>
       </dgm:prSet>
       <dgm:spPr/>
-      <dgm:t>
-        <a:bodyPr/>
-        <a:lstStyle/>
-        <a:p>
-          <a:endParaRPr lang="en-US"/>
-        </a:p>
-      </dgm:t>
     </dgm:pt>
     <dgm:pt modelId="{9FF3722C-A49D-4CC5-8B70-771495A0D233}" type="pres">
       <dgm:prSet presAssocID="{BD10A304-1F73-43DD-9545-9D1E21226479}" presName="Triangle" presStyleLbl="alignNode1" presStyleIdx="3" presStyleCnt="13"/>
@@ -2186,13 +2174,6 @@
         </dgm:presLayoutVars>
       </dgm:prSet>
       <dgm:spPr/>
-      <dgm:t>
-        <a:bodyPr/>
-        <a:lstStyle/>
-        <a:p>
-          <a:endParaRPr lang="en-US"/>
-        </a:p>
-      </dgm:t>
     </dgm:pt>
     <dgm:pt modelId="{3A7C4B3F-4FAC-4EF5-9512-913D53308C24}" type="pres">
       <dgm:prSet presAssocID="{01F32B2A-131E-4E9C-A1D5-1461015E0B2C}" presName="Triangle" presStyleLbl="alignNode1" presStyleIdx="5" presStyleCnt="13" custLinFactNeighborY="3848"/>
@@ -2223,13 +2204,6 @@
         </dgm:presLayoutVars>
       </dgm:prSet>
       <dgm:spPr/>
-      <dgm:t>
-        <a:bodyPr/>
-        <a:lstStyle/>
-        <a:p>
-          <a:endParaRPr lang="en-US"/>
-        </a:p>
-      </dgm:t>
     </dgm:pt>
     <dgm:pt modelId="{EDA7D529-A34E-4829-9CB2-E4F3E98F14B1}" type="pres">
       <dgm:prSet presAssocID="{9F2B29A3-676C-48AE-825C-3DC60DBF2AE2}" presName="Triangle" presStyleLbl="alignNode1" presStyleIdx="7" presStyleCnt="13" custLinFactNeighborY="3848"/>
@@ -2260,13 +2234,6 @@
         </dgm:presLayoutVars>
       </dgm:prSet>
       <dgm:spPr/>
-      <dgm:t>
-        <a:bodyPr/>
-        <a:lstStyle/>
-        <a:p>
-          <a:endParaRPr lang="en-US"/>
-        </a:p>
-      </dgm:t>
     </dgm:pt>
     <dgm:pt modelId="{8570A94F-040C-4CB8-9C06-F728965276B3}" type="pres">
       <dgm:prSet presAssocID="{9299490E-690A-47A2-BF79-343CFAE5FE79}" presName="Triangle" presStyleLbl="alignNode1" presStyleIdx="9" presStyleCnt="13" custLinFactNeighborY="3848"/>
@@ -2297,13 +2264,6 @@
         </dgm:presLayoutVars>
       </dgm:prSet>
       <dgm:spPr/>
-      <dgm:t>
-        <a:bodyPr/>
-        <a:lstStyle/>
-        <a:p>
-          <a:endParaRPr lang="en-US"/>
-        </a:p>
-      </dgm:t>
     </dgm:pt>
     <dgm:pt modelId="{6971FD88-FFEC-4FBF-B3CC-DD255AA67870}" type="pres">
       <dgm:prSet presAssocID="{CE924409-C179-4A2D-B64D-C1667C924238}" presName="Triangle" presStyleLbl="alignNode1" presStyleIdx="11" presStyleCnt="13" custLinFactNeighborY="3848"/>
@@ -2334,77 +2294,70 @@
         </dgm:presLayoutVars>
       </dgm:prSet>
       <dgm:spPr/>
-      <dgm:t>
-        <a:bodyPr/>
-        <a:lstStyle/>
-        <a:p>
-          <a:endParaRPr lang="en-US"/>
-        </a:p>
-      </dgm:t>
     </dgm:pt>
   </dgm:ptLst>
   <dgm:cxnLst>
+    <dgm:cxn modelId="{C5E55304-620F-404E-82A8-9A6F75606ECF}" type="presOf" srcId="{9299490E-690A-47A2-BF79-343CFAE5FE79}" destId="{170748FF-6039-443C-8193-92C430D0DFAA}" srcOrd="0" destOrd="0" presId="urn:microsoft.com/office/officeart/2009/3/layout/StepUpProcess"/>
     <dgm:cxn modelId="{B3134007-4773-4C24-B20E-F02605591D9D}" srcId="{6474E90C-A3F5-4C40-8CEB-46B153A00DEE}" destId="{CE924409-C179-4A2D-B64D-C1667C924238}" srcOrd="5" destOrd="0" parTransId="{75A1A668-D881-42BC-92F5-74B80995D5C7}" sibTransId="{FB48574C-4914-4B07-BE09-AF8B154B2CB4}"/>
+    <dgm:cxn modelId="{86B4FB07-3C60-4EBD-8E76-5E72C2E0AB90}" srcId="{037EC5A9-860F-45A9-97E8-A8AEEA9BB793}" destId="{266FBCAC-8055-4D37-AE88-C83AA214ACFC}" srcOrd="1" destOrd="0" parTransId="{EF20783E-2A4A-4E1F-8E4B-60244D876521}" sibTransId="{39F87B8E-0C0E-4761-B82F-E2DDCD7410C5}"/>
+    <dgm:cxn modelId="{0BF5620A-B547-450F-9BA4-3A5421A8E374}" srcId="{9F2B29A3-676C-48AE-825C-3DC60DBF2AE2}" destId="{E8E0BA16-10CE-416E-9136-84998F596AE2}" srcOrd="0" destOrd="0" parTransId="{6D3E105B-45E6-424E-B1D5-A553183D47AE}" sibTransId="{B7C06EB8-35FC-4988-9A19-996AFBDCA4DB}"/>
+    <dgm:cxn modelId="{44E7C80A-C63B-4697-BEEC-F40FE819AFB5}" type="presOf" srcId="{1DD8B8D3-226B-49C2-8005-4A91E508846C}" destId="{C5F5F110-BA5D-47A9-BE05-32B627697E7C}" srcOrd="0" destOrd="4" presId="urn:microsoft.com/office/officeart/2009/3/layout/StepUpProcess"/>
+    <dgm:cxn modelId="{0258DA0D-C91C-443D-81F4-7B6A5C31306D}" type="presOf" srcId="{9F2B29A3-676C-48AE-825C-3DC60DBF2AE2}" destId="{BE86AFED-F9A0-4F8A-8A27-B836B6B098D1}" srcOrd="0" destOrd="0" presId="urn:microsoft.com/office/officeart/2009/3/layout/StepUpProcess"/>
+    <dgm:cxn modelId="{796A9A11-4EE8-4CB6-A640-23509BC79688}" srcId="{BD10A304-1F73-43DD-9545-9D1E21226479}" destId="{A1286503-101C-4D1A-BFA0-02F11B235340}" srcOrd="3" destOrd="0" parTransId="{A09C0865-2C33-4203-A575-3FB8B0463913}" sibTransId="{26949491-263A-4D5F-B058-36C67CBF157A}"/>
+    <dgm:cxn modelId="{4A47BA19-6F43-48D7-808A-4FFD39949DC7}" type="presOf" srcId="{B97F914E-93D2-4D63-AE6C-21B1DB78616D}" destId="{C5F5F110-BA5D-47A9-BE05-32B627697E7C}" srcOrd="0" destOrd="2" presId="urn:microsoft.com/office/officeart/2009/3/layout/StepUpProcess"/>
+    <dgm:cxn modelId="{2298BF1B-966E-4966-8AD9-B0EDD901F0B7}" type="presOf" srcId="{E8E0BA16-10CE-416E-9136-84998F596AE2}" destId="{BE86AFED-F9A0-4F8A-8A27-B836B6B098D1}" srcOrd="0" destOrd="1" presId="urn:microsoft.com/office/officeart/2009/3/layout/StepUpProcess"/>
+    <dgm:cxn modelId="{61DE9222-ED43-4411-A227-A9576786E346}" srcId="{6474E90C-A3F5-4C40-8CEB-46B153A00DEE}" destId="{9F2B29A3-676C-48AE-825C-3DC60DBF2AE2}" srcOrd="3" destOrd="0" parTransId="{3B7E9C7A-3EA1-4A88-A8B1-9E17FD1DBB3E}" sibTransId="{05F740F7-02EF-46A6-BCD4-1932D8C87C34}"/>
+    <dgm:cxn modelId="{3FDD9922-917A-4B8C-8227-A2B10608F731}" type="presOf" srcId="{25953BB6-850A-47EF-A2B2-98ACD9BBD186}" destId="{074DB80F-68BF-4581-AF84-D0386B780F14}" srcOrd="0" destOrd="1" presId="urn:microsoft.com/office/officeart/2009/3/layout/StepUpProcess"/>
+    <dgm:cxn modelId="{97CC5824-09CC-465D-AFF4-18B539F9D065}" type="presOf" srcId="{0010D89C-854E-448B-8127-DA3929F939E8}" destId="{5C43E3DF-F0B8-40ED-80D3-88AAF8CEA4CB}" srcOrd="0" destOrd="0" presId="urn:microsoft.com/office/officeart/2009/3/layout/StepUpProcess"/>
+    <dgm:cxn modelId="{6C885D36-EA41-4E3E-AB2F-530415C94F72}" type="presOf" srcId="{2E844D7E-8FE8-4447-9546-5BF641386BE4}" destId="{BE86AFED-F9A0-4F8A-8A27-B836B6B098D1}" srcOrd="0" destOrd="3" presId="urn:microsoft.com/office/officeart/2009/3/layout/StepUpProcess"/>
+    <dgm:cxn modelId="{714F4B39-6556-4C0C-A8F4-1AFFCBBC1CCF}" srcId="{CE924409-C179-4A2D-B64D-C1667C924238}" destId="{2EBE0A9F-2B2E-4C90-ACF1-A3020FD7B251}" srcOrd="0" destOrd="0" parTransId="{1C17A13E-522B-472E-B60D-ED0B56F458C9}" sibTransId="{0B787E35-75DD-415C-8C78-69DFE5BDD12D}"/>
+    <dgm:cxn modelId="{082AE83C-0F42-43B0-BB02-A36D712BAF7A}" srcId="{BD10A304-1F73-43DD-9545-9D1E21226479}" destId="{0CD4120B-D47E-4785-9E77-E9C10337775D}" srcOrd="5" destOrd="0" parTransId="{775394F6-A4A9-4424-A0E8-6D46946F5B58}" sibTransId="{5E9CC7AC-8D8C-4DFA-A2B9-17F05C5AB103}"/>
+    <dgm:cxn modelId="{C896745D-32AB-4630-A4C9-46AE35CAEA16}" type="presOf" srcId="{CE924409-C179-4A2D-B64D-C1667C924238}" destId="{C5F5F110-BA5D-47A9-BE05-32B627697E7C}" srcOrd="0" destOrd="0" presId="urn:microsoft.com/office/officeart/2009/3/layout/StepUpProcess"/>
+    <dgm:cxn modelId="{26B98641-5BB7-468A-A496-259B5263EB31}" srcId="{037EC5A9-860F-45A9-97E8-A8AEEA9BB793}" destId="{922EFE4D-47F8-46C3-B467-3FB1F4D3DAE7}" srcOrd="0" destOrd="0" parTransId="{B562972B-83BB-4C51-AE66-6611FC0484BC}" sibTransId="{A1353CEC-4052-4C7C-A1D4-61FF73AD4BF3}"/>
+    <dgm:cxn modelId="{C3A44365-9B22-4CD9-9BF5-55706FA57043}" type="presOf" srcId="{01F32B2A-131E-4E9C-A1D5-1461015E0B2C}" destId="{12426410-9ECE-4540-990B-004F5AD61A12}" srcOrd="0" destOrd="0" presId="urn:microsoft.com/office/officeart/2009/3/layout/StepUpProcess"/>
+    <dgm:cxn modelId="{CF4C2B66-FD39-45E9-BE5C-B464C37250E9}" type="presOf" srcId="{266FBCAC-8055-4D37-AE88-C83AA214ACFC}" destId="{7577EDBA-79C8-47EE-9C48-8258D6199F02}" srcOrd="0" destOrd="2" presId="urn:microsoft.com/office/officeart/2009/3/layout/StepUpProcess"/>
+    <dgm:cxn modelId="{D5D9D066-03C7-499E-BC25-10844D15C44B}" type="presOf" srcId="{8E0C9345-2A16-4BE3-8E86-AA4D49067A7F}" destId="{12426410-9ECE-4540-990B-004F5AD61A12}" srcOrd="0" destOrd="2" presId="urn:microsoft.com/office/officeart/2009/3/layout/StepUpProcess"/>
+    <dgm:cxn modelId="{D0794A49-4C58-4D75-AD10-20CD20475A2B}" type="presOf" srcId="{A1286503-101C-4D1A-BFA0-02F11B235340}" destId="{074DB80F-68BF-4581-AF84-D0386B780F14}" srcOrd="0" destOrd="4" presId="urn:microsoft.com/office/officeart/2009/3/layout/StepUpProcess"/>
+    <dgm:cxn modelId="{63E1B369-A07A-4AF4-8ACA-6D0289E80719}" srcId="{6474E90C-A3F5-4C40-8CEB-46B153A00DEE}" destId="{037EC5A9-860F-45A9-97E8-A8AEEA9BB793}" srcOrd="6" destOrd="0" parTransId="{965C5703-C172-43BA-A947-D2654C3E41F8}" sibTransId="{C02B8F31-CDDD-4163-8613-368B89AB05F2}"/>
+    <dgm:cxn modelId="{323DD34C-9266-49AD-83BA-374612208AEC}" srcId="{037EC5A9-860F-45A9-97E8-A8AEEA9BB793}" destId="{4BE9C7D6-461A-44C8-B607-EDEF2EA077EC}" srcOrd="3" destOrd="0" parTransId="{21ED4C84-2CAB-47DE-B1D0-EEEEB48B552F}" sibTransId="{A31ACD74-4C55-4E1B-8BF0-1A889A0EBBCF}"/>
+    <dgm:cxn modelId="{6CD03455-961E-4C9D-A840-748AA20E2BAB}" srcId="{BD10A304-1F73-43DD-9545-9D1E21226479}" destId="{EE6CC463-806B-49F1-9D27-85973620214C}" srcOrd="2" destOrd="0" parTransId="{EDB78E5F-2374-4BE3-9191-627E4C1A88C2}" sibTransId="{CD35F4D9-030E-448B-8470-FAEF90CD08CD}"/>
+    <dgm:cxn modelId="{40F0A875-0765-4769-8E84-FF710BEDC598}" srcId="{9F2B29A3-676C-48AE-825C-3DC60DBF2AE2}" destId="{2E844D7E-8FE8-4447-9546-5BF641386BE4}" srcOrd="2" destOrd="0" parTransId="{59DF7492-F831-4A41-9DBF-A863285816D7}" sibTransId="{EB6B44AC-7AB4-40A2-AC5F-711AEE692A6B}"/>
+    <dgm:cxn modelId="{F1BAA056-6CB8-42B2-A552-47FF74E31AB2}" type="presOf" srcId="{4BE9C7D6-461A-44C8-B607-EDEF2EA077EC}" destId="{7577EDBA-79C8-47EE-9C48-8258D6199F02}" srcOrd="0" destOrd="4" presId="urn:microsoft.com/office/officeart/2009/3/layout/StepUpProcess"/>
+    <dgm:cxn modelId="{5B05E056-4355-4C9E-8588-F0CD70C6A39D}" type="presOf" srcId="{EE6CC463-806B-49F1-9D27-85973620214C}" destId="{074DB80F-68BF-4581-AF84-D0386B780F14}" srcOrd="0" destOrd="3" presId="urn:microsoft.com/office/officeart/2009/3/layout/StepUpProcess"/>
+    <dgm:cxn modelId="{AD9DED57-426F-4AF7-B9FD-95F1E64433AE}" srcId="{BD10A304-1F73-43DD-9545-9D1E21226479}" destId="{FA66AFF8-B7BF-47D8-920B-4AE5F5CCB30A}" srcOrd="1" destOrd="0" parTransId="{D1FBB999-A92C-469D-A5BC-0B4C22197FEC}" sibTransId="{926B8AE4-2FB8-4F61-8AC4-54E6D434A7F2}"/>
+    <dgm:cxn modelId="{B99C4A80-4DB8-405B-9732-4BE6FAECA59E}" type="presOf" srcId="{97A95825-49E0-4C73-8F5F-F18D87E69E6C}" destId="{C5F5F110-BA5D-47A9-BE05-32B627697E7C}" srcOrd="0" destOrd="3" presId="urn:microsoft.com/office/officeart/2009/3/layout/StepUpProcess"/>
+    <dgm:cxn modelId="{B77C2D82-C179-4C63-AA57-D1DFEEF5A433}" srcId="{BD10A304-1F73-43DD-9545-9D1E21226479}" destId="{13FBA582-C461-4BAD-99B9-26AE7DA54835}" srcOrd="7" destOrd="0" parTransId="{60D8CB22-A372-49CC-84E0-2B2A39EDFCFC}" sibTransId="{47ED8F71-952F-4462-88BC-1BE7EB6F9E7F}"/>
+    <dgm:cxn modelId="{FE883C88-B8CC-4A57-A60C-7CBE3578F379}" type="presOf" srcId="{FCE84D98-F65E-4313-A996-C9B3D7EBDD34}" destId="{170748FF-6039-443C-8193-92C430D0DFAA}" srcOrd="0" destOrd="1" presId="urn:microsoft.com/office/officeart/2009/3/layout/StepUpProcess"/>
+    <dgm:cxn modelId="{A4597088-4B87-4820-81FE-B0BAE363DB15}" type="presOf" srcId="{0CD4120B-D47E-4785-9E77-E9C10337775D}" destId="{074DB80F-68BF-4581-AF84-D0386B780F14}" srcOrd="0" destOrd="6" presId="urn:microsoft.com/office/officeart/2009/3/layout/StepUpProcess"/>
+    <dgm:cxn modelId="{AE93B38B-123E-4548-AF4E-284A6E7104D1}" srcId="{6474E90C-A3F5-4C40-8CEB-46B153A00DEE}" destId="{0010D89C-854E-448B-8127-DA3929F939E8}" srcOrd="0" destOrd="0" parTransId="{0A053686-71FD-4CB5-9AAD-451389B5416F}" sibTransId="{815CBACE-0264-47A5-A415-F84E67CE62D1}"/>
+    <dgm:cxn modelId="{9136108E-BD9C-441B-B53A-14CF87E18AF7}" type="presOf" srcId="{BD10A304-1F73-43DD-9545-9D1E21226479}" destId="{074DB80F-68BF-4581-AF84-D0386B780F14}" srcOrd="0" destOrd="0" presId="urn:microsoft.com/office/officeart/2009/3/layout/StepUpProcess"/>
+    <dgm:cxn modelId="{6E4B2691-D38D-4043-A8AF-A0CF0F7A372D}" type="presOf" srcId="{DA143095-1394-4517-9AD3-54285DD8A43B}" destId="{12426410-9ECE-4540-990B-004F5AD61A12}" srcOrd="0" destOrd="3" presId="urn:microsoft.com/office/officeart/2009/3/layout/StepUpProcess"/>
+    <dgm:cxn modelId="{60232E93-8FB7-41A4-87C7-7EDFDF74BB7A}" type="presOf" srcId="{E951F7F4-3E2F-40F5-BC80-BFE018C1F4DB}" destId="{BE86AFED-F9A0-4F8A-8A27-B836B6B098D1}" srcOrd="0" destOrd="2" presId="urn:microsoft.com/office/officeart/2009/3/layout/StepUpProcess"/>
+    <dgm:cxn modelId="{7915E895-3B0F-42D5-BDE8-26DB43D3BE57}" type="presOf" srcId="{922EFE4D-47F8-46C3-B467-3FB1F4D3DAE7}" destId="{7577EDBA-79C8-47EE-9C48-8258D6199F02}" srcOrd="0" destOrd="1" presId="urn:microsoft.com/office/officeart/2009/3/layout/StepUpProcess"/>
+    <dgm:cxn modelId="{89447D9C-8E4E-4578-9CA2-7AA1F4CE77E7}" type="presOf" srcId="{5461AE26-F7D0-458B-AEB1-88F36C1DCC9B}" destId="{7577EDBA-79C8-47EE-9C48-8258D6199F02}" srcOrd="0" destOrd="3" presId="urn:microsoft.com/office/officeart/2009/3/layout/StepUpProcess"/>
     <dgm:cxn modelId="{F73E479E-5383-4652-83E4-6AAC254B8592}" type="presOf" srcId="{751AAAA0-FD1A-474D-A8CA-BF7C3BFEE3B9}" destId="{12426410-9ECE-4540-990B-004F5AD61A12}" srcOrd="0" destOrd="1" presId="urn:microsoft.com/office/officeart/2009/3/layout/StepUpProcess"/>
-    <dgm:cxn modelId="{D0794A49-4C58-4D75-AD10-20CD20475A2B}" type="presOf" srcId="{A1286503-101C-4D1A-BFA0-02F11B235340}" destId="{074DB80F-68BF-4581-AF84-D0386B780F14}" srcOrd="0" destOrd="4" presId="urn:microsoft.com/office/officeart/2009/3/layout/StepUpProcess"/>
-    <dgm:cxn modelId="{2298BF1B-966E-4966-8AD9-B0EDD901F0B7}" type="presOf" srcId="{E8E0BA16-10CE-416E-9136-84998F596AE2}" destId="{BE86AFED-F9A0-4F8A-8A27-B836B6B098D1}" srcOrd="0" destOrd="1" presId="urn:microsoft.com/office/officeart/2009/3/layout/StepUpProcess"/>
-    <dgm:cxn modelId="{F1BAA056-6CB8-42B2-A552-47FF74E31AB2}" type="presOf" srcId="{4BE9C7D6-461A-44C8-B607-EDEF2EA077EC}" destId="{7577EDBA-79C8-47EE-9C48-8258D6199F02}" srcOrd="0" destOrd="4" presId="urn:microsoft.com/office/officeart/2009/3/layout/StepUpProcess"/>
-    <dgm:cxn modelId="{97CC5824-09CC-465D-AFF4-18B539F9D065}" type="presOf" srcId="{0010D89C-854E-448B-8127-DA3929F939E8}" destId="{5C43E3DF-F0B8-40ED-80D3-88AAF8CEA4CB}" srcOrd="0" destOrd="0" presId="urn:microsoft.com/office/officeart/2009/3/layout/StepUpProcess"/>
+    <dgm:cxn modelId="{FBFD0AA0-9810-4D8B-90EB-308D7010E43E}" type="presOf" srcId="{7E4FA352-9615-4E98-B8A3-FD4448E55B02}" destId="{074DB80F-68BF-4581-AF84-D0386B780F14}" srcOrd="0" destOrd="7" presId="urn:microsoft.com/office/officeart/2009/3/layout/StepUpProcess"/>
+    <dgm:cxn modelId="{D273A2A0-0911-405A-BBA4-F8AC2D4015CC}" type="presOf" srcId="{FA66AFF8-B7BF-47D8-920B-4AE5F5CCB30A}" destId="{074DB80F-68BF-4581-AF84-D0386B780F14}" srcOrd="0" destOrd="2" presId="urn:microsoft.com/office/officeart/2009/3/layout/StepUpProcess"/>
+    <dgm:cxn modelId="{CB71E6A5-97F7-42E4-80D3-DEBCA96FF241}" srcId="{BD10A304-1F73-43DD-9545-9D1E21226479}" destId="{25953BB6-850A-47EF-A2B2-98ACD9BBD186}" srcOrd="0" destOrd="0" parTransId="{A77C307B-DC84-4B4B-B3E4-1E1EAB8380EF}" sibTransId="{85E0FC6C-0E1F-4A68-938D-E103717A4CE3}"/>
     <dgm:cxn modelId="{19BE8CA6-AC47-47AF-B71E-521FD4CFFA24}" srcId="{CE924409-C179-4A2D-B64D-C1667C924238}" destId="{97A95825-49E0-4C73-8F5F-F18D87E69E6C}" srcOrd="2" destOrd="0" parTransId="{043D2A7A-B426-42D5-8E97-E57ABA5CD506}" sibTransId="{ADF8E347-7E86-4DF6-B9F1-F5F0B780096C}"/>
-    <dgm:cxn modelId="{C3A44365-9B22-4CD9-9BF5-55706FA57043}" type="presOf" srcId="{01F32B2A-131E-4E9C-A1D5-1461015E0B2C}" destId="{12426410-9ECE-4540-990B-004F5AD61A12}" srcOrd="0" destOrd="0" presId="urn:microsoft.com/office/officeart/2009/3/layout/StepUpProcess"/>
-    <dgm:cxn modelId="{B99C4A80-4DB8-405B-9732-4BE6FAECA59E}" type="presOf" srcId="{97A95825-49E0-4C73-8F5F-F18D87E69E6C}" destId="{C5F5F110-BA5D-47A9-BE05-32B627697E7C}" srcOrd="0" destOrd="3" presId="urn:microsoft.com/office/officeart/2009/3/layout/StepUpProcess"/>
+    <dgm:cxn modelId="{B970CDA8-6C09-486D-87F3-10BA87CC10C3}" srcId="{9F2B29A3-676C-48AE-825C-3DC60DBF2AE2}" destId="{E951F7F4-3E2F-40F5-BC80-BFE018C1F4DB}" srcOrd="1" destOrd="0" parTransId="{F1248C2D-57B5-4C80-A1CE-5E7E6F471B15}" sibTransId="{4CAFAB52-14FC-433C-948B-9D2D22B128B3}"/>
+    <dgm:cxn modelId="{BD74EBA8-41FF-4F7A-A9BA-3F7D1C992210}" srcId="{BD10A304-1F73-43DD-9545-9D1E21226479}" destId="{CF4F6786-0163-44E8-A7A2-DFEB228CDE01}" srcOrd="4" destOrd="0" parTransId="{E840309A-1748-4175-8942-B0F4A5C27DCF}" sibTransId="{96706024-6147-4AE0-A8D3-2D288121A0CD}"/>
+    <dgm:cxn modelId="{E3A269AE-4240-4AC0-80AC-44E8AA301791}" srcId="{01F32B2A-131E-4E9C-A1D5-1461015E0B2C}" destId="{751AAAA0-FD1A-474D-A8CA-BF7C3BFEE3B9}" srcOrd="0" destOrd="0" parTransId="{53846A0A-0F2A-438C-9E20-486F2C404199}" sibTransId="{80BAE9E0-019A-4BA0-849D-AF902A506F59}"/>
+    <dgm:cxn modelId="{27ACC6B0-7789-4841-9A6F-B22539B9A744}" srcId="{01F32B2A-131E-4E9C-A1D5-1461015E0B2C}" destId="{DA143095-1394-4517-9AD3-54285DD8A43B}" srcOrd="2" destOrd="0" parTransId="{6210CABA-2451-4C98-9705-462D0DB659AE}" sibTransId="{36D015D5-5AD9-461D-832A-6EA994E789B8}"/>
+    <dgm:cxn modelId="{15D482B8-ABBF-4B83-9697-86A32B42E76C}" type="presOf" srcId="{6474E90C-A3F5-4C40-8CEB-46B153A00DEE}" destId="{B8CD9E79-3CCF-4E7E-8116-56B764458029}" srcOrd="0" destOrd="0" presId="urn:microsoft.com/office/officeart/2009/3/layout/StepUpProcess"/>
+    <dgm:cxn modelId="{4E7777BC-B488-4932-A07D-1D8DDA805C99}" type="presOf" srcId="{037EC5A9-860F-45A9-97E8-A8AEEA9BB793}" destId="{7577EDBA-79C8-47EE-9C48-8258D6199F02}" srcOrd="0" destOrd="0" presId="urn:microsoft.com/office/officeart/2009/3/layout/StepUpProcess"/>
     <dgm:cxn modelId="{596440C4-7175-4B94-9C3E-479BC33E36C6}" srcId="{CE924409-C179-4A2D-B64D-C1667C924238}" destId="{1DD8B8D3-226B-49C2-8005-4A91E508846C}" srcOrd="3" destOrd="0" parTransId="{C70B4F40-4E1E-4421-BAC4-7B503CCAF138}" sibTransId="{6E835272-27B6-4018-964C-93E39AD1AD6A}"/>
-    <dgm:cxn modelId="{0BF5620A-B547-450F-9BA4-3A5421A8E374}" srcId="{9F2B29A3-676C-48AE-825C-3DC60DBF2AE2}" destId="{E8E0BA16-10CE-416E-9136-84998F596AE2}" srcOrd="0" destOrd="0" parTransId="{6D3E105B-45E6-424E-B1D5-A553183D47AE}" sibTransId="{B7C06EB8-35FC-4988-9A19-996AFBDCA4DB}"/>
-    <dgm:cxn modelId="{86B4FB07-3C60-4EBD-8E76-5E72C2E0AB90}" srcId="{037EC5A9-860F-45A9-97E8-A8AEEA9BB793}" destId="{266FBCAC-8055-4D37-AE88-C83AA214ACFC}" srcOrd="1" destOrd="0" parTransId="{EF20783E-2A4A-4E1F-8E4B-60244D876521}" sibTransId="{39F87B8E-0C0E-4761-B82F-E2DDCD7410C5}"/>
-    <dgm:cxn modelId="{4A47BA19-6F43-48D7-808A-4FFD39949DC7}" type="presOf" srcId="{B97F914E-93D2-4D63-AE6C-21B1DB78616D}" destId="{C5F5F110-BA5D-47A9-BE05-32B627697E7C}" srcOrd="0" destOrd="2" presId="urn:microsoft.com/office/officeart/2009/3/layout/StepUpProcess"/>
-    <dgm:cxn modelId="{CB71E6A5-97F7-42E4-80D3-DEBCA96FF241}" srcId="{BD10A304-1F73-43DD-9545-9D1E21226479}" destId="{25953BB6-850A-47EF-A2B2-98ACD9BBD186}" srcOrd="0" destOrd="0" parTransId="{A77C307B-DC84-4B4B-B3E4-1E1EAB8380EF}" sibTransId="{85E0FC6C-0E1F-4A68-938D-E103717A4CE3}"/>
+    <dgm:cxn modelId="{8DFF85C7-89BF-4185-A1A8-802B62F42F9F}" type="presOf" srcId="{CF4F6786-0163-44E8-A7A2-DFEB228CDE01}" destId="{074DB80F-68BF-4581-AF84-D0386B780F14}" srcOrd="0" destOrd="5" presId="urn:microsoft.com/office/officeart/2009/3/layout/StepUpProcess"/>
+    <dgm:cxn modelId="{C14F12D1-CD57-46AA-A6D1-2F64C42F76B3}" srcId="{6474E90C-A3F5-4C40-8CEB-46B153A00DEE}" destId="{9299490E-690A-47A2-BF79-343CFAE5FE79}" srcOrd="4" destOrd="0" parTransId="{5519E34E-0331-4FED-B2C5-80A87D5E3315}" sibTransId="{CA92195C-701C-44C3-9ABA-F4B7BC75B593}"/>
+    <dgm:cxn modelId="{15B38CD7-8A1E-468F-8DE6-5AEE996A15FA}" srcId="{6474E90C-A3F5-4C40-8CEB-46B153A00DEE}" destId="{01F32B2A-131E-4E9C-A1D5-1461015E0B2C}" srcOrd="2" destOrd="0" parTransId="{C513A95C-F65A-45F8-BA4C-B38C763C8C9C}" sibTransId="{86B05AE7-D473-4F37-BE51-3CE8676E20FC}"/>
+    <dgm:cxn modelId="{E22326DC-AAAD-429A-BBB8-9CAFD1F3E29A}" srcId="{6474E90C-A3F5-4C40-8CEB-46B153A00DEE}" destId="{BD10A304-1F73-43DD-9545-9D1E21226479}" srcOrd="1" destOrd="0" parTransId="{FF06F63D-4F49-40CC-B0EE-81F5A9E5E354}" sibTransId="{BD5CE1BD-F027-429D-A35F-548BC446F45F}"/>
+    <dgm:cxn modelId="{D6E0EDDD-0A64-4261-A6DE-CF6D90E87EB7}" srcId="{037EC5A9-860F-45A9-97E8-A8AEEA9BB793}" destId="{5461AE26-F7D0-458B-AEB1-88F36C1DCC9B}" srcOrd="2" destOrd="0" parTransId="{395CF524-AC1D-4E72-A1BD-16D8B39E7530}" sibTransId="{47B01F7C-6179-4482-8701-9A07A89D779E}"/>
+    <dgm:cxn modelId="{D0D5B7E0-C92C-4B9E-9816-357ED6E27279}" type="presOf" srcId="{13FBA582-C461-4BAD-99B9-26AE7DA54835}" destId="{074DB80F-68BF-4581-AF84-D0386B780F14}" srcOrd="0" destOrd="8" presId="urn:microsoft.com/office/officeart/2009/3/layout/StepUpProcess"/>
+    <dgm:cxn modelId="{88F9E9EF-7EC7-41F2-B426-2BA2B98415A5}" srcId="{9299490E-690A-47A2-BF79-343CFAE5FE79}" destId="{FCE84D98-F65E-4313-A996-C9B3D7EBDD34}" srcOrd="0" destOrd="0" parTransId="{87D56A33-4A12-4823-BB95-BF0B8AD83D55}" sibTransId="{D77242C3-146A-4E7E-896D-2903DB57AA5F}"/>
     <dgm:cxn modelId="{43B400F0-125B-45F3-9730-F32F17E195DA}" srcId="{BD10A304-1F73-43DD-9545-9D1E21226479}" destId="{7E4FA352-9615-4E98-B8A3-FD4448E55B02}" srcOrd="6" destOrd="0" parTransId="{E9B88198-E08C-4D72-9544-96832FE5773B}" sibTransId="{DFA308B2-D334-4058-86F6-4B030916BD87}"/>
-    <dgm:cxn modelId="{0258DA0D-C91C-443D-81F4-7B6A5C31306D}" type="presOf" srcId="{9F2B29A3-676C-48AE-825C-3DC60DBF2AE2}" destId="{BE86AFED-F9A0-4F8A-8A27-B836B6B098D1}" srcOrd="0" destOrd="0" presId="urn:microsoft.com/office/officeart/2009/3/layout/StepUpProcess"/>
-    <dgm:cxn modelId="{AD9DED57-426F-4AF7-B9FD-95F1E64433AE}" srcId="{BD10A304-1F73-43DD-9545-9D1E21226479}" destId="{FA66AFF8-B7BF-47D8-920B-4AE5F5CCB30A}" srcOrd="1" destOrd="0" parTransId="{D1FBB999-A92C-469D-A5BC-0B4C22197FEC}" sibTransId="{926B8AE4-2FB8-4F61-8AC4-54E6D434A7F2}"/>
-    <dgm:cxn modelId="{63E1B369-A07A-4AF4-8ACA-6D0289E80719}" srcId="{6474E90C-A3F5-4C40-8CEB-46B153A00DEE}" destId="{037EC5A9-860F-45A9-97E8-A8AEEA9BB793}" srcOrd="6" destOrd="0" parTransId="{965C5703-C172-43BA-A947-D2654C3E41F8}" sibTransId="{C02B8F31-CDDD-4163-8613-368B89AB05F2}"/>
-    <dgm:cxn modelId="{082AE83C-0F42-43B0-BB02-A36D712BAF7A}" srcId="{BD10A304-1F73-43DD-9545-9D1E21226479}" destId="{0CD4120B-D47E-4785-9E77-E9C10337775D}" srcOrd="5" destOrd="0" parTransId="{775394F6-A4A9-4424-A0E8-6D46946F5B58}" sibTransId="{5E9CC7AC-8D8C-4DFA-A2B9-17F05C5AB103}"/>
-    <dgm:cxn modelId="{D273A2A0-0911-405A-BBA4-F8AC2D4015CC}" type="presOf" srcId="{FA66AFF8-B7BF-47D8-920B-4AE5F5CCB30A}" destId="{074DB80F-68BF-4581-AF84-D0386B780F14}" srcOrd="0" destOrd="2" presId="urn:microsoft.com/office/officeart/2009/3/layout/StepUpProcess"/>
-    <dgm:cxn modelId="{FE883C88-B8CC-4A57-A60C-7CBE3578F379}" type="presOf" srcId="{FCE84D98-F65E-4313-A996-C9B3D7EBDD34}" destId="{170748FF-6039-443C-8193-92C430D0DFAA}" srcOrd="0" destOrd="1" presId="urn:microsoft.com/office/officeart/2009/3/layout/StepUpProcess"/>
-    <dgm:cxn modelId="{4E7777BC-B488-4932-A07D-1D8DDA805C99}" type="presOf" srcId="{037EC5A9-860F-45A9-97E8-A8AEEA9BB793}" destId="{7577EDBA-79C8-47EE-9C48-8258D6199F02}" srcOrd="0" destOrd="0" presId="urn:microsoft.com/office/officeart/2009/3/layout/StepUpProcess"/>
-    <dgm:cxn modelId="{B77C2D82-C179-4C63-AA57-D1DFEEF5A433}" srcId="{BD10A304-1F73-43DD-9545-9D1E21226479}" destId="{13FBA582-C461-4BAD-99B9-26AE7DA54835}" srcOrd="7" destOrd="0" parTransId="{60D8CB22-A372-49CC-84E0-2B2A39EDFCFC}" sibTransId="{47ED8F71-952F-4462-88BC-1BE7EB6F9E7F}"/>
-    <dgm:cxn modelId="{61DE9222-ED43-4411-A227-A9576786E346}" srcId="{6474E90C-A3F5-4C40-8CEB-46B153A00DEE}" destId="{9F2B29A3-676C-48AE-825C-3DC60DBF2AE2}" srcOrd="3" destOrd="0" parTransId="{3B7E9C7A-3EA1-4A88-A8B1-9E17FD1DBB3E}" sibTransId="{05F740F7-02EF-46A6-BCD4-1932D8C87C34}"/>
-    <dgm:cxn modelId="{15D482B8-ABBF-4B83-9697-86A32B42E76C}" type="presOf" srcId="{6474E90C-A3F5-4C40-8CEB-46B153A00DEE}" destId="{B8CD9E79-3CCF-4E7E-8116-56B764458029}" srcOrd="0" destOrd="0" presId="urn:microsoft.com/office/officeart/2009/3/layout/StepUpProcess"/>
-    <dgm:cxn modelId="{7915E895-3B0F-42D5-BDE8-26DB43D3BE57}" type="presOf" srcId="{922EFE4D-47F8-46C3-B467-3FB1F4D3DAE7}" destId="{7577EDBA-79C8-47EE-9C48-8258D6199F02}" srcOrd="0" destOrd="1" presId="urn:microsoft.com/office/officeart/2009/3/layout/StepUpProcess"/>
-    <dgm:cxn modelId="{9136108E-BD9C-441B-B53A-14CF87E18AF7}" type="presOf" srcId="{BD10A304-1F73-43DD-9545-9D1E21226479}" destId="{074DB80F-68BF-4581-AF84-D0386B780F14}" srcOrd="0" destOrd="0" presId="urn:microsoft.com/office/officeart/2009/3/layout/StepUpProcess"/>
-    <dgm:cxn modelId="{6C885D36-EA41-4E3E-AB2F-530415C94F72}" type="presOf" srcId="{2E844D7E-8FE8-4447-9546-5BF641386BE4}" destId="{BE86AFED-F9A0-4F8A-8A27-B836B6B098D1}" srcOrd="0" destOrd="3" presId="urn:microsoft.com/office/officeart/2009/3/layout/StepUpProcess"/>
-    <dgm:cxn modelId="{C896745D-32AB-4630-A4C9-46AE35CAEA16}" type="presOf" srcId="{CE924409-C179-4A2D-B64D-C1667C924238}" destId="{C5F5F110-BA5D-47A9-BE05-32B627697E7C}" srcOrd="0" destOrd="0" presId="urn:microsoft.com/office/officeart/2009/3/layout/StepUpProcess"/>
-    <dgm:cxn modelId="{B970CDA8-6C09-486D-87F3-10BA87CC10C3}" srcId="{9F2B29A3-676C-48AE-825C-3DC60DBF2AE2}" destId="{E951F7F4-3E2F-40F5-BC80-BFE018C1F4DB}" srcOrd="1" destOrd="0" parTransId="{F1248C2D-57B5-4C80-A1CE-5E7E6F471B15}" sibTransId="{4CAFAB52-14FC-433C-948B-9D2D22B128B3}"/>
-    <dgm:cxn modelId="{AE93B38B-123E-4548-AF4E-284A6E7104D1}" srcId="{6474E90C-A3F5-4C40-8CEB-46B153A00DEE}" destId="{0010D89C-854E-448B-8127-DA3929F939E8}" srcOrd="0" destOrd="0" parTransId="{0A053686-71FD-4CB5-9AAD-451389B5416F}" sibTransId="{815CBACE-0264-47A5-A415-F84E67CE62D1}"/>
-    <dgm:cxn modelId="{5B05E056-4355-4C9E-8588-F0CD70C6A39D}" type="presOf" srcId="{EE6CC463-806B-49F1-9D27-85973620214C}" destId="{074DB80F-68BF-4581-AF84-D0386B780F14}" srcOrd="0" destOrd="3" presId="urn:microsoft.com/office/officeart/2009/3/layout/StepUpProcess"/>
-    <dgm:cxn modelId="{FBFD0AA0-9810-4D8B-90EB-308D7010E43E}" type="presOf" srcId="{7E4FA352-9615-4E98-B8A3-FD4448E55B02}" destId="{074DB80F-68BF-4581-AF84-D0386B780F14}" srcOrd="0" destOrd="7" presId="urn:microsoft.com/office/officeart/2009/3/layout/StepUpProcess"/>
-    <dgm:cxn modelId="{15B38CD7-8A1E-468F-8DE6-5AEE996A15FA}" srcId="{6474E90C-A3F5-4C40-8CEB-46B153A00DEE}" destId="{01F32B2A-131E-4E9C-A1D5-1461015E0B2C}" srcOrd="2" destOrd="0" parTransId="{C513A95C-F65A-45F8-BA4C-B38C763C8C9C}" sibTransId="{86B05AE7-D473-4F37-BE51-3CE8676E20FC}"/>
+    <dgm:cxn modelId="{F4F9CAF1-01F4-4AB6-9EC0-6D602469B096}" srcId="{CE924409-C179-4A2D-B64D-C1667C924238}" destId="{B97F914E-93D2-4D63-AE6C-21B1DB78616D}" srcOrd="1" destOrd="0" parTransId="{0665C497-B18A-4EDC-93C5-AC6876B09A17}" sibTransId="{8189EBEF-3309-4294-8D03-6642E2CD037A}"/>
+    <dgm:cxn modelId="{CD848CF2-E4A3-45DB-B9BB-FBC287BDE59C}" type="presOf" srcId="{2EBE0A9F-2B2E-4C90-ACF1-A3020FD7B251}" destId="{C5F5F110-BA5D-47A9-BE05-32B627697E7C}" srcOrd="0" destOrd="1" presId="urn:microsoft.com/office/officeart/2009/3/layout/StepUpProcess"/>
     <dgm:cxn modelId="{8E4ADBF6-7252-48FC-8390-A3990FA1EF4B}" srcId="{01F32B2A-131E-4E9C-A1D5-1461015E0B2C}" destId="{8E0C9345-2A16-4BE3-8E86-AA4D49067A7F}" srcOrd="1" destOrd="0" parTransId="{14FAA190-32F9-42BB-A65D-2307C322D396}" sibTransId="{927B7B74-25E4-436C-ADF8-AEE73E6E8340}"/>
-    <dgm:cxn modelId="{88F9E9EF-7EC7-41F2-B426-2BA2B98415A5}" srcId="{9299490E-690A-47A2-BF79-343CFAE5FE79}" destId="{FCE84D98-F65E-4313-A996-C9B3D7EBDD34}" srcOrd="0" destOrd="0" parTransId="{87D56A33-4A12-4823-BB95-BF0B8AD83D55}" sibTransId="{D77242C3-146A-4E7E-896D-2903DB57AA5F}"/>
-    <dgm:cxn modelId="{D5D9D066-03C7-499E-BC25-10844D15C44B}" type="presOf" srcId="{8E0C9345-2A16-4BE3-8E86-AA4D49067A7F}" destId="{12426410-9ECE-4540-990B-004F5AD61A12}" srcOrd="0" destOrd="2" presId="urn:microsoft.com/office/officeart/2009/3/layout/StepUpProcess"/>
-    <dgm:cxn modelId="{CD848CF2-E4A3-45DB-B9BB-FBC287BDE59C}" type="presOf" srcId="{2EBE0A9F-2B2E-4C90-ACF1-A3020FD7B251}" destId="{C5F5F110-BA5D-47A9-BE05-32B627697E7C}" srcOrd="0" destOrd="1" presId="urn:microsoft.com/office/officeart/2009/3/layout/StepUpProcess"/>
-    <dgm:cxn modelId="{3FDD9922-917A-4B8C-8227-A2B10608F731}" type="presOf" srcId="{25953BB6-850A-47EF-A2B2-98ACD9BBD186}" destId="{074DB80F-68BF-4581-AF84-D0386B780F14}" srcOrd="0" destOrd="1" presId="urn:microsoft.com/office/officeart/2009/3/layout/StepUpProcess"/>
-    <dgm:cxn modelId="{6CD03455-961E-4C9D-A840-748AA20E2BAB}" srcId="{BD10A304-1F73-43DD-9545-9D1E21226479}" destId="{EE6CC463-806B-49F1-9D27-85973620214C}" srcOrd="2" destOrd="0" parTransId="{EDB78E5F-2374-4BE3-9191-627E4C1A88C2}" sibTransId="{CD35F4D9-030E-448B-8470-FAEF90CD08CD}"/>
-    <dgm:cxn modelId="{323DD34C-9266-49AD-83BA-374612208AEC}" srcId="{037EC5A9-860F-45A9-97E8-A8AEEA9BB793}" destId="{4BE9C7D6-461A-44C8-B607-EDEF2EA077EC}" srcOrd="3" destOrd="0" parTransId="{21ED4C84-2CAB-47DE-B1D0-EEEEB48B552F}" sibTransId="{A31ACD74-4C55-4E1B-8BF0-1A889A0EBBCF}"/>
-    <dgm:cxn modelId="{26B98641-5BB7-468A-A496-259B5263EB31}" srcId="{037EC5A9-860F-45A9-97E8-A8AEEA9BB793}" destId="{922EFE4D-47F8-46C3-B467-3FB1F4D3DAE7}" srcOrd="0" destOrd="0" parTransId="{B562972B-83BB-4C51-AE66-6611FC0484BC}" sibTransId="{A1353CEC-4052-4C7C-A1D4-61FF73AD4BF3}"/>
-    <dgm:cxn modelId="{C14F12D1-CD57-46AA-A6D1-2F64C42F76B3}" srcId="{6474E90C-A3F5-4C40-8CEB-46B153A00DEE}" destId="{9299490E-690A-47A2-BF79-343CFAE5FE79}" srcOrd="4" destOrd="0" parTransId="{5519E34E-0331-4FED-B2C5-80A87D5E3315}" sibTransId="{CA92195C-701C-44C3-9ABA-F4B7BC75B593}"/>
-    <dgm:cxn modelId="{44E7C80A-C63B-4697-BEEC-F40FE819AFB5}" type="presOf" srcId="{1DD8B8D3-226B-49C2-8005-4A91E508846C}" destId="{C5F5F110-BA5D-47A9-BE05-32B627697E7C}" srcOrd="0" destOrd="4" presId="urn:microsoft.com/office/officeart/2009/3/layout/StepUpProcess"/>
-    <dgm:cxn modelId="{714F4B39-6556-4C0C-A8F4-1AFFCBBC1CCF}" srcId="{CE924409-C179-4A2D-B64D-C1667C924238}" destId="{2EBE0A9F-2B2E-4C90-ACF1-A3020FD7B251}" srcOrd="0" destOrd="0" parTransId="{1C17A13E-522B-472E-B60D-ED0B56F458C9}" sibTransId="{0B787E35-75DD-415C-8C78-69DFE5BDD12D}"/>
-    <dgm:cxn modelId="{796A9A11-4EE8-4CB6-A640-23509BC79688}" srcId="{BD10A304-1F73-43DD-9545-9D1E21226479}" destId="{A1286503-101C-4D1A-BFA0-02F11B235340}" srcOrd="3" destOrd="0" parTransId="{A09C0865-2C33-4203-A575-3FB8B0463913}" sibTransId="{26949491-263A-4D5F-B058-36C67CBF157A}"/>
-    <dgm:cxn modelId="{F4F9CAF1-01F4-4AB6-9EC0-6D602469B096}" srcId="{CE924409-C179-4A2D-B64D-C1667C924238}" destId="{B97F914E-93D2-4D63-AE6C-21B1DB78616D}" srcOrd="1" destOrd="0" parTransId="{0665C497-B18A-4EDC-93C5-AC6876B09A17}" sibTransId="{8189EBEF-3309-4294-8D03-6642E2CD037A}"/>
-    <dgm:cxn modelId="{CF4C2B66-FD39-45E9-BE5C-B464C37250E9}" type="presOf" srcId="{266FBCAC-8055-4D37-AE88-C83AA214ACFC}" destId="{7577EDBA-79C8-47EE-9C48-8258D6199F02}" srcOrd="0" destOrd="2" presId="urn:microsoft.com/office/officeart/2009/3/layout/StepUpProcess"/>
-    <dgm:cxn modelId="{89447D9C-8E4E-4578-9CA2-7AA1F4CE77E7}" type="presOf" srcId="{5461AE26-F7D0-458B-AEB1-88F36C1DCC9B}" destId="{7577EDBA-79C8-47EE-9C48-8258D6199F02}" srcOrd="0" destOrd="3" presId="urn:microsoft.com/office/officeart/2009/3/layout/StepUpProcess"/>
-    <dgm:cxn modelId="{BD74EBA8-41FF-4F7A-A9BA-3F7D1C992210}" srcId="{BD10A304-1F73-43DD-9545-9D1E21226479}" destId="{CF4F6786-0163-44E8-A7A2-DFEB228CDE01}" srcOrd="4" destOrd="0" parTransId="{E840309A-1748-4175-8942-B0F4A5C27DCF}" sibTransId="{96706024-6147-4AE0-A8D3-2D288121A0CD}"/>
-    <dgm:cxn modelId="{E22326DC-AAAD-429A-BBB8-9CAFD1F3E29A}" srcId="{6474E90C-A3F5-4C40-8CEB-46B153A00DEE}" destId="{BD10A304-1F73-43DD-9545-9D1E21226479}" srcOrd="1" destOrd="0" parTransId="{FF06F63D-4F49-40CC-B0EE-81F5A9E5E354}" sibTransId="{BD5CE1BD-F027-429D-A35F-548BC446F45F}"/>
-    <dgm:cxn modelId="{C5E55304-620F-404E-82A8-9A6F75606ECF}" type="presOf" srcId="{9299490E-690A-47A2-BF79-343CFAE5FE79}" destId="{170748FF-6039-443C-8193-92C430D0DFAA}" srcOrd="0" destOrd="0" presId="urn:microsoft.com/office/officeart/2009/3/layout/StepUpProcess"/>
-    <dgm:cxn modelId="{60232E93-8FB7-41A4-87C7-7EDFDF74BB7A}" type="presOf" srcId="{E951F7F4-3E2F-40F5-BC80-BFE018C1F4DB}" destId="{BE86AFED-F9A0-4F8A-8A27-B836B6B098D1}" srcOrd="0" destOrd="2" presId="urn:microsoft.com/office/officeart/2009/3/layout/StepUpProcess"/>
-    <dgm:cxn modelId="{E3A269AE-4240-4AC0-80AC-44E8AA301791}" srcId="{01F32B2A-131E-4E9C-A1D5-1461015E0B2C}" destId="{751AAAA0-FD1A-474D-A8CA-BF7C3BFEE3B9}" srcOrd="0" destOrd="0" parTransId="{53846A0A-0F2A-438C-9E20-486F2C404199}" sibTransId="{80BAE9E0-019A-4BA0-849D-AF902A506F59}"/>
-    <dgm:cxn modelId="{A4597088-4B87-4820-81FE-B0BAE363DB15}" type="presOf" srcId="{0CD4120B-D47E-4785-9E77-E9C10337775D}" destId="{074DB80F-68BF-4581-AF84-D0386B780F14}" srcOrd="0" destOrd="6" presId="urn:microsoft.com/office/officeart/2009/3/layout/StepUpProcess"/>
-    <dgm:cxn modelId="{6E4B2691-D38D-4043-A8AF-A0CF0F7A372D}" type="presOf" srcId="{DA143095-1394-4517-9AD3-54285DD8A43B}" destId="{12426410-9ECE-4540-990B-004F5AD61A12}" srcOrd="0" destOrd="3" presId="urn:microsoft.com/office/officeart/2009/3/layout/StepUpProcess"/>
-    <dgm:cxn modelId="{D6E0EDDD-0A64-4261-A6DE-CF6D90E87EB7}" srcId="{037EC5A9-860F-45A9-97E8-A8AEEA9BB793}" destId="{5461AE26-F7D0-458B-AEB1-88F36C1DCC9B}" srcOrd="2" destOrd="0" parTransId="{395CF524-AC1D-4E72-A1BD-16D8B39E7530}" sibTransId="{47B01F7C-6179-4482-8701-9A07A89D779E}"/>
-    <dgm:cxn modelId="{8DFF85C7-89BF-4185-A1A8-802B62F42F9F}" type="presOf" srcId="{CF4F6786-0163-44E8-A7A2-DFEB228CDE01}" destId="{074DB80F-68BF-4581-AF84-D0386B780F14}" srcOrd="0" destOrd="5" presId="urn:microsoft.com/office/officeart/2009/3/layout/StepUpProcess"/>
-    <dgm:cxn modelId="{D0D5B7E0-C92C-4B9E-9816-357ED6E27279}" type="presOf" srcId="{13FBA582-C461-4BAD-99B9-26AE7DA54835}" destId="{074DB80F-68BF-4581-AF84-D0386B780F14}" srcOrd="0" destOrd="8" presId="urn:microsoft.com/office/officeart/2009/3/layout/StepUpProcess"/>
-    <dgm:cxn modelId="{27ACC6B0-7789-4841-9A6F-B22539B9A744}" srcId="{01F32B2A-131E-4E9C-A1D5-1461015E0B2C}" destId="{DA143095-1394-4517-9AD3-54285DD8A43B}" srcOrd="2" destOrd="0" parTransId="{6210CABA-2451-4C98-9705-462D0DB659AE}" sibTransId="{36D015D5-5AD9-461D-832A-6EA994E789B8}"/>
-    <dgm:cxn modelId="{40F0A875-0765-4769-8E84-FF710BEDC598}" srcId="{9F2B29A3-676C-48AE-825C-3DC60DBF2AE2}" destId="{2E844D7E-8FE8-4447-9546-5BF641386BE4}" srcOrd="2" destOrd="0" parTransId="{59DF7492-F831-4A41-9DBF-A863285816D7}" sibTransId="{EB6B44AC-7AB4-40A2-AC5F-711AEE692A6B}"/>
     <dgm:cxn modelId="{52184B58-EAFF-42F7-AE45-073BF2481115}" type="presParOf" srcId="{B8CD9E79-3CCF-4E7E-8116-56B764458029}" destId="{CFBD1DC5-E9B3-4ADF-B430-C3CC6449018F}" srcOrd="0" destOrd="0" presId="urn:microsoft.com/office/officeart/2009/3/layout/StepUpProcess"/>
     <dgm:cxn modelId="{61589B01-A5E3-48B5-8D24-595BCF134110}" type="presParOf" srcId="{CFBD1DC5-E9B3-4ADF-B430-C3CC6449018F}" destId="{96BAAB4C-475F-4B8D-8BB8-95B0A9B849EF}" srcOrd="0" destOrd="0" presId="urn:microsoft.com/office/officeart/2009/3/layout/StepUpProcess"/>
     <dgm:cxn modelId="{8480CCCD-A33E-4D6C-AD5C-9B6944EF7FAD}" type="presParOf" srcId="{CFBD1DC5-E9B3-4ADF-B430-C3CC6449018F}" destId="{5C43E3DF-F0B8-40ED-80D3-88AAF8CEA4CB}" srcOrd="1" destOrd="0" presId="urn:microsoft.com/office/officeart/2009/3/layout/StepUpProcess"/>
@@ -2589,7 +2542,7 @@
         </a:bodyPr>
         <a:lstStyle/>
         <a:p>
-          <a:pPr lvl="0" algn="l" defTabSz="488950">
+          <a:pPr marL="0" lvl="0" indent="0" algn="l" defTabSz="488950">
             <a:lnSpc>
               <a:spcPct val="90000"/>
             </a:lnSpc>
@@ -2599,6 +2552,7 @@
             <a:spcAft>
               <a:spcPct val="35000"/>
             </a:spcAft>
+            <a:buNone/>
           </a:pPr>
           <a:r>
             <a:rPr lang="en-US" sz="1100" b="1" kern="1200" dirty="0">
@@ -2827,7 +2781,7 @@
         </a:bodyPr>
         <a:lstStyle/>
         <a:p>
-          <a:pPr lvl="0" algn="l" defTabSz="488950">
+          <a:pPr marL="0" lvl="0" indent="0" algn="l" defTabSz="488950">
             <a:lnSpc>
               <a:spcPct val="90000"/>
             </a:lnSpc>
@@ -2837,6 +2791,7 @@
             <a:spcAft>
               <a:spcPct val="35000"/>
             </a:spcAft>
+            <a:buNone/>
           </a:pPr>
           <a:r>
             <a:rPr lang="en-US" sz="1100" b="1" kern="1200" dirty="0">
@@ -2856,7 +2811,7 @@
             <a:spcAft>
               <a:spcPct val="15000"/>
             </a:spcAft>
-            <a:buChar char="••"/>
+            <a:buChar char="•"/>
           </a:pPr>
           <a:r>
             <a:rPr lang="en-US" sz="1100" b="0" kern="1200" dirty="0">
@@ -2876,7 +2831,7 @@
             <a:spcAft>
               <a:spcPct val="15000"/>
             </a:spcAft>
-            <a:buChar char="••"/>
+            <a:buChar char="•"/>
           </a:pPr>
           <a:r>
             <a:rPr lang="en-US" sz="1100" b="0" kern="1200" dirty="0">
@@ -2896,7 +2851,7 @@
             <a:spcAft>
               <a:spcPct val="15000"/>
             </a:spcAft>
-            <a:buChar char="••"/>
+            <a:buChar char="•"/>
           </a:pPr>
           <a:r>
             <a:rPr lang="en-US" sz="1100" b="0" kern="1200" dirty="0">
@@ -2916,7 +2871,7 @@
             <a:spcAft>
               <a:spcPct val="15000"/>
             </a:spcAft>
-            <a:buChar char="••"/>
+            <a:buChar char="•"/>
           </a:pPr>
           <a:r>
             <a:rPr lang="en-US" sz="1100" b="0" kern="1200" dirty="0">
@@ -2936,7 +2891,7 @@
             <a:spcAft>
               <a:spcPct val="15000"/>
             </a:spcAft>
-            <a:buChar char="••"/>
+            <a:buChar char="•"/>
           </a:pPr>
           <a:r>
             <a:rPr lang="en-US" sz="1100" b="0" kern="1200" dirty="0">
@@ -2956,7 +2911,7 @@
             <a:spcAft>
               <a:spcPct val="15000"/>
             </a:spcAft>
-            <a:buChar char="••"/>
+            <a:buChar char="•"/>
           </a:pPr>
           <a:r>
             <a:rPr lang="en-US" sz="1100" b="0" kern="1200" dirty="0">
@@ -2976,7 +2931,7 @@
             <a:spcAft>
               <a:spcPct val="15000"/>
             </a:spcAft>
-            <a:buChar char="••"/>
+            <a:buChar char="•"/>
           </a:pPr>
           <a:r>
             <a:rPr lang="en-US" sz="1100" b="0" kern="1200" dirty="0">
@@ -2996,7 +2951,7 @@
             <a:spcAft>
               <a:spcPct val="15000"/>
             </a:spcAft>
-            <a:buChar char="••"/>
+            <a:buChar char="•"/>
           </a:pPr>
           <a:r>
             <a:rPr lang="en-US" sz="1100" b="0" kern="1200" dirty="0">
@@ -3225,7 +3180,7 @@
         </a:bodyPr>
         <a:lstStyle/>
         <a:p>
-          <a:pPr lvl="0" algn="l" defTabSz="488950">
+          <a:pPr marL="0" lvl="0" indent="0" algn="l" defTabSz="488950">
             <a:lnSpc>
               <a:spcPct val="90000"/>
             </a:lnSpc>
@@ -3235,6 +3190,7 @@
             <a:spcAft>
               <a:spcPct val="35000"/>
             </a:spcAft>
+            <a:buNone/>
           </a:pPr>
           <a:r>
             <a:rPr lang="en-US" sz="1100" b="1" kern="1200" dirty="0">
@@ -3254,7 +3210,7 @@
             <a:spcAft>
               <a:spcPct val="15000"/>
             </a:spcAft>
-            <a:buChar char="••"/>
+            <a:buChar char="•"/>
           </a:pPr>
           <a:r>
             <a:rPr lang="en-US" sz="1100" b="0" kern="1200" dirty="0">
@@ -3274,7 +3230,7 @@
             <a:spcAft>
               <a:spcPct val="15000"/>
             </a:spcAft>
-            <a:buChar char="••"/>
+            <a:buChar char="•"/>
           </a:pPr>
           <a:r>
             <a:rPr lang="en-US" sz="1100" b="0" kern="1200" dirty="0">
@@ -3294,7 +3250,7 @@
             <a:spcAft>
               <a:spcPct val="15000"/>
             </a:spcAft>
-            <a:buChar char="••"/>
+            <a:buChar char="•"/>
           </a:pPr>
           <a:r>
             <a:rPr lang="en-US" sz="1100" b="0" kern="1200">
@@ -3526,7 +3482,7 @@
         </a:bodyPr>
         <a:lstStyle/>
         <a:p>
-          <a:pPr lvl="0" algn="l" defTabSz="488950">
+          <a:pPr marL="0" lvl="0" indent="0" algn="l" defTabSz="488950">
             <a:lnSpc>
               <a:spcPct val="90000"/>
             </a:lnSpc>
@@ -3536,6 +3492,7 @@
             <a:spcAft>
               <a:spcPct val="35000"/>
             </a:spcAft>
+            <a:buNone/>
           </a:pPr>
           <a:r>
             <a:rPr lang="en-US" sz="1100" b="1" kern="1200" dirty="0">
@@ -3555,7 +3512,7 @@
             <a:spcAft>
               <a:spcPct val="15000"/>
             </a:spcAft>
-            <a:buChar char="••"/>
+            <a:buChar char="•"/>
           </a:pPr>
           <a:r>
             <a:rPr lang="en-US" sz="1100" b="0" kern="1200" dirty="0">
@@ -3575,7 +3532,7 @@
             <a:spcAft>
               <a:spcPct val="15000"/>
             </a:spcAft>
-            <a:buChar char="••"/>
+            <a:buChar char="•"/>
           </a:pPr>
           <a:r>
             <a:rPr lang="en-US" sz="1100" b="0" kern="1200" dirty="0">
@@ -3595,7 +3552,7 @@
             <a:spcAft>
               <a:spcPct val="15000"/>
             </a:spcAft>
-            <a:buChar char="••"/>
+            <a:buChar char="•"/>
           </a:pPr>
           <a:r>
             <a:rPr lang="en-US" sz="1100" b="0" kern="1200" dirty="0">
@@ -3824,7 +3781,7 @@
         </a:bodyPr>
         <a:lstStyle/>
         <a:p>
-          <a:pPr lvl="0" algn="l" defTabSz="488950">
+          <a:pPr marL="0" lvl="0" indent="0" algn="l" defTabSz="488950">
             <a:lnSpc>
               <a:spcPct val="90000"/>
             </a:lnSpc>
@@ -3834,6 +3791,7 @@
             <a:spcAft>
               <a:spcPct val="35000"/>
             </a:spcAft>
+            <a:buNone/>
           </a:pPr>
           <a:r>
             <a:rPr lang="en-US" sz="1100" b="1" kern="1200" dirty="0">
@@ -3853,7 +3811,7 @@
             <a:spcAft>
               <a:spcPct val="15000"/>
             </a:spcAft>
-            <a:buChar char="••"/>
+            <a:buChar char="•"/>
           </a:pPr>
           <a:r>
             <a:rPr lang="en-US" sz="1100" b="0" kern="1200" dirty="0">
@@ -4082,7 +4040,7 @@
         </a:bodyPr>
         <a:lstStyle/>
         <a:p>
-          <a:pPr lvl="0" algn="l" defTabSz="488950">
+          <a:pPr marL="0" lvl="0" indent="0" algn="l" defTabSz="488950">
             <a:lnSpc>
               <a:spcPct val="90000"/>
             </a:lnSpc>
@@ -4092,6 +4050,7 @@
             <a:spcAft>
               <a:spcPct val="35000"/>
             </a:spcAft>
+            <a:buNone/>
           </a:pPr>
           <a:r>
             <a:rPr lang="en-US" sz="1100" b="1" kern="1200" dirty="0">
@@ -4111,7 +4070,7 @@
             <a:spcAft>
               <a:spcPct val="15000"/>
             </a:spcAft>
-            <a:buChar char="••"/>
+            <a:buChar char="•"/>
           </a:pPr>
           <a:r>
             <a:rPr lang="en-US" sz="1100" b="0" kern="1200" dirty="0">
@@ -4131,7 +4090,7 @@
             <a:spcAft>
               <a:spcPct val="15000"/>
             </a:spcAft>
-            <a:buChar char="••"/>
+            <a:buChar char="•"/>
           </a:pPr>
           <a:r>
             <a:rPr lang="en-US" sz="1100" b="0" kern="1200" dirty="0">
@@ -4151,7 +4110,7 @@
             <a:spcAft>
               <a:spcPct val="15000"/>
             </a:spcAft>
-            <a:buChar char="••"/>
+            <a:buChar char="•"/>
           </a:pPr>
           <a:r>
             <a:rPr lang="en-US" sz="1100" b="0" kern="1200">
@@ -4174,7 +4133,7 @@
             <a:spcAft>
               <a:spcPct val="15000"/>
             </a:spcAft>
-            <a:buChar char="••"/>
+            <a:buChar char="•"/>
           </a:pPr>
           <a:endParaRPr lang="en-US" sz="1100" b="0" kern="1200" dirty="0">
             <a:solidFill>
@@ -4403,7 +4362,7 @@
         </a:bodyPr>
         <a:lstStyle/>
         <a:p>
-          <a:pPr lvl="0" algn="l" defTabSz="488950">
+          <a:pPr marL="0" lvl="0" indent="0" algn="l" defTabSz="488950">
             <a:lnSpc>
               <a:spcPct val="90000"/>
             </a:lnSpc>
@@ -4413,6 +4372,7 @@
             <a:spcAft>
               <a:spcPct val="35000"/>
             </a:spcAft>
+            <a:buNone/>
           </a:pPr>
           <a:r>
             <a:rPr lang="en-US" sz="1100" b="1" kern="1200" dirty="0">
@@ -4432,7 +4392,7 @@
             <a:spcAft>
               <a:spcPct val="15000"/>
             </a:spcAft>
-            <a:buChar char="••"/>
+            <a:buChar char="•"/>
           </a:pPr>
           <a:r>
             <a:rPr lang="en-US" sz="1100" b="0" kern="1200" dirty="0">
@@ -4452,7 +4412,7 @@
             <a:spcAft>
               <a:spcPct val="15000"/>
             </a:spcAft>
-            <a:buChar char="••"/>
+            <a:buChar char="•"/>
           </a:pPr>
           <a:r>
             <a:rPr lang="en-US" sz="1100" b="0" kern="1200" dirty="0">
@@ -4472,7 +4432,7 @@
             <a:spcAft>
               <a:spcPct val="15000"/>
             </a:spcAft>
-            <a:buChar char="••"/>
+            <a:buChar char="•"/>
           </a:pPr>
           <a:r>
             <a:rPr lang="en-US" sz="1100" b="0" kern="1200" dirty="0">
@@ -4492,7 +4452,7 @@
             <a:spcAft>
               <a:spcPct val="15000"/>
             </a:spcAft>
-            <a:buChar char="••"/>
+            <a:buChar char="•"/>
           </a:pPr>
           <a:r>
             <a:rPr lang="en-US" sz="1100" b="0" kern="1200" dirty="0">
@@ -5879,7 +5839,7 @@
           <a:p>
             <a:fld id="{074B6824-7023-4228-BB04-DF38B9F7BAD4}" type="datetimeFigureOut">
               <a:rPr lang="en-US" smtClean="0"/>
-              <a:t>6/6/2022</a:t>
+              <a:t>6/7/2022</a:t>
             </a:fld>
             <a:endParaRPr lang="en-US"/>
           </a:p>
@@ -6426,7 +6386,7 @@
           <a:p>
             <a:fld id="{9ED73DBF-282D-4756-9D64-E939A17BC891}" type="slidenum">
               <a:rPr lang="en-US" smtClean="0"/>
-              <a:t>13</a:t>
+              <a:t>15</a:t>
             </a:fld>
             <a:endParaRPr lang="en-US"/>
           </a:p>
@@ -6518,7 +6478,7 @@
           <a:p>
             <a:fld id="{372B4D55-8C27-4C2C-B1CD-E79AEC43B316}" type="slidenum">
               <a:rPr lang="en-US" smtClean="0"/>
-              <a:t>15</a:t>
+              <a:t>17</a:t>
             </a:fld>
             <a:endParaRPr lang="en-US"/>
           </a:p>
@@ -6619,7 +6579,7 @@
           <a:p>
             <a:fld id="{372B4D55-8C27-4C2C-B1CD-E79AEC43B316}" type="slidenum">
               <a:rPr lang="en-US" smtClean="0"/>
-              <a:t>19</a:t>
+              <a:t>21</a:t>
             </a:fld>
             <a:endParaRPr lang="en-US"/>
           </a:p>
@@ -6755,7 +6715,7 @@
           <a:p>
             <a:fld id="{795E7D87-CD48-43C8-A7EA-8D4BB480ED50}" type="slidenum">
               <a:rPr lang="en-US" smtClean="0"/>
-              <a:t>21</a:t>
+              <a:t>23</a:t>
             </a:fld>
             <a:endParaRPr lang="en-US"/>
           </a:p>
@@ -6856,7 +6816,7 @@
           <a:p>
             <a:fld id="{795E7D87-CD48-43C8-A7EA-8D4BB480ED50}" type="slidenum">
               <a:rPr lang="en-US" smtClean="0"/>
-              <a:t>25</a:t>
+              <a:t>27</a:t>
             </a:fld>
             <a:endParaRPr lang="en-US"/>
           </a:p>
@@ -6957,7 +6917,7 @@
           <a:p>
             <a:fld id="{795E7D87-CD48-43C8-A7EA-8D4BB480ED50}" type="slidenum">
               <a:rPr lang="en-US" smtClean="0"/>
-              <a:t>26</a:t>
+              <a:t>28</a:t>
             </a:fld>
             <a:endParaRPr lang="en-US"/>
           </a:p>
@@ -7041,7 +7001,7 @@
           <a:p>
             <a:fld id="{372B4D55-8C27-4C2C-B1CD-E79AEC43B316}" type="slidenum">
               <a:rPr lang="en-US" smtClean="0"/>
-              <a:t>28</a:t>
+              <a:t>30</a:t>
             </a:fld>
             <a:endParaRPr lang="en-US"/>
           </a:p>
@@ -7726,7 +7686,7 @@
           <a:p>
             <a:fld id="{372B4D55-8C27-4C2C-B1CD-E79AEC43B316}" type="slidenum">
               <a:rPr lang="en-US" smtClean="0"/>
-              <a:t>9</a:t>
+              <a:t>11</a:t>
             </a:fld>
             <a:endParaRPr lang="en-US"/>
           </a:p>
@@ -7818,7 +7778,7 @@
           <a:p>
             <a:fld id="{372B4D55-8C27-4C2C-B1CD-E79AEC43B316}" type="slidenum">
               <a:rPr lang="en-US" smtClean="0"/>
-              <a:t>10</a:t>
+              <a:t>12</a:t>
             </a:fld>
             <a:endParaRPr lang="en-US"/>
           </a:p>
@@ -7907,7 +7867,7 @@
                 </a:solidFill>
               </a:rPr>
               <a:pPr/>
-              <a:t>11</a:t>
+              <a:t>13</a:t>
             </a:fld>
             <a:endParaRPr lang="en-US">
               <a:solidFill>
@@ -8012,7 +7972,7 @@
           <a:p>
             <a:fld id="{795E7D87-CD48-43C8-A7EA-8D4BB480ED50}" type="slidenum">
               <a:rPr lang="en-US" smtClean="0"/>
-              <a:t>12</a:t>
+              <a:t>14</a:t>
             </a:fld>
             <a:endParaRPr lang="en-US"/>
           </a:p>
@@ -8160,7 +8120,7 @@
           <a:p>
             <a:fld id="{48D8CAB9-F02B-405D-B26E-A393DAA55285}" type="datetimeFigureOut">
               <a:rPr lang="en-US" smtClean="0"/>
-              <a:t>6/6/2022</a:t>
+              <a:t>6/7/2022</a:t>
             </a:fld>
             <a:endParaRPr lang="en-US"/>
           </a:p>
@@ -8352,7 +8312,7 @@
           <a:p>
             <a:fld id="{48D8CAB9-F02B-405D-B26E-A393DAA55285}" type="datetimeFigureOut">
               <a:rPr lang="en-US" smtClean="0"/>
-              <a:t>6/6/2022</a:t>
+              <a:t>6/7/2022</a:t>
             </a:fld>
             <a:endParaRPr lang="en-US"/>
           </a:p>
@@ -8530,7 +8490,7 @@
           <a:p>
             <a:fld id="{48D8CAB9-F02B-405D-B26E-A393DAA55285}" type="datetimeFigureOut">
               <a:rPr lang="en-US" smtClean="0"/>
-              <a:t>6/6/2022</a:t>
+              <a:t>6/7/2022</a:t>
             </a:fld>
             <a:endParaRPr lang="en-US"/>
           </a:p>
@@ -8698,7 +8658,7 @@
           <a:p>
             <a:fld id="{48D8CAB9-F02B-405D-B26E-A393DAA55285}" type="datetimeFigureOut">
               <a:rPr lang="en-US" smtClean="0"/>
-              <a:t>6/6/2022</a:t>
+              <a:t>6/7/2022</a:t>
             </a:fld>
             <a:endParaRPr lang="en-US"/>
           </a:p>
@@ -8943,7 +8903,7 @@
           <a:p>
             <a:fld id="{48D8CAB9-F02B-405D-B26E-A393DAA55285}" type="datetimeFigureOut">
               <a:rPr lang="en-US" smtClean="0"/>
-              <a:t>6/6/2022</a:t>
+              <a:t>6/7/2022</a:t>
             </a:fld>
             <a:endParaRPr lang="en-US"/>
           </a:p>
@@ -9172,7 +9132,7 @@
           <a:p>
             <a:fld id="{48D8CAB9-F02B-405D-B26E-A393DAA55285}" type="datetimeFigureOut">
               <a:rPr lang="en-US" smtClean="0"/>
-              <a:t>6/6/2022</a:t>
+              <a:t>6/7/2022</a:t>
             </a:fld>
             <a:endParaRPr lang="en-US"/>
           </a:p>
@@ -9536,7 +9496,7 @@
           <a:p>
             <a:fld id="{48D8CAB9-F02B-405D-B26E-A393DAA55285}" type="datetimeFigureOut">
               <a:rPr lang="en-US" smtClean="0"/>
-              <a:t>6/6/2022</a:t>
+              <a:t>6/7/2022</a:t>
             </a:fld>
             <a:endParaRPr lang="en-US"/>
           </a:p>
@@ -9653,7 +9613,7 @@
           <a:p>
             <a:fld id="{48D8CAB9-F02B-405D-B26E-A393DAA55285}" type="datetimeFigureOut">
               <a:rPr lang="en-US" smtClean="0"/>
-              <a:t>6/6/2022</a:t>
+              <a:t>6/7/2022</a:t>
             </a:fld>
             <a:endParaRPr lang="en-US"/>
           </a:p>
@@ -9748,7 +9708,7 @@
           <a:p>
             <a:fld id="{48D8CAB9-F02B-405D-B26E-A393DAA55285}" type="datetimeFigureOut">
               <a:rPr lang="en-US" smtClean="0"/>
-              <a:t>6/6/2022</a:t>
+              <a:t>6/7/2022</a:t>
             </a:fld>
             <a:endParaRPr lang="en-US"/>
           </a:p>
@@ -10023,7 +9983,7 @@
           <a:p>
             <a:fld id="{48D8CAB9-F02B-405D-B26E-A393DAA55285}" type="datetimeFigureOut">
               <a:rPr lang="en-US" smtClean="0"/>
-              <a:t>6/6/2022</a:t>
+              <a:t>6/7/2022</a:t>
             </a:fld>
             <a:endParaRPr lang="en-US"/>
           </a:p>
@@ -10275,7 +10235,7 @@
           <a:p>
             <a:fld id="{48D8CAB9-F02B-405D-B26E-A393DAA55285}" type="datetimeFigureOut">
               <a:rPr lang="en-US" smtClean="0"/>
-              <a:t>6/6/2022</a:t>
+              <a:t>6/7/2022</a:t>
             </a:fld>
             <a:endParaRPr lang="en-US"/>
           </a:p>
@@ -10486,7 +10446,7 @@
           <a:p>
             <a:fld id="{48D8CAB9-F02B-405D-B26E-A393DAA55285}" type="datetimeFigureOut">
               <a:rPr lang="en-US" smtClean="0"/>
-              <a:t>6/6/2022</a:t>
+              <a:t>6/7/2022</a:t>
             </a:fld>
             <a:endParaRPr lang="en-US"/>
           </a:p>
@@ -10919,23 +10879,7 @@
                   <a:srgbClr val="0070C0"/>
                 </a:solidFill>
               </a:rPr>
-              <a:t>Leveraging </a:t>
-            </a:r>
-            <a:r>
-              <a:rPr lang="en-US" sz="4800" dirty="0" smtClean="0">
-                <a:solidFill>
-                  <a:srgbClr val="0070C0"/>
-                </a:solidFill>
-              </a:rPr>
-              <a:t>the OUHSC</a:t>
-            </a:r>
-            <a:r>
-              <a:rPr lang="en-US" sz="4800" dirty="0">
-                <a:solidFill>
-                  <a:srgbClr val="0070C0"/>
-                </a:solidFill>
-              </a:rPr>
-              <a:t/>
+              <a:t>Leveraging the OUHSC</a:t>
             </a:r>
             <a:br>
               <a:rPr lang="en-US" sz="4800" dirty="0">
@@ -11010,12 +10954,8 @@
           </a:p>
           <a:p>
             <a:r>
-              <a:rPr lang="en-US" sz="2200" dirty="0" smtClean="0"/>
-              <a:t>David </a:t>
-            </a:r>
-            <a:r>
               <a:rPr lang="en-US" sz="2200" dirty="0"/>
-              <a:t>Bard, PhD</a:t>
+              <a:t>David Bard, PhD</a:t>
             </a:r>
           </a:p>
           <a:p>
@@ -11032,10 +10972,9 @@
           </a:p>
           <a:p>
             <a:r>
-              <a:rPr lang="en-US" sz="2200" dirty="0" smtClean="0"/>
+              <a:rPr lang="en-US" sz="2200" dirty="0"/>
               <a:t>June 2022</a:t>
             </a:r>
-            <a:endParaRPr lang="en-US" sz="2200" dirty="0"/>
           </a:p>
           <a:p>
             <a:endParaRPr lang="en-US" dirty="0"/>
@@ -11342,6 +11281,465 @@
       </p:grpSpPr>
       <p:sp>
         <p:nvSpPr>
+          <p:cNvPr id="2" name="Title 1"/>
+          <p:cNvSpPr>
+            <a:spLocks noGrp="1"/>
+          </p:cNvSpPr>
+          <p:nvPr>
+            <p:ph type="title"/>
+          </p:nvPr>
+        </p:nvSpPr>
+        <p:spPr>
+          <a:xfrm>
+            <a:off x="793750" y="320675"/>
+            <a:ext cx="10515600" cy="600075"/>
+          </a:xfrm>
+        </p:spPr>
+        <p:txBody>
+          <a:bodyPr>
+            <a:noAutofit/>
+          </a:bodyPr>
+          <a:lstStyle/>
+          <a:p>
+            <a:r>
+              <a:rPr lang="en-US" sz="3200" b="1" i="1" dirty="0">
+                <a:solidFill>
+                  <a:srgbClr val="0070C0"/>
+                </a:solidFill>
+              </a:rPr>
+              <a:t>Encouraging Secure Data Practices</a:t>
+            </a:r>
+          </a:p>
+        </p:txBody>
+      </p:sp>
+      <p:sp>
+        <p:nvSpPr>
+          <p:cNvPr id="6" name="Content Placeholder 5"/>
+          <p:cNvSpPr>
+            <a:spLocks noGrp="1"/>
+          </p:cNvSpPr>
+          <p:nvPr>
+            <p:ph idx="1"/>
+          </p:nvPr>
+        </p:nvSpPr>
+        <p:spPr>
+          <a:xfrm>
+            <a:off x="139700" y="1060449"/>
+            <a:ext cx="11722100" cy="5727701"/>
+          </a:xfrm>
+        </p:spPr>
+        <p:txBody>
+          <a:bodyPr>
+            <a:normAutofit lnSpcReduction="10000"/>
+          </a:bodyPr>
+          <a:lstStyle/>
+          <a:p>
+            <a:pPr marL="0" indent="0">
+              <a:buNone/>
+            </a:pPr>
+            <a:r>
+              <a:rPr lang="en-US" dirty="0">
+                <a:solidFill>
+                  <a:srgbClr val="000000"/>
+                </a:solidFill>
+              </a:rPr>
+              <a:t>Our goal is to deliver the data extracts to researchers in a way that makes it easy for them to follow best practices.</a:t>
+            </a:r>
+          </a:p>
+          <a:p>
+            <a:endParaRPr lang="en-US" dirty="0">
+              <a:solidFill>
+                <a:srgbClr val="000000"/>
+              </a:solidFill>
+            </a:endParaRPr>
+          </a:p>
+          <a:p>
+            <a:pPr marL="0" indent="0">
+              <a:buNone/>
+            </a:pPr>
+            <a:r>
+              <a:rPr lang="en-US" dirty="0">
+                <a:solidFill>
+                  <a:srgbClr val="000000"/>
+                </a:solidFill>
+              </a:rPr>
+              <a:t>Delivery of PHI, depending on the dataset and researcher</a:t>
+            </a:r>
+          </a:p>
+          <a:p>
+            <a:pPr lvl="1"/>
+            <a:r>
+              <a:rPr lang="en-US" u="sng" dirty="0">
+                <a:solidFill>
+                  <a:srgbClr val="000000"/>
+                </a:solidFill>
+              </a:rPr>
+              <a:t>SFT</a:t>
+            </a:r>
+            <a:r>
+              <a:rPr lang="en-US" dirty="0">
+                <a:solidFill>
+                  <a:srgbClr val="000000"/>
+                </a:solidFill>
+              </a:rPr>
+              <a:t> for one-time transfers</a:t>
+            </a:r>
+          </a:p>
+          <a:p>
+            <a:pPr lvl="1"/>
+            <a:r>
+              <a:rPr lang="en-US" u="sng" dirty="0">
+                <a:solidFill>
+                  <a:srgbClr val="000000"/>
+                </a:solidFill>
+              </a:rPr>
+              <a:t>HSC file servers</a:t>
+            </a:r>
+            <a:r>
+              <a:rPr lang="en-US" dirty="0">
+                <a:solidFill>
+                  <a:srgbClr val="000000"/>
+                </a:solidFill>
+              </a:rPr>
+              <a:t> for recurring transfers</a:t>
+            </a:r>
+          </a:p>
+          <a:p>
+            <a:pPr lvl="1"/>
+            <a:r>
+              <a:rPr lang="en-US" u="sng" dirty="0">
+                <a:solidFill>
+                  <a:srgbClr val="000000"/>
+                </a:solidFill>
+              </a:rPr>
+              <a:t>REDCap</a:t>
+            </a:r>
+            <a:r>
+              <a:rPr lang="en-US" dirty="0">
+                <a:solidFill>
+                  <a:srgbClr val="000000"/>
+                </a:solidFill>
+              </a:rPr>
+              <a:t> for recruiting projects (users manually enter data as we refresh info daily)</a:t>
+            </a:r>
+          </a:p>
+          <a:p>
+            <a:pPr lvl="1"/>
+            <a:r>
+              <a:rPr lang="en-US" dirty="0">
+                <a:solidFill>
+                  <a:srgbClr val="000000"/>
+                </a:solidFill>
+              </a:rPr>
+              <a:t>Never email</a:t>
+            </a:r>
+          </a:p>
+          <a:p>
+            <a:endParaRPr lang="en-US" dirty="0">
+              <a:solidFill>
+                <a:srgbClr val="000000"/>
+              </a:solidFill>
+            </a:endParaRPr>
+          </a:p>
+          <a:p>
+            <a:pPr marL="0" indent="0">
+              <a:buNone/>
+            </a:pPr>
+            <a:r>
+              <a:rPr lang="en-US" dirty="0">
+                <a:solidFill>
+                  <a:srgbClr val="000000"/>
+                </a:solidFill>
+              </a:rPr>
+              <a:t>Common mitigations include</a:t>
+            </a:r>
+          </a:p>
+          <a:p>
+            <a:pPr lvl="1"/>
+            <a:r>
+              <a:rPr lang="en-US" dirty="0">
+                <a:solidFill>
+                  <a:srgbClr val="000000"/>
+                </a:solidFill>
+              </a:rPr>
+              <a:t>Withholding PHI fields</a:t>
+            </a:r>
+          </a:p>
+          <a:p>
+            <a:pPr lvl="1"/>
+            <a:r>
+              <a:rPr lang="en-US" dirty="0">
+                <a:solidFill>
+                  <a:srgbClr val="000000"/>
+                </a:solidFill>
+              </a:rPr>
+              <a:t>Obfuscating PHI fields (</a:t>
+            </a:r>
+            <a:r>
+              <a:rPr lang="en-US" i="1" dirty="0">
+                <a:solidFill>
+                  <a:srgbClr val="000000"/>
+                </a:solidFill>
+              </a:rPr>
+              <a:t>e.g.</a:t>
+            </a:r>
+            <a:r>
+              <a:rPr lang="en-US" dirty="0">
+                <a:solidFill>
+                  <a:srgbClr val="000000"/>
+                </a:solidFill>
+              </a:rPr>
+              <a:t>, birth year instead of birth date)</a:t>
+            </a:r>
+          </a:p>
+          <a:p>
+            <a:pPr lvl="1"/>
+            <a:r>
+              <a:rPr lang="en-US" dirty="0">
+                <a:solidFill>
+                  <a:srgbClr val="000000"/>
+                </a:solidFill>
+              </a:rPr>
+              <a:t>Pre-calculating fields to avoid PHI (</a:t>
+            </a:r>
+            <a:r>
+              <a:rPr lang="en-US" i="1" dirty="0">
+                <a:solidFill>
+                  <a:srgbClr val="000000"/>
+                </a:solidFill>
+              </a:rPr>
+              <a:t>e.g.</a:t>
+            </a:r>
+            <a:r>
+              <a:rPr lang="en-US" dirty="0">
+                <a:solidFill>
+                  <a:srgbClr val="000000"/>
+                </a:solidFill>
+              </a:rPr>
+              <a:t>, we calculate the age at visit, instead of sending visit &amp; birth dates)</a:t>
+            </a:r>
+          </a:p>
+        </p:txBody>
+      </p:sp>
+    </p:spTree>
+    <p:extLst>
+      <p:ext uri="{BB962C8B-B14F-4D97-AF65-F5344CB8AC3E}">
+        <p14:creationId xmlns:p14="http://schemas.microsoft.com/office/powerpoint/2010/main" val="4147606731"/>
+      </p:ext>
+    </p:extLst>
+  </p:cSld>
+  <p:clrMapOvr>
+    <a:masterClrMapping/>
+  </p:clrMapOvr>
+</p:sld>
+</file>
+
+<file path=ppt/slides/slide11.xml><?xml version="1.0" encoding="utf-8"?>
+<p:sld xmlns:a="http://schemas.openxmlformats.org/drawingml/2006/main" xmlns:r="http://schemas.openxmlformats.org/officeDocument/2006/relationships" xmlns:p="http://schemas.openxmlformats.org/presentationml/2006/main">
+  <p:cSld>
+    <p:spTree>
+      <p:nvGrpSpPr>
+        <p:cNvPr id="1" name=""/>
+        <p:cNvGrpSpPr/>
+        <p:nvPr/>
+      </p:nvGrpSpPr>
+      <p:grpSpPr>
+        <a:xfrm>
+          <a:off x="0" y="0"/>
+          <a:ext cx="0" cy="0"/>
+          <a:chOff x="0" y="0"/>
+          <a:chExt cx="0" cy="0"/>
+        </a:xfrm>
+      </p:grpSpPr>
+      <p:sp>
+        <p:nvSpPr>
+          <p:cNvPr id="2" name="Title 1"/>
+          <p:cNvSpPr>
+            <a:spLocks noGrp="1"/>
+          </p:cNvSpPr>
+          <p:nvPr>
+            <p:ph type="title"/>
+          </p:nvPr>
+        </p:nvSpPr>
+        <p:spPr>
+          <a:xfrm>
+            <a:off x="565151" y="70785"/>
+            <a:ext cx="10515600" cy="640416"/>
+          </a:xfrm>
+        </p:spPr>
+        <p:txBody>
+          <a:bodyPr>
+            <a:normAutofit/>
+          </a:bodyPr>
+          <a:lstStyle/>
+          <a:p>
+            <a:r>
+              <a:rPr lang="en-US" sz="3600" b="1" i="1" dirty="0">
+                <a:solidFill>
+                  <a:srgbClr val="0070C0"/>
+                </a:solidFill>
+              </a:rPr>
+              <a:t>N3C: National COVID Cohort Collaborative</a:t>
+            </a:r>
+          </a:p>
+        </p:txBody>
+      </p:sp>
+      <p:sp>
+        <p:nvSpPr>
+          <p:cNvPr id="3" name="Content Placeholder 2"/>
+          <p:cNvSpPr>
+            <a:spLocks noGrp="1"/>
+          </p:cNvSpPr>
+          <p:nvPr>
+            <p:ph idx="1"/>
+          </p:nvPr>
+        </p:nvSpPr>
+        <p:spPr>
+          <a:xfrm>
+            <a:off x="565151" y="1239139"/>
+            <a:ext cx="10814050" cy="5447411"/>
+          </a:xfrm>
+        </p:spPr>
+        <p:txBody>
+          <a:bodyPr>
+            <a:noAutofit/>
+          </a:bodyPr>
+          <a:lstStyle/>
+          <a:p>
+            <a:pPr marL="457200" lvl="1" indent="-457200">
+              <a:buFontTx/>
+              <a:buChar char="-"/>
+            </a:pPr>
+            <a:r>
+              <a:rPr lang="en-US" sz="2800" dirty="0"/>
+              <a:t>60+ US institutions from 20+ statues contribute EHR data in an OMOP model</a:t>
+            </a:r>
+          </a:p>
+          <a:p>
+            <a:pPr marL="457200" lvl="1" indent="-457200">
+              <a:buFontTx/>
+              <a:buChar char="-"/>
+            </a:pPr>
+            <a:endParaRPr lang="en-US" sz="2800" dirty="0"/>
+          </a:p>
+          <a:p>
+            <a:pPr marL="457200" lvl="1" indent="-457200">
+              <a:buFontTx/>
+              <a:buChar char="-"/>
+            </a:pPr>
+            <a:r>
+              <a:rPr lang="en-US" sz="2800" dirty="0"/>
+              <a:t>Datasets are accessible only through a browser to NIH’s cluster</a:t>
+            </a:r>
+          </a:p>
+          <a:p>
+            <a:pPr marL="914400" lvl="2" indent="-457200">
+              <a:buFontTx/>
+              <a:buChar char="-"/>
+            </a:pPr>
+            <a:r>
+              <a:rPr lang="en-US" sz="2400" dirty="0"/>
+              <a:t>Spark, Python, R</a:t>
+            </a:r>
+          </a:p>
+          <a:p>
+            <a:pPr marL="914400" lvl="2" indent="-457200">
+              <a:buFontTx/>
+              <a:buChar char="-"/>
+            </a:pPr>
+            <a:r>
+              <a:rPr lang="en-US" sz="2400" dirty="0"/>
+              <a:t>Lots of governance steps, but not as many as you’d think</a:t>
+            </a:r>
+          </a:p>
+          <a:p>
+            <a:pPr marL="914400" lvl="2" indent="-457200">
+              <a:buFontTx/>
+              <a:buChar char="-"/>
+            </a:pPr>
+            <a:endParaRPr lang="en-US" sz="2400" dirty="0"/>
+          </a:p>
+          <a:p>
+            <a:pPr marL="457200" lvl="1" indent="-457200">
+              <a:buFontTx/>
+              <a:buChar char="-"/>
+            </a:pPr>
+            <a:r>
+              <a:rPr lang="en-US" sz="2800" dirty="0"/>
+              <a:t>We believe this type of collaboration will be important in the future</a:t>
+            </a:r>
+          </a:p>
+          <a:p>
+            <a:pPr marL="457200" lvl="1" indent="-457200">
+              <a:buFontTx/>
+              <a:buChar char="-"/>
+            </a:pPr>
+            <a:endParaRPr lang="en-US" sz="2800" dirty="0"/>
+          </a:p>
+          <a:p>
+            <a:pPr marL="457200" lvl="1" indent="-457200">
+              <a:buFontTx/>
+              <a:buChar char="-"/>
+            </a:pPr>
+            <a:r>
+              <a:rPr lang="en-US" sz="2800" dirty="0"/>
+              <a:t>We’re recruiting OU collaborators</a:t>
+            </a:r>
+          </a:p>
+          <a:p>
+            <a:pPr marL="914400" lvl="2" indent="-457200">
+              <a:buFontTx/>
+              <a:buChar char="-"/>
+            </a:pPr>
+            <a:r>
+              <a:rPr lang="en-US" sz="2400" dirty="0"/>
+              <a:t>particularly statisticians, data scientists, and clinicians </a:t>
+            </a:r>
+          </a:p>
+          <a:p>
+            <a:pPr marL="914400" lvl="2" indent="-457200">
+              <a:buFontTx/>
+              <a:buChar char="-"/>
+            </a:pPr>
+            <a:r>
+              <a:rPr lang="en-US" sz="2400" dirty="0"/>
+              <a:t>tell us if anyone has a research question, or want to join an existing project</a:t>
+            </a:r>
+          </a:p>
+        </p:txBody>
+      </p:sp>
+    </p:spTree>
+    <p:extLst>
+      <p:ext uri="{BB962C8B-B14F-4D97-AF65-F5344CB8AC3E}">
+        <p14:creationId xmlns:p14="http://schemas.microsoft.com/office/powerpoint/2010/main" val="1806386402"/>
+      </p:ext>
+    </p:extLst>
+  </p:cSld>
+  <p:clrMapOvr>
+    <a:masterClrMapping/>
+  </p:clrMapOvr>
+</p:sld>
+</file>
+
+<file path=ppt/slides/slide12.xml><?xml version="1.0" encoding="utf-8"?>
+<p:sld xmlns:a="http://schemas.openxmlformats.org/drawingml/2006/main" xmlns:r="http://schemas.openxmlformats.org/officeDocument/2006/relationships" xmlns:p="http://schemas.openxmlformats.org/presentationml/2006/main">
+  <p:cSld>
+    <p:spTree>
+      <p:nvGrpSpPr>
+        <p:cNvPr id="1" name=""/>
+        <p:cNvGrpSpPr/>
+        <p:nvPr/>
+      </p:nvGrpSpPr>
+      <p:grpSpPr>
+        <a:xfrm>
+          <a:off x="0" y="0"/>
+          <a:ext cx="0" cy="0"/>
+          <a:chOff x="0" y="0"/>
+          <a:chExt cx="0" cy="0"/>
+        </a:xfrm>
+      </p:grpSpPr>
+      <p:sp>
+        <p:nvSpPr>
           <p:cNvPr id="8" name="Title 3"/>
           <p:cNvSpPr>
             <a:spLocks noGrp="1"/>
@@ -11368,23 +11766,7 @@
                   <a:srgbClr val="0070C0"/>
                 </a:solidFill>
               </a:rPr>
-              <a:t>Since 2017, the CRDW has provided support for more than </a:t>
-            </a:r>
-            <a:r>
-              <a:rPr lang="en-US" sz="3600" b="1" i="1" dirty="0" smtClean="0">
-                <a:solidFill>
-                  <a:srgbClr val="0070C0"/>
-                </a:solidFill>
-              </a:rPr>
-              <a:t>194 </a:t>
-            </a:r>
-            <a:r>
-              <a:rPr lang="en-US" sz="3600" b="1" i="1" dirty="0">
-                <a:solidFill>
-                  <a:srgbClr val="0070C0"/>
-                </a:solidFill>
-              </a:rPr>
-              <a:t>projects.</a:t>
+              <a:t>Since 2017, the CRDW has provided support for more than 194 projects.</a:t>
             </a:r>
           </a:p>
         </p:txBody>
@@ -11412,26 +11794,9 @@
           <a:lstStyle/>
           <a:p>
             <a:r>
-              <a:rPr lang="en-US" sz="2000" b="0" dirty="0" smtClean="0"/>
-              <a:t>We </a:t>
-            </a:r>
-            <a:r>
               <a:rPr lang="en-US" sz="2000" b="0" dirty="0"/>
-              <a:t>currently </a:t>
-            </a:r>
-            <a:r>
-              <a:rPr lang="en-US" sz="2000" b="0" dirty="0" smtClean="0"/>
-              <a:t>44 </a:t>
-            </a:r>
-            <a:r>
-              <a:rPr lang="en-US" sz="2000" b="0" dirty="0"/>
-              <a:t>active </a:t>
-            </a:r>
-            <a:r>
-              <a:rPr lang="en-US" sz="2000" b="0" dirty="0" smtClean="0"/>
-              <a:t>projects.</a:t>
-            </a:r>
-            <a:endParaRPr lang="en-US" sz="2000" b="0" dirty="0"/>
+              <a:t>We currently 44 active projects.</a:t>
+            </a:r>
           </a:p>
         </p:txBody>
       </p:sp>
@@ -11561,7 +11926,7 @@
 </p:sld>
 </file>
 
-<file path=ppt/slides/slide11.xml><?xml version="1.0" encoding="utf-8"?>
+<file path=ppt/slides/slide13.xml><?xml version="1.0" encoding="utf-8"?>
 <p:sld xmlns:a="http://schemas.openxmlformats.org/drawingml/2006/main" xmlns:r="http://schemas.openxmlformats.org/officeDocument/2006/relationships" xmlns:p="http://schemas.openxmlformats.org/presentationml/2006/main">
   <p:cSld>
     <p:spTree>
@@ -11642,12 +12007,8 @@
           </a:p>
           <a:p>
             <a:r>
-              <a:rPr lang="en-US" sz="2200" dirty="0" smtClean="0"/>
-              <a:t>David </a:t>
-            </a:r>
-            <a:r>
               <a:rPr lang="en-US" sz="2200" dirty="0"/>
-              <a:t>Bard, PhD</a:t>
+              <a:t>David Bard, PhD</a:t>
             </a:r>
           </a:p>
           <a:p>
@@ -11946,7 +12307,7 @@
 </p:sld>
 </file>
 
-<file path=ppt/slides/slide12.xml><?xml version="1.0" encoding="utf-8"?>
+<file path=ppt/slides/slide14.xml><?xml version="1.0" encoding="utf-8"?>
 <p:sld xmlns:a="http://schemas.openxmlformats.org/drawingml/2006/main" xmlns:r="http://schemas.openxmlformats.org/officeDocument/2006/relationships" xmlns:p="http://schemas.openxmlformats.org/presentationml/2006/main">
   <p:cSld>
     <p:spTree>
@@ -11987,7 +12348,7 @@
           <a:p>
             <a:pPr algn="ctr"/>
             <a:r>
-              <a:rPr lang="en-US" b="1" i="1" dirty="0" smtClean="0">
+              <a:rPr lang="en-US" b="1" i="1" dirty="0">
                 <a:solidFill>
                   <a:srgbClr val="0070C0"/>
                 </a:solidFill>
@@ -11995,7 +12356,7 @@
               <a:t>Contributing to </a:t>
             </a:r>
             <a:r>
-              <a:rPr lang="en-US" b="1" i="1" smtClean="0">
+              <a:rPr lang="en-US" b="1" i="1">
                 <a:solidFill>
                   <a:srgbClr val="0070C0"/>
                 </a:solidFill>
@@ -12036,26 +12397,9 @@
               <a:buNone/>
             </a:pPr>
             <a:r>
-              <a:rPr lang="en-US" dirty="0" smtClean="0"/>
-              <a:t>Regarding </a:t>
-            </a:r>
-            <a:r>
               <a:rPr lang="en-US" dirty="0"/>
-              <a:t>decisions around data that leave </a:t>
-            </a:r>
-            <a:r>
-              <a:rPr lang="en-US" dirty="0" smtClean="0"/>
-              <a:t>OU</a:t>
-            </a:r>
-            <a:r>
-              <a:rPr lang="en-US" dirty="0"/>
-              <a:t> </a:t>
-            </a:r>
-            <a:r>
-              <a:rPr lang="en-US" dirty="0" smtClean="0"/>
-              <a:t>…should there be policies involving</a:t>
-            </a:r>
-            <a:endParaRPr lang="en-US" dirty="0"/>
+              <a:t>Regarding decisions around data that leave OU …should there be policies involving</a:t>
+            </a:r>
           </a:p>
           <a:p>
             <a:pPr marL="0" indent="0">
@@ -12085,25 +12429,16 @@
             <a:pPr lvl="0"/>
             <a:r>
               <a:rPr lang="en-US" dirty="0"/>
-              <a:t>Not-for-profit requirement of the business </a:t>
-            </a:r>
-            <a:r>
-              <a:rPr lang="en-US" dirty="0" smtClean="0"/>
-              <a:t>associate </a:t>
-            </a:r>
-            <a:r>
-              <a:rPr lang="en-US" dirty="0" smtClean="0">
+              <a:t>Not-for-profit requirement of the business associate </a:t>
+            </a:r>
+            <a:r>
+              <a:rPr lang="en-US" dirty="0">
                 <a:solidFill>
                   <a:schemeClr val="accent6"/>
                 </a:solidFill>
               </a:rPr>
               <a:t>(Beasley doesn’t like this restriction)</a:t>
             </a:r>
-            <a:endParaRPr lang="en-US" dirty="0">
-              <a:solidFill>
-                <a:schemeClr val="accent6"/>
-              </a:solidFill>
-            </a:endParaRPr>
           </a:p>
           <a:p>
             <a:pPr marL="0" indent="0">
@@ -12122,7 +12457,7 @@
               <a:rPr lang="en-US" dirty="0"/>
               <a:t>Anything outside the stated review purview can still come to committee for recommendation before be passed to the OUH Leadership and data governance bodies </a:t>
             </a:r>
-            <a:endParaRPr lang="en-US" sz="2800" dirty="0" smtClean="0"/>
+            <a:endParaRPr lang="en-US" sz="2800" dirty="0"/>
           </a:p>
         </p:txBody>
       </p:sp>
@@ -12139,7 +12474,7 @@
 </p:sld>
 </file>
 
-<file path=ppt/slides/slide13.xml><?xml version="1.0" encoding="utf-8"?>
+<file path=ppt/slides/slide15.xml><?xml version="1.0" encoding="utf-8"?>
 <p:sld xmlns:a="http://schemas.openxmlformats.org/drawingml/2006/main" xmlns:r="http://schemas.openxmlformats.org/officeDocument/2006/relationships" xmlns:p="http://schemas.openxmlformats.org/presentationml/2006/main">
   <p:cSld>
     <p:spTree>
@@ -12615,7 +12950,7 @@
 </p:sld>
 </file>
 
-<file path=ppt/slides/slide14.xml><?xml version="1.0" encoding="utf-8"?>
+<file path=ppt/slides/slide16.xml><?xml version="1.0" encoding="utf-8"?>
 <p:sld xmlns:a="http://schemas.openxmlformats.org/drawingml/2006/main" xmlns:r="http://schemas.openxmlformats.org/officeDocument/2006/relationships" xmlns:p="http://schemas.openxmlformats.org/presentationml/2006/main">
   <p:cSld>
     <p:bg>
@@ -12698,7 +13033,7 @@
 </p:sld>
 </file>
 
-<file path=ppt/slides/slide15.xml><?xml version="1.0" encoding="utf-8"?>
+<file path=ppt/slides/slide17.xml><?xml version="1.0" encoding="utf-8"?>
 <p:sld xmlns:a="http://schemas.openxmlformats.org/drawingml/2006/main" xmlns:r="http://schemas.openxmlformats.org/officeDocument/2006/relationships" xmlns:p="http://schemas.openxmlformats.org/presentationml/2006/main">
   <p:cSld>
     <p:spTree>
@@ -16344,7 +16679,7 @@
 </p:sld>
 </file>
 
-<file path=ppt/slides/slide16.xml><?xml version="1.0" encoding="utf-8"?>
+<file path=ppt/slides/slide18.xml><?xml version="1.0" encoding="utf-8"?>
 <p:sld xmlns:a="http://schemas.openxmlformats.org/drawingml/2006/main" xmlns:r="http://schemas.openxmlformats.org/officeDocument/2006/relationships" xmlns:p="http://schemas.openxmlformats.org/presentationml/2006/main">
   <p:cSld>
     <p:spTree>
@@ -19849,7 +20184,7 @@
 </p:sld>
 </file>
 
-<file path=ppt/slides/slide17.xml><?xml version="1.0" encoding="utf-8"?>
+<file path=ppt/slides/slide19.xml><?xml version="1.0" encoding="utf-8"?>
 <p:sld xmlns:a="http://schemas.openxmlformats.org/drawingml/2006/main" xmlns:r="http://schemas.openxmlformats.org/officeDocument/2006/relationships" xmlns:p="http://schemas.openxmlformats.org/presentationml/2006/main">
   <p:cSld>
     <p:spTree>
@@ -22813,3423 +23148,6 @@
     <p:extLst>
       <p:ext uri="{BB962C8B-B14F-4D97-AF65-F5344CB8AC3E}">
         <p14:creationId xmlns:p14="http://schemas.microsoft.com/office/powerpoint/2010/main" val="2900937236"/>
-      </p:ext>
-    </p:extLst>
-  </p:cSld>
-  <p:clrMapOvr>
-    <a:masterClrMapping/>
-  </p:clrMapOvr>
-</p:sld>
-</file>
-
-<file path=ppt/slides/slide18.xml><?xml version="1.0" encoding="utf-8"?>
-<p:sld xmlns:a="http://schemas.openxmlformats.org/drawingml/2006/main" xmlns:r="http://schemas.openxmlformats.org/officeDocument/2006/relationships" xmlns:p="http://schemas.openxmlformats.org/presentationml/2006/main">
-  <p:cSld>
-    <p:spTree>
-      <p:nvGrpSpPr>
-        <p:cNvPr id="1" name=""/>
-        <p:cNvGrpSpPr/>
-        <p:nvPr/>
-      </p:nvGrpSpPr>
-      <p:grpSpPr>
-        <a:xfrm>
-          <a:off x="0" y="0"/>
-          <a:ext cx="0" cy="0"/>
-          <a:chOff x="0" y="0"/>
-          <a:chExt cx="0" cy="0"/>
-        </a:xfrm>
-      </p:grpSpPr>
-      <p:graphicFrame>
-        <p:nvGraphicFramePr>
-          <p:cNvPr id="4" name="Table 3"/>
-          <p:cNvGraphicFramePr>
-            <a:graphicFrameLocks noGrp="1"/>
-          </p:cNvGraphicFramePr>
-          <p:nvPr/>
-        </p:nvGraphicFramePr>
-        <p:xfrm>
-          <a:off x="381000" y="1345919"/>
-          <a:ext cx="5588000" cy="4867208"/>
-        </p:xfrm>
-        <a:graphic>
-          <a:graphicData uri="http://schemas.openxmlformats.org/drawingml/2006/table">
-            <a:tbl>
-              <a:tblPr>
-                <a:tableStyleId>{5C22544A-7EE6-4342-B048-85BDC9FD1C3A}</a:tableStyleId>
-              </a:tblPr>
-              <a:tblGrid>
-                <a:gridCol w="3384550">
-                  <a:extLst>
-                    <a:ext uri="{9D8B030D-6E8A-4147-A177-3AD203B41FA5}">
-                      <a16:colId xmlns:a16="http://schemas.microsoft.com/office/drawing/2014/main" val="1356431335"/>
-                    </a:ext>
-                  </a:extLst>
-                </a:gridCol>
-                <a:gridCol w="875914">
-                  <a:extLst>
-                    <a:ext uri="{9D8B030D-6E8A-4147-A177-3AD203B41FA5}">
-                      <a16:colId xmlns:a16="http://schemas.microsoft.com/office/drawing/2014/main" val="4074852346"/>
-                    </a:ext>
-                  </a:extLst>
-                </a:gridCol>
-                <a:gridCol w="1327536">
-                  <a:extLst>
-                    <a:ext uri="{9D8B030D-6E8A-4147-A177-3AD203B41FA5}">
-                      <a16:colId xmlns:a16="http://schemas.microsoft.com/office/drawing/2014/main" val="715510892"/>
-                    </a:ext>
-                  </a:extLst>
-                </a:gridCol>
-              </a:tblGrid>
-              <a:tr h="239252">
-                <a:tc>
-                  <a:txBody>
-                    <a:bodyPr/>
-                    <a:lstStyle/>
-                    <a:p>
-                      <a:pPr algn="l" fontAlgn="b"/>
-                      <a:r>
-                        <a:rPr lang="en-US" sz="1100" b="1" u="none" strike="noStrike" dirty="0">
-                          <a:effectLst/>
-                        </a:rPr>
-                        <a:t>Short Name</a:t>
-                      </a:r>
-                      <a:endParaRPr lang="en-US" sz="1100" b="1" i="0" u="none" strike="noStrike" dirty="0">
-                        <a:solidFill>
-                          <a:srgbClr val="000000"/>
-                        </a:solidFill>
-                        <a:effectLst/>
-                        <a:latin typeface="Calibri" panose="020F0502020204030204" pitchFamily="34" charset="0"/>
-                      </a:endParaRPr>
-                    </a:p>
-                  </a:txBody>
-                  <a:tcPr marL="7620" marR="7620" marT="7620" marB="0" anchor="b"/>
-                </a:tc>
-                <a:tc>
-                  <a:txBody>
-                    <a:bodyPr/>
-                    <a:lstStyle/>
-                    <a:p>
-                      <a:pPr algn="l" fontAlgn="b"/>
-                      <a:r>
-                        <a:rPr lang="en-US" sz="1100" b="1" u="none" strike="noStrike" dirty="0">
-                          <a:effectLst/>
-                        </a:rPr>
-                        <a:t>PI</a:t>
-                      </a:r>
-                      <a:endParaRPr lang="en-US" sz="1100" b="1" i="0" u="none" strike="noStrike" dirty="0">
-                        <a:solidFill>
-                          <a:srgbClr val="000000"/>
-                        </a:solidFill>
-                        <a:effectLst/>
-                        <a:latin typeface="Calibri" panose="020F0502020204030204" pitchFamily="34" charset="0"/>
-                      </a:endParaRPr>
-                    </a:p>
-                  </a:txBody>
-                  <a:tcPr marL="7620" marR="7620" marT="7620" marB="0" anchor="b"/>
-                </a:tc>
-                <a:tc>
-                  <a:txBody>
-                    <a:bodyPr/>
-                    <a:lstStyle/>
-                    <a:p>
-                      <a:pPr algn="l" fontAlgn="b"/>
-                      <a:r>
-                        <a:rPr lang="en-US" sz="1100" b="1" u="none" strike="noStrike" dirty="0">
-                          <a:effectLst/>
-                        </a:rPr>
-                        <a:t>Department/Specialty</a:t>
-                      </a:r>
-                      <a:endParaRPr lang="en-US" sz="1100" b="1" i="0" u="none" strike="noStrike" dirty="0">
-                        <a:solidFill>
-                          <a:srgbClr val="000000"/>
-                        </a:solidFill>
-                        <a:effectLst/>
-                        <a:latin typeface="Calibri" panose="020F0502020204030204" pitchFamily="34" charset="0"/>
-                      </a:endParaRPr>
-                    </a:p>
-                  </a:txBody>
-                  <a:tcPr marL="7620" marR="7620" marT="7620" marB="0" anchor="b"/>
-                </a:tc>
-                <a:extLst>
-                  <a:ext uri="{0D108BD9-81ED-4DB2-BD59-A6C34878D82A}">
-                    <a16:rowId xmlns:a16="http://schemas.microsoft.com/office/drawing/2014/main" val="1236399335"/>
-                  </a:ext>
-                </a:extLst>
-              </a:tr>
-              <a:tr h="239252">
-                <a:tc>
-                  <a:txBody>
-                    <a:bodyPr/>
-                    <a:lstStyle/>
-                    <a:p>
-                      <a:pPr algn="l" fontAlgn="b"/>
-                      <a:r>
-                        <a:rPr lang="en-US" sz="1100" b="0" i="0" u="none" strike="noStrike" kern="1200" dirty="0">
-                          <a:solidFill>
-                            <a:srgbClr val="000000"/>
-                          </a:solidFill>
-                          <a:effectLst/>
-                          <a:latin typeface="Calibri" panose="020F0502020204030204" pitchFamily="34" charset="0"/>
-                          <a:ea typeface="+mn-ea"/>
-                          <a:cs typeface="+mn-cs"/>
-                        </a:rPr>
-                        <a:t>National COVID Cohort Collaborative (N3C): A National Resource for Shared Analytics</a:t>
-                      </a:r>
-                    </a:p>
-                  </a:txBody>
-                  <a:tcPr marL="7620" marR="7620" marT="7620" marB="0" anchor="b"/>
-                </a:tc>
-                <a:tc>
-                  <a:txBody>
-                    <a:bodyPr/>
-                    <a:lstStyle/>
-                    <a:p>
-                      <a:pPr algn="l" fontAlgn="b"/>
-                      <a:r>
-                        <a:rPr lang="en-US" sz="1100" b="0" i="0" u="none" strike="noStrike" dirty="0">
-                          <a:solidFill>
-                            <a:srgbClr val="000000"/>
-                          </a:solidFill>
-                          <a:effectLst/>
-                          <a:latin typeface="Calibri" panose="020F0502020204030204" pitchFamily="34" charset="0"/>
-                        </a:rPr>
-                        <a:t>D. Bard</a:t>
-                      </a:r>
-                    </a:p>
-                  </a:txBody>
-                  <a:tcPr marL="7620" marR="7620" marT="7620" marB="0" anchor="b"/>
-                </a:tc>
-                <a:tc>
-                  <a:txBody>
-                    <a:bodyPr/>
-                    <a:lstStyle/>
-                    <a:p>
-                      <a:pPr algn="l" fontAlgn="b"/>
-                      <a:r>
-                        <a:rPr lang="en-US" sz="1100" b="0" i="0" u="none" strike="noStrike" dirty="0">
-                          <a:solidFill>
-                            <a:srgbClr val="000000"/>
-                          </a:solidFill>
-                          <a:effectLst/>
-                          <a:latin typeface="Calibri" panose="020F0502020204030204" pitchFamily="34" charset="0"/>
-                        </a:rPr>
-                        <a:t>OUHSC</a:t>
-                      </a:r>
-                    </a:p>
-                  </a:txBody>
-                  <a:tcPr marL="7620" marR="7620" marT="7620" marB="0" anchor="b"/>
-                </a:tc>
-                <a:extLst>
-                  <a:ext uri="{0D108BD9-81ED-4DB2-BD59-A6C34878D82A}">
-                    <a16:rowId xmlns:a16="http://schemas.microsoft.com/office/drawing/2014/main" val="10001"/>
-                  </a:ext>
-                </a:extLst>
-              </a:tr>
-              <a:tr h="239252">
-                <a:tc>
-                  <a:txBody>
-                    <a:bodyPr/>
-                    <a:lstStyle/>
-                    <a:p>
-                      <a:pPr algn="l" fontAlgn="b"/>
-                      <a:r>
-                        <a:rPr lang="en-US" sz="1100" b="0" i="0" u="none" strike="noStrike" kern="1200" dirty="0">
-                          <a:solidFill>
-                            <a:srgbClr val="000000"/>
-                          </a:solidFill>
-                          <a:effectLst/>
-                          <a:latin typeface="Calibri" panose="020F0502020204030204" pitchFamily="34" charset="0"/>
-                          <a:ea typeface="+mn-ea"/>
-                          <a:cs typeface="+mn-cs"/>
-                        </a:rPr>
-                        <a:t>Predictors of Sever Sepsis in Patients with Intestinal Failure</a:t>
-                      </a:r>
-                    </a:p>
-                  </a:txBody>
-                  <a:tcPr marL="7620" marR="7620" marT="7620" marB="0" anchor="b"/>
-                </a:tc>
-                <a:tc>
-                  <a:txBody>
-                    <a:bodyPr/>
-                    <a:lstStyle/>
-                    <a:p>
-                      <a:pPr algn="l" fontAlgn="b"/>
-                      <a:r>
-                        <a:rPr lang="en-US" sz="1100" b="0" i="0" u="none" strike="noStrike" dirty="0">
-                          <a:solidFill>
-                            <a:srgbClr val="000000"/>
-                          </a:solidFill>
-                          <a:effectLst/>
-                          <a:latin typeface="Calibri" panose="020F0502020204030204" pitchFamily="34" charset="0"/>
-                        </a:rPr>
-                        <a:t>C. Knoles</a:t>
-                      </a:r>
-                    </a:p>
-                  </a:txBody>
-                  <a:tcPr marL="7620" marR="7620" marT="7620" marB="0" anchor="b"/>
-                </a:tc>
-                <a:tc>
-                  <a:txBody>
-                    <a:bodyPr/>
-                    <a:lstStyle/>
-                    <a:p>
-                      <a:pPr algn="l" fontAlgn="b"/>
-                      <a:r>
-                        <a:rPr lang="en-US" sz="1100" b="0" i="0" u="none" strike="noStrike" dirty="0">
-                          <a:solidFill>
-                            <a:srgbClr val="000000"/>
-                          </a:solidFill>
-                          <a:effectLst/>
-                          <a:latin typeface="Calibri" panose="020F0502020204030204" pitchFamily="34" charset="0"/>
-                        </a:rPr>
-                        <a:t>Pediatrics</a:t>
-                      </a:r>
-                    </a:p>
-                  </a:txBody>
-                  <a:tcPr marL="7620" marR="7620" marT="7620" marB="0" anchor="b"/>
-                </a:tc>
-                <a:extLst>
-                  <a:ext uri="{0D108BD9-81ED-4DB2-BD59-A6C34878D82A}">
-                    <a16:rowId xmlns:a16="http://schemas.microsoft.com/office/drawing/2014/main" val="3548785687"/>
-                  </a:ext>
-                </a:extLst>
-              </a:tr>
-              <a:tr h="239252">
-                <a:tc>
-                  <a:txBody>
-                    <a:bodyPr/>
-                    <a:lstStyle/>
-                    <a:p>
-                      <a:pPr algn="l" fontAlgn="b"/>
-                      <a:r>
-                        <a:rPr lang="en-US" sz="1100" b="0" i="0" u="none" strike="noStrike" kern="1200" dirty="0">
-                          <a:solidFill>
-                            <a:srgbClr val="000000"/>
-                          </a:solidFill>
-                          <a:effectLst/>
-                          <a:latin typeface="Calibri" panose="020F0502020204030204" pitchFamily="34" charset="0"/>
-                          <a:ea typeface="+mn-ea"/>
-                          <a:cs typeface="+mn-cs"/>
-                        </a:rPr>
-                        <a:t>Relationship</a:t>
-                      </a:r>
-                      <a:r>
-                        <a:rPr lang="en-US" sz="1100" b="0" i="0" u="none" strike="noStrike" kern="1200" baseline="0" dirty="0">
-                          <a:solidFill>
-                            <a:srgbClr val="000000"/>
-                          </a:solidFill>
-                          <a:effectLst/>
-                          <a:latin typeface="Calibri" panose="020F0502020204030204" pitchFamily="34" charset="0"/>
-                          <a:ea typeface="+mn-ea"/>
-                          <a:cs typeface="+mn-cs"/>
-                        </a:rPr>
-                        <a:t> Between Pretreatment Anxiety/Depression &amp; Patient Decision-Making in Prostate Cancer Treatment</a:t>
-                      </a:r>
-                      <a:endParaRPr lang="en-US" sz="1100" b="0" i="0" u="none" strike="noStrike" kern="1200" dirty="0">
-                        <a:solidFill>
-                          <a:srgbClr val="000000"/>
-                        </a:solidFill>
-                        <a:effectLst/>
-                        <a:latin typeface="Calibri" panose="020F0502020204030204" pitchFamily="34" charset="0"/>
-                        <a:ea typeface="+mn-ea"/>
-                        <a:cs typeface="+mn-cs"/>
-                      </a:endParaRPr>
-                    </a:p>
-                  </a:txBody>
-                  <a:tcPr marL="7620" marR="7620" marT="7620" marB="0" anchor="b"/>
-                </a:tc>
-                <a:tc>
-                  <a:txBody>
-                    <a:bodyPr/>
-                    <a:lstStyle/>
-                    <a:p>
-                      <a:pPr algn="l" fontAlgn="b"/>
-                      <a:r>
-                        <a:rPr lang="en-US" sz="1100" b="0" i="0" u="none" strike="noStrike" dirty="0">
-                          <a:solidFill>
-                            <a:srgbClr val="000000"/>
-                          </a:solidFill>
-                          <a:effectLst/>
-                          <a:latin typeface="Calibri" panose="020F0502020204030204" pitchFamily="34" charset="0"/>
-                        </a:rPr>
-                        <a:t>J. Heinlen</a:t>
-                      </a:r>
-                    </a:p>
-                  </a:txBody>
-                  <a:tcPr marL="7620" marR="7620" marT="7620" marB="0" anchor="b"/>
-                </a:tc>
-                <a:tc>
-                  <a:txBody>
-                    <a:bodyPr/>
-                    <a:lstStyle/>
-                    <a:p>
-                      <a:pPr algn="l" fontAlgn="b"/>
-                      <a:r>
-                        <a:rPr lang="en-US" sz="1100" b="0" i="0" u="none" strike="noStrike" dirty="0">
-                          <a:solidFill>
-                            <a:srgbClr val="000000"/>
-                          </a:solidFill>
-                          <a:effectLst/>
-                          <a:latin typeface="Calibri" panose="020F0502020204030204" pitchFamily="34" charset="0"/>
-                        </a:rPr>
-                        <a:t>Urology</a:t>
-                      </a:r>
-                    </a:p>
-                  </a:txBody>
-                  <a:tcPr marL="7620" marR="7620" marT="7620" marB="0" anchor="b"/>
-                </a:tc>
-                <a:extLst>
-                  <a:ext uri="{0D108BD9-81ED-4DB2-BD59-A6C34878D82A}">
-                    <a16:rowId xmlns:a16="http://schemas.microsoft.com/office/drawing/2014/main" val="949879066"/>
-                  </a:ext>
-                </a:extLst>
-              </a:tr>
-              <a:tr h="353296">
-                <a:tc>
-                  <a:txBody>
-                    <a:bodyPr/>
-                    <a:lstStyle/>
-                    <a:p>
-                      <a:pPr algn="l" fontAlgn="b"/>
-                      <a:r>
-                        <a:rPr lang="en-US" sz="1100" b="0" i="0" u="none" strike="noStrike" kern="1200" dirty="0">
-                          <a:solidFill>
-                            <a:srgbClr val="000000"/>
-                          </a:solidFill>
-                          <a:effectLst/>
-                          <a:latin typeface="Calibri" panose="020F0502020204030204" pitchFamily="34" charset="0"/>
-                          <a:ea typeface="+mn-ea"/>
-                          <a:cs typeface="+mn-cs"/>
-                        </a:rPr>
-                        <a:t>Quality</a:t>
-                      </a:r>
-                      <a:r>
-                        <a:rPr lang="en-US" sz="1100" b="0" i="0" u="none" strike="noStrike" kern="1200" baseline="0" dirty="0">
-                          <a:solidFill>
-                            <a:srgbClr val="000000"/>
-                          </a:solidFill>
-                          <a:effectLst/>
-                          <a:latin typeface="Calibri" panose="020F0502020204030204" pitchFamily="34" charset="0"/>
-                          <a:ea typeface="+mn-ea"/>
-                          <a:cs typeface="+mn-cs"/>
-                        </a:rPr>
-                        <a:t> of Life of Ethnically Diverse Black Prostate Cancer Survivors: Development of a Conceptual Model Using Grounded Theory</a:t>
-                      </a:r>
-                      <a:endParaRPr lang="en-US" sz="1100" b="0" i="0" u="none" strike="noStrike" kern="1200" dirty="0">
-                        <a:solidFill>
-                          <a:srgbClr val="000000"/>
-                        </a:solidFill>
-                        <a:effectLst/>
-                        <a:latin typeface="Calibri" panose="020F0502020204030204" pitchFamily="34" charset="0"/>
-                        <a:ea typeface="+mn-ea"/>
-                        <a:cs typeface="+mn-cs"/>
-                      </a:endParaRPr>
-                    </a:p>
-                  </a:txBody>
-                  <a:tcPr marL="7620" marR="7620" marT="7620" marB="0" anchor="b"/>
-                </a:tc>
-                <a:tc>
-                  <a:txBody>
-                    <a:bodyPr/>
-                    <a:lstStyle/>
-                    <a:p>
-                      <a:pPr algn="l" fontAlgn="b"/>
-                      <a:r>
-                        <a:rPr lang="en-US" sz="1100" b="0" i="0" u="none" strike="noStrike" dirty="0">
-                          <a:solidFill>
-                            <a:srgbClr val="000000"/>
-                          </a:solidFill>
-                          <a:effectLst/>
-                          <a:latin typeface="Calibri" panose="020F0502020204030204" pitchFamily="34" charset="0"/>
-                        </a:rPr>
-                        <a:t>M. </a:t>
-                      </a:r>
-                      <a:r>
-                        <a:rPr lang="en-US" sz="1100" b="0" i="0" u="none" strike="noStrike" dirty="0" err="1">
-                          <a:solidFill>
-                            <a:srgbClr val="000000"/>
-                          </a:solidFill>
-                          <a:effectLst/>
-                          <a:latin typeface="Calibri" panose="020F0502020204030204" pitchFamily="34" charset="0"/>
-                        </a:rPr>
-                        <a:t>Ogunsanya</a:t>
-                      </a:r>
-                      <a:endParaRPr lang="en-US" sz="1100" b="0" i="0" u="none" strike="noStrike" dirty="0">
-                        <a:solidFill>
-                          <a:srgbClr val="000000"/>
-                        </a:solidFill>
-                        <a:effectLst/>
-                        <a:latin typeface="Calibri" panose="020F0502020204030204" pitchFamily="34" charset="0"/>
-                      </a:endParaRPr>
-                    </a:p>
-                  </a:txBody>
-                  <a:tcPr marL="7620" marR="7620" marT="7620" marB="0" anchor="b"/>
-                </a:tc>
-                <a:tc>
-                  <a:txBody>
-                    <a:bodyPr/>
-                    <a:lstStyle/>
-                    <a:p>
-                      <a:pPr algn="l" fontAlgn="b"/>
-                      <a:r>
-                        <a:rPr lang="en-US" sz="1100" b="0" i="0" u="none" strike="noStrike" dirty="0">
-                          <a:solidFill>
-                            <a:srgbClr val="000000"/>
-                          </a:solidFill>
-                          <a:effectLst/>
-                          <a:latin typeface="Calibri" panose="020F0502020204030204" pitchFamily="34" charset="0"/>
-                        </a:rPr>
-                        <a:t>Pharmacy</a:t>
-                      </a:r>
-                    </a:p>
-                  </a:txBody>
-                  <a:tcPr marL="7620" marR="7620" marT="7620" marB="0" anchor="b"/>
-                </a:tc>
-                <a:extLst>
-                  <a:ext uri="{0D108BD9-81ED-4DB2-BD59-A6C34878D82A}">
-                    <a16:rowId xmlns:a16="http://schemas.microsoft.com/office/drawing/2014/main" val="3222670053"/>
-                  </a:ext>
-                </a:extLst>
-              </a:tr>
-              <a:tr h="239252">
-                <a:tc>
-                  <a:txBody>
-                    <a:bodyPr/>
-                    <a:lstStyle/>
-                    <a:p>
-                      <a:pPr algn="l" fontAlgn="b"/>
-                      <a:r>
-                        <a:rPr lang="en-US" sz="1100" b="0" i="0" u="none" strike="noStrike" kern="1200" dirty="0">
-                          <a:solidFill>
-                            <a:srgbClr val="000000"/>
-                          </a:solidFill>
-                          <a:effectLst/>
-                          <a:latin typeface="Calibri" panose="020F0502020204030204" pitchFamily="34" charset="0"/>
-                          <a:ea typeface="+mn-ea"/>
-                          <a:cs typeface="+mn-cs"/>
-                        </a:rPr>
-                        <a:t>Clinical Presentations,</a:t>
-                      </a:r>
-                      <a:r>
-                        <a:rPr lang="en-US" sz="1100" b="0" i="0" u="none" strike="noStrike" kern="1200" baseline="0" dirty="0">
-                          <a:solidFill>
-                            <a:srgbClr val="000000"/>
-                          </a:solidFill>
-                          <a:effectLst/>
-                          <a:latin typeface="Calibri" panose="020F0502020204030204" pitchFamily="34" charset="0"/>
-                          <a:ea typeface="+mn-ea"/>
-                          <a:cs typeface="+mn-cs"/>
-                        </a:rPr>
-                        <a:t> Laboratory Findings, Treatment, and Outcomes of Pediatric COVID-19 Patients</a:t>
-                      </a:r>
-                      <a:endParaRPr lang="en-US" sz="1100" b="0" i="0" u="none" strike="noStrike" kern="1200" dirty="0">
-                        <a:solidFill>
-                          <a:srgbClr val="000000"/>
-                        </a:solidFill>
-                        <a:effectLst/>
-                        <a:latin typeface="Calibri" panose="020F0502020204030204" pitchFamily="34" charset="0"/>
-                        <a:ea typeface="+mn-ea"/>
-                        <a:cs typeface="+mn-cs"/>
-                      </a:endParaRPr>
-                    </a:p>
-                  </a:txBody>
-                  <a:tcPr marL="7620" marR="7620" marT="7620" marB="0" anchor="b"/>
-                </a:tc>
-                <a:tc>
-                  <a:txBody>
-                    <a:bodyPr/>
-                    <a:lstStyle/>
-                    <a:p>
-                      <a:pPr marL="228600" indent="-228600" algn="l" fontAlgn="b">
-                        <a:buAutoNum type="alphaUcPeriod"/>
-                      </a:pPr>
-                      <a:r>
-                        <a:rPr lang="en-US" sz="1100" b="0" i="0" u="none" strike="noStrike" dirty="0">
-                          <a:solidFill>
-                            <a:srgbClr val="000000"/>
-                          </a:solidFill>
-                          <a:effectLst/>
-                          <a:latin typeface="Calibri" panose="020F0502020204030204" pitchFamily="34" charset="0"/>
-                        </a:rPr>
-                        <a:t>Bogie</a:t>
-                      </a:r>
-                    </a:p>
-                  </a:txBody>
-                  <a:tcPr marL="7620" marR="7620" marT="7620" marB="0" anchor="b"/>
-                </a:tc>
-                <a:tc>
-                  <a:txBody>
-                    <a:bodyPr/>
-                    <a:lstStyle/>
-                    <a:p>
-                      <a:pPr algn="l" fontAlgn="b"/>
-                      <a:r>
-                        <a:rPr lang="en-US" sz="1100" b="0" i="0" u="none" strike="noStrike" dirty="0">
-                          <a:solidFill>
-                            <a:srgbClr val="000000"/>
-                          </a:solidFill>
-                          <a:effectLst/>
-                          <a:latin typeface="Calibri" panose="020F0502020204030204" pitchFamily="34" charset="0"/>
-                        </a:rPr>
-                        <a:t>Pediatrics</a:t>
-                      </a:r>
-                    </a:p>
-                  </a:txBody>
-                  <a:tcPr marL="7620" marR="7620" marT="7620" marB="0" anchor="b"/>
-                </a:tc>
-                <a:extLst>
-                  <a:ext uri="{0D108BD9-81ED-4DB2-BD59-A6C34878D82A}">
-                    <a16:rowId xmlns:a16="http://schemas.microsoft.com/office/drawing/2014/main" val="1661099666"/>
-                  </a:ext>
-                </a:extLst>
-              </a:tr>
-              <a:tr h="239252">
-                <a:tc>
-                  <a:txBody>
-                    <a:bodyPr/>
-                    <a:lstStyle/>
-                    <a:p>
-                      <a:pPr algn="l" fontAlgn="b"/>
-                      <a:r>
-                        <a:rPr lang="en-US" sz="1100" b="0" i="0" u="none" strike="noStrike" kern="1200" dirty="0">
-                          <a:solidFill>
-                            <a:srgbClr val="000000"/>
-                          </a:solidFill>
-                          <a:effectLst/>
-                          <a:latin typeface="Calibri" panose="020F0502020204030204" pitchFamily="34" charset="0"/>
-                          <a:ea typeface="+mn-ea"/>
-                          <a:cs typeface="+mn-cs"/>
-                        </a:rPr>
-                        <a:t>PEMCRC Anaphylaxis</a:t>
-                      </a:r>
-                      <a:r>
-                        <a:rPr lang="en-US" sz="1100" b="0" i="0" u="none" strike="noStrike" kern="1200" baseline="0" dirty="0">
-                          <a:solidFill>
-                            <a:srgbClr val="000000"/>
-                          </a:solidFill>
-                          <a:effectLst/>
-                          <a:latin typeface="Calibri" panose="020F0502020204030204" pitchFamily="34" charset="0"/>
-                          <a:ea typeface="+mn-ea"/>
-                          <a:cs typeface="+mn-cs"/>
-                        </a:rPr>
-                        <a:t> Study</a:t>
-                      </a:r>
-                      <a:endParaRPr lang="en-US" sz="1100" b="0" i="0" u="none" strike="noStrike" kern="1200" dirty="0">
-                        <a:solidFill>
-                          <a:srgbClr val="000000"/>
-                        </a:solidFill>
-                        <a:effectLst/>
-                        <a:latin typeface="Calibri" panose="020F0502020204030204" pitchFamily="34" charset="0"/>
-                        <a:ea typeface="+mn-ea"/>
-                        <a:cs typeface="+mn-cs"/>
-                      </a:endParaRPr>
-                    </a:p>
-                  </a:txBody>
-                  <a:tcPr marL="7620" marR="7620" marT="7620" marB="0" anchor="b"/>
-                </a:tc>
-                <a:tc>
-                  <a:txBody>
-                    <a:bodyPr/>
-                    <a:lstStyle/>
-                    <a:p>
-                      <a:pPr marL="228600" indent="-228600" algn="l" fontAlgn="b">
-                        <a:buAutoNum type="alphaUcPeriod"/>
-                      </a:pPr>
-                      <a:r>
-                        <a:rPr lang="en-US" sz="1100" b="0" i="0" u="none" strike="noStrike" dirty="0">
-                          <a:solidFill>
-                            <a:srgbClr val="000000"/>
-                          </a:solidFill>
-                          <a:effectLst/>
-                          <a:latin typeface="Calibri" panose="020F0502020204030204" pitchFamily="34" charset="0"/>
-                        </a:rPr>
-                        <a:t>Bogie</a:t>
-                      </a:r>
-                    </a:p>
-                  </a:txBody>
-                  <a:tcPr marL="7620" marR="7620" marT="7620" marB="0" anchor="b"/>
-                </a:tc>
-                <a:tc>
-                  <a:txBody>
-                    <a:bodyPr/>
-                    <a:lstStyle/>
-                    <a:p>
-                      <a:pPr algn="l" fontAlgn="b"/>
-                      <a:r>
-                        <a:rPr lang="en-US" sz="1100" b="0" i="0" u="none" strike="noStrike" dirty="0">
-                          <a:solidFill>
-                            <a:srgbClr val="000000"/>
-                          </a:solidFill>
-                          <a:effectLst/>
-                          <a:latin typeface="Calibri" panose="020F0502020204030204" pitchFamily="34" charset="0"/>
-                        </a:rPr>
-                        <a:t>Pediatrics</a:t>
-                      </a:r>
-                    </a:p>
-                  </a:txBody>
-                  <a:tcPr marL="7620" marR="7620" marT="7620" marB="0" anchor="b"/>
-                </a:tc>
-                <a:extLst>
-                  <a:ext uri="{0D108BD9-81ED-4DB2-BD59-A6C34878D82A}">
-                    <a16:rowId xmlns:a16="http://schemas.microsoft.com/office/drawing/2014/main" val="4172047643"/>
-                  </a:ext>
-                </a:extLst>
-              </a:tr>
-              <a:tr h="239252">
-                <a:tc>
-                  <a:txBody>
-                    <a:bodyPr/>
-                    <a:lstStyle/>
-                    <a:p>
-                      <a:pPr algn="l" fontAlgn="b"/>
-                      <a:r>
-                        <a:rPr lang="en-US" sz="1100" b="0" i="0" u="none" strike="noStrike" kern="1200" dirty="0">
-                          <a:solidFill>
-                            <a:srgbClr val="000000"/>
-                          </a:solidFill>
-                          <a:effectLst/>
-                          <a:latin typeface="Calibri" panose="020F0502020204030204" pitchFamily="34" charset="0"/>
-                          <a:ea typeface="+mn-ea"/>
-                          <a:cs typeface="+mn-cs"/>
-                        </a:rPr>
-                        <a:t>Analysis of Pediatric Migraine Treatment</a:t>
-                      </a:r>
-                    </a:p>
-                  </a:txBody>
-                  <a:tcPr marL="7620" marR="7620" marT="7620" marB="0" anchor="b"/>
-                </a:tc>
-                <a:tc>
-                  <a:txBody>
-                    <a:bodyPr/>
-                    <a:lstStyle/>
-                    <a:p>
-                      <a:pPr marL="228600" indent="-228600" algn="l" fontAlgn="b">
-                        <a:buAutoNum type="alphaUcPeriod"/>
-                      </a:pPr>
-                      <a:r>
-                        <a:rPr lang="en-US" sz="1100" b="0" i="0" u="none" strike="noStrike" dirty="0">
-                          <a:solidFill>
-                            <a:srgbClr val="000000"/>
-                          </a:solidFill>
-                          <a:effectLst/>
-                          <a:latin typeface="Calibri" panose="020F0502020204030204" pitchFamily="34" charset="0"/>
-                        </a:rPr>
-                        <a:t>Bogie</a:t>
-                      </a:r>
-                    </a:p>
-                  </a:txBody>
-                  <a:tcPr marL="7620" marR="7620" marT="7620" marB="0" anchor="b"/>
-                </a:tc>
-                <a:tc>
-                  <a:txBody>
-                    <a:bodyPr/>
-                    <a:lstStyle/>
-                    <a:p>
-                      <a:pPr algn="l" fontAlgn="b"/>
-                      <a:r>
-                        <a:rPr lang="en-US" sz="1100" b="0" i="0" u="none" strike="noStrike" dirty="0">
-                          <a:solidFill>
-                            <a:srgbClr val="000000"/>
-                          </a:solidFill>
-                          <a:effectLst/>
-                          <a:latin typeface="Calibri" panose="020F0502020204030204" pitchFamily="34" charset="0"/>
-                        </a:rPr>
-                        <a:t>Pediatrics</a:t>
-                      </a:r>
-                    </a:p>
-                  </a:txBody>
-                  <a:tcPr marL="7620" marR="7620" marT="7620" marB="0" anchor="b"/>
-                </a:tc>
-                <a:extLst>
-                  <a:ext uri="{0D108BD9-81ED-4DB2-BD59-A6C34878D82A}">
-                    <a16:rowId xmlns:a16="http://schemas.microsoft.com/office/drawing/2014/main" val="1057878429"/>
-                  </a:ext>
-                </a:extLst>
-              </a:tr>
-              <a:tr h="239252">
-                <a:tc>
-                  <a:txBody>
-                    <a:bodyPr/>
-                    <a:lstStyle/>
-                    <a:p>
-                      <a:pPr algn="l" fontAlgn="b"/>
-                      <a:r>
-                        <a:rPr lang="en-US" sz="1100" b="0" i="0" u="none" strike="noStrike" kern="1200" dirty="0">
-                          <a:solidFill>
-                            <a:srgbClr val="000000"/>
-                          </a:solidFill>
-                          <a:effectLst/>
-                          <a:latin typeface="Calibri" panose="020F0502020204030204" pitchFamily="34" charset="0"/>
-                          <a:ea typeface="+mn-ea"/>
-                          <a:cs typeface="+mn-cs"/>
-                        </a:rPr>
-                        <a:t>Impact of COVID-19 on Distress Levels in Cancer Patients</a:t>
-                      </a:r>
-                    </a:p>
-                  </a:txBody>
-                  <a:tcPr marL="7620" marR="7620" marT="7620" marB="0" anchor="b"/>
-                </a:tc>
-                <a:tc>
-                  <a:txBody>
-                    <a:bodyPr/>
-                    <a:lstStyle/>
-                    <a:p>
-                      <a:pPr algn="l" fontAlgn="b"/>
-                      <a:r>
-                        <a:rPr lang="en-US" sz="1100" b="0" i="0" u="none" strike="noStrike" dirty="0">
-                          <a:solidFill>
-                            <a:srgbClr val="000000"/>
-                          </a:solidFill>
-                          <a:effectLst/>
-                          <a:latin typeface="Calibri" panose="020F0502020204030204" pitchFamily="34" charset="0"/>
-                        </a:rPr>
-                        <a:t>R. Funk-Lawler</a:t>
-                      </a:r>
-                    </a:p>
-                  </a:txBody>
-                  <a:tcPr marL="7620" marR="7620" marT="7620" marB="0" anchor="b"/>
-                </a:tc>
-                <a:tc>
-                  <a:txBody>
-                    <a:bodyPr/>
-                    <a:lstStyle/>
-                    <a:p>
-                      <a:pPr algn="l" fontAlgn="b"/>
-                      <a:r>
-                        <a:rPr lang="en-US" sz="1100" b="0" i="0" u="none" strike="noStrike" dirty="0">
-                          <a:solidFill>
-                            <a:srgbClr val="000000"/>
-                          </a:solidFill>
-                          <a:effectLst/>
-                          <a:latin typeface="Calibri" panose="020F0502020204030204" pitchFamily="34" charset="0"/>
-                        </a:rPr>
-                        <a:t>Psychiatry</a:t>
-                      </a:r>
-                    </a:p>
-                  </a:txBody>
-                  <a:tcPr marL="7620" marR="7620" marT="7620" marB="0" anchor="b"/>
-                </a:tc>
-                <a:extLst>
-                  <a:ext uri="{0D108BD9-81ED-4DB2-BD59-A6C34878D82A}">
-                    <a16:rowId xmlns:a16="http://schemas.microsoft.com/office/drawing/2014/main" val="2151953881"/>
-                  </a:ext>
-                </a:extLst>
-              </a:tr>
-              <a:tr h="239252">
-                <a:tc>
-                  <a:txBody>
-                    <a:bodyPr/>
-                    <a:lstStyle/>
-                    <a:p>
-                      <a:pPr algn="l" fontAlgn="b"/>
-                      <a:r>
-                        <a:rPr lang="en-US" sz="1100" b="0" i="0" u="none" strike="noStrike" kern="1200" dirty="0">
-                          <a:solidFill>
-                            <a:srgbClr val="000000"/>
-                          </a:solidFill>
-                          <a:effectLst/>
-                          <a:latin typeface="Calibri" panose="020F0502020204030204" pitchFamily="34" charset="0"/>
-                          <a:ea typeface="+mn-ea"/>
-                          <a:cs typeface="+mn-cs"/>
-                        </a:rPr>
-                        <a:t>Pituitary</a:t>
-                      </a:r>
-                      <a:r>
-                        <a:rPr lang="en-US" sz="1100" b="0" i="0" u="none" strike="noStrike" kern="1200" baseline="0" dirty="0">
-                          <a:solidFill>
-                            <a:srgbClr val="000000"/>
-                          </a:solidFill>
-                          <a:effectLst/>
-                          <a:latin typeface="Calibri" panose="020F0502020204030204" pitchFamily="34" charset="0"/>
-                          <a:ea typeface="+mn-ea"/>
-                          <a:cs typeface="+mn-cs"/>
-                        </a:rPr>
-                        <a:t> Adenoma Patient Outcomes</a:t>
-                      </a:r>
-                      <a:endParaRPr lang="en-US" sz="1100" b="0" i="0" u="none" strike="noStrike" kern="1200" dirty="0">
-                        <a:solidFill>
-                          <a:srgbClr val="000000"/>
-                        </a:solidFill>
-                        <a:effectLst/>
-                        <a:latin typeface="Calibri" panose="020F0502020204030204" pitchFamily="34" charset="0"/>
-                        <a:ea typeface="+mn-ea"/>
-                        <a:cs typeface="+mn-cs"/>
-                      </a:endParaRPr>
-                    </a:p>
-                  </a:txBody>
-                  <a:tcPr marL="7620" marR="7620" marT="7620" marB="0" anchor="b"/>
-                </a:tc>
-                <a:tc>
-                  <a:txBody>
-                    <a:bodyPr/>
-                    <a:lstStyle/>
-                    <a:p>
-                      <a:pPr marL="0" indent="0" algn="l" fontAlgn="b">
-                        <a:buNone/>
-                      </a:pPr>
-                      <a:r>
-                        <a:rPr lang="en-US" sz="1100" b="0" i="0" u="none" strike="noStrike" dirty="0">
-                          <a:solidFill>
-                            <a:srgbClr val="000000"/>
-                          </a:solidFill>
-                          <a:effectLst/>
-                          <a:latin typeface="Calibri" panose="020F0502020204030204" pitchFamily="34" charset="0"/>
-                        </a:rPr>
-                        <a:t>I. Dunn</a:t>
-                      </a:r>
-                    </a:p>
-                  </a:txBody>
-                  <a:tcPr marL="7620" marR="7620" marT="7620" marB="0" anchor="b"/>
-                </a:tc>
-                <a:tc>
-                  <a:txBody>
-                    <a:bodyPr/>
-                    <a:lstStyle/>
-                    <a:p>
-                      <a:pPr algn="l" fontAlgn="b"/>
-                      <a:r>
-                        <a:rPr lang="en-US" sz="1100" b="0" i="0" u="none" strike="noStrike" dirty="0">
-                          <a:solidFill>
-                            <a:srgbClr val="000000"/>
-                          </a:solidFill>
-                          <a:effectLst/>
-                          <a:latin typeface="Calibri" panose="020F0502020204030204" pitchFamily="34" charset="0"/>
-                        </a:rPr>
-                        <a:t>Neurosurgery</a:t>
-                      </a:r>
-                    </a:p>
-                  </a:txBody>
-                  <a:tcPr marL="7620" marR="7620" marT="7620" marB="0" anchor="b"/>
-                </a:tc>
-                <a:extLst>
-                  <a:ext uri="{0D108BD9-81ED-4DB2-BD59-A6C34878D82A}">
-                    <a16:rowId xmlns:a16="http://schemas.microsoft.com/office/drawing/2014/main" val="3615318075"/>
-                  </a:ext>
-                </a:extLst>
-              </a:tr>
-              <a:tr h="239252">
-                <a:tc>
-                  <a:txBody>
-                    <a:bodyPr/>
-                    <a:lstStyle/>
-                    <a:p>
-                      <a:pPr algn="l" fontAlgn="b"/>
-                      <a:r>
-                        <a:rPr lang="en-US" sz="1100" b="0" i="0" u="none" strike="noStrike" kern="1200" dirty="0">
-                          <a:solidFill>
-                            <a:srgbClr val="000000"/>
-                          </a:solidFill>
-                          <a:effectLst/>
-                          <a:latin typeface="Calibri" panose="020F0502020204030204" pitchFamily="34" charset="0"/>
-                          <a:ea typeface="+mn-ea"/>
-                          <a:cs typeface="+mn-cs"/>
-                        </a:rPr>
-                        <a:t>Oncologic Outcomes</a:t>
-                      </a:r>
-                      <a:r>
-                        <a:rPr lang="en-US" sz="1100" b="0" i="0" u="none" strike="noStrike" kern="1200" baseline="0" dirty="0">
-                          <a:solidFill>
-                            <a:srgbClr val="000000"/>
-                          </a:solidFill>
-                          <a:effectLst/>
-                          <a:latin typeface="Calibri" panose="020F0502020204030204" pitchFamily="34" charset="0"/>
-                          <a:ea typeface="+mn-ea"/>
-                          <a:cs typeface="+mn-cs"/>
-                        </a:rPr>
-                        <a:t> in Renal Cell Carcinoma</a:t>
-                      </a:r>
-                      <a:endParaRPr lang="en-US" sz="1100" b="0" i="0" u="none" strike="noStrike" kern="1200" dirty="0">
-                        <a:solidFill>
-                          <a:srgbClr val="000000"/>
-                        </a:solidFill>
-                        <a:effectLst/>
-                        <a:latin typeface="Calibri" panose="020F0502020204030204" pitchFamily="34" charset="0"/>
-                        <a:ea typeface="+mn-ea"/>
-                        <a:cs typeface="+mn-cs"/>
-                      </a:endParaRPr>
-                    </a:p>
-                  </a:txBody>
-                  <a:tcPr marL="7620" marR="7620" marT="7620" marB="0" anchor="b"/>
-                </a:tc>
-                <a:tc>
-                  <a:txBody>
-                    <a:bodyPr/>
-                    <a:lstStyle/>
-                    <a:p>
-                      <a:pPr algn="l" fontAlgn="b"/>
-                      <a:r>
-                        <a:rPr lang="en-US" sz="1100" b="0" i="0" u="none" strike="noStrike" dirty="0">
-                          <a:solidFill>
-                            <a:srgbClr val="000000"/>
-                          </a:solidFill>
-                          <a:effectLst/>
-                          <a:latin typeface="Calibri" panose="020F0502020204030204" pitchFamily="34" charset="0"/>
-                        </a:rPr>
-                        <a:t>B. Cross</a:t>
-                      </a:r>
-                    </a:p>
-                  </a:txBody>
-                  <a:tcPr marL="7620" marR="7620" marT="7620" marB="0" anchor="b"/>
-                </a:tc>
-                <a:tc>
-                  <a:txBody>
-                    <a:bodyPr/>
-                    <a:lstStyle/>
-                    <a:p>
-                      <a:pPr algn="l" fontAlgn="b"/>
-                      <a:r>
-                        <a:rPr lang="en-US" sz="1100" b="0" i="0" u="none" strike="noStrike" dirty="0">
-                          <a:solidFill>
-                            <a:srgbClr val="000000"/>
-                          </a:solidFill>
-                          <a:effectLst/>
-                          <a:latin typeface="Calibri" panose="020F0502020204030204" pitchFamily="34" charset="0"/>
-                        </a:rPr>
-                        <a:t>Urology</a:t>
-                      </a:r>
-                    </a:p>
-                  </a:txBody>
-                  <a:tcPr marL="7620" marR="7620" marT="7620" marB="0" anchor="b"/>
-                </a:tc>
-                <a:extLst>
-                  <a:ext uri="{0D108BD9-81ED-4DB2-BD59-A6C34878D82A}">
-                    <a16:rowId xmlns:a16="http://schemas.microsoft.com/office/drawing/2014/main" val="1810581365"/>
-                  </a:ext>
-                </a:extLst>
-              </a:tr>
-              <a:tr h="239252">
-                <a:tc>
-                  <a:txBody>
-                    <a:bodyPr/>
-                    <a:lstStyle/>
-                    <a:p>
-                      <a:pPr algn="l" fontAlgn="b"/>
-                      <a:r>
-                        <a:rPr lang="en-US" sz="1100" b="0" i="0" u="none" strike="noStrike" kern="1200" dirty="0">
-                          <a:solidFill>
-                            <a:srgbClr val="000000"/>
-                          </a:solidFill>
-                          <a:effectLst/>
-                          <a:latin typeface="Calibri" panose="020F0502020204030204" pitchFamily="34" charset="0"/>
-                          <a:ea typeface="+mn-ea"/>
-                          <a:cs typeface="+mn-cs"/>
-                        </a:rPr>
-                        <a:t>Using ML to Quantify Molecular Phenotypes</a:t>
-                      </a:r>
-                      <a:r>
-                        <a:rPr lang="en-US" sz="1100" b="0" i="0" u="none" strike="noStrike" kern="1200" baseline="0" dirty="0">
-                          <a:solidFill>
-                            <a:srgbClr val="000000"/>
-                          </a:solidFill>
-                          <a:effectLst/>
-                          <a:latin typeface="Calibri" panose="020F0502020204030204" pitchFamily="34" charset="0"/>
-                          <a:ea typeface="+mn-ea"/>
-                          <a:cs typeface="+mn-cs"/>
-                        </a:rPr>
-                        <a:t> </a:t>
-                      </a:r>
-                      <a:endParaRPr lang="en-US" sz="1100" b="0" i="0" u="none" strike="noStrike" kern="1200" dirty="0">
-                        <a:solidFill>
-                          <a:srgbClr val="000000"/>
-                        </a:solidFill>
-                        <a:effectLst/>
-                        <a:latin typeface="Calibri" panose="020F0502020204030204" pitchFamily="34" charset="0"/>
-                        <a:ea typeface="+mn-ea"/>
-                        <a:cs typeface="+mn-cs"/>
-                      </a:endParaRPr>
-                    </a:p>
-                  </a:txBody>
-                  <a:tcPr marL="7620" marR="7620" marT="7620" marB="0" anchor="b"/>
-                </a:tc>
-                <a:tc>
-                  <a:txBody>
-                    <a:bodyPr/>
-                    <a:lstStyle/>
-                    <a:p>
-                      <a:pPr algn="l" fontAlgn="b"/>
-                      <a:r>
-                        <a:rPr lang="en-US" sz="1100" b="0" i="0" u="none" strike="noStrike" dirty="0">
-                          <a:solidFill>
-                            <a:srgbClr val="000000"/>
-                          </a:solidFill>
-                          <a:effectLst/>
-                          <a:latin typeface="Calibri" panose="020F0502020204030204" pitchFamily="34" charset="0"/>
-                        </a:rPr>
-                        <a:t>K. Jones</a:t>
-                      </a:r>
-                    </a:p>
-                  </a:txBody>
-                  <a:tcPr marL="7620" marR="7620" marT="7620" marB="0" anchor="b"/>
-                </a:tc>
-                <a:tc>
-                  <a:txBody>
-                    <a:bodyPr/>
-                    <a:lstStyle/>
-                    <a:p>
-                      <a:pPr algn="l" fontAlgn="b"/>
-                      <a:r>
-                        <a:rPr lang="en-US" sz="1100" b="0" i="0" u="none" strike="noStrike" dirty="0">
-                          <a:solidFill>
-                            <a:srgbClr val="000000"/>
-                          </a:solidFill>
-                          <a:effectLst/>
-                          <a:latin typeface="Calibri" panose="020F0502020204030204" pitchFamily="34" charset="0"/>
-                        </a:rPr>
-                        <a:t>Harold Hamm Diabetes Center</a:t>
-                      </a:r>
-                    </a:p>
-                  </a:txBody>
-                  <a:tcPr marL="7620" marR="7620" marT="7620" marB="0" anchor="b"/>
-                </a:tc>
-                <a:extLst>
-                  <a:ext uri="{0D108BD9-81ED-4DB2-BD59-A6C34878D82A}">
-                    <a16:rowId xmlns:a16="http://schemas.microsoft.com/office/drawing/2014/main" val="240284698"/>
-                  </a:ext>
-                </a:extLst>
-              </a:tr>
-              <a:tr h="239252">
-                <a:tc>
-                  <a:txBody>
-                    <a:bodyPr/>
-                    <a:lstStyle/>
-                    <a:p>
-                      <a:pPr algn="l" fontAlgn="b"/>
-                      <a:r>
-                        <a:rPr lang="en-US" sz="1100" b="0" i="0" u="none" strike="noStrike" kern="1200" dirty="0">
-                          <a:solidFill>
-                            <a:srgbClr val="000000"/>
-                          </a:solidFill>
-                          <a:effectLst/>
-                          <a:latin typeface="Calibri" panose="020F0502020204030204" pitchFamily="34" charset="0"/>
-                          <a:ea typeface="+mn-ea"/>
-                          <a:cs typeface="+mn-cs"/>
-                        </a:rPr>
-                        <a:t>Improving Detection &amp; Management</a:t>
-                      </a:r>
-                      <a:r>
-                        <a:rPr lang="en-US" sz="1100" b="0" i="0" u="none" strike="noStrike" kern="1200" baseline="0" dirty="0">
-                          <a:solidFill>
-                            <a:srgbClr val="000000"/>
-                          </a:solidFill>
-                          <a:effectLst/>
-                          <a:latin typeface="Calibri" panose="020F0502020204030204" pitchFamily="34" charset="0"/>
-                          <a:ea typeface="+mn-ea"/>
-                          <a:cs typeface="+mn-cs"/>
-                        </a:rPr>
-                        <a:t> of Bladder Cancer</a:t>
-                      </a:r>
-                      <a:endParaRPr lang="en-US" sz="1100" b="0" i="0" u="none" strike="noStrike" kern="1200" dirty="0">
-                        <a:solidFill>
-                          <a:srgbClr val="000000"/>
-                        </a:solidFill>
-                        <a:effectLst/>
-                        <a:latin typeface="Calibri" panose="020F0502020204030204" pitchFamily="34" charset="0"/>
-                        <a:ea typeface="+mn-ea"/>
-                        <a:cs typeface="+mn-cs"/>
-                      </a:endParaRPr>
-                    </a:p>
-                  </a:txBody>
-                  <a:tcPr marL="7620" marR="7620" marT="7620" marB="0" anchor="b"/>
-                </a:tc>
-                <a:tc>
-                  <a:txBody>
-                    <a:bodyPr/>
-                    <a:lstStyle/>
-                    <a:p>
-                      <a:pPr algn="l" fontAlgn="b"/>
-                      <a:r>
-                        <a:rPr lang="en-US" sz="1100" b="0" i="0" u="none" strike="noStrike" dirty="0">
-                          <a:solidFill>
-                            <a:srgbClr val="000000"/>
-                          </a:solidFill>
-                          <a:effectLst/>
-                          <a:latin typeface="Calibri" panose="020F0502020204030204" pitchFamily="34" charset="0"/>
-                        </a:rPr>
-                        <a:t>D. Parker</a:t>
-                      </a:r>
-                    </a:p>
-                  </a:txBody>
-                  <a:tcPr marL="7620" marR="7620" marT="7620" marB="0" anchor="b"/>
-                </a:tc>
-                <a:tc>
-                  <a:txBody>
-                    <a:bodyPr/>
-                    <a:lstStyle/>
-                    <a:p>
-                      <a:pPr algn="l" fontAlgn="b"/>
-                      <a:r>
-                        <a:rPr lang="en-US" sz="1100" b="0" i="0" u="none" strike="noStrike" dirty="0">
-                          <a:solidFill>
-                            <a:srgbClr val="000000"/>
-                          </a:solidFill>
-                          <a:effectLst/>
-                          <a:latin typeface="Calibri" panose="020F0502020204030204" pitchFamily="34" charset="0"/>
-                        </a:rPr>
-                        <a:t>Urology</a:t>
-                      </a:r>
-                    </a:p>
-                  </a:txBody>
-                  <a:tcPr marL="7620" marR="7620" marT="7620" marB="0" anchor="b"/>
-                </a:tc>
-                <a:extLst>
-                  <a:ext uri="{0D108BD9-81ED-4DB2-BD59-A6C34878D82A}">
-                    <a16:rowId xmlns:a16="http://schemas.microsoft.com/office/drawing/2014/main" val="2906176452"/>
-                  </a:ext>
-                </a:extLst>
-              </a:tr>
-              <a:tr h="353296">
-                <a:tc>
-                  <a:txBody>
-                    <a:bodyPr/>
-                    <a:lstStyle/>
-                    <a:p>
-                      <a:pPr algn="l" fontAlgn="b"/>
-                      <a:r>
-                        <a:rPr lang="en-US" sz="1100" b="0" i="0" u="none" strike="noStrike" kern="1200" dirty="0" err="1">
-                          <a:solidFill>
-                            <a:srgbClr val="000000"/>
-                          </a:solidFill>
-                          <a:effectLst/>
-                          <a:latin typeface="Calibri" panose="020F0502020204030204" pitchFamily="34" charset="0"/>
-                          <a:ea typeface="+mn-ea"/>
-                          <a:cs typeface="+mn-cs"/>
-                        </a:rPr>
-                        <a:t>Neuromodulation</a:t>
-                      </a:r>
-                      <a:r>
-                        <a:rPr lang="en-US" sz="1100" b="0" i="0" u="none" strike="noStrike" kern="1200" dirty="0">
-                          <a:solidFill>
-                            <a:srgbClr val="000000"/>
-                          </a:solidFill>
-                          <a:effectLst/>
-                          <a:latin typeface="Calibri" panose="020F0502020204030204" pitchFamily="34" charset="0"/>
-                          <a:ea typeface="+mn-ea"/>
-                          <a:cs typeface="+mn-cs"/>
-                        </a:rPr>
-                        <a:t> of Inflammation to Treat Heart Failure</a:t>
-                      </a:r>
-                      <a:r>
-                        <a:rPr lang="en-US" sz="1100" b="0" i="0" u="none" strike="noStrike" kern="1200" baseline="0" dirty="0">
-                          <a:solidFill>
-                            <a:srgbClr val="000000"/>
-                          </a:solidFill>
-                          <a:effectLst/>
-                          <a:latin typeface="Calibri" panose="020F0502020204030204" pitchFamily="34" charset="0"/>
-                          <a:ea typeface="+mn-ea"/>
-                          <a:cs typeface="+mn-cs"/>
-                        </a:rPr>
-                        <a:t> with Preserved Ejection Fraction (TIN HF)</a:t>
-                      </a:r>
-                      <a:endParaRPr lang="en-US" sz="1100" b="0" i="0" u="none" strike="noStrike" kern="1200" dirty="0">
-                        <a:solidFill>
-                          <a:srgbClr val="000000"/>
-                        </a:solidFill>
-                        <a:effectLst/>
-                        <a:latin typeface="Calibri" panose="020F0502020204030204" pitchFamily="34" charset="0"/>
-                        <a:ea typeface="+mn-ea"/>
-                        <a:cs typeface="+mn-cs"/>
-                      </a:endParaRPr>
-                    </a:p>
-                  </a:txBody>
-                  <a:tcPr marL="7620" marR="7620" marT="7620" marB="0" anchor="b"/>
-                </a:tc>
-                <a:tc>
-                  <a:txBody>
-                    <a:bodyPr/>
-                    <a:lstStyle/>
-                    <a:p>
-                      <a:pPr algn="l" fontAlgn="b"/>
-                      <a:r>
-                        <a:rPr lang="en-US" sz="1100" b="0" i="0" u="none" strike="noStrike" dirty="0">
-                          <a:solidFill>
-                            <a:srgbClr val="000000"/>
-                          </a:solidFill>
-                          <a:effectLst/>
-                          <a:latin typeface="Calibri" panose="020F0502020204030204" pitchFamily="34" charset="0"/>
-                        </a:rPr>
-                        <a:t>S. </a:t>
-                      </a:r>
-                      <a:r>
-                        <a:rPr lang="en-US" sz="1100" b="0" i="0" u="none" strike="noStrike" dirty="0" err="1">
-                          <a:solidFill>
-                            <a:srgbClr val="000000"/>
-                          </a:solidFill>
-                          <a:effectLst/>
-                          <a:latin typeface="Calibri" panose="020F0502020204030204" pitchFamily="34" charset="0"/>
-                        </a:rPr>
-                        <a:t>Stavrakis</a:t>
-                      </a:r>
-                      <a:endParaRPr lang="en-US" sz="1100" b="0" i="0" u="none" strike="noStrike" dirty="0">
-                        <a:solidFill>
-                          <a:srgbClr val="000000"/>
-                        </a:solidFill>
-                        <a:effectLst/>
-                        <a:latin typeface="Calibri" panose="020F0502020204030204" pitchFamily="34" charset="0"/>
-                      </a:endParaRPr>
-                    </a:p>
-                  </a:txBody>
-                  <a:tcPr marL="7620" marR="7620" marT="7620" marB="0" anchor="b"/>
-                </a:tc>
-                <a:tc>
-                  <a:txBody>
-                    <a:bodyPr/>
-                    <a:lstStyle/>
-                    <a:p>
-                      <a:pPr algn="l" fontAlgn="b"/>
-                      <a:r>
-                        <a:rPr lang="en-US" sz="1100" b="0" i="0" u="none" strike="noStrike" dirty="0">
-                          <a:solidFill>
-                            <a:srgbClr val="000000"/>
-                          </a:solidFill>
-                          <a:effectLst/>
-                          <a:latin typeface="Calibri" panose="020F0502020204030204" pitchFamily="34" charset="0"/>
-                        </a:rPr>
-                        <a:t>Cardiology</a:t>
-                      </a:r>
-                    </a:p>
-                  </a:txBody>
-                  <a:tcPr marL="7620" marR="7620" marT="7620" marB="0" anchor="b"/>
-                </a:tc>
-                <a:extLst>
-                  <a:ext uri="{0D108BD9-81ED-4DB2-BD59-A6C34878D82A}">
-                    <a16:rowId xmlns:a16="http://schemas.microsoft.com/office/drawing/2014/main" val="3562986470"/>
-                  </a:ext>
-                </a:extLst>
-              </a:tr>
-              <a:tr h="239252">
-                <a:tc>
-                  <a:txBody>
-                    <a:bodyPr/>
-                    <a:lstStyle/>
-                    <a:p>
-                      <a:pPr algn="l" fontAlgn="b"/>
-                      <a:r>
-                        <a:rPr lang="en-US" sz="1100" b="0" i="0" u="none" strike="noStrike" kern="1200" dirty="0">
-                          <a:solidFill>
-                            <a:srgbClr val="000000"/>
-                          </a:solidFill>
-                          <a:effectLst/>
-                          <a:latin typeface="Calibri" panose="020F0502020204030204" pitchFamily="34" charset="0"/>
-                          <a:ea typeface="+mn-ea"/>
-                          <a:cs typeface="+mn-cs"/>
-                        </a:rPr>
-                        <a:t>Management of Asthma</a:t>
-                      </a:r>
-                    </a:p>
-                  </a:txBody>
-                  <a:tcPr marL="7620" marR="7620" marT="7620" marB="0" anchor="b"/>
-                </a:tc>
-                <a:tc>
-                  <a:txBody>
-                    <a:bodyPr/>
-                    <a:lstStyle/>
-                    <a:p>
-                      <a:pPr algn="l" fontAlgn="b"/>
-                      <a:r>
-                        <a:rPr lang="en-US" sz="1100" b="0" i="0" u="none" strike="noStrike" dirty="0">
-                          <a:solidFill>
-                            <a:srgbClr val="000000"/>
-                          </a:solidFill>
-                          <a:effectLst/>
-                          <a:latin typeface="Calibri" panose="020F0502020204030204" pitchFamily="34" charset="0"/>
-                        </a:rPr>
-                        <a:t>M. Naifeh</a:t>
-                      </a:r>
-                    </a:p>
-                  </a:txBody>
-                  <a:tcPr marL="7620" marR="7620" marT="7620" marB="0" anchor="b"/>
-                </a:tc>
-                <a:tc>
-                  <a:txBody>
-                    <a:bodyPr/>
-                    <a:lstStyle/>
-                    <a:p>
-                      <a:pPr algn="l" fontAlgn="b"/>
-                      <a:r>
-                        <a:rPr lang="en-US" sz="1100" b="0" i="0" u="none" strike="noStrike" dirty="0">
-                          <a:solidFill>
-                            <a:srgbClr val="000000"/>
-                          </a:solidFill>
-                          <a:effectLst/>
-                          <a:latin typeface="Calibri" panose="020F0502020204030204" pitchFamily="34" charset="0"/>
-                        </a:rPr>
-                        <a:t>Pediatrics</a:t>
-                      </a:r>
-                    </a:p>
-                  </a:txBody>
-                  <a:tcPr marL="7620" marR="7620" marT="7620" marB="0" anchor="b"/>
-                </a:tc>
-                <a:extLst>
-                  <a:ext uri="{0D108BD9-81ED-4DB2-BD59-A6C34878D82A}">
-                    <a16:rowId xmlns:a16="http://schemas.microsoft.com/office/drawing/2014/main" val="1671168545"/>
-                  </a:ext>
-                </a:extLst>
-              </a:tr>
-              <a:tr h="239252">
-                <a:tc>
-                  <a:txBody>
-                    <a:bodyPr/>
-                    <a:lstStyle/>
-                    <a:p>
-                      <a:pPr algn="l" fontAlgn="b"/>
-                      <a:r>
-                        <a:rPr lang="en-US" sz="1100" b="0" i="0" u="none" strike="noStrike" kern="1200" dirty="0">
-                          <a:solidFill>
-                            <a:srgbClr val="000000"/>
-                          </a:solidFill>
-                          <a:effectLst/>
-                          <a:latin typeface="Calibri" panose="020F0502020204030204" pitchFamily="34" charset="0"/>
-                          <a:ea typeface="+mn-ea"/>
-                          <a:cs typeface="+mn-cs"/>
-                        </a:rPr>
-                        <a:t>VTE Automated</a:t>
-                      </a:r>
-                      <a:r>
-                        <a:rPr lang="en-US" sz="1100" b="0" i="0" u="none" strike="noStrike" kern="1200" baseline="0" dirty="0">
-                          <a:solidFill>
-                            <a:srgbClr val="000000"/>
-                          </a:solidFill>
-                          <a:effectLst/>
-                          <a:latin typeface="Calibri" panose="020F0502020204030204" pitchFamily="34" charset="0"/>
-                          <a:ea typeface="+mn-ea"/>
-                          <a:cs typeface="+mn-cs"/>
-                        </a:rPr>
-                        <a:t> </a:t>
-                      </a:r>
-                      <a:r>
-                        <a:rPr lang="en-US" sz="1100" b="0" i="0" u="none" strike="noStrike" kern="1200" dirty="0">
-                          <a:solidFill>
-                            <a:srgbClr val="000000"/>
-                          </a:solidFill>
-                          <a:effectLst/>
-                          <a:latin typeface="Calibri" panose="020F0502020204030204" pitchFamily="34" charset="0"/>
-                          <a:ea typeface="+mn-ea"/>
-                          <a:cs typeface="+mn-cs"/>
-                        </a:rPr>
-                        <a:t>Surveillance</a:t>
-                      </a:r>
-                    </a:p>
-                  </a:txBody>
-                  <a:tcPr marL="7620" marR="7620" marT="7620" marB="0" anchor="b"/>
-                </a:tc>
-                <a:tc>
-                  <a:txBody>
-                    <a:bodyPr/>
-                    <a:lstStyle/>
-                    <a:p>
-                      <a:pPr marL="0" indent="0" algn="l" fontAlgn="b">
-                        <a:buNone/>
-                      </a:pPr>
-                      <a:r>
-                        <a:rPr lang="en-US" sz="1100" b="0" i="0" u="none" strike="noStrike" baseline="0" dirty="0">
-                          <a:solidFill>
-                            <a:srgbClr val="000000"/>
-                          </a:solidFill>
-                          <a:effectLst/>
-                          <a:latin typeface="Calibri" panose="020F0502020204030204" pitchFamily="34" charset="0"/>
-                        </a:rPr>
-                        <a:t>A. </a:t>
-                      </a:r>
-                      <a:r>
-                        <a:rPr lang="en-US" sz="1100" b="0" i="0" u="none" strike="noStrike" baseline="0" dirty="0" err="1">
-                          <a:solidFill>
-                            <a:srgbClr val="000000"/>
-                          </a:solidFill>
-                          <a:effectLst/>
-                          <a:latin typeface="Calibri" panose="020F0502020204030204" pitchFamily="34" charset="0"/>
-                        </a:rPr>
-                        <a:t>Wendelboe</a:t>
-                      </a:r>
-                      <a:endParaRPr lang="en-US" sz="1100" b="0" i="0" u="none" strike="noStrike" dirty="0">
-                        <a:solidFill>
-                          <a:srgbClr val="000000"/>
-                        </a:solidFill>
-                        <a:effectLst/>
-                        <a:latin typeface="Calibri" panose="020F0502020204030204" pitchFamily="34" charset="0"/>
-                      </a:endParaRPr>
-                    </a:p>
-                  </a:txBody>
-                  <a:tcPr marL="7620" marR="7620" marT="7620" marB="0" anchor="b"/>
-                </a:tc>
-                <a:tc>
-                  <a:txBody>
-                    <a:bodyPr/>
-                    <a:lstStyle/>
-                    <a:p>
-                      <a:pPr algn="l" fontAlgn="b"/>
-                      <a:r>
-                        <a:rPr lang="en-US" sz="1100" b="0" i="0" u="none" strike="noStrike" dirty="0">
-                          <a:solidFill>
-                            <a:srgbClr val="000000"/>
-                          </a:solidFill>
-                          <a:effectLst/>
-                          <a:latin typeface="Calibri" panose="020F0502020204030204" pitchFamily="34" charset="0"/>
-                        </a:rPr>
-                        <a:t>Public</a:t>
-                      </a:r>
-                      <a:r>
-                        <a:rPr lang="en-US" sz="1100" b="0" i="0" u="none" strike="noStrike" baseline="0" dirty="0">
-                          <a:solidFill>
-                            <a:srgbClr val="000000"/>
-                          </a:solidFill>
-                          <a:effectLst/>
-                          <a:latin typeface="Calibri" panose="020F0502020204030204" pitchFamily="34" charset="0"/>
-                        </a:rPr>
-                        <a:t> Health</a:t>
-                      </a:r>
-                      <a:endParaRPr lang="en-US" sz="1100" b="0" i="0" u="none" strike="noStrike" dirty="0">
-                        <a:solidFill>
-                          <a:srgbClr val="000000"/>
-                        </a:solidFill>
-                        <a:effectLst/>
-                        <a:latin typeface="Calibri" panose="020F0502020204030204" pitchFamily="34" charset="0"/>
-                      </a:endParaRPr>
-                    </a:p>
-                  </a:txBody>
-                  <a:tcPr marL="7620" marR="7620" marT="7620" marB="0" anchor="b"/>
-                </a:tc>
-                <a:extLst>
-                  <a:ext uri="{0D108BD9-81ED-4DB2-BD59-A6C34878D82A}">
-                    <a16:rowId xmlns:a16="http://schemas.microsoft.com/office/drawing/2014/main" val="1894232362"/>
-                  </a:ext>
-                </a:extLst>
-              </a:tr>
-              <a:tr h="239252">
-                <a:tc>
-                  <a:txBody>
-                    <a:bodyPr/>
-                    <a:lstStyle/>
-                    <a:p>
-                      <a:pPr algn="l" fontAlgn="b"/>
-                      <a:r>
-                        <a:rPr lang="en-US" sz="1100" b="0" i="0" u="none" strike="noStrike" kern="1200" dirty="0">
-                          <a:solidFill>
-                            <a:srgbClr val="000000"/>
-                          </a:solidFill>
-                          <a:effectLst/>
-                          <a:latin typeface="Calibri" panose="020F0502020204030204" pitchFamily="34" charset="0"/>
-                          <a:ea typeface="+mn-ea"/>
-                          <a:cs typeface="+mn-cs"/>
-                        </a:rPr>
-                        <a:t>Oklahoma COVID19 Registry and Repository</a:t>
-                      </a:r>
-                    </a:p>
-                  </a:txBody>
-                  <a:tcPr marL="7620" marR="7620" marT="7620" marB="0" anchor="b"/>
-                </a:tc>
-                <a:tc>
-                  <a:txBody>
-                    <a:bodyPr/>
-                    <a:lstStyle/>
-                    <a:p>
-                      <a:pPr algn="l" fontAlgn="b"/>
-                      <a:r>
-                        <a:rPr lang="en-US" sz="1100" b="0" i="0" u="none" strike="noStrike" dirty="0">
-                          <a:solidFill>
-                            <a:srgbClr val="000000"/>
-                          </a:solidFill>
-                          <a:effectLst/>
-                          <a:latin typeface="Calibri" panose="020F0502020204030204" pitchFamily="34" charset="0"/>
-                        </a:rPr>
-                        <a:t>N. </a:t>
-                      </a:r>
-                      <a:r>
-                        <a:rPr lang="en-US" sz="1100" b="0" i="0" u="none" strike="noStrike" dirty="0" err="1">
-                          <a:solidFill>
-                            <a:srgbClr val="000000"/>
-                          </a:solidFill>
-                          <a:effectLst/>
-                          <a:latin typeface="Calibri" panose="020F0502020204030204" pitchFamily="34" charset="0"/>
-                        </a:rPr>
-                        <a:t>Agudelo</a:t>
-                      </a:r>
-                      <a:endParaRPr lang="en-US" sz="1100" b="0" i="0" u="none" strike="noStrike" dirty="0">
-                        <a:solidFill>
-                          <a:srgbClr val="000000"/>
-                        </a:solidFill>
-                        <a:effectLst/>
-                        <a:latin typeface="Calibri" panose="020F0502020204030204" pitchFamily="34" charset="0"/>
-                      </a:endParaRPr>
-                    </a:p>
-                  </a:txBody>
-                  <a:tcPr marL="7620" marR="7620" marT="7620" marB="0" anchor="b"/>
-                </a:tc>
-                <a:tc>
-                  <a:txBody>
-                    <a:bodyPr/>
-                    <a:lstStyle/>
-                    <a:p>
-                      <a:pPr algn="l" fontAlgn="b"/>
-                      <a:r>
-                        <a:rPr lang="en-US" sz="1100" b="0" i="0" u="none" strike="noStrike" dirty="0">
-                          <a:solidFill>
-                            <a:srgbClr val="000000"/>
-                          </a:solidFill>
-                          <a:effectLst/>
-                          <a:latin typeface="Calibri" panose="020F0502020204030204" pitchFamily="34" charset="0"/>
-                        </a:rPr>
-                        <a:t>Infectious</a:t>
-                      </a:r>
-                      <a:r>
-                        <a:rPr lang="en-US" sz="1100" b="0" i="0" u="none" strike="noStrike" baseline="0" dirty="0">
-                          <a:solidFill>
-                            <a:srgbClr val="000000"/>
-                          </a:solidFill>
-                          <a:effectLst/>
-                          <a:latin typeface="Calibri" panose="020F0502020204030204" pitchFamily="34" charset="0"/>
-                        </a:rPr>
-                        <a:t> Disease</a:t>
-                      </a:r>
-                      <a:endParaRPr lang="en-US" sz="1100" b="0" i="0" u="none" strike="noStrike" dirty="0">
-                        <a:solidFill>
-                          <a:srgbClr val="000000"/>
-                        </a:solidFill>
-                        <a:effectLst/>
-                        <a:latin typeface="Calibri" panose="020F0502020204030204" pitchFamily="34" charset="0"/>
-                      </a:endParaRPr>
-                    </a:p>
-                  </a:txBody>
-                  <a:tcPr marL="7620" marR="7620" marT="7620" marB="0" anchor="b"/>
-                </a:tc>
-                <a:extLst>
-                  <a:ext uri="{0D108BD9-81ED-4DB2-BD59-A6C34878D82A}">
-                    <a16:rowId xmlns:a16="http://schemas.microsoft.com/office/drawing/2014/main" val="2066418765"/>
-                  </a:ext>
-                </a:extLst>
-              </a:tr>
-            </a:tbl>
-          </a:graphicData>
-        </a:graphic>
-      </p:graphicFrame>
-      <p:sp>
-        <p:nvSpPr>
-          <p:cNvPr id="5" name="Rectangle 4"/>
-          <p:cNvSpPr/>
-          <p:nvPr/>
-        </p:nvSpPr>
-        <p:spPr>
-          <a:xfrm>
-            <a:off x="5468771" y="1615861"/>
-            <a:ext cx="734518" cy="276999"/>
-          </a:xfrm>
-          <a:prstGeom prst="rect">
-            <a:avLst/>
-          </a:prstGeom>
-          <a:noFill/>
-        </p:spPr>
-        <p:txBody>
-          <a:bodyPr wrap="square" lIns="91440" tIns="45720" rIns="91440" bIns="45720">
-            <a:spAutoFit/>
-          </a:bodyPr>
-          <a:lstStyle/>
-          <a:p>
-            <a:pPr algn="ctr"/>
-            <a:r>
-              <a:rPr lang="en-US" sz="1200" b="1" cap="none" spc="0" dirty="0">
-                <a:ln w="6600">
-                  <a:solidFill>
-                    <a:schemeClr val="accent2"/>
-                  </a:solidFill>
-                  <a:prstDash val="solid"/>
-                </a:ln>
-                <a:solidFill>
-                  <a:srgbClr val="FFFFFF"/>
-                </a:solidFill>
-                <a:effectLst>
-                  <a:outerShdw dist="38100" dir="2700000" algn="tl" rotWithShape="0">
-                    <a:schemeClr val="accent2"/>
-                  </a:outerShdw>
-                </a:effectLst>
-              </a:rPr>
-              <a:t>Registry</a:t>
-            </a:r>
-          </a:p>
-        </p:txBody>
-      </p:sp>
-      <p:sp>
-        <p:nvSpPr>
-          <p:cNvPr id="7" name="Title 1"/>
-          <p:cNvSpPr txBox="1">
-            <a:spLocks/>
-          </p:cNvSpPr>
-          <p:nvPr/>
-        </p:nvSpPr>
-        <p:spPr>
-          <a:xfrm>
-            <a:off x="699247" y="83257"/>
-            <a:ext cx="10515600" cy="985149"/>
-          </a:xfrm>
-          <a:prstGeom prst="rect">
-            <a:avLst/>
-          </a:prstGeom>
-        </p:spPr>
-        <p:txBody>
-          <a:bodyPr vert="horz" lIns="91440" tIns="45720" rIns="91440" bIns="45720" rtlCol="0" anchor="ctr">
-            <a:normAutofit fontScale="37500" lnSpcReduction="20000"/>
-          </a:bodyPr>
-          <a:lstStyle>
-            <a:lvl1pPr algn="l" defTabSz="914400" rtl="0" eaLnBrk="1" latinLnBrk="0" hangingPunct="1">
-              <a:lnSpc>
-                <a:spcPct val="90000"/>
-              </a:lnSpc>
-              <a:spcBef>
-                <a:spcPct val="0"/>
-              </a:spcBef>
-              <a:buNone/>
-              <a:defRPr sz="4400" kern="1200">
-                <a:solidFill>
-                  <a:schemeClr val="tx1"/>
-                </a:solidFill>
-                <a:latin typeface="+mj-lt"/>
-                <a:ea typeface="+mj-ea"/>
-                <a:cs typeface="+mj-cs"/>
-              </a:defRPr>
-            </a:lvl1pPr>
-          </a:lstStyle>
-          <a:p>
-            <a:pPr algn="ctr">
-              <a:lnSpc>
-                <a:spcPct val="120000"/>
-              </a:lnSpc>
-            </a:pPr>
-            <a:r>
-              <a:rPr lang="en-US" sz="8500" b="1" i="1" dirty="0">
-                <a:solidFill>
-                  <a:srgbClr val="0070C0"/>
-                </a:solidFill>
-              </a:rPr>
-              <a:t>Clinical Trials &amp; Other Research Studies Supported by the CRDW</a:t>
-            </a:r>
-            <a:r>
-              <a:rPr lang="en-US" sz="7100" b="1" i="1" dirty="0">
-                <a:solidFill>
-                  <a:srgbClr val="0070C0"/>
-                </a:solidFill>
-              </a:rPr>
-              <a:t/>
-            </a:r>
-            <a:br>
-              <a:rPr lang="en-US" sz="7100" b="1" i="1" dirty="0">
-                <a:solidFill>
-                  <a:srgbClr val="0070C0"/>
-                </a:solidFill>
-              </a:rPr>
-            </a:br>
-            <a:r>
-              <a:rPr lang="en-US" sz="6200" dirty="0">
-                <a:solidFill>
-                  <a:schemeClr val="bg1">
-                    <a:lumMod val="50000"/>
-                  </a:schemeClr>
-                </a:solidFill>
-              </a:rPr>
-              <a:t>since 2017; page 4</a:t>
-            </a:r>
-          </a:p>
-        </p:txBody>
-      </p:sp>
-      <p:graphicFrame>
-        <p:nvGraphicFramePr>
-          <p:cNvPr id="6" name="Table 5"/>
-          <p:cNvGraphicFramePr>
-            <a:graphicFrameLocks noGrp="1"/>
-          </p:cNvGraphicFramePr>
-          <p:nvPr/>
-        </p:nvGraphicFramePr>
-        <p:xfrm>
-          <a:off x="6203287" y="1345919"/>
-          <a:ext cx="5563262" cy="4865472"/>
-        </p:xfrm>
-        <a:graphic>
-          <a:graphicData uri="http://schemas.openxmlformats.org/drawingml/2006/table">
-            <a:tbl>
-              <a:tblPr>
-                <a:tableStyleId>{5C22544A-7EE6-4342-B048-85BDC9FD1C3A}</a:tableStyleId>
-              </a:tblPr>
-              <a:tblGrid>
-                <a:gridCol w="3451486">
-                  <a:extLst>
-                    <a:ext uri="{9D8B030D-6E8A-4147-A177-3AD203B41FA5}">
-                      <a16:colId xmlns:a16="http://schemas.microsoft.com/office/drawing/2014/main" val="1356431335"/>
-                    </a:ext>
-                  </a:extLst>
-                </a:gridCol>
-                <a:gridCol w="697764">
-                  <a:extLst>
-                    <a:ext uri="{9D8B030D-6E8A-4147-A177-3AD203B41FA5}">
-                      <a16:colId xmlns:a16="http://schemas.microsoft.com/office/drawing/2014/main" val="4074852346"/>
-                    </a:ext>
-                  </a:extLst>
-                </a:gridCol>
-                <a:gridCol w="1414012">
-                  <a:extLst>
-                    <a:ext uri="{9D8B030D-6E8A-4147-A177-3AD203B41FA5}">
-                      <a16:colId xmlns:a16="http://schemas.microsoft.com/office/drawing/2014/main" val="715510892"/>
-                    </a:ext>
-                  </a:extLst>
-                </a:gridCol>
-              </a:tblGrid>
-              <a:tr h="237037">
-                <a:tc>
-                  <a:txBody>
-                    <a:bodyPr/>
-                    <a:lstStyle/>
-                    <a:p>
-                      <a:pPr algn="l" fontAlgn="b"/>
-                      <a:r>
-                        <a:rPr lang="en-US" sz="1100" b="1" u="none" strike="noStrike" dirty="0">
-                          <a:effectLst/>
-                        </a:rPr>
-                        <a:t>Short Name</a:t>
-                      </a:r>
-                      <a:endParaRPr lang="en-US" sz="1100" b="1" i="0" u="none" strike="noStrike" dirty="0">
-                        <a:solidFill>
-                          <a:srgbClr val="000000"/>
-                        </a:solidFill>
-                        <a:effectLst/>
-                        <a:latin typeface="Calibri" panose="020F0502020204030204" pitchFamily="34" charset="0"/>
-                      </a:endParaRPr>
-                    </a:p>
-                  </a:txBody>
-                  <a:tcPr marL="7620" marR="7620" marT="7620" marB="0" anchor="b"/>
-                </a:tc>
-                <a:tc>
-                  <a:txBody>
-                    <a:bodyPr/>
-                    <a:lstStyle/>
-                    <a:p>
-                      <a:pPr algn="l" fontAlgn="b"/>
-                      <a:r>
-                        <a:rPr lang="en-US" sz="1100" b="1" u="none" strike="noStrike" dirty="0">
-                          <a:effectLst/>
-                        </a:rPr>
-                        <a:t>PI</a:t>
-                      </a:r>
-                      <a:endParaRPr lang="en-US" sz="1100" b="1" i="0" u="none" strike="noStrike" dirty="0">
-                        <a:solidFill>
-                          <a:srgbClr val="000000"/>
-                        </a:solidFill>
-                        <a:effectLst/>
-                        <a:latin typeface="Calibri" panose="020F0502020204030204" pitchFamily="34" charset="0"/>
-                      </a:endParaRPr>
-                    </a:p>
-                  </a:txBody>
-                  <a:tcPr marL="7620" marR="7620" marT="7620" marB="0" anchor="b"/>
-                </a:tc>
-                <a:tc>
-                  <a:txBody>
-                    <a:bodyPr/>
-                    <a:lstStyle/>
-                    <a:p>
-                      <a:pPr algn="l" fontAlgn="b"/>
-                      <a:r>
-                        <a:rPr lang="en-US" sz="1100" b="1" u="none" strike="noStrike" dirty="0">
-                          <a:effectLst/>
-                        </a:rPr>
-                        <a:t>Department/Specialty</a:t>
-                      </a:r>
-                      <a:endParaRPr lang="en-US" sz="1100" b="1" i="0" u="none" strike="noStrike" dirty="0">
-                        <a:solidFill>
-                          <a:srgbClr val="000000"/>
-                        </a:solidFill>
-                        <a:effectLst/>
-                        <a:latin typeface="Calibri" panose="020F0502020204030204" pitchFamily="34" charset="0"/>
-                      </a:endParaRPr>
-                    </a:p>
-                  </a:txBody>
-                  <a:tcPr marL="7620" marR="7620" marT="7620" marB="0" anchor="b"/>
-                </a:tc>
-                <a:extLst>
-                  <a:ext uri="{0D108BD9-81ED-4DB2-BD59-A6C34878D82A}">
-                    <a16:rowId xmlns:a16="http://schemas.microsoft.com/office/drawing/2014/main" val="1236399335"/>
-                  </a:ext>
-                </a:extLst>
-              </a:tr>
-              <a:tr h="237037">
-                <a:tc>
-                  <a:txBody>
-                    <a:bodyPr/>
-                    <a:lstStyle/>
-                    <a:p>
-                      <a:pPr algn="l" fontAlgn="b"/>
-                      <a:r>
-                        <a:rPr lang="en-US" sz="1100" b="0" i="0" u="none" strike="noStrike" kern="1200" baseline="0" dirty="0">
-                          <a:solidFill>
-                            <a:srgbClr val="000000"/>
-                          </a:solidFill>
-                          <a:effectLst/>
-                          <a:latin typeface="Calibri" panose="020F0502020204030204" pitchFamily="34" charset="0"/>
-                          <a:ea typeface="+mn-ea"/>
-                          <a:cs typeface="+mn-cs"/>
-                        </a:rPr>
-                        <a:t>Patterns of Clinical Deterioration in Critically Ill Children</a:t>
-                      </a:r>
-                    </a:p>
-                  </a:txBody>
-                  <a:tcPr marL="7620" marR="7620" marT="7620" marB="0" anchor="b"/>
-                </a:tc>
-                <a:tc>
-                  <a:txBody>
-                    <a:bodyPr/>
-                    <a:lstStyle/>
-                    <a:p>
-                      <a:pPr algn="l" fontAlgn="b"/>
-                      <a:r>
-                        <a:rPr lang="en-US" sz="1100" b="0" i="0" u="none" strike="noStrike" dirty="0">
-                          <a:solidFill>
-                            <a:srgbClr val="000000"/>
-                          </a:solidFill>
-                          <a:effectLst/>
-                          <a:latin typeface="Calibri" panose="020F0502020204030204" pitchFamily="34" charset="0"/>
-                        </a:rPr>
-                        <a:t>S. Brown</a:t>
-                      </a:r>
-                    </a:p>
-                  </a:txBody>
-                  <a:tcPr marL="7620" marR="7620" marT="7620" marB="0" anchor="b"/>
-                </a:tc>
-                <a:tc>
-                  <a:txBody>
-                    <a:bodyPr/>
-                    <a:lstStyle/>
-                    <a:p>
-                      <a:pPr algn="l" fontAlgn="b"/>
-                      <a:r>
-                        <a:rPr lang="en-US" sz="1100" b="0" i="0" u="none" strike="noStrike" dirty="0">
-                          <a:solidFill>
-                            <a:srgbClr val="000000"/>
-                          </a:solidFill>
-                          <a:effectLst/>
-                          <a:latin typeface="Calibri" panose="020F0502020204030204" pitchFamily="34" charset="0"/>
-                        </a:rPr>
-                        <a:t>Pediatrics</a:t>
-                      </a:r>
-                    </a:p>
-                  </a:txBody>
-                  <a:tcPr marL="7620" marR="7620" marT="7620" marB="0" anchor="b"/>
-                </a:tc>
-                <a:extLst>
-                  <a:ext uri="{0D108BD9-81ED-4DB2-BD59-A6C34878D82A}">
-                    <a16:rowId xmlns:a16="http://schemas.microsoft.com/office/drawing/2014/main" val="10001"/>
-                  </a:ext>
-                </a:extLst>
-              </a:tr>
-              <a:tr h="339725">
-                <a:tc>
-                  <a:txBody>
-                    <a:bodyPr/>
-                    <a:lstStyle/>
-                    <a:p>
-                      <a:pPr algn="l" fontAlgn="b"/>
-                      <a:r>
-                        <a:rPr lang="en-US" sz="1100" b="0" i="0" u="none" strike="noStrike" kern="1200" dirty="0">
-                          <a:solidFill>
-                            <a:srgbClr val="000000"/>
-                          </a:solidFill>
-                          <a:effectLst/>
-                          <a:latin typeface="Calibri" panose="020F0502020204030204" pitchFamily="34" charset="0"/>
-                          <a:ea typeface="+mn-ea"/>
-                          <a:cs typeface="+mn-cs"/>
-                        </a:rPr>
-                        <a:t>Incidence</a:t>
-                      </a:r>
-                      <a:r>
-                        <a:rPr lang="en-US" sz="1100" b="0" i="0" u="none" strike="noStrike" kern="1200" baseline="0" dirty="0">
-                          <a:solidFill>
-                            <a:srgbClr val="000000"/>
-                          </a:solidFill>
-                          <a:effectLst/>
-                          <a:latin typeface="Calibri" panose="020F0502020204030204" pitchFamily="34" charset="0"/>
-                          <a:ea typeface="+mn-ea"/>
-                          <a:cs typeface="+mn-cs"/>
-                        </a:rPr>
-                        <a:t> &amp; Risk Factors of NSAID Use in Post-Operative Patients</a:t>
-                      </a:r>
-                      <a:endParaRPr lang="en-US" sz="1100" b="0" i="0" u="none" strike="noStrike" kern="1200" dirty="0">
-                        <a:solidFill>
-                          <a:srgbClr val="000000"/>
-                        </a:solidFill>
-                        <a:effectLst/>
-                        <a:latin typeface="Calibri" panose="020F0502020204030204" pitchFamily="34" charset="0"/>
-                        <a:ea typeface="+mn-ea"/>
-                        <a:cs typeface="+mn-cs"/>
-                      </a:endParaRPr>
-                    </a:p>
-                  </a:txBody>
-                  <a:tcPr marL="7620" marR="7620" marT="7620" marB="0" anchor="b"/>
-                </a:tc>
-                <a:tc>
-                  <a:txBody>
-                    <a:bodyPr/>
-                    <a:lstStyle/>
-                    <a:p>
-                      <a:pPr algn="l" fontAlgn="b"/>
-                      <a:r>
-                        <a:rPr lang="en-US" sz="1100" b="0" i="0" u="none" strike="noStrike" dirty="0">
-                          <a:solidFill>
-                            <a:srgbClr val="000000"/>
-                          </a:solidFill>
-                          <a:effectLst/>
-                          <a:latin typeface="Calibri" panose="020F0502020204030204" pitchFamily="34" charset="0"/>
-                        </a:rPr>
-                        <a:t>H. </a:t>
-                      </a:r>
-                      <a:r>
-                        <a:rPr lang="en-US" sz="1100" b="0" i="0" u="none" strike="noStrike" dirty="0" err="1">
-                          <a:solidFill>
-                            <a:srgbClr val="000000"/>
-                          </a:solidFill>
-                          <a:effectLst/>
-                          <a:latin typeface="Calibri" panose="020F0502020204030204" pitchFamily="34" charset="0"/>
-                        </a:rPr>
-                        <a:t>Bitar</a:t>
-                      </a:r>
-                      <a:endParaRPr lang="en-US" sz="1100" b="0" i="0" u="none" strike="noStrike" dirty="0">
-                        <a:solidFill>
-                          <a:srgbClr val="000000"/>
-                        </a:solidFill>
-                        <a:effectLst/>
-                        <a:latin typeface="Calibri" panose="020F0502020204030204" pitchFamily="34" charset="0"/>
-                      </a:endParaRPr>
-                    </a:p>
-                  </a:txBody>
-                  <a:tcPr marL="7620" marR="7620" marT="7620" marB="0" anchor="b"/>
-                </a:tc>
-                <a:tc>
-                  <a:txBody>
-                    <a:bodyPr/>
-                    <a:lstStyle/>
-                    <a:p>
-                      <a:pPr algn="l" fontAlgn="b"/>
-                      <a:r>
-                        <a:rPr lang="en-US" sz="1100" b="0" i="0" u="none" strike="noStrike" dirty="0">
-                          <a:solidFill>
-                            <a:srgbClr val="000000"/>
-                          </a:solidFill>
-                          <a:effectLst/>
-                          <a:latin typeface="Calibri" panose="020F0502020204030204" pitchFamily="34" charset="0"/>
-                        </a:rPr>
-                        <a:t>Gastroenterology</a:t>
-                      </a:r>
-                    </a:p>
-                  </a:txBody>
-                  <a:tcPr marL="7620" marR="7620" marT="7620" marB="0" anchor="b"/>
-                </a:tc>
-                <a:extLst>
-                  <a:ext uri="{0D108BD9-81ED-4DB2-BD59-A6C34878D82A}">
-                    <a16:rowId xmlns:a16="http://schemas.microsoft.com/office/drawing/2014/main" val="3548785687"/>
-                  </a:ext>
-                </a:extLst>
-              </a:tr>
-              <a:tr h="339725">
-                <a:tc>
-                  <a:txBody>
-                    <a:bodyPr/>
-                    <a:lstStyle/>
-                    <a:p>
-                      <a:pPr algn="l" fontAlgn="b"/>
-                      <a:r>
-                        <a:rPr lang="en-US" sz="1100" b="0" i="0" u="none" strike="noStrike" kern="1200" baseline="0" dirty="0">
-                          <a:solidFill>
-                            <a:srgbClr val="000000"/>
-                          </a:solidFill>
-                          <a:effectLst/>
-                          <a:latin typeface="Calibri" panose="020F0502020204030204" pitchFamily="34" charset="0"/>
-                          <a:ea typeface="+mn-ea"/>
-                          <a:cs typeface="+mn-cs"/>
-                        </a:rPr>
-                        <a:t>Tube Complications in Pediatric Patients with Congenital Heart Disease</a:t>
-                      </a:r>
-                    </a:p>
-                  </a:txBody>
-                  <a:tcPr marL="7620" marR="7620" marT="7620" marB="0" anchor="b"/>
-                </a:tc>
-                <a:tc>
-                  <a:txBody>
-                    <a:bodyPr/>
-                    <a:lstStyle/>
-                    <a:p>
-                      <a:pPr algn="l" fontAlgn="b"/>
-                      <a:r>
-                        <a:rPr lang="en-US" sz="1100" b="0" i="0" u="none" strike="noStrike" dirty="0">
-                          <a:solidFill>
-                            <a:srgbClr val="000000"/>
-                          </a:solidFill>
-                          <a:effectLst/>
-                          <a:latin typeface="Calibri" panose="020F0502020204030204" pitchFamily="34" charset="0"/>
-                        </a:rPr>
-                        <a:t>C. Hunter</a:t>
-                      </a:r>
-                    </a:p>
-                  </a:txBody>
-                  <a:tcPr marL="7620" marR="7620" marT="7620" marB="0" anchor="b"/>
-                </a:tc>
-                <a:tc>
-                  <a:txBody>
-                    <a:bodyPr/>
-                    <a:lstStyle/>
-                    <a:p>
-                      <a:pPr algn="l" fontAlgn="b"/>
-                      <a:r>
-                        <a:rPr lang="en-US" sz="1100" b="0" i="0" u="none" strike="noStrike" dirty="0">
-                          <a:solidFill>
-                            <a:srgbClr val="000000"/>
-                          </a:solidFill>
-                          <a:effectLst/>
-                          <a:latin typeface="Calibri" panose="020F0502020204030204" pitchFamily="34" charset="0"/>
-                        </a:rPr>
-                        <a:t>Pediatrics</a:t>
-                      </a:r>
-                    </a:p>
-                  </a:txBody>
-                  <a:tcPr marL="7620" marR="7620" marT="7620" marB="0" anchor="b"/>
-                </a:tc>
-                <a:extLst>
-                  <a:ext uri="{0D108BD9-81ED-4DB2-BD59-A6C34878D82A}">
-                    <a16:rowId xmlns:a16="http://schemas.microsoft.com/office/drawing/2014/main" val="949879066"/>
-                  </a:ext>
-                </a:extLst>
-              </a:tr>
-              <a:tr h="350025">
-                <a:tc>
-                  <a:txBody>
-                    <a:bodyPr/>
-                    <a:lstStyle/>
-                    <a:p>
-                      <a:pPr algn="l" fontAlgn="b"/>
-                      <a:r>
-                        <a:rPr lang="en-US" sz="1100" b="0" i="0" u="none" strike="noStrike" kern="1200" baseline="0" dirty="0">
-                          <a:solidFill>
-                            <a:srgbClr val="000000"/>
-                          </a:solidFill>
-                          <a:effectLst/>
-                          <a:latin typeface="Calibri" panose="020F0502020204030204" pitchFamily="34" charset="0"/>
-                          <a:ea typeface="+mn-ea"/>
-                          <a:cs typeface="+mn-cs"/>
-                        </a:rPr>
-                        <a:t>Medical marijuana legalization in Oklahoma: effects on neonatal exposure to opiates</a:t>
-                      </a:r>
-                    </a:p>
-                  </a:txBody>
-                  <a:tcPr marL="7620" marR="7620" marT="7620" marB="0" anchor="b"/>
-                </a:tc>
-                <a:tc>
-                  <a:txBody>
-                    <a:bodyPr/>
-                    <a:lstStyle/>
-                    <a:p>
-                      <a:pPr marL="0" indent="0" algn="l" fontAlgn="b">
-                        <a:buAutoNum type="alphaUcPeriod"/>
-                      </a:pPr>
-                      <a:r>
-                        <a:rPr lang="en-US" sz="1100" b="0" i="0" u="none" strike="noStrike" baseline="0" dirty="0">
-                          <a:solidFill>
-                            <a:srgbClr val="000000"/>
-                          </a:solidFill>
-                          <a:effectLst/>
-                          <a:latin typeface="Calibri" panose="020F0502020204030204" pitchFamily="34" charset="0"/>
-                        </a:rPr>
-                        <a:t> </a:t>
-                      </a:r>
-                      <a:r>
-                        <a:rPr lang="en-US" sz="1100" b="0" i="0" u="none" strike="noStrike" baseline="0" dirty="0" err="1">
-                          <a:solidFill>
-                            <a:srgbClr val="000000"/>
-                          </a:solidFill>
-                          <a:effectLst/>
-                          <a:latin typeface="Calibri" panose="020F0502020204030204" pitchFamily="34" charset="0"/>
-                        </a:rPr>
-                        <a:t>Makkar</a:t>
-                      </a:r>
-                      <a:endParaRPr lang="en-US" sz="1100" b="0" i="0" u="none" strike="noStrike" dirty="0">
-                        <a:solidFill>
-                          <a:srgbClr val="000000"/>
-                        </a:solidFill>
-                        <a:effectLst/>
-                        <a:latin typeface="Calibri" panose="020F0502020204030204" pitchFamily="34" charset="0"/>
-                      </a:endParaRPr>
-                    </a:p>
-                  </a:txBody>
-                  <a:tcPr marL="7620" marR="7620" marT="7620" marB="0" anchor="b"/>
-                </a:tc>
-                <a:tc>
-                  <a:txBody>
-                    <a:bodyPr/>
-                    <a:lstStyle/>
-                    <a:p>
-                      <a:pPr algn="l" fontAlgn="b"/>
-                      <a:r>
-                        <a:rPr lang="en-US" sz="1100" b="0" i="0" u="none" strike="noStrike" dirty="0">
-                          <a:solidFill>
-                            <a:srgbClr val="000000"/>
-                          </a:solidFill>
-                          <a:effectLst/>
-                          <a:latin typeface="Calibri" panose="020F0502020204030204" pitchFamily="34" charset="0"/>
-                        </a:rPr>
-                        <a:t>Pediatrics</a:t>
-                      </a:r>
-                    </a:p>
-                  </a:txBody>
-                  <a:tcPr marL="7620" marR="7620" marT="7620" marB="0" anchor="b"/>
-                </a:tc>
-                <a:extLst>
-                  <a:ext uri="{0D108BD9-81ED-4DB2-BD59-A6C34878D82A}">
-                    <a16:rowId xmlns:a16="http://schemas.microsoft.com/office/drawing/2014/main" val="3222670053"/>
-                  </a:ext>
-                </a:extLst>
-              </a:tr>
-              <a:tr h="339725">
-                <a:tc>
-                  <a:txBody>
-                    <a:bodyPr/>
-                    <a:lstStyle/>
-                    <a:p>
-                      <a:pPr algn="l" fontAlgn="b"/>
-                      <a:r>
-                        <a:rPr lang="en-US" sz="1100" b="0" i="0" u="none" strike="noStrike" kern="1200" baseline="0" dirty="0" err="1">
-                          <a:solidFill>
-                            <a:srgbClr val="000000"/>
-                          </a:solidFill>
-                          <a:effectLst/>
-                          <a:latin typeface="Calibri" panose="020F0502020204030204" pitchFamily="34" charset="0"/>
-                          <a:ea typeface="+mn-ea"/>
-                          <a:cs typeface="+mn-cs"/>
-                        </a:rPr>
-                        <a:t>PROSpect</a:t>
-                      </a:r>
-                      <a:r>
-                        <a:rPr lang="en-US" sz="1100" b="0" i="0" u="none" strike="noStrike" kern="1200" baseline="0" dirty="0">
-                          <a:solidFill>
-                            <a:srgbClr val="000000"/>
-                          </a:solidFill>
-                          <a:effectLst/>
-                          <a:latin typeface="Calibri" panose="020F0502020204030204" pitchFamily="34" charset="0"/>
-                          <a:ea typeface="+mn-ea"/>
-                          <a:cs typeface="+mn-cs"/>
-                        </a:rPr>
-                        <a:t>: Prone and Oscillation Pediatric Clinical Trial COVID-19 Supplement</a:t>
-                      </a:r>
-                    </a:p>
-                  </a:txBody>
-                  <a:tcPr marL="7620" marR="7620" marT="7620" marB="0" anchor="b"/>
-                </a:tc>
-                <a:tc>
-                  <a:txBody>
-                    <a:bodyPr/>
-                    <a:lstStyle/>
-                    <a:p>
-                      <a:pPr marL="0" indent="0" algn="l" fontAlgn="b">
-                        <a:buNone/>
-                      </a:pPr>
-                      <a:r>
-                        <a:rPr lang="en-US" sz="1100" b="0" i="0" u="none" strike="noStrike" dirty="0">
-                          <a:solidFill>
-                            <a:srgbClr val="000000"/>
-                          </a:solidFill>
-                          <a:effectLst/>
-                          <a:latin typeface="Calibri" panose="020F0502020204030204" pitchFamily="34" charset="0"/>
-                        </a:rPr>
-                        <a:t>E. Henry</a:t>
-                      </a:r>
-                    </a:p>
-                  </a:txBody>
-                  <a:tcPr marL="7620" marR="7620" marT="7620" marB="0" anchor="b"/>
-                </a:tc>
-                <a:tc>
-                  <a:txBody>
-                    <a:bodyPr/>
-                    <a:lstStyle/>
-                    <a:p>
-                      <a:pPr algn="l" fontAlgn="b"/>
-                      <a:r>
-                        <a:rPr lang="en-US" sz="1100" b="0" i="0" u="none" strike="noStrike" dirty="0">
-                          <a:solidFill>
-                            <a:srgbClr val="000000"/>
-                          </a:solidFill>
-                          <a:effectLst/>
-                          <a:latin typeface="Calibri" panose="020F0502020204030204" pitchFamily="34" charset="0"/>
-                        </a:rPr>
-                        <a:t>Pediatrics</a:t>
-                      </a:r>
-                    </a:p>
-                  </a:txBody>
-                  <a:tcPr marL="7620" marR="7620" marT="7620" marB="0" anchor="b"/>
-                </a:tc>
-                <a:extLst>
-                  <a:ext uri="{0D108BD9-81ED-4DB2-BD59-A6C34878D82A}">
-                    <a16:rowId xmlns:a16="http://schemas.microsoft.com/office/drawing/2014/main" val="1661099666"/>
-                  </a:ext>
-                </a:extLst>
-              </a:tr>
-              <a:tr h="338215">
-                <a:tc>
-                  <a:txBody>
-                    <a:bodyPr/>
-                    <a:lstStyle/>
-                    <a:p>
-                      <a:pPr algn="l" fontAlgn="b"/>
-                      <a:r>
-                        <a:rPr lang="en-US" sz="1100" b="0" i="0" u="none" strike="noStrike" kern="1200" baseline="0" dirty="0">
-                          <a:solidFill>
-                            <a:schemeClr val="tx1"/>
-                          </a:solidFill>
-                          <a:effectLst/>
-                          <a:latin typeface="Calibri" panose="020F0502020204030204" pitchFamily="34" charset="0"/>
-                          <a:ea typeface="+mn-ea"/>
-                          <a:cs typeface="+mn-cs"/>
-                        </a:rPr>
-                        <a:t>Addressing Epidemiologic Gaps in Immune Thrombocytopenia: Pregnant and African American Patients</a:t>
-                      </a:r>
-                    </a:p>
-                  </a:txBody>
-                  <a:tcPr marL="7620" marR="7620" marT="7620" marB="0" anchor="b"/>
-                </a:tc>
-                <a:tc>
-                  <a:txBody>
-                    <a:bodyPr/>
-                    <a:lstStyle/>
-                    <a:p>
-                      <a:pPr algn="l" fontAlgn="b"/>
-                      <a:r>
-                        <a:rPr lang="en-US" sz="1100" b="0" i="0" u="none" strike="noStrike" dirty="0">
-                          <a:solidFill>
-                            <a:schemeClr val="tx1"/>
-                          </a:solidFill>
-                          <a:effectLst/>
-                          <a:latin typeface="Calibri" panose="020F0502020204030204" pitchFamily="34" charset="0"/>
-                        </a:rPr>
-                        <a:t>D. Terrell</a:t>
-                      </a:r>
-                    </a:p>
-                  </a:txBody>
-                  <a:tcPr marL="7620" marR="7620" marT="7620" marB="0" anchor="b"/>
-                </a:tc>
-                <a:tc>
-                  <a:txBody>
-                    <a:bodyPr/>
-                    <a:lstStyle/>
-                    <a:p>
-                      <a:pPr algn="l" fontAlgn="b"/>
-                      <a:r>
-                        <a:rPr lang="en-US" sz="1100" b="0" i="0" u="none" strike="noStrike" dirty="0">
-                          <a:solidFill>
-                            <a:schemeClr val="tx1"/>
-                          </a:solidFill>
-                          <a:effectLst/>
-                          <a:latin typeface="Calibri" panose="020F0502020204030204" pitchFamily="34" charset="0"/>
-                        </a:rPr>
-                        <a:t>Public Health</a:t>
-                      </a:r>
-                    </a:p>
-                  </a:txBody>
-                  <a:tcPr marL="7620" marR="7620" marT="7620" marB="0" anchor="b"/>
-                </a:tc>
-                <a:extLst>
-                  <a:ext uri="{0D108BD9-81ED-4DB2-BD59-A6C34878D82A}">
-                    <a16:rowId xmlns:a16="http://schemas.microsoft.com/office/drawing/2014/main" val="4172047643"/>
-                  </a:ext>
-                </a:extLst>
-              </a:tr>
-              <a:tr h="237037">
-                <a:tc>
-                  <a:txBody>
-                    <a:bodyPr/>
-                    <a:lstStyle/>
-                    <a:p>
-                      <a:pPr algn="l" fontAlgn="b"/>
-                      <a:r>
-                        <a:rPr lang="en-US" sz="1100" b="0" i="0" u="none" strike="noStrike" kern="1200" baseline="0" dirty="0">
-                          <a:solidFill>
-                            <a:schemeClr val="tx1"/>
-                          </a:solidFill>
-                          <a:effectLst/>
-                          <a:latin typeface="Calibri" panose="020F0502020204030204" pitchFamily="34" charset="0"/>
-                          <a:ea typeface="+mn-ea"/>
-                          <a:cs typeface="+mn-cs"/>
-                        </a:rPr>
-                        <a:t>TBD</a:t>
-                      </a:r>
-                    </a:p>
-                  </a:txBody>
-                  <a:tcPr marL="7620" marR="7620" marT="7620" marB="0" anchor="b"/>
-                </a:tc>
-                <a:tc>
-                  <a:txBody>
-                    <a:bodyPr/>
-                    <a:lstStyle/>
-                    <a:p>
-                      <a:pPr marL="0" indent="0" algn="l" fontAlgn="b">
-                        <a:buNone/>
-                      </a:pPr>
-                      <a:r>
-                        <a:rPr lang="en-US" sz="1100" b="0" i="0" u="none" strike="noStrike" kern="1200" baseline="0" dirty="0">
-                          <a:solidFill>
-                            <a:schemeClr val="tx1"/>
-                          </a:solidFill>
-                          <a:effectLst/>
-                          <a:latin typeface="Calibri" panose="020F0502020204030204" pitchFamily="34" charset="0"/>
-                          <a:ea typeface="+mn-ea"/>
-                          <a:cs typeface="+mn-cs"/>
-                        </a:rPr>
-                        <a:t>A. Paul</a:t>
-                      </a:r>
-                    </a:p>
-                  </a:txBody>
-                  <a:tcPr marL="7620" marR="7620" marT="7620" marB="0" anchor="b"/>
-                </a:tc>
-                <a:tc>
-                  <a:txBody>
-                    <a:bodyPr/>
-                    <a:lstStyle/>
-                    <a:p>
-                      <a:pPr marL="0" marR="0" lvl="0" indent="0" algn="l" defTabSz="914400" rtl="0" eaLnBrk="1" fontAlgn="b" latinLnBrk="0" hangingPunct="1">
-                        <a:lnSpc>
-                          <a:spcPct val="100000"/>
-                        </a:lnSpc>
-                        <a:spcBef>
-                          <a:spcPts val="0"/>
-                        </a:spcBef>
-                        <a:spcAft>
-                          <a:spcPts val="0"/>
-                        </a:spcAft>
-                        <a:buClrTx/>
-                        <a:buSzTx/>
-                        <a:buFontTx/>
-                        <a:buNone/>
-                        <a:tabLst/>
-                        <a:defRPr/>
-                      </a:pPr>
-                      <a:r>
-                        <a:rPr lang="en-US" sz="1100" b="0" i="0" u="none" strike="noStrike" kern="1200" dirty="0">
-                          <a:solidFill>
-                            <a:schemeClr val="tx1"/>
-                          </a:solidFill>
-                          <a:effectLst/>
-                          <a:latin typeface="Calibri" panose="020F0502020204030204" pitchFamily="34" charset="0"/>
-                          <a:ea typeface="+mn-ea"/>
-                          <a:cs typeface="+mn-cs"/>
-                        </a:rPr>
-                        <a:t>Neurology</a:t>
-                      </a:r>
-                    </a:p>
-                  </a:txBody>
-                  <a:tcPr marL="7620" marR="7620" marT="7620" marB="0" anchor="b"/>
-                </a:tc>
-                <a:extLst>
-                  <a:ext uri="{0D108BD9-81ED-4DB2-BD59-A6C34878D82A}">
-                    <a16:rowId xmlns:a16="http://schemas.microsoft.com/office/drawing/2014/main" val="1057878429"/>
-                  </a:ext>
-                </a:extLst>
-              </a:tr>
-              <a:tr h="338215">
-                <a:tc>
-                  <a:txBody>
-                    <a:bodyPr/>
-                    <a:lstStyle/>
-                    <a:p>
-                      <a:pPr algn="l" fontAlgn="b"/>
-                      <a:r>
-                        <a:rPr lang="en-US" sz="1100" b="0" i="0" u="none" strike="noStrike" kern="1200" dirty="0">
-                          <a:solidFill>
-                            <a:schemeClr val="tx1"/>
-                          </a:solidFill>
-                          <a:effectLst/>
-                          <a:latin typeface="Calibri" panose="020F0502020204030204" pitchFamily="34" charset="0"/>
-                          <a:ea typeface="+mn-ea"/>
-                          <a:cs typeface="+mn-cs"/>
-                        </a:rPr>
-                        <a:t>TBD</a:t>
-                      </a:r>
-                    </a:p>
-                  </a:txBody>
-                  <a:tcPr marL="7620" marR="7620" marT="7620" marB="0" anchor="b"/>
-                </a:tc>
-                <a:tc>
-                  <a:txBody>
-                    <a:bodyPr/>
-                    <a:lstStyle/>
-                    <a:p>
-                      <a:pPr algn="l" fontAlgn="b"/>
-                      <a:r>
-                        <a:rPr lang="en-US" sz="1100" b="0" i="0" u="none" strike="noStrike" dirty="0">
-                          <a:solidFill>
-                            <a:schemeClr val="tx1"/>
-                          </a:solidFill>
-                          <a:effectLst/>
-                          <a:latin typeface="Calibri" panose="020F0502020204030204" pitchFamily="34" charset="0"/>
-                        </a:rPr>
-                        <a:t>H. Wu</a:t>
-                      </a:r>
-                    </a:p>
-                  </a:txBody>
-                  <a:tcPr marL="7620" marR="7620" marT="7620" marB="0" anchor="b"/>
-                </a:tc>
-                <a:tc>
-                  <a:txBody>
-                    <a:bodyPr/>
-                    <a:lstStyle/>
-                    <a:p>
-                      <a:pPr marL="0" marR="0" lvl="0" indent="0" algn="l" defTabSz="914400" rtl="0" eaLnBrk="1" fontAlgn="b" latinLnBrk="0" hangingPunct="1">
-                        <a:lnSpc>
-                          <a:spcPct val="100000"/>
-                        </a:lnSpc>
-                        <a:spcBef>
-                          <a:spcPts val="0"/>
-                        </a:spcBef>
-                        <a:spcAft>
-                          <a:spcPts val="0"/>
-                        </a:spcAft>
-                        <a:buClrTx/>
-                        <a:buSzTx/>
-                        <a:buFontTx/>
-                        <a:buNone/>
-                        <a:tabLst/>
-                        <a:defRPr/>
-                      </a:pPr>
-                      <a:r>
-                        <a:rPr lang="en-US" sz="1100" b="0" i="0" u="none" strike="noStrike" dirty="0">
-                          <a:solidFill>
-                            <a:schemeClr val="tx1"/>
-                          </a:solidFill>
-                          <a:effectLst/>
-                          <a:latin typeface="Calibri" panose="020F0502020204030204" pitchFamily="34" charset="0"/>
-                        </a:rPr>
-                        <a:t>Pulmonary,</a:t>
-                      </a:r>
-                      <a:r>
-                        <a:rPr lang="en-US" sz="1100" b="0" i="0" u="none" strike="noStrike" baseline="0" dirty="0">
-                          <a:solidFill>
-                            <a:schemeClr val="tx1"/>
-                          </a:solidFill>
-                          <a:effectLst/>
-                          <a:latin typeface="Calibri" panose="020F0502020204030204" pitchFamily="34" charset="0"/>
-                        </a:rPr>
-                        <a:t> Critical Care, and Sleep Medicine</a:t>
-                      </a:r>
-                      <a:endParaRPr lang="en-US" sz="1100" b="0" i="0" u="none" strike="noStrike" dirty="0">
-                        <a:solidFill>
-                          <a:schemeClr val="tx1"/>
-                        </a:solidFill>
-                        <a:effectLst/>
-                        <a:latin typeface="Calibri" panose="020F0502020204030204" pitchFamily="34" charset="0"/>
-                      </a:endParaRPr>
-                    </a:p>
-                  </a:txBody>
-                  <a:tcPr marL="7620" marR="7620" marT="7620" marB="0" anchor="b"/>
-                </a:tc>
-                <a:extLst>
-                  <a:ext uri="{0D108BD9-81ED-4DB2-BD59-A6C34878D82A}">
-                    <a16:rowId xmlns:a16="http://schemas.microsoft.com/office/drawing/2014/main" val="3615318075"/>
-                  </a:ext>
-                </a:extLst>
-              </a:tr>
-              <a:tr h="338215">
-                <a:tc>
-                  <a:txBody>
-                    <a:bodyPr/>
-                    <a:lstStyle/>
-                    <a:p>
-                      <a:pPr marL="0" algn="l" defTabSz="914400" rtl="0" eaLnBrk="1" fontAlgn="b" latinLnBrk="0" hangingPunct="1"/>
-                      <a:r>
-                        <a:rPr lang="en-US" sz="1100" b="0" i="0" u="none" strike="noStrike" kern="1200" baseline="0" dirty="0">
-                          <a:solidFill>
-                            <a:schemeClr val="accent1">
-                              <a:lumMod val="50000"/>
-                            </a:schemeClr>
-                          </a:solidFill>
-                          <a:effectLst/>
-                          <a:latin typeface="Calibri" panose="020F0502020204030204" pitchFamily="34" charset="0"/>
-                          <a:ea typeface="+mn-ea"/>
-                          <a:cs typeface="+mn-cs"/>
-                        </a:rPr>
-                        <a:t>Promoting Human Papillomavirus Vaccine Uptake in High-Risk Adults (Uptake 2)</a:t>
-                      </a:r>
-                    </a:p>
-                  </a:txBody>
-                  <a:tcPr marL="7620" marR="7620" marT="7620" marB="0" anchor="b"/>
-                </a:tc>
-                <a:tc>
-                  <a:txBody>
-                    <a:bodyPr/>
-                    <a:lstStyle/>
-                    <a:p>
-                      <a:pPr algn="l" fontAlgn="b"/>
-                      <a:r>
-                        <a:rPr lang="en-US" sz="1100" b="0" i="0" u="none" strike="noStrike" dirty="0">
-                          <a:solidFill>
-                            <a:schemeClr val="accent1">
-                              <a:lumMod val="50000"/>
-                            </a:schemeClr>
-                          </a:solidFill>
-                          <a:effectLst/>
-                          <a:latin typeface="Calibri" panose="020F0502020204030204" pitchFamily="34" charset="0"/>
-                        </a:rPr>
-                        <a:t>T. Bui</a:t>
-                      </a:r>
-                    </a:p>
-                  </a:txBody>
-                  <a:tcPr marL="7620" marR="7620" marT="7620" marB="0" anchor="b"/>
-                </a:tc>
-                <a:tc>
-                  <a:txBody>
-                    <a:bodyPr/>
-                    <a:lstStyle/>
-                    <a:p>
-                      <a:pPr algn="l" fontAlgn="b"/>
-                      <a:r>
-                        <a:rPr lang="en-US" sz="1100" b="0" i="0" u="none" strike="noStrike" dirty="0">
-                          <a:solidFill>
-                            <a:schemeClr val="accent1">
-                              <a:lumMod val="50000"/>
-                            </a:schemeClr>
-                          </a:solidFill>
-                          <a:effectLst/>
-                          <a:latin typeface="Calibri" panose="020F0502020204030204" pitchFamily="34" charset="0"/>
-                        </a:rPr>
-                        <a:t>Family and Preventive Medicine</a:t>
-                      </a:r>
-                    </a:p>
-                  </a:txBody>
-                  <a:tcPr marL="7620" marR="7620" marT="7620" marB="0" anchor="b"/>
-                </a:tc>
-                <a:extLst>
-                  <a:ext uri="{0D108BD9-81ED-4DB2-BD59-A6C34878D82A}">
-                    <a16:rowId xmlns:a16="http://schemas.microsoft.com/office/drawing/2014/main" val="1810581365"/>
-                  </a:ext>
-                </a:extLst>
-              </a:tr>
-              <a:tr h="237037">
-                <a:tc>
-                  <a:txBody>
-                    <a:bodyPr/>
-                    <a:lstStyle/>
-                    <a:p>
-                      <a:pPr algn="l" fontAlgn="b"/>
-                      <a:r>
-                        <a:rPr lang="en-US" sz="1100" b="0" i="0" u="none" strike="noStrike" kern="1200" baseline="0" dirty="0">
-                          <a:solidFill>
-                            <a:schemeClr val="accent1">
-                              <a:lumMod val="50000"/>
-                            </a:schemeClr>
-                          </a:solidFill>
-                          <a:effectLst/>
-                          <a:latin typeface="Calibri" panose="020F0502020204030204" pitchFamily="34" charset="0"/>
-                          <a:ea typeface="+mn-ea"/>
-                          <a:cs typeface="+mn-cs"/>
-                        </a:rPr>
-                        <a:t>External Validation of an AI-Based ECG Tool to Identify Cardiomyopathy in Women of Reproductive Age</a:t>
-                      </a:r>
-                    </a:p>
-                  </a:txBody>
-                  <a:tcPr marL="7620" marR="7620" marT="7620" marB="0" anchor="b"/>
-                </a:tc>
-                <a:tc>
-                  <a:txBody>
-                    <a:bodyPr/>
-                    <a:lstStyle/>
-                    <a:p>
-                      <a:pPr algn="l" fontAlgn="b"/>
-                      <a:r>
-                        <a:rPr lang="en-US" sz="1100" b="0" i="0" u="none" strike="noStrike" dirty="0">
-                          <a:solidFill>
-                            <a:schemeClr val="accent1">
-                              <a:lumMod val="50000"/>
-                            </a:schemeClr>
-                          </a:solidFill>
-                          <a:effectLst/>
-                          <a:latin typeface="Calibri" panose="020F0502020204030204" pitchFamily="34" charset="0"/>
-                        </a:rPr>
-                        <a:t>M.</a:t>
-                      </a:r>
-                      <a:r>
-                        <a:rPr lang="en-US" sz="1100" b="0" i="0" u="none" strike="noStrike" baseline="0" dirty="0">
-                          <a:solidFill>
-                            <a:schemeClr val="accent1">
-                              <a:lumMod val="50000"/>
-                            </a:schemeClr>
-                          </a:solidFill>
-                          <a:effectLst/>
-                          <a:latin typeface="Calibri" panose="020F0502020204030204" pitchFamily="34" charset="0"/>
-                        </a:rPr>
-                        <a:t> Williams</a:t>
-                      </a:r>
-                      <a:endParaRPr lang="en-US" sz="1100" b="0" i="0" u="none" strike="noStrike" dirty="0">
-                        <a:solidFill>
-                          <a:schemeClr val="accent1">
-                            <a:lumMod val="50000"/>
-                          </a:schemeClr>
-                        </a:solidFill>
-                        <a:effectLst/>
-                        <a:latin typeface="Calibri" panose="020F0502020204030204" pitchFamily="34" charset="0"/>
-                      </a:endParaRPr>
-                    </a:p>
-                  </a:txBody>
-                  <a:tcPr marL="7620" marR="7620" marT="7620" marB="0" anchor="b"/>
-                </a:tc>
-                <a:tc>
-                  <a:txBody>
-                    <a:bodyPr/>
-                    <a:lstStyle/>
-                    <a:p>
-                      <a:pPr algn="l" fontAlgn="b"/>
-                      <a:r>
-                        <a:rPr lang="en-US" sz="1100" b="0" i="0" u="none" strike="noStrike" dirty="0">
-                          <a:solidFill>
-                            <a:schemeClr val="accent1">
-                              <a:lumMod val="50000"/>
-                            </a:schemeClr>
-                          </a:solidFill>
-                          <a:effectLst/>
-                          <a:latin typeface="Calibri" panose="020F0502020204030204" pitchFamily="34" charset="0"/>
-                        </a:rPr>
-                        <a:t>Obstetrics and Gynecology</a:t>
-                      </a:r>
-                    </a:p>
-                  </a:txBody>
-                  <a:tcPr marL="7620" marR="7620" marT="7620" marB="0" anchor="b"/>
-                </a:tc>
-                <a:extLst>
-                  <a:ext uri="{0D108BD9-81ED-4DB2-BD59-A6C34878D82A}">
-                    <a16:rowId xmlns:a16="http://schemas.microsoft.com/office/drawing/2014/main" val="240284698"/>
-                  </a:ext>
-                </a:extLst>
-              </a:tr>
-              <a:tr h="237037">
-                <a:tc>
-                  <a:txBody>
-                    <a:bodyPr/>
-                    <a:lstStyle/>
-                    <a:p>
-                      <a:pPr algn="l" fontAlgn="b"/>
-                      <a:r>
-                        <a:rPr lang="en-US" sz="1100" b="0" i="0" u="none" strike="noStrike" kern="1200" baseline="0" dirty="0">
-                          <a:solidFill>
-                            <a:schemeClr val="accent1">
-                              <a:lumMod val="50000"/>
-                            </a:schemeClr>
-                          </a:solidFill>
-                          <a:effectLst/>
-                          <a:latin typeface="Calibri" panose="020F0502020204030204" pitchFamily="34" charset="0"/>
-                          <a:ea typeface="+mn-ea"/>
-                          <a:cs typeface="+mn-cs"/>
-                        </a:rPr>
-                        <a:t>Aggregate Counts of COVID-19/MIS-C Patients</a:t>
-                      </a:r>
-                    </a:p>
-                  </a:txBody>
-                  <a:tcPr marL="7620" marR="7620" marT="7620" marB="0" anchor="b"/>
-                </a:tc>
-                <a:tc>
-                  <a:txBody>
-                    <a:bodyPr/>
-                    <a:lstStyle/>
-                    <a:p>
-                      <a:pPr marL="0" indent="0" algn="l" fontAlgn="b">
-                        <a:buNone/>
-                      </a:pPr>
-                      <a:r>
-                        <a:rPr lang="en-US" sz="1100" b="0" i="0" u="none" strike="noStrike" kern="1200" baseline="0" dirty="0">
-                          <a:solidFill>
-                            <a:schemeClr val="accent1">
-                              <a:lumMod val="50000"/>
-                            </a:schemeClr>
-                          </a:solidFill>
-                          <a:effectLst/>
-                          <a:latin typeface="Calibri" panose="020F0502020204030204" pitchFamily="34" charset="0"/>
-                          <a:ea typeface="+mn-ea"/>
-                          <a:cs typeface="+mn-cs"/>
-                        </a:rPr>
-                        <a:t>P. Darden</a:t>
-                      </a:r>
-                    </a:p>
-                  </a:txBody>
-                  <a:tcPr marL="7620" marR="7620" marT="7620" marB="0" anchor="b"/>
-                </a:tc>
-                <a:tc>
-                  <a:txBody>
-                    <a:bodyPr/>
-                    <a:lstStyle/>
-                    <a:p>
-                      <a:pPr algn="l" fontAlgn="b"/>
-                      <a:r>
-                        <a:rPr lang="en-US" sz="1100" b="0" i="0" u="none" strike="noStrike" kern="1200" dirty="0">
-                          <a:solidFill>
-                            <a:schemeClr val="accent1">
-                              <a:lumMod val="50000"/>
-                            </a:schemeClr>
-                          </a:solidFill>
-                          <a:effectLst/>
-                          <a:latin typeface="Calibri" panose="020F0502020204030204" pitchFamily="34" charset="0"/>
-                          <a:ea typeface="+mn-ea"/>
-                          <a:cs typeface="+mn-cs"/>
-                        </a:rPr>
-                        <a:t>Pediatrics</a:t>
-                      </a:r>
-                    </a:p>
-                  </a:txBody>
-                  <a:tcPr marL="7620" marR="7620" marT="7620" marB="0" anchor="b"/>
-                </a:tc>
-                <a:extLst>
-                  <a:ext uri="{0D108BD9-81ED-4DB2-BD59-A6C34878D82A}">
-                    <a16:rowId xmlns:a16="http://schemas.microsoft.com/office/drawing/2014/main" val="2906176452"/>
-                  </a:ext>
-                </a:extLst>
-              </a:tr>
-              <a:tr h="350025">
-                <a:tc>
-                  <a:txBody>
-                    <a:bodyPr/>
-                    <a:lstStyle/>
-                    <a:p>
-                      <a:pPr algn="l" fontAlgn="b"/>
-                      <a:r>
-                        <a:rPr lang="en-US" sz="1100" b="0" i="0" u="none" strike="noStrike" kern="1200" baseline="0" dirty="0">
-                          <a:solidFill>
-                            <a:schemeClr val="accent1">
-                              <a:lumMod val="50000"/>
-                            </a:schemeClr>
-                          </a:solidFill>
-                          <a:effectLst/>
-                          <a:latin typeface="Calibri" panose="020F0502020204030204" pitchFamily="34" charset="0"/>
-                          <a:ea typeface="+mn-ea"/>
-                          <a:cs typeface="+mn-cs"/>
-                        </a:rPr>
-                        <a:t>Fluid Management in Acute Respiratory Distress Syndrome due to COVID 19</a:t>
-                      </a:r>
-                    </a:p>
-                  </a:txBody>
-                  <a:tcPr marL="7620" marR="7620" marT="7620" marB="0" anchor="b"/>
-                </a:tc>
-                <a:tc>
-                  <a:txBody>
-                    <a:bodyPr/>
-                    <a:lstStyle/>
-                    <a:p>
-                      <a:pPr algn="l" fontAlgn="b"/>
-                      <a:r>
-                        <a:rPr lang="en-US" sz="1100" b="0" i="0" u="none" strike="noStrike" kern="1200" baseline="0" dirty="0">
-                          <a:solidFill>
-                            <a:schemeClr val="accent1">
-                              <a:lumMod val="50000"/>
-                            </a:schemeClr>
-                          </a:solidFill>
-                          <a:effectLst/>
-                          <a:latin typeface="Calibri" panose="020F0502020204030204" pitchFamily="34" charset="0"/>
-                          <a:ea typeface="+mn-ea"/>
-                          <a:cs typeface="+mn-cs"/>
-                        </a:rPr>
-                        <a:t>S. </a:t>
-                      </a:r>
-                      <a:r>
-                        <a:rPr lang="en-US" sz="1100" b="0" i="0" u="none" strike="noStrike" kern="1200" baseline="0" dirty="0" err="1">
-                          <a:solidFill>
-                            <a:schemeClr val="accent1">
-                              <a:lumMod val="50000"/>
-                            </a:schemeClr>
-                          </a:solidFill>
-                          <a:effectLst/>
-                          <a:latin typeface="Calibri" panose="020F0502020204030204" pitchFamily="34" charset="0"/>
-                          <a:ea typeface="+mn-ea"/>
-                          <a:cs typeface="+mn-cs"/>
-                        </a:rPr>
-                        <a:t>Dauok</a:t>
-                      </a:r>
-                      <a:endParaRPr lang="en-US" sz="1100" b="0" i="0" u="none" strike="noStrike" kern="1200" baseline="0" dirty="0">
-                        <a:solidFill>
-                          <a:schemeClr val="accent1">
-                            <a:lumMod val="50000"/>
-                          </a:schemeClr>
-                        </a:solidFill>
-                        <a:effectLst/>
-                        <a:latin typeface="Calibri" panose="020F0502020204030204" pitchFamily="34" charset="0"/>
-                        <a:ea typeface="+mn-ea"/>
-                        <a:cs typeface="+mn-cs"/>
-                      </a:endParaRPr>
-                    </a:p>
-                  </a:txBody>
-                  <a:tcPr marL="7620" marR="7620" marT="7620" marB="0" anchor="b"/>
-                </a:tc>
-                <a:tc>
-                  <a:txBody>
-                    <a:bodyPr/>
-                    <a:lstStyle/>
-                    <a:p>
-                      <a:pPr algn="l" fontAlgn="b"/>
-                      <a:r>
-                        <a:rPr lang="en-US" sz="1100" b="0" i="0" u="none" strike="noStrike" dirty="0">
-                          <a:solidFill>
-                            <a:schemeClr val="accent1">
-                              <a:lumMod val="50000"/>
-                            </a:schemeClr>
-                          </a:solidFill>
-                          <a:effectLst/>
-                          <a:latin typeface="Calibri" panose="020F0502020204030204" pitchFamily="34" charset="0"/>
-                        </a:rPr>
-                        <a:t>Pulmonary,</a:t>
-                      </a:r>
-                      <a:r>
-                        <a:rPr lang="en-US" sz="1100" b="0" i="0" u="none" strike="noStrike" baseline="0" dirty="0">
-                          <a:solidFill>
-                            <a:schemeClr val="accent1">
-                              <a:lumMod val="50000"/>
-                            </a:schemeClr>
-                          </a:solidFill>
-                          <a:effectLst/>
-                          <a:latin typeface="Calibri" panose="020F0502020204030204" pitchFamily="34" charset="0"/>
-                        </a:rPr>
-                        <a:t> Critical Care, and Sleep Medicine</a:t>
-                      </a:r>
-                      <a:endParaRPr lang="en-US" sz="1100" b="0" i="0" u="none" strike="noStrike" dirty="0">
-                        <a:solidFill>
-                          <a:schemeClr val="accent1">
-                            <a:lumMod val="50000"/>
-                          </a:schemeClr>
-                        </a:solidFill>
-                        <a:effectLst/>
-                        <a:latin typeface="Calibri" panose="020F0502020204030204" pitchFamily="34" charset="0"/>
-                      </a:endParaRPr>
-                    </a:p>
-                  </a:txBody>
-                  <a:tcPr marL="7620" marR="7620" marT="7620" marB="0" anchor="b"/>
-                </a:tc>
-                <a:extLst>
-                  <a:ext uri="{0D108BD9-81ED-4DB2-BD59-A6C34878D82A}">
-                    <a16:rowId xmlns:a16="http://schemas.microsoft.com/office/drawing/2014/main" val="3562986470"/>
-                  </a:ext>
-                </a:extLst>
-              </a:tr>
-              <a:tr h="237037">
-                <a:tc>
-                  <a:txBody>
-                    <a:bodyPr/>
-                    <a:lstStyle/>
-                    <a:p>
-                      <a:pPr algn="l" fontAlgn="b"/>
-                      <a:r>
-                        <a:rPr lang="en-US" sz="1100" b="0" i="0" u="none" strike="noStrike" kern="1200" baseline="0" dirty="0">
-                          <a:solidFill>
-                            <a:schemeClr val="accent1">
-                              <a:lumMod val="50000"/>
-                            </a:schemeClr>
-                          </a:solidFill>
-                          <a:effectLst/>
-                          <a:latin typeface="Calibri" panose="020F0502020204030204" pitchFamily="34" charset="0"/>
-                          <a:ea typeface="+mn-ea"/>
-                          <a:cs typeface="+mn-cs"/>
-                        </a:rPr>
-                        <a:t>TBD</a:t>
-                      </a:r>
-                    </a:p>
-                  </a:txBody>
-                  <a:tcPr marL="7620" marR="7620" marT="7620" marB="0" anchor="b"/>
-                </a:tc>
-                <a:tc>
-                  <a:txBody>
-                    <a:bodyPr/>
-                    <a:lstStyle/>
-                    <a:p>
-                      <a:pPr algn="l" fontAlgn="b"/>
-                      <a:r>
-                        <a:rPr lang="en-US" sz="1100" b="0" i="0" u="none" strike="noStrike" kern="1200" baseline="0" dirty="0">
-                          <a:solidFill>
-                            <a:schemeClr val="accent1">
-                              <a:lumMod val="50000"/>
-                            </a:schemeClr>
-                          </a:solidFill>
-                          <a:effectLst/>
-                          <a:latin typeface="Calibri" panose="020F0502020204030204" pitchFamily="34" charset="0"/>
-                          <a:ea typeface="+mn-ea"/>
-                          <a:cs typeface="+mn-cs"/>
-                        </a:rPr>
-                        <a:t>C. Cross</a:t>
-                      </a:r>
-                    </a:p>
-                  </a:txBody>
-                  <a:tcPr marL="7620" marR="7620" marT="7620" marB="0" anchor="b"/>
-                </a:tc>
-                <a:tc>
-                  <a:txBody>
-                    <a:bodyPr/>
-                    <a:lstStyle/>
-                    <a:p>
-                      <a:pPr marL="0" marR="0" lvl="0" indent="0" algn="l" defTabSz="914400" rtl="0" eaLnBrk="1" fontAlgn="b" latinLnBrk="0" hangingPunct="1">
-                        <a:lnSpc>
-                          <a:spcPct val="100000"/>
-                        </a:lnSpc>
-                        <a:spcBef>
-                          <a:spcPts val="0"/>
-                        </a:spcBef>
-                        <a:spcAft>
-                          <a:spcPts val="0"/>
-                        </a:spcAft>
-                        <a:buClrTx/>
-                        <a:buSzTx/>
-                        <a:buFontTx/>
-                        <a:buNone/>
-                        <a:tabLst/>
-                        <a:defRPr/>
-                      </a:pPr>
-                      <a:r>
-                        <a:rPr lang="en-US" sz="1100" b="0" i="0" u="none" strike="noStrike" dirty="0">
-                          <a:solidFill>
-                            <a:schemeClr val="accent1">
-                              <a:lumMod val="50000"/>
-                            </a:schemeClr>
-                          </a:solidFill>
-                          <a:effectLst/>
-                          <a:latin typeface="Calibri" panose="020F0502020204030204" pitchFamily="34" charset="0"/>
-                        </a:rPr>
-                        <a:t>Pulmonary,</a:t>
-                      </a:r>
-                      <a:r>
-                        <a:rPr lang="en-US" sz="1100" b="0" i="0" u="none" strike="noStrike" baseline="0" dirty="0">
-                          <a:solidFill>
-                            <a:schemeClr val="accent1">
-                              <a:lumMod val="50000"/>
-                            </a:schemeClr>
-                          </a:solidFill>
-                          <a:effectLst/>
-                          <a:latin typeface="Calibri" panose="020F0502020204030204" pitchFamily="34" charset="0"/>
-                        </a:rPr>
-                        <a:t> Critical Care, and Sleep Medicine</a:t>
-                      </a:r>
-                      <a:endParaRPr lang="en-US" sz="1100" b="0" i="0" u="none" strike="noStrike" dirty="0">
-                        <a:solidFill>
-                          <a:srgbClr val="0070C0"/>
-                        </a:solidFill>
-                        <a:effectLst/>
-                        <a:latin typeface="Calibri" panose="020F0502020204030204" pitchFamily="34" charset="0"/>
-                      </a:endParaRPr>
-                    </a:p>
-                  </a:txBody>
-                  <a:tcPr marL="7620" marR="7620" marT="7620" marB="0" anchor="b"/>
-                </a:tc>
-                <a:extLst>
-                  <a:ext uri="{0D108BD9-81ED-4DB2-BD59-A6C34878D82A}">
-                    <a16:rowId xmlns:a16="http://schemas.microsoft.com/office/drawing/2014/main" val="1671168545"/>
-                  </a:ext>
-                </a:extLst>
-              </a:tr>
-              <a:tr h="237037">
-                <a:tc>
-                  <a:txBody>
-                    <a:bodyPr/>
-                    <a:lstStyle/>
-                    <a:p>
-                      <a:pPr algn="l" fontAlgn="b"/>
-                      <a:endParaRPr lang="en-US" sz="1100" b="0" i="0" u="none" strike="noStrike" kern="1200" baseline="0" dirty="0">
-                        <a:solidFill>
-                          <a:schemeClr val="accent1">
-                            <a:lumMod val="50000"/>
-                          </a:schemeClr>
-                        </a:solidFill>
-                        <a:effectLst/>
-                        <a:latin typeface="Calibri" panose="020F0502020204030204" pitchFamily="34" charset="0"/>
-                        <a:ea typeface="+mn-ea"/>
-                        <a:cs typeface="+mn-cs"/>
-                      </a:endParaRPr>
-                    </a:p>
-                  </a:txBody>
-                  <a:tcPr marL="7620" marR="7620" marT="7620" marB="0" anchor="b"/>
-                </a:tc>
-                <a:tc>
-                  <a:txBody>
-                    <a:bodyPr/>
-                    <a:lstStyle/>
-                    <a:p>
-                      <a:pPr algn="l" fontAlgn="b"/>
-                      <a:endParaRPr lang="en-US" sz="1100" b="0" i="0" u="none" strike="noStrike" kern="1200" baseline="0" dirty="0">
-                        <a:solidFill>
-                          <a:schemeClr val="accent1">
-                            <a:lumMod val="50000"/>
-                          </a:schemeClr>
-                        </a:solidFill>
-                        <a:effectLst/>
-                        <a:latin typeface="Calibri" panose="020F0502020204030204" pitchFamily="34" charset="0"/>
-                        <a:ea typeface="+mn-ea"/>
-                        <a:cs typeface="+mn-cs"/>
-                      </a:endParaRPr>
-                    </a:p>
-                  </a:txBody>
-                  <a:tcPr marL="7620" marR="7620" marT="7620" marB="0" anchor="b"/>
-                </a:tc>
-                <a:tc>
-                  <a:txBody>
-                    <a:bodyPr/>
-                    <a:lstStyle/>
-                    <a:p>
-                      <a:pPr algn="l" fontAlgn="b"/>
-                      <a:endParaRPr lang="en-US" sz="1100" b="0" i="0" u="none" strike="noStrike" dirty="0">
-                        <a:solidFill>
-                          <a:schemeClr val="accent1">
-                            <a:lumMod val="50000"/>
-                          </a:schemeClr>
-                        </a:solidFill>
-                        <a:effectLst/>
-                        <a:latin typeface="Calibri" panose="020F0502020204030204" pitchFamily="34" charset="0"/>
-                      </a:endParaRPr>
-                    </a:p>
-                  </a:txBody>
-                  <a:tcPr marL="7620" marR="7620" marT="7620" marB="0" anchor="b"/>
-                </a:tc>
-                <a:extLst>
-                  <a:ext uri="{0D108BD9-81ED-4DB2-BD59-A6C34878D82A}">
-                    <a16:rowId xmlns:a16="http://schemas.microsoft.com/office/drawing/2014/main" val="1894232362"/>
-                  </a:ext>
-                </a:extLst>
-              </a:tr>
-              <a:tr h="237037">
-                <a:tc>
-                  <a:txBody>
-                    <a:bodyPr/>
-                    <a:lstStyle/>
-                    <a:p>
-                      <a:pPr algn="l" fontAlgn="b"/>
-                      <a:endParaRPr lang="en-US" sz="1100" b="0" i="0" u="none" strike="noStrike" kern="1200" baseline="0" dirty="0">
-                        <a:solidFill>
-                          <a:schemeClr val="accent1">
-                            <a:lumMod val="50000"/>
-                          </a:schemeClr>
-                        </a:solidFill>
-                        <a:effectLst/>
-                        <a:latin typeface="Calibri" panose="020F0502020204030204" pitchFamily="34" charset="0"/>
-                        <a:ea typeface="+mn-ea"/>
-                        <a:cs typeface="+mn-cs"/>
-                      </a:endParaRPr>
-                    </a:p>
-                  </a:txBody>
-                  <a:tcPr marL="7620" marR="7620" marT="7620" marB="0" anchor="b"/>
-                </a:tc>
-                <a:tc>
-                  <a:txBody>
-                    <a:bodyPr/>
-                    <a:lstStyle/>
-                    <a:p>
-                      <a:pPr algn="l" fontAlgn="b"/>
-                      <a:endParaRPr lang="en-US" sz="1100" b="0" i="0" u="none" strike="noStrike" kern="1200" baseline="0" dirty="0">
-                        <a:solidFill>
-                          <a:schemeClr val="accent1">
-                            <a:lumMod val="50000"/>
-                          </a:schemeClr>
-                        </a:solidFill>
-                        <a:effectLst/>
-                        <a:latin typeface="Calibri" panose="020F0502020204030204" pitchFamily="34" charset="0"/>
-                        <a:ea typeface="+mn-ea"/>
-                        <a:cs typeface="+mn-cs"/>
-                      </a:endParaRPr>
-                    </a:p>
-                  </a:txBody>
-                  <a:tcPr marL="7620" marR="7620" marT="7620" marB="0" anchor="b"/>
-                </a:tc>
-                <a:tc>
-                  <a:txBody>
-                    <a:bodyPr/>
-                    <a:lstStyle/>
-                    <a:p>
-                      <a:pPr marL="0" marR="0" lvl="0" indent="0" algn="l" defTabSz="914400" rtl="0" eaLnBrk="1" fontAlgn="b" latinLnBrk="0" hangingPunct="1">
-                        <a:lnSpc>
-                          <a:spcPct val="100000"/>
-                        </a:lnSpc>
-                        <a:spcBef>
-                          <a:spcPts val="0"/>
-                        </a:spcBef>
-                        <a:spcAft>
-                          <a:spcPts val="0"/>
-                        </a:spcAft>
-                        <a:buClrTx/>
-                        <a:buSzTx/>
-                        <a:buFontTx/>
-                        <a:buNone/>
-                        <a:tabLst/>
-                        <a:defRPr/>
-                      </a:pPr>
-                      <a:endParaRPr lang="en-US" sz="1100" b="0" i="0" u="none" strike="noStrike" dirty="0">
-                        <a:solidFill>
-                          <a:srgbClr val="0070C0"/>
-                        </a:solidFill>
-                        <a:effectLst/>
-                        <a:latin typeface="Calibri" panose="020F0502020204030204" pitchFamily="34" charset="0"/>
-                      </a:endParaRPr>
-                    </a:p>
-                  </a:txBody>
-                  <a:tcPr marL="7620" marR="7620" marT="7620" marB="0" anchor="b"/>
-                </a:tc>
-                <a:extLst>
-                  <a:ext uri="{0D108BD9-81ED-4DB2-BD59-A6C34878D82A}">
-                    <a16:rowId xmlns:a16="http://schemas.microsoft.com/office/drawing/2014/main" val="2066418765"/>
-                  </a:ext>
-                </a:extLst>
-              </a:tr>
-            </a:tbl>
-          </a:graphicData>
-        </a:graphic>
-      </p:graphicFrame>
-      <p:sp>
-        <p:nvSpPr>
-          <p:cNvPr id="8" name="Rectangle 7"/>
-          <p:cNvSpPr/>
-          <p:nvPr/>
-        </p:nvSpPr>
-        <p:spPr>
-          <a:xfrm>
-            <a:off x="5589788" y="5936121"/>
-            <a:ext cx="734518" cy="276999"/>
-          </a:xfrm>
-          <a:prstGeom prst="rect">
-            <a:avLst/>
-          </a:prstGeom>
-          <a:noFill/>
-        </p:spPr>
-        <p:txBody>
-          <a:bodyPr wrap="square" lIns="91440" tIns="45720" rIns="91440" bIns="45720">
-            <a:spAutoFit/>
-          </a:bodyPr>
-          <a:lstStyle/>
-          <a:p>
-            <a:pPr algn="ctr"/>
-            <a:r>
-              <a:rPr lang="en-US" sz="1200" b="1" cap="none" spc="0" dirty="0">
-                <a:ln w="6600">
-                  <a:solidFill>
-                    <a:schemeClr val="accent2"/>
-                  </a:solidFill>
-                  <a:prstDash val="solid"/>
-                </a:ln>
-                <a:solidFill>
-                  <a:srgbClr val="FFFFFF"/>
-                </a:solidFill>
-                <a:effectLst>
-                  <a:outerShdw dist="38100" dir="2700000" algn="tl" rotWithShape="0">
-                    <a:schemeClr val="accent2"/>
-                  </a:outerShdw>
-                </a:effectLst>
-              </a:rPr>
-              <a:t>Registry</a:t>
-            </a:r>
-          </a:p>
-        </p:txBody>
-      </p:sp>
-    </p:spTree>
-    <p:extLst>
-      <p:ext uri="{BB962C8B-B14F-4D97-AF65-F5344CB8AC3E}">
-        <p14:creationId xmlns:p14="http://schemas.microsoft.com/office/powerpoint/2010/main" val="3357819977"/>
-      </p:ext>
-    </p:extLst>
-  </p:cSld>
-  <p:clrMapOvr>
-    <a:masterClrMapping/>
-  </p:clrMapOvr>
-</p:sld>
-</file>
-
-<file path=ppt/slides/slide19.xml><?xml version="1.0" encoding="utf-8"?>
-<p:sld xmlns:a="http://schemas.openxmlformats.org/drawingml/2006/main" xmlns:r="http://schemas.openxmlformats.org/officeDocument/2006/relationships" xmlns:p="http://schemas.openxmlformats.org/presentationml/2006/main">
-  <p:cSld>
-    <p:spTree>
-      <p:nvGrpSpPr>
-        <p:cNvPr id="1" name=""/>
-        <p:cNvGrpSpPr/>
-        <p:nvPr/>
-      </p:nvGrpSpPr>
-      <p:grpSpPr>
-        <a:xfrm>
-          <a:off x="0" y="0"/>
-          <a:ext cx="0" cy="0"/>
-          <a:chOff x="0" y="0"/>
-          <a:chExt cx="0" cy="0"/>
-        </a:xfrm>
-      </p:grpSpPr>
-      <p:sp>
-        <p:nvSpPr>
-          <p:cNvPr id="2" name="Title 1"/>
-          <p:cNvSpPr>
-            <a:spLocks noGrp="1"/>
-          </p:cNvSpPr>
-          <p:nvPr>
-            <p:ph type="title"/>
-          </p:nvPr>
-        </p:nvSpPr>
-        <p:spPr>
-          <a:xfrm>
-            <a:off x="776452" y="19985"/>
-            <a:ext cx="10515600" cy="640416"/>
-          </a:xfrm>
-        </p:spPr>
-        <p:txBody>
-          <a:bodyPr>
-            <a:normAutofit/>
-          </a:bodyPr>
-          <a:lstStyle/>
-          <a:p>
-            <a:r>
-              <a:rPr lang="en-US" sz="3600" b="1" i="1" dirty="0">
-                <a:solidFill>
-                  <a:srgbClr val="0070C0"/>
-                </a:solidFill>
-              </a:rPr>
-              <a:t>IRB and Privacy Review Guidance</a:t>
-            </a:r>
-          </a:p>
-        </p:txBody>
-      </p:sp>
-      <p:sp>
-        <p:nvSpPr>
-          <p:cNvPr id="3" name="Content Placeholder 2"/>
-          <p:cNvSpPr>
-            <a:spLocks noGrp="1"/>
-          </p:cNvSpPr>
-          <p:nvPr>
-            <p:ph idx="1"/>
-          </p:nvPr>
-        </p:nvSpPr>
-        <p:spPr>
-          <a:xfrm>
-            <a:off x="88900" y="660402"/>
-            <a:ext cx="12103099" cy="6197598"/>
-          </a:xfrm>
-        </p:spPr>
-        <p:txBody>
-          <a:bodyPr>
-            <a:noAutofit/>
-          </a:bodyPr>
-          <a:lstStyle/>
-          <a:p>
-            <a:r>
-              <a:rPr lang="en-US" sz="2400" dirty="0"/>
-              <a:t>Requests that are preparatory to research must be submitted to the IRB/University Privacy Board for review and approval.</a:t>
-            </a:r>
-          </a:p>
-          <a:p>
-            <a:endParaRPr lang="en-US" sz="2400" dirty="0"/>
-          </a:p>
-          <a:p>
-            <a:r>
-              <a:rPr lang="en-US" sz="2400" dirty="0"/>
-              <a:t>Program Evaluation, CQI, &amp; Feasibility Assessments:</a:t>
-            </a:r>
-          </a:p>
-          <a:p>
-            <a:pPr lvl="1"/>
-            <a:r>
-              <a:rPr lang="en-US" sz="2000" dirty="0"/>
-              <a:t>If PHI is </a:t>
-            </a:r>
-            <a:r>
-              <a:rPr lang="en-US" sz="2000" b="1" u="sng" dirty="0"/>
-              <a:t>NOT</a:t>
-            </a:r>
-            <a:r>
-              <a:rPr lang="en-US" sz="2000" dirty="0"/>
-              <a:t> included, it is generally not considered human subjects research.</a:t>
-            </a:r>
-          </a:p>
-          <a:p>
-            <a:pPr lvl="1"/>
-            <a:r>
-              <a:rPr lang="en-US" sz="2000" dirty="0"/>
-              <a:t>A determination of human subjects research (DHSR) may be submitted to the IRB.</a:t>
-            </a:r>
-          </a:p>
-          <a:p>
-            <a:pPr lvl="1"/>
-            <a:r>
-              <a:rPr lang="en-US" sz="2000" dirty="0"/>
-              <a:t>Aggregate data may be provided without an IRB submission.</a:t>
-            </a:r>
-          </a:p>
-          <a:p>
-            <a:endParaRPr lang="en-US" sz="2400" dirty="0"/>
-          </a:p>
-          <a:p>
-            <a:r>
-              <a:rPr lang="en-US" sz="2400" dirty="0">
-                <a:solidFill>
-                  <a:schemeClr val="bg1">
-                    <a:lumMod val="50000"/>
-                  </a:schemeClr>
-                </a:solidFill>
-              </a:rPr>
-              <a:t>The following activities are </a:t>
-            </a:r>
-            <a:r>
-              <a:rPr lang="en-US" sz="2400" b="1" u="sng" dirty="0">
-                <a:solidFill>
-                  <a:schemeClr val="bg1">
-                    <a:lumMod val="50000"/>
-                  </a:schemeClr>
-                </a:solidFill>
-              </a:rPr>
-              <a:t>NOT</a:t>
-            </a:r>
-            <a:r>
-              <a:rPr lang="en-US" sz="2400" dirty="0">
-                <a:solidFill>
-                  <a:schemeClr val="bg1">
-                    <a:lumMod val="50000"/>
-                  </a:schemeClr>
-                </a:solidFill>
-              </a:rPr>
-              <a:t> human subjects research:</a:t>
-            </a:r>
-          </a:p>
-          <a:p>
-            <a:pPr lvl="1"/>
-            <a:r>
-              <a:rPr lang="en-US" sz="2000" dirty="0">
-                <a:solidFill>
-                  <a:schemeClr val="bg1">
-                    <a:lumMod val="50000"/>
-                  </a:schemeClr>
-                </a:solidFill>
-              </a:rPr>
-              <a:t>Classroom evaluation activities when assessment involves regular classroom activities and the results of the evaluation process are intended to be used for the sole purpose of enhancing teaching practices of the instructor</a:t>
-            </a:r>
-          </a:p>
-          <a:p>
-            <a:pPr lvl="1"/>
-            <a:r>
-              <a:rPr lang="en-US" sz="2000" dirty="0">
-                <a:solidFill>
-                  <a:schemeClr val="bg1">
-                    <a:lumMod val="50000"/>
-                  </a:schemeClr>
-                </a:solidFill>
-              </a:rPr>
-              <a:t>Quality improvement activities designed to enhance functionality of a department or campus program provided that results are not intended to be shared outside of the University</a:t>
-            </a:r>
-          </a:p>
-          <a:p>
-            <a:pPr lvl="1"/>
-            <a:r>
-              <a:rPr lang="en-US" sz="2000" dirty="0">
-                <a:solidFill>
-                  <a:schemeClr val="bg1">
-                    <a:lumMod val="50000"/>
-                  </a:schemeClr>
-                </a:solidFill>
-              </a:rPr>
-              <a:t>Program evaluations</a:t>
-            </a:r>
-          </a:p>
-          <a:p>
-            <a:pPr lvl="1"/>
-            <a:r>
-              <a:rPr lang="en-US" sz="2000" dirty="0">
-                <a:solidFill>
-                  <a:schemeClr val="bg1">
-                    <a:lumMod val="50000"/>
-                  </a:schemeClr>
-                </a:solidFill>
-              </a:rPr>
-              <a:t>Public health practice surveillance activities</a:t>
-            </a:r>
-          </a:p>
-        </p:txBody>
-      </p:sp>
-    </p:spTree>
-    <p:extLst>
-      <p:ext uri="{BB962C8B-B14F-4D97-AF65-F5344CB8AC3E}">
-        <p14:creationId xmlns:p14="http://schemas.microsoft.com/office/powerpoint/2010/main" val="1045530161"/>
       </p:ext>
     </p:extLst>
   </p:cSld>
@@ -26669,19 +23587,8 @@
           <a:p>
             <a:pPr algn="ctr"/>
             <a:r>
-              <a:rPr lang="en-US" sz="4400" dirty="0" smtClean="0"/>
+              <a:rPr lang="en-US" sz="4400" dirty="0"/>
               <a:t>CRDW</a:t>
-            </a:r>
-            <a:r>
-              <a:rPr lang="en-US" sz="2800" dirty="0" smtClean="0">
-                <a:solidFill>
-                  <a:schemeClr val="tx1">
-                    <a:lumMod val="50000"/>
-                    <a:lumOff val="50000"/>
-                  </a:schemeClr>
-                </a:solidFill>
-              </a:rPr>
-              <a:t> </a:t>
             </a:r>
             <a:r>
               <a:rPr lang="en-US" sz="2800" dirty="0">
@@ -26692,18 +23599,7 @@
                   </a:schemeClr>
                 </a:solidFill>
               </a:rPr>
-              <a:t>(Clinical Research Data Warehouse</a:t>
-            </a:r>
-            <a:r>
-              <a:rPr lang="en-US" sz="2800" dirty="0" smtClean="0">
-                <a:solidFill>
-                  <a:schemeClr val="tx1">
-                    <a:lumMod val="50000"/>
-                    <a:lumOff val="50000"/>
-                  </a:schemeClr>
-                </a:solidFill>
-              </a:rPr>
-              <a:t>)</a:t>
+              <a:t> (Clinical Research Data Warehouse)</a:t>
             </a:r>
             <a:endParaRPr lang="en-US" sz="4400" dirty="0">
               <a:solidFill>
@@ -26730,6 +23626,3415 @@
 </file>
 
 <file path=ppt/slides/slide20.xml><?xml version="1.0" encoding="utf-8"?>
+<p:sld xmlns:a="http://schemas.openxmlformats.org/drawingml/2006/main" xmlns:r="http://schemas.openxmlformats.org/officeDocument/2006/relationships" xmlns:p="http://schemas.openxmlformats.org/presentationml/2006/main">
+  <p:cSld>
+    <p:spTree>
+      <p:nvGrpSpPr>
+        <p:cNvPr id="1" name=""/>
+        <p:cNvGrpSpPr/>
+        <p:nvPr/>
+      </p:nvGrpSpPr>
+      <p:grpSpPr>
+        <a:xfrm>
+          <a:off x="0" y="0"/>
+          <a:ext cx="0" cy="0"/>
+          <a:chOff x="0" y="0"/>
+          <a:chExt cx="0" cy="0"/>
+        </a:xfrm>
+      </p:grpSpPr>
+      <p:graphicFrame>
+        <p:nvGraphicFramePr>
+          <p:cNvPr id="4" name="Table 3"/>
+          <p:cNvGraphicFramePr>
+            <a:graphicFrameLocks noGrp="1"/>
+          </p:cNvGraphicFramePr>
+          <p:nvPr/>
+        </p:nvGraphicFramePr>
+        <p:xfrm>
+          <a:off x="381000" y="1345919"/>
+          <a:ext cx="5588000" cy="4867208"/>
+        </p:xfrm>
+        <a:graphic>
+          <a:graphicData uri="http://schemas.openxmlformats.org/drawingml/2006/table">
+            <a:tbl>
+              <a:tblPr>
+                <a:tableStyleId>{5C22544A-7EE6-4342-B048-85BDC9FD1C3A}</a:tableStyleId>
+              </a:tblPr>
+              <a:tblGrid>
+                <a:gridCol w="3384550">
+                  <a:extLst>
+                    <a:ext uri="{9D8B030D-6E8A-4147-A177-3AD203B41FA5}">
+                      <a16:colId xmlns:a16="http://schemas.microsoft.com/office/drawing/2014/main" val="1356431335"/>
+                    </a:ext>
+                  </a:extLst>
+                </a:gridCol>
+                <a:gridCol w="875914">
+                  <a:extLst>
+                    <a:ext uri="{9D8B030D-6E8A-4147-A177-3AD203B41FA5}">
+                      <a16:colId xmlns:a16="http://schemas.microsoft.com/office/drawing/2014/main" val="4074852346"/>
+                    </a:ext>
+                  </a:extLst>
+                </a:gridCol>
+                <a:gridCol w="1327536">
+                  <a:extLst>
+                    <a:ext uri="{9D8B030D-6E8A-4147-A177-3AD203B41FA5}">
+                      <a16:colId xmlns:a16="http://schemas.microsoft.com/office/drawing/2014/main" val="715510892"/>
+                    </a:ext>
+                  </a:extLst>
+                </a:gridCol>
+              </a:tblGrid>
+              <a:tr h="239252">
+                <a:tc>
+                  <a:txBody>
+                    <a:bodyPr/>
+                    <a:lstStyle/>
+                    <a:p>
+                      <a:pPr algn="l" fontAlgn="b"/>
+                      <a:r>
+                        <a:rPr lang="en-US" sz="1100" b="1" u="none" strike="noStrike" dirty="0">
+                          <a:effectLst/>
+                        </a:rPr>
+                        <a:t>Short Name</a:t>
+                      </a:r>
+                      <a:endParaRPr lang="en-US" sz="1100" b="1" i="0" u="none" strike="noStrike" dirty="0">
+                        <a:solidFill>
+                          <a:srgbClr val="000000"/>
+                        </a:solidFill>
+                        <a:effectLst/>
+                        <a:latin typeface="Calibri" panose="020F0502020204030204" pitchFamily="34" charset="0"/>
+                      </a:endParaRPr>
+                    </a:p>
+                  </a:txBody>
+                  <a:tcPr marL="7620" marR="7620" marT="7620" marB="0" anchor="b"/>
+                </a:tc>
+                <a:tc>
+                  <a:txBody>
+                    <a:bodyPr/>
+                    <a:lstStyle/>
+                    <a:p>
+                      <a:pPr algn="l" fontAlgn="b"/>
+                      <a:r>
+                        <a:rPr lang="en-US" sz="1100" b="1" u="none" strike="noStrike" dirty="0">
+                          <a:effectLst/>
+                        </a:rPr>
+                        <a:t>PI</a:t>
+                      </a:r>
+                      <a:endParaRPr lang="en-US" sz="1100" b="1" i="0" u="none" strike="noStrike" dirty="0">
+                        <a:solidFill>
+                          <a:srgbClr val="000000"/>
+                        </a:solidFill>
+                        <a:effectLst/>
+                        <a:latin typeface="Calibri" panose="020F0502020204030204" pitchFamily="34" charset="0"/>
+                      </a:endParaRPr>
+                    </a:p>
+                  </a:txBody>
+                  <a:tcPr marL="7620" marR="7620" marT="7620" marB="0" anchor="b"/>
+                </a:tc>
+                <a:tc>
+                  <a:txBody>
+                    <a:bodyPr/>
+                    <a:lstStyle/>
+                    <a:p>
+                      <a:pPr algn="l" fontAlgn="b"/>
+                      <a:r>
+                        <a:rPr lang="en-US" sz="1100" b="1" u="none" strike="noStrike" dirty="0">
+                          <a:effectLst/>
+                        </a:rPr>
+                        <a:t>Department/Specialty</a:t>
+                      </a:r>
+                      <a:endParaRPr lang="en-US" sz="1100" b="1" i="0" u="none" strike="noStrike" dirty="0">
+                        <a:solidFill>
+                          <a:srgbClr val="000000"/>
+                        </a:solidFill>
+                        <a:effectLst/>
+                        <a:latin typeface="Calibri" panose="020F0502020204030204" pitchFamily="34" charset="0"/>
+                      </a:endParaRPr>
+                    </a:p>
+                  </a:txBody>
+                  <a:tcPr marL="7620" marR="7620" marT="7620" marB="0" anchor="b"/>
+                </a:tc>
+                <a:extLst>
+                  <a:ext uri="{0D108BD9-81ED-4DB2-BD59-A6C34878D82A}">
+                    <a16:rowId xmlns:a16="http://schemas.microsoft.com/office/drawing/2014/main" val="1236399335"/>
+                  </a:ext>
+                </a:extLst>
+              </a:tr>
+              <a:tr h="239252">
+                <a:tc>
+                  <a:txBody>
+                    <a:bodyPr/>
+                    <a:lstStyle/>
+                    <a:p>
+                      <a:pPr algn="l" fontAlgn="b"/>
+                      <a:r>
+                        <a:rPr lang="en-US" sz="1100" b="0" i="0" u="none" strike="noStrike" kern="1200" dirty="0">
+                          <a:solidFill>
+                            <a:srgbClr val="000000"/>
+                          </a:solidFill>
+                          <a:effectLst/>
+                          <a:latin typeface="Calibri" panose="020F0502020204030204" pitchFamily="34" charset="0"/>
+                          <a:ea typeface="+mn-ea"/>
+                          <a:cs typeface="+mn-cs"/>
+                        </a:rPr>
+                        <a:t>National COVID Cohort Collaborative (N3C): A National Resource for Shared Analytics</a:t>
+                      </a:r>
+                    </a:p>
+                  </a:txBody>
+                  <a:tcPr marL="7620" marR="7620" marT="7620" marB="0" anchor="b"/>
+                </a:tc>
+                <a:tc>
+                  <a:txBody>
+                    <a:bodyPr/>
+                    <a:lstStyle/>
+                    <a:p>
+                      <a:pPr algn="l" fontAlgn="b"/>
+                      <a:r>
+                        <a:rPr lang="en-US" sz="1100" b="0" i="0" u="none" strike="noStrike" dirty="0">
+                          <a:solidFill>
+                            <a:srgbClr val="000000"/>
+                          </a:solidFill>
+                          <a:effectLst/>
+                          <a:latin typeface="Calibri" panose="020F0502020204030204" pitchFamily="34" charset="0"/>
+                        </a:rPr>
+                        <a:t>D. Bard</a:t>
+                      </a:r>
+                    </a:p>
+                  </a:txBody>
+                  <a:tcPr marL="7620" marR="7620" marT="7620" marB="0" anchor="b"/>
+                </a:tc>
+                <a:tc>
+                  <a:txBody>
+                    <a:bodyPr/>
+                    <a:lstStyle/>
+                    <a:p>
+                      <a:pPr algn="l" fontAlgn="b"/>
+                      <a:r>
+                        <a:rPr lang="en-US" sz="1100" b="0" i="0" u="none" strike="noStrike" dirty="0">
+                          <a:solidFill>
+                            <a:srgbClr val="000000"/>
+                          </a:solidFill>
+                          <a:effectLst/>
+                          <a:latin typeface="Calibri" panose="020F0502020204030204" pitchFamily="34" charset="0"/>
+                        </a:rPr>
+                        <a:t>OUHSC</a:t>
+                      </a:r>
+                    </a:p>
+                  </a:txBody>
+                  <a:tcPr marL="7620" marR="7620" marT="7620" marB="0" anchor="b"/>
+                </a:tc>
+                <a:extLst>
+                  <a:ext uri="{0D108BD9-81ED-4DB2-BD59-A6C34878D82A}">
+                    <a16:rowId xmlns:a16="http://schemas.microsoft.com/office/drawing/2014/main" val="10001"/>
+                  </a:ext>
+                </a:extLst>
+              </a:tr>
+              <a:tr h="239252">
+                <a:tc>
+                  <a:txBody>
+                    <a:bodyPr/>
+                    <a:lstStyle/>
+                    <a:p>
+                      <a:pPr algn="l" fontAlgn="b"/>
+                      <a:r>
+                        <a:rPr lang="en-US" sz="1100" b="0" i="0" u="none" strike="noStrike" kern="1200" dirty="0">
+                          <a:solidFill>
+                            <a:srgbClr val="000000"/>
+                          </a:solidFill>
+                          <a:effectLst/>
+                          <a:latin typeface="Calibri" panose="020F0502020204030204" pitchFamily="34" charset="0"/>
+                          <a:ea typeface="+mn-ea"/>
+                          <a:cs typeface="+mn-cs"/>
+                        </a:rPr>
+                        <a:t>Predictors of Sever Sepsis in Patients with Intestinal Failure</a:t>
+                      </a:r>
+                    </a:p>
+                  </a:txBody>
+                  <a:tcPr marL="7620" marR="7620" marT="7620" marB="0" anchor="b"/>
+                </a:tc>
+                <a:tc>
+                  <a:txBody>
+                    <a:bodyPr/>
+                    <a:lstStyle/>
+                    <a:p>
+                      <a:pPr algn="l" fontAlgn="b"/>
+                      <a:r>
+                        <a:rPr lang="en-US" sz="1100" b="0" i="0" u="none" strike="noStrike" dirty="0">
+                          <a:solidFill>
+                            <a:srgbClr val="000000"/>
+                          </a:solidFill>
+                          <a:effectLst/>
+                          <a:latin typeface="Calibri" panose="020F0502020204030204" pitchFamily="34" charset="0"/>
+                        </a:rPr>
+                        <a:t>C. Knoles</a:t>
+                      </a:r>
+                    </a:p>
+                  </a:txBody>
+                  <a:tcPr marL="7620" marR="7620" marT="7620" marB="0" anchor="b"/>
+                </a:tc>
+                <a:tc>
+                  <a:txBody>
+                    <a:bodyPr/>
+                    <a:lstStyle/>
+                    <a:p>
+                      <a:pPr algn="l" fontAlgn="b"/>
+                      <a:r>
+                        <a:rPr lang="en-US" sz="1100" b="0" i="0" u="none" strike="noStrike" dirty="0">
+                          <a:solidFill>
+                            <a:srgbClr val="000000"/>
+                          </a:solidFill>
+                          <a:effectLst/>
+                          <a:latin typeface="Calibri" panose="020F0502020204030204" pitchFamily="34" charset="0"/>
+                        </a:rPr>
+                        <a:t>Pediatrics</a:t>
+                      </a:r>
+                    </a:p>
+                  </a:txBody>
+                  <a:tcPr marL="7620" marR="7620" marT="7620" marB="0" anchor="b"/>
+                </a:tc>
+                <a:extLst>
+                  <a:ext uri="{0D108BD9-81ED-4DB2-BD59-A6C34878D82A}">
+                    <a16:rowId xmlns:a16="http://schemas.microsoft.com/office/drawing/2014/main" val="3548785687"/>
+                  </a:ext>
+                </a:extLst>
+              </a:tr>
+              <a:tr h="239252">
+                <a:tc>
+                  <a:txBody>
+                    <a:bodyPr/>
+                    <a:lstStyle/>
+                    <a:p>
+                      <a:pPr algn="l" fontAlgn="b"/>
+                      <a:r>
+                        <a:rPr lang="en-US" sz="1100" b="0" i="0" u="none" strike="noStrike" kern="1200" dirty="0">
+                          <a:solidFill>
+                            <a:srgbClr val="000000"/>
+                          </a:solidFill>
+                          <a:effectLst/>
+                          <a:latin typeface="Calibri" panose="020F0502020204030204" pitchFamily="34" charset="0"/>
+                          <a:ea typeface="+mn-ea"/>
+                          <a:cs typeface="+mn-cs"/>
+                        </a:rPr>
+                        <a:t>Relationship</a:t>
+                      </a:r>
+                      <a:r>
+                        <a:rPr lang="en-US" sz="1100" b="0" i="0" u="none" strike="noStrike" kern="1200" baseline="0" dirty="0">
+                          <a:solidFill>
+                            <a:srgbClr val="000000"/>
+                          </a:solidFill>
+                          <a:effectLst/>
+                          <a:latin typeface="Calibri" panose="020F0502020204030204" pitchFamily="34" charset="0"/>
+                          <a:ea typeface="+mn-ea"/>
+                          <a:cs typeface="+mn-cs"/>
+                        </a:rPr>
+                        <a:t> Between Pretreatment Anxiety/Depression &amp; Patient Decision-Making in Prostate Cancer Treatment</a:t>
+                      </a:r>
+                      <a:endParaRPr lang="en-US" sz="1100" b="0" i="0" u="none" strike="noStrike" kern="1200" dirty="0">
+                        <a:solidFill>
+                          <a:srgbClr val="000000"/>
+                        </a:solidFill>
+                        <a:effectLst/>
+                        <a:latin typeface="Calibri" panose="020F0502020204030204" pitchFamily="34" charset="0"/>
+                        <a:ea typeface="+mn-ea"/>
+                        <a:cs typeface="+mn-cs"/>
+                      </a:endParaRPr>
+                    </a:p>
+                  </a:txBody>
+                  <a:tcPr marL="7620" marR="7620" marT="7620" marB="0" anchor="b"/>
+                </a:tc>
+                <a:tc>
+                  <a:txBody>
+                    <a:bodyPr/>
+                    <a:lstStyle/>
+                    <a:p>
+                      <a:pPr algn="l" fontAlgn="b"/>
+                      <a:r>
+                        <a:rPr lang="en-US" sz="1100" b="0" i="0" u="none" strike="noStrike" dirty="0">
+                          <a:solidFill>
+                            <a:srgbClr val="000000"/>
+                          </a:solidFill>
+                          <a:effectLst/>
+                          <a:latin typeface="Calibri" panose="020F0502020204030204" pitchFamily="34" charset="0"/>
+                        </a:rPr>
+                        <a:t>J. Heinlen</a:t>
+                      </a:r>
+                    </a:p>
+                  </a:txBody>
+                  <a:tcPr marL="7620" marR="7620" marT="7620" marB="0" anchor="b"/>
+                </a:tc>
+                <a:tc>
+                  <a:txBody>
+                    <a:bodyPr/>
+                    <a:lstStyle/>
+                    <a:p>
+                      <a:pPr algn="l" fontAlgn="b"/>
+                      <a:r>
+                        <a:rPr lang="en-US" sz="1100" b="0" i="0" u="none" strike="noStrike" dirty="0">
+                          <a:solidFill>
+                            <a:srgbClr val="000000"/>
+                          </a:solidFill>
+                          <a:effectLst/>
+                          <a:latin typeface="Calibri" panose="020F0502020204030204" pitchFamily="34" charset="0"/>
+                        </a:rPr>
+                        <a:t>Urology</a:t>
+                      </a:r>
+                    </a:p>
+                  </a:txBody>
+                  <a:tcPr marL="7620" marR="7620" marT="7620" marB="0" anchor="b"/>
+                </a:tc>
+                <a:extLst>
+                  <a:ext uri="{0D108BD9-81ED-4DB2-BD59-A6C34878D82A}">
+                    <a16:rowId xmlns:a16="http://schemas.microsoft.com/office/drawing/2014/main" val="949879066"/>
+                  </a:ext>
+                </a:extLst>
+              </a:tr>
+              <a:tr h="353296">
+                <a:tc>
+                  <a:txBody>
+                    <a:bodyPr/>
+                    <a:lstStyle/>
+                    <a:p>
+                      <a:pPr algn="l" fontAlgn="b"/>
+                      <a:r>
+                        <a:rPr lang="en-US" sz="1100" b="0" i="0" u="none" strike="noStrike" kern="1200" dirty="0">
+                          <a:solidFill>
+                            <a:srgbClr val="000000"/>
+                          </a:solidFill>
+                          <a:effectLst/>
+                          <a:latin typeface="Calibri" panose="020F0502020204030204" pitchFamily="34" charset="0"/>
+                          <a:ea typeface="+mn-ea"/>
+                          <a:cs typeface="+mn-cs"/>
+                        </a:rPr>
+                        <a:t>Quality</a:t>
+                      </a:r>
+                      <a:r>
+                        <a:rPr lang="en-US" sz="1100" b="0" i="0" u="none" strike="noStrike" kern="1200" baseline="0" dirty="0">
+                          <a:solidFill>
+                            <a:srgbClr val="000000"/>
+                          </a:solidFill>
+                          <a:effectLst/>
+                          <a:latin typeface="Calibri" panose="020F0502020204030204" pitchFamily="34" charset="0"/>
+                          <a:ea typeface="+mn-ea"/>
+                          <a:cs typeface="+mn-cs"/>
+                        </a:rPr>
+                        <a:t> of Life of Ethnically Diverse Black Prostate Cancer Survivors: Development of a Conceptual Model Using Grounded Theory</a:t>
+                      </a:r>
+                      <a:endParaRPr lang="en-US" sz="1100" b="0" i="0" u="none" strike="noStrike" kern="1200" dirty="0">
+                        <a:solidFill>
+                          <a:srgbClr val="000000"/>
+                        </a:solidFill>
+                        <a:effectLst/>
+                        <a:latin typeface="Calibri" panose="020F0502020204030204" pitchFamily="34" charset="0"/>
+                        <a:ea typeface="+mn-ea"/>
+                        <a:cs typeface="+mn-cs"/>
+                      </a:endParaRPr>
+                    </a:p>
+                  </a:txBody>
+                  <a:tcPr marL="7620" marR="7620" marT="7620" marB="0" anchor="b"/>
+                </a:tc>
+                <a:tc>
+                  <a:txBody>
+                    <a:bodyPr/>
+                    <a:lstStyle/>
+                    <a:p>
+                      <a:pPr algn="l" fontAlgn="b"/>
+                      <a:r>
+                        <a:rPr lang="en-US" sz="1100" b="0" i="0" u="none" strike="noStrike" dirty="0">
+                          <a:solidFill>
+                            <a:srgbClr val="000000"/>
+                          </a:solidFill>
+                          <a:effectLst/>
+                          <a:latin typeface="Calibri" panose="020F0502020204030204" pitchFamily="34" charset="0"/>
+                        </a:rPr>
+                        <a:t>M. </a:t>
+                      </a:r>
+                      <a:r>
+                        <a:rPr lang="en-US" sz="1100" b="0" i="0" u="none" strike="noStrike" dirty="0" err="1">
+                          <a:solidFill>
+                            <a:srgbClr val="000000"/>
+                          </a:solidFill>
+                          <a:effectLst/>
+                          <a:latin typeface="Calibri" panose="020F0502020204030204" pitchFamily="34" charset="0"/>
+                        </a:rPr>
+                        <a:t>Ogunsanya</a:t>
+                      </a:r>
+                      <a:endParaRPr lang="en-US" sz="1100" b="0" i="0" u="none" strike="noStrike" dirty="0">
+                        <a:solidFill>
+                          <a:srgbClr val="000000"/>
+                        </a:solidFill>
+                        <a:effectLst/>
+                        <a:latin typeface="Calibri" panose="020F0502020204030204" pitchFamily="34" charset="0"/>
+                      </a:endParaRPr>
+                    </a:p>
+                  </a:txBody>
+                  <a:tcPr marL="7620" marR="7620" marT="7620" marB="0" anchor="b"/>
+                </a:tc>
+                <a:tc>
+                  <a:txBody>
+                    <a:bodyPr/>
+                    <a:lstStyle/>
+                    <a:p>
+                      <a:pPr algn="l" fontAlgn="b"/>
+                      <a:r>
+                        <a:rPr lang="en-US" sz="1100" b="0" i="0" u="none" strike="noStrike" dirty="0">
+                          <a:solidFill>
+                            <a:srgbClr val="000000"/>
+                          </a:solidFill>
+                          <a:effectLst/>
+                          <a:latin typeface="Calibri" panose="020F0502020204030204" pitchFamily="34" charset="0"/>
+                        </a:rPr>
+                        <a:t>Pharmacy</a:t>
+                      </a:r>
+                    </a:p>
+                  </a:txBody>
+                  <a:tcPr marL="7620" marR="7620" marT="7620" marB="0" anchor="b"/>
+                </a:tc>
+                <a:extLst>
+                  <a:ext uri="{0D108BD9-81ED-4DB2-BD59-A6C34878D82A}">
+                    <a16:rowId xmlns:a16="http://schemas.microsoft.com/office/drawing/2014/main" val="3222670053"/>
+                  </a:ext>
+                </a:extLst>
+              </a:tr>
+              <a:tr h="239252">
+                <a:tc>
+                  <a:txBody>
+                    <a:bodyPr/>
+                    <a:lstStyle/>
+                    <a:p>
+                      <a:pPr algn="l" fontAlgn="b"/>
+                      <a:r>
+                        <a:rPr lang="en-US" sz="1100" b="0" i="0" u="none" strike="noStrike" kern="1200" dirty="0">
+                          <a:solidFill>
+                            <a:srgbClr val="000000"/>
+                          </a:solidFill>
+                          <a:effectLst/>
+                          <a:latin typeface="Calibri" panose="020F0502020204030204" pitchFamily="34" charset="0"/>
+                          <a:ea typeface="+mn-ea"/>
+                          <a:cs typeface="+mn-cs"/>
+                        </a:rPr>
+                        <a:t>Clinical Presentations,</a:t>
+                      </a:r>
+                      <a:r>
+                        <a:rPr lang="en-US" sz="1100" b="0" i="0" u="none" strike="noStrike" kern="1200" baseline="0" dirty="0">
+                          <a:solidFill>
+                            <a:srgbClr val="000000"/>
+                          </a:solidFill>
+                          <a:effectLst/>
+                          <a:latin typeface="Calibri" panose="020F0502020204030204" pitchFamily="34" charset="0"/>
+                          <a:ea typeface="+mn-ea"/>
+                          <a:cs typeface="+mn-cs"/>
+                        </a:rPr>
+                        <a:t> Laboratory Findings, Treatment, and Outcomes of Pediatric COVID-19 Patients</a:t>
+                      </a:r>
+                      <a:endParaRPr lang="en-US" sz="1100" b="0" i="0" u="none" strike="noStrike" kern="1200" dirty="0">
+                        <a:solidFill>
+                          <a:srgbClr val="000000"/>
+                        </a:solidFill>
+                        <a:effectLst/>
+                        <a:latin typeface="Calibri" panose="020F0502020204030204" pitchFamily="34" charset="0"/>
+                        <a:ea typeface="+mn-ea"/>
+                        <a:cs typeface="+mn-cs"/>
+                      </a:endParaRPr>
+                    </a:p>
+                  </a:txBody>
+                  <a:tcPr marL="7620" marR="7620" marT="7620" marB="0" anchor="b"/>
+                </a:tc>
+                <a:tc>
+                  <a:txBody>
+                    <a:bodyPr/>
+                    <a:lstStyle/>
+                    <a:p>
+                      <a:pPr marL="228600" indent="-228600" algn="l" fontAlgn="b">
+                        <a:buAutoNum type="alphaUcPeriod"/>
+                      </a:pPr>
+                      <a:r>
+                        <a:rPr lang="en-US" sz="1100" b="0" i="0" u="none" strike="noStrike" dirty="0">
+                          <a:solidFill>
+                            <a:srgbClr val="000000"/>
+                          </a:solidFill>
+                          <a:effectLst/>
+                          <a:latin typeface="Calibri" panose="020F0502020204030204" pitchFamily="34" charset="0"/>
+                        </a:rPr>
+                        <a:t>Bogie</a:t>
+                      </a:r>
+                    </a:p>
+                  </a:txBody>
+                  <a:tcPr marL="7620" marR="7620" marT="7620" marB="0" anchor="b"/>
+                </a:tc>
+                <a:tc>
+                  <a:txBody>
+                    <a:bodyPr/>
+                    <a:lstStyle/>
+                    <a:p>
+                      <a:pPr algn="l" fontAlgn="b"/>
+                      <a:r>
+                        <a:rPr lang="en-US" sz="1100" b="0" i="0" u="none" strike="noStrike" dirty="0">
+                          <a:solidFill>
+                            <a:srgbClr val="000000"/>
+                          </a:solidFill>
+                          <a:effectLst/>
+                          <a:latin typeface="Calibri" panose="020F0502020204030204" pitchFamily="34" charset="0"/>
+                        </a:rPr>
+                        <a:t>Pediatrics</a:t>
+                      </a:r>
+                    </a:p>
+                  </a:txBody>
+                  <a:tcPr marL="7620" marR="7620" marT="7620" marB="0" anchor="b"/>
+                </a:tc>
+                <a:extLst>
+                  <a:ext uri="{0D108BD9-81ED-4DB2-BD59-A6C34878D82A}">
+                    <a16:rowId xmlns:a16="http://schemas.microsoft.com/office/drawing/2014/main" val="1661099666"/>
+                  </a:ext>
+                </a:extLst>
+              </a:tr>
+              <a:tr h="239252">
+                <a:tc>
+                  <a:txBody>
+                    <a:bodyPr/>
+                    <a:lstStyle/>
+                    <a:p>
+                      <a:pPr algn="l" fontAlgn="b"/>
+                      <a:r>
+                        <a:rPr lang="en-US" sz="1100" b="0" i="0" u="none" strike="noStrike" kern="1200" dirty="0">
+                          <a:solidFill>
+                            <a:srgbClr val="000000"/>
+                          </a:solidFill>
+                          <a:effectLst/>
+                          <a:latin typeface="Calibri" panose="020F0502020204030204" pitchFamily="34" charset="0"/>
+                          <a:ea typeface="+mn-ea"/>
+                          <a:cs typeface="+mn-cs"/>
+                        </a:rPr>
+                        <a:t>PEMCRC Anaphylaxis</a:t>
+                      </a:r>
+                      <a:r>
+                        <a:rPr lang="en-US" sz="1100" b="0" i="0" u="none" strike="noStrike" kern="1200" baseline="0" dirty="0">
+                          <a:solidFill>
+                            <a:srgbClr val="000000"/>
+                          </a:solidFill>
+                          <a:effectLst/>
+                          <a:latin typeface="Calibri" panose="020F0502020204030204" pitchFamily="34" charset="0"/>
+                          <a:ea typeface="+mn-ea"/>
+                          <a:cs typeface="+mn-cs"/>
+                        </a:rPr>
+                        <a:t> Study</a:t>
+                      </a:r>
+                      <a:endParaRPr lang="en-US" sz="1100" b="0" i="0" u="none" strike="noStrike" kern="1200" dirty="0">
+                        <a:solidFill>
+                          <a:srgbClr val="000000"/>
+                        </a:solidFill>
+                        <a:effectLst/>
+                        <a:latin typeface="Calibri" panose="020F0502020204030204" pitchFamily="34" charset="0"/>
+                        <a:ea typeface="+mn-ea"/>
+                        <a:cs typeface="+mn-cs"/>
+                      </a:endParaRPr>
+                    </a:p>
+                  </a:txBody>
+                  <a:tcPr marL="7620" marR="7620" marT="7620" marB="0" anchor="b"/>
+                </a:tc>
+                <a:tc>
+                  <a:txBody>
+                    <a:bodyPr/>
+                    <a:lstStyle/>
+                    <a:p>
+                      <a:pPr marL="228600" indent="-228600" algn="l" fontAlgn="b">
+                        <a:buAutoNum type="alphaUcPeriod"/>
+                      </a:pPr>
+                      <a:r>
+                        <a:rPr lang="en-US" sz="1100" b="0" i="0" u="none" strike="noStrike" dirty="0">
+                          <a:solidFill>
+                            <a:srgbClr val="000000"/>
+                          </a:solidFill>
+                          <a:effectLst/>
+                          <a:latin typeface="Calibri" panose="020F0502020204030204" pitchFamily="34" charset="0"/>
+                        </a:rPr>
+                        <a:t>Bogie</a:t>
+                      </a:r>
+                    </a:p>
+                  </a:txBody>
+                  <a:tcPr marL="7620" marR="7620" marT="7620" marB="0" anchor="b"/>
+                </a:tc>
+                <a:tc>
+                  <a:txBody>
+                    <a:bodyPr/>
+                    <a:lstStyle/>
+                    <a:p>
+                      <a:pPr algn="l" fontAlgn="b"/>
+                      <a:r>
+                        <a:rPr lang="en-US" sz="1100" b="0" i="0" u="none" strike="noStrike" dirty="0">
+                          <a:solidFill>
+                            <a:srgbClr val="000000"/>
+                          </a:solidFill>
+                          <a:effectLst/>
+                          <a:latin typeface="Calibri" panose="020F0502020204030204" pitchFamily="34" charset="0"/>
+                        </a:rPr>
+                        <a:t>Pediatrics</a:t>
+                      </a:r>
+                    </a:p>
+                  </a:txBody>
+                  <a:tcPr marL="7620" marR="7620" marT="7620" marB="0" anchor="b"/>
+                </a:tc>
+                <a:extLst>
+                  <a:ext uri="{0D108BD9-81ED-4DB2-BD59-A6C34878D82A}">
+                    <a16:rowId xmlns:a16="http://schemas.microsoft.com/office/drawing/2014/main" val="4172047643"/>
+                  </a:ext>
+                </a:extLst>
+              </a:tr>
+              <a:tr h="239252">
+                <a:tc>
+                  <a:txBody>
+                    <a:bodyPr/>
+                    <a:lstStyle/>
+                    <a:p>
+                      <a:pPr algn="l" fontAlgn="b"/>
+                      <a:r>
+                        <a:rPr lang="en-US" sz="1100" b="0" i="0" u="none" strike="noStrike" kern="1200" dirty="0">
+                          <a:solidFill>
+                            <a:srgbClr val="000000"/>
+                          </a:solidFill>
+                          <a:effectLst/>
+                          <a:latin typeface="Calibri" panose="020F0502020204030204" pitchFamily="34" charset="0"/>
+                          <a:ea typeface="+mn-ea"/>
+                          <a:cs typeface="+mn-cs"/>
+                        </a:rPr>
+                        <a:t>Analysis of Pediatric Migraine Treatment</a:t>
+                      </a:r>
+                    </a:p>
+                  </a:txBody>
+                  <a:tcPr marL="7620" marR="7620" marT="7620" marB="0" anchor="b"/>
+                </a:tc>
+                <a:tc>
+                  <a:txBody>
+                    <a:bodyPr/>
+                    <a:lstStyle/>
+                    <a:p>
+                      <a:pPr marL="228600" indent="-228600" algn="l" fontAlgn="b">
+                        <a:buAutoNum type="alphaUcPeriod"/>
+                      </a:pPr>
+                      <a:r>
+                        <a:rPr lang="en-US" sz="1100" b="0" i="0" u="none" strike="noStrike" dirty="0">
+                          <a:solidFill>
+                            <a:srgbClr val="000000"/>
+                          </a:solidFill>
+                          <a:effectLst/>
+                          <a:latin typeface="Calibri" panose="020F0502020204030204" pitchFamily="34" charset="0"/>
+                        </a:rPr>
+                        <a:t>Bogie</a:t>
+                      </a:r>
+                    </a:p>
+                  </a:txBody>
+                  <a:tcPr marL="7620" marR="7620" marT="7620" marB="0" anchor="b"/>
+                </a:tc>
+                <a:tc>
+                  <a:txBody>
+                    <a:bodyPr/>
+                    <a:lstStyle/>
+                    <a:p>
+                      <a:pPr algn="l" fontAlgn="b"/>
+                      <a:r>
+                        <a:rPr lang="en-US" sz="1100" b="0" i="0" u="none" strike="noStrike" dirty="0">
+                          <a:solidFill>
+                            <a:srgbClr val="000000"/>
+                          </a:solidFill>
+                          <a:effectLst/>
+                          <a:latin typeface="Calibri" panose="020F0502020204030204" pitchFamily="34" charset="0"/>
+                        </a:rPr>
+                        <a:t>Pediatrics</a:t>
+                      </a:r>
+                    </a:p>
+                  </a:txBody>
+                  <a:tcPr marL="7620" marR="7620" marT="7620" marB="0" anchor="b"/>
+                </a:tc>
+                <a:extLst>
+                  <a:ext uri="{0D108BD9-81ED-4DB2-BD59-A6C34878D82A}">
+                    <a16:rowId xmlns:a16="http://schemas.microsoft.com/office/drawing/2014/main" val="1057878429"/>
+                  </a:ext>
+                </a:extLst>
+              </a:tr>
+              <a:tr h="239252">
+                <a:tc>
+                  <a:txBody>
+                    <a:bodyPr/>
+                    <a:lstStyle/>
+                    <a:p>
+                      <a:pPr algn="l" fontAlgn="b"/>
+                      <a:r>
+                        <a:rPr lang="en-US" sz="1100" b="0" i="0" u="none" strike="noStrike" kern="1200" dirty="0">
+                          <a:solidFill>
+                            <a:srgbClr val="000000"/>
+                          </a:solidFill>
+                          <a:effectLst/>
+                          <a:latin typeface="Calibri" panose="020F0502020204030204" pitchFamily="34" charset="0"/>
+                          <a:ea typeface="+mn-ea"/>
+                          <a:cs typeface="+mn-cs"/>
+                        </a:rPr>
+                        <a:t>Impact of COVID-19 on Distress Levels in Cancer Patients</a:t>
+                      </a:r>
+                    </a:p>
+                  </a:txBody>
+                  <a:tcPr marL="7620" marR="7620" marT="7620" marB="0" anchor="b"/>
+                </a:tc>
+                <a:tc>
+                  <a:txBody>
+                    <a:bodyPr/>
+                    <a:lstStyle/>
+                    <a:p>
+                      <a:pPr algn="l" fontAlgn="b"/>
+                      <a:r>
+                        <a:rPr lang="en-US" sz="1100" b="0" i="0" u="none" strike="noStrike" dirty="0">
+                          <a:solidFill>
+                            <a:srgbClr val="000000"/>
+                          </a:solidFill>
+                          <a:effectLst/>
+                          <a:latin typeface="Calibri" panose="020F0502020204030204" pitchFamily="34" charset="0"/>
+                        </a:rPr>
+                        <a:t>R. Funk-Lawler</a:t>
+                      </a:r>
+                    </a:p>
+                  </a:txBody>
+                  <a:tcPr marL="7620" marR="7620" marT="7620" marB="0" anchor="b"/>
+                </a:tc>
+                <a:tc>
+                  <a:txBody>
+                    <a:bodyPr/>
+                    <a:lstStyle/>
+                    <a:p>
+                      <a:pPr algn="l" fontAlgn="b"/>
+                      <a:r>
+                        <a:rPr lang="en-US" sz="1100" b="0" i="0" u="none" strike="noStrike" dirty="0">
+                          <a:solidFill>
+                            <a:srgbClr val="000000"/>
+                          </a:solidFill>
+                          <a:effectLst/>
+                          <a:latin typeface="Calibri" panose="020F0502020204030204" pitchFamily="34" charset="0"/>
+                        </a:rPr>
+                        <a:t>Psychiatry</a:t>
+                      </a:r>
+                    </a:p>
+                  </a:txBody>
+                  <a:tcPr marL="7620" marR="7620" marT="7620" marB="0" anchor="b"/>
+                </a:tc>
+                <a:extLst>
+                  <a:ext uri="{0D108BD9-81ED-4DB2-BD59-A6C34878D82A}">
+                    <a16:rowId xmlns:a16="http://schemas.microsoft.com/office/drawing/2014/main" val="2151953881"/>
+                  </a:ext>
+                </a:extLst>
+              </a:tr>
+              <a:tr h="239252">
+                <a:tc>
+                  <a:txBody>
+                    <a:bodyPr/>
+                    <a:lstStyle/>
+                    <a:p>
+                      <a:pPr algn="l" fontAlgn="b"/>
+                      <a:r>
+                        <a:rPr lang="en-US" sz="1100" b="0" i="0" u="none" strike="noStrike" kern="1200" dirty="0">
+                          <a:solidFill>
+                            <a:srgbClr val="000000"/>
+                          </a:solidFill>
+                          <a:effectLst/>
+                          <a:latin typeface="Calibri" panose="020F0502020204030204" pitchFamily="34" charset="0"/>
+                          <a:ea typeface="+mn-ea"/>
+                          <a:cs typeface="+mn-cs"/>
+                        </a:rPr>
+                        <a:t>Pituitary</a:t>
+                      </a:r>
+                      <a:r>
+                        <a:rPr lang="en-US" sz="1100" b="0" i="0" u="none" strike="noStrike" kern="1200" baseline="0" dirty="0">
+                          <a:solidFill>
+                            <a:srgbClr val="000000"/>
+                          </a:solidFill>
+                          <a:effectLst/>
+                          <a:latin typeface="Calibri" panose="020F0502020204030204" pitchFamily="34" charset="0"/>
+                          <a:ea typeface="+mn-ea"/>
+                          <a:cs typeface="+mn-cs"/>
+                        </a:rPr>
+                        <a:t> Adenoma Patient Outcomes</a:t>
+                      </a:r>
+                      <a:endParaRPr lang="en-US" sz="1100" b="0" i="0" u="none" strike="noStrike" kern="1200" dirty="0">
+                        <a:solidFill>
+                          <a:srgbClr val="000000"/>
+                        </a:solidFill>
+                        <a:effectLst/>
+                        <a:latin typeface="Calibri" panose="020F0502020204030204" pitchFamily="34" charset="0"/>
+                        <a:ea typeface="+mn-ea"/>
+                        <a:cs typeface="+mn-cs"/>
+                      </a:endParaRPr>
+                    </a:p>
+                  </a:txBody>
+                  <a:tcPr marL="7620" marR="7620" marT="7620" marB="0" anchor="b"/>
+                </a:tc>
+                <a:tc>
+                  <a:txBody>
+                    <a:bodyPr/>
+                    <a:lstStyle/>
+                    <a:p>
+                      <a:pPr marL="0" indent="0" algn="l" fontAlgn="b">
+                        <a:buNone/>
+                      </a:pPr>
+                      <a:r>
+                        <a:rPr lang="en-US" sz="1100" b="0" i="0" u="none" strike="noStrike" dirty="0">
+                          <a:solidFill>
+                            <a:srgbClr val="000000"/>
+                          </a:solidFill>
+                          <a:effectLst/>
+                          <a:latin typeface="Calibri" panose="020F0502020204030204" pitchFamily="34" charset="0"/>
+                        </a:rPr>
+                        <a:t>I. Dunn</a:t>
+                      </a:r>
+                    </a:p>
+                  </a:txBody>
+                  <a:tcPr marL="7620" marR="7620" marT="7620" marB="0" anchor="b"/>
+                </a:tc>
+                <a:tc>
+                  <a:txBody>
+                    <a:bodyPr/>
+                    <a:lstStyle/>
+                    <a:p>
+                      <a:pPr algn="l" fontAlgn="b"/>
+                      <a:r>
+                        <a:rPr lang="en-US" sz="1100" b="0" i="0" u="none" strike="noStrike" dirty="0">
+                          <a:solidFill>
+                            <a:srgbClr val="000000"/>
+                          </a:solidFill>
+                          <a:effectLst/>
+                          <a:latin typeface="Calibri" panose="020F0502020204030204" pitchFamily="34" charset="0"/>
+                        </a:rPr>
+                        <a:t>Neurosurgery</a:t>
+                      </a:r>
+                    </a:p>
+                  </a:txBody>
+                  <a:tcPr marL="7620" marR="7620" marT="7620" marB="0" anchor="b"/>
+                </a:tc>
+                <a:extLst>
+                  <a:ext uri="{0D108BD9-81ED-4DB2-BD59-A6C34878D82A}">
+                    <a16:rowId xmlns:a16="http://schemas.microsoft.com/office/drawing/2014/main" val="3615318075"/>
+                  </a:ext>
+                </a:extLst>
+              </a:tr>
+              <a:tr h="239252">
+                <a:tc>
+                  <a:txBody>
+                    <a:bodyPr/>
+                    <a:lstStyle/>
+                    <a:p>
+                      <a:pPr algn="l" fontAlgn="b"/>
+                      <a:r>
+                        <a:rPr lang="en-US" sz="1100" b="0" i="0" u="none" strike="noStrike" kern="1200" dirty="0">
+                          <a:solidFill>
+                            <a:srgbClr val="000000"/>
+                          </a:solidFill>
+                          <a:effectLst/>
+                          <a:latin typeface="Calibri" panose="020F0502020204030204" pitchFamily="34" charset="0"/>
+                          <a:ea typeface="+mn-ea"/>
+                          <a:cs typeface="+mn-cs"/>
+                        </a:rPr>
+                        <a:t>Oncologic Outcomes</a:t>
+                      </a:r>
+                      <a:r>
+                        <a:rPr lang="en-US" sz="1100" b="0" i="0" u="none" strike="noStrike" kern="1200" baseline="0" dirty="0">
+                          <a:solidFill>
+                            <a:srgbClr val="000000"/>
+                          </a:solidFill>
+                          <a:effectLst/>
+                          <a:latin typeface="Calibri" panose="020F0502020204030204" pitchFamily="34" charset="0"/>
+                          <a:ea typeface="+mn-ea"/>
+                          <a:cs typeface="+mn-cs"/>
+                        </a:rPr>
+                        <a:t> in Renal Cell Carcinoma</a:t>
+                      </a:r>
+                      <a:endParaRPr lang="en-US" sz="1100" b="0" i="0" u="none" strike="noStrike" kern="1200" dirty="0">
+                        <a:solidFill>
+                          <a:srgbClr val="000000"/>
+                        </a:solidFill>
+                        <a:effectLst/>
+                        <a:latin typeface="Calibri" panose="020F0502020204030204" pitchFamily="34" charset="0"/>
+                        <a:ea typeface="+mn-ea"/>
+                        <a:cs typeface="+mn-cs"/>
+                      </a:endParaRPr>
+                    </a:p>
+                  </a:txBody>
+                  <a:tcPr marL="7620" marR="7620" marT="7620" marB="0" anchor="b"/>
+                </a:tc>
+                <a:tc>
+                  <a:txBody>
+                    <a:bodyPr/>
+                    <a:lstStyle/>
+                    <a:p>
+                      <a:pPr algn="l" fontAlgn="b"/>
+                      <a:r>
+                        <a:rPr lang="en-US" sz="1100" b="0" i="0" u="none" strike="noStrike" dirty="0">
+                          <a:solidFill>
+                            <a:srgbClr val="000000"/>
+                          </a:solidFill>
+                          <a:effectLst/>
+                          <a:latin typeface="Calibri" panose="020F0502020204030204" pitchFamily="34" charset="0"/>
+                        </a:rPr>
+                        <a:t>B. Cross</a:t>
+                      </a:r>
+                    </a:p>
+                  </a:txBody>
+                  <a:tcPr marL="7620" marR="7620" marT="7620" marB="0" anchor="b"/>
+                </a:tc>
+                <a:tc>
+                  <a:txBody>
+                    <a:bodyPr/>
+                    <a:lstStyle/>
+                    <a:p>
+                      <a:pPr algn="l" fontAlgn="b"/>
+                      <a:r>
+                        <a:rPr lang="en-US" sz="1100" b="0" i="0" u="none" strike="noStrike" dirty="0">
+                          <a:solidFill>
+                            <a:srgbClr val="000000"/>
+                          </a:solidFill>
+                          <a:effectLst/>
+                          <a:latin typeface="Calibri" panose="020F0502020204030204" pitchFamily="34" charset="0"/>
+                        </a:rPr>
+                        <a:t>Urology</a:t>
+                      </a:r>
+                    </a:p>
+                  </a:txBody>
+                  <a:tcPr marL="7620" marR="7620" marT="7620" marB="0" anchor="b"/>
+                </a:tc>
+                <a:extLst>
+                  <a:ext uri="{0D108BD9-81ED-4DB2-BD59-A6C34878D82A}">
+                    <a16:rowId xmlns:a16="http://schemas.microsoft.com/office/drawing/2014/main" val="1810581365"/>
+                  </a:ext>
+                </a:extLst>
+              </a:tr>
+              <a:tr h="239252">
+                <a:tc>
+                  <a:txBody>
+                    <a:bodyPr/>
+                    <a:lstStyle/>
+                    <a:p>
+                      <a:pPr algn="l" fontAlgn="b"/>
+                      <a:r>
+                        <a:rPr lang="en-US" sz="1100" b="0" i="0" u="none" strike="noStrike" kern="1200" dirty="0">
+                          <a:solidFill>
+                            <a:srgbClr val="000000"/>
+                          </a:solidFill>
+                          <a:effectLst/>
+                          <a:latin typeface="Calibri" panose="020F0502020204030204" pitchFamily="34" charset="0"/>
+                          <a:ea typeface="+mn-ea"/>
+                          <a:cs typeface="+mn-cs"/>
+                        </a:rPr>
+                        <a:t>Using ML to Quantify Molecular Phenotypes</a:t>
+                      </a:r>
+                      <a:r>
+                        <a:rPr lang="en-US" sz="1100" b="0" i="0" u="none" strike="noStrike" kern="1200" baseline="0" dirty="0">
+                          <a:solidFill>
+                            <a:srgbClr val="000000"/>
+                          </a:solidFill>
+                          <a:effectLst/>
+                          <a:latin typeface="Calibri" panose="020F0502020204030204" pitchFamily="34" charset="0"/>
+                          <a:ea typeface="+mn-ea"/>
+                          <a:cs typeface="+mn-cs"/>
+                        </a:rPr>
+                        <a:t> </a:t>
+                      </a:r>
+                      <a:endParaRPr lang="en-US" sz="1100" b="0" i="0" u="none" strike="noStrike" kern="1200" dirty="0">
+                        <a:solidFill>
+                          <a:srgbClr val="000000"/>
+                        </a:solidFill>
+                        <a:effectLst/>
+                        <a:latin typeface="Calibri" panose="020F0502020204030204" pitchFamily="34" charset="0"/>
+                        <a:ea typeface="+mn-ea"/>
+                        <a:cs typeface="+mn-cs"/>
+                      </a:endParaRPr>
+                    </a:p>
+                  </a:txBody>
+                  <a:tcPr marL="7620" marR="7620" marT="7620" marB="0" anchor="b"/>
+                </a:tc>
+                <a:tc>
+                  <a:txBody>
+                    <a:bodyPr/>
+                    <a:lstStyle/>
+                    <a:p>
+                      <a:pPr algn="l" fontAlgn="b"/>
+                      <a:r>
+                        <a:rPr lang="en-US" sz="1100" b="0" i="0" u="none" strike="noStrike" dirty="0">
+                          <a:solidFill>
+                            <a:srgbClr val="000000"/>
+                          </a:solidFill>
+                          <a:effectLst/>
+                          <a:latin typeface="Calibri" panose="020F0502020204030204" pitchFamily="34" charset="0"/>
+                        </a:rPr>
+                        <a:t>K. Jones</a:t>
+                      </a:r>
+                    </a:p>
+                  </a:txBody>
+                  <a:tcPr marL="7620" marR="7620" marT="7620" marB="0" anchor="b"/>
+                </a:tc>
+                <a:tc>
+                  <a:txBody>
+                    <a:bodyPr/>
+                    <a:lstStyle/>
+                    <a:p>
+                      <a:pPr algn="l" fontAlgn="b"/>
+                      <a:r>
+                        <a:rPr lang="en-US" sz="1100" b="0" i="0" u="none" strike="noStrike" dirty="0">
+                          <a:solidFill>
+                            <a:srgbClr val="000000"/>
+                          </a:solidFill>
+                          <a:effectLst/>
+                          <a:latin typeface="Calibri" panose="020F0502020204030204" pitchFamily="34" charset="0"/>
+                        </a:rPr>
+                        <a:t>Harold Hamm Diabetes Center</a:t>
+                      </a:r>
+                    </a:p>
+                  </a:txBody>
+                  <a:tcPr marL="7620" marR="7620" marT="7620" marB="0" anchor="b"/>
+                </a:tc>
+                <a:extLst>
+                  <a:ext uri="{0D108BD9-81ED-4DB2-BD59-A6C34878D82A}">
+                    <a16:rowId xmlns:a16="http://schemas.microsoft.com/office/drawing/2014/main" val="240284698"/>
+                  </a:ext>
+                </a:extLst>
+              </a:tr>
+              <a:tr h="239252">
+                <a:tc>
+                  <a:txBody>
+                    <a:bodyPr/>
+                    <a:lstStyle/>
+                    <a:p>
+                      <a:pPr algn="l" fontAlgn="b"/>
+                      <a:r>
+                        <a:rPr lang="en-US" sz="1100" b="0" i="0" u="none" strike="noStrike" kern="1200" dirty="0">
+                          <a:solidFill>
+                            <a:srgbClr val="000000"/>
+                          </a:solidFill>
+                          <a:effectLst/>
+                          <a:latin typeface="Calibri" panose="020F0502020204030204" pitchFamily="34" charset="0"/>
+                          <a:ea typeface="+mn-ea"/>
+                          <a:cs typeface="+mn-cs"/>
+                        </a:rPr>
+                        <a:t>Improving Detection &amp; Management</a:t>
+                      </a:r>
+                      <a:r>
+                        <a:rPr lang="en-US" sz="1100" b="0" i="0" u="none" strike="noStrike" kern="1200" baseline="0" dirty="0">
+                          <a:solidFill>
+                            <a:srgbClr val="000000"/>
+                          </a:solidFill>
+                          <a:effectLst/>
+                          <a:latin typeface="Calibri" panose="020F0502020204030204" pitchFamily="34" charset="0"/>
+                          <a:ea typeface="+mn-ea"/>
+                          <a:cs typeface="+mn-cs"/>
+                        </a:rPr>
+                        <a:t> of Bladder Cancer</a:t>
+                      </a:r>
+                      <a:endParaRPr lang="en-US" sz="1100" b="0" i="0" u="none" strike="noStrike" kern="1200" dirty="0">
+                        <a:solidFill>
+                          <a:srgbClr val="000000"/>
+                        </a:solidFill>
+                        <a:effectLst/>
+                        <a:latin typeface="Calibri" panose="020F0502020204030204" pitchFamily="34" charset="0"/>
+                        <a:ea typeface="+mn-ea"/>
+                        <a:cs typeface="+mn-cs"/>
+                      </a:endParaRPr>
+                    </a:p>
+                  </a:txBody>
+                  <a:tcPr marL="7620" marR="7620" marT="7620" marB="0" anchor="b"/>
+                </a:tc>
+                <a:tc>
+                  <a:txBody>
+                    <a:bodyPr/>
+                    <a:lstStyle/>
+                    <a:p>
+                      <a:pPr algn="l" fontAlgn="b"/>
+                      <a:r>
+                        <a:rPr lang="en-US" sz="1100" b="0" i="0" u="none" strike="noStrike" dirty="0">
+                          <a:solidFill>
+                            <a:srgbClr val="000000"/>
+                          </a:solidFill>
+                          <a:effectLst/>
+                          <a:latin typeface="Calibri" panose="020F0502020204030204" pitchFamily="34" charset="0"/>
+                        </a:rPr>
+                        <a:t>D. Parker</a:t>
+                      </a:r>
+                    </a:p>
+                  </a:txBody>
+                  <a:tcPr marL="7620" marR="7620" marT="7620" marB="0" anchor="b"/>
+                </a:tc>
+                <a:tc>
+                  <a:txBody>
+                    <a:bodyPr/>
+                    <a:lstStyle/>
+                    <a:p>
+                      <a:pPr algn="l" fontAlgn="b"/>
+                      <a:r>
+                        <a:rPr lang="en-US" sz="1100" b="0" i="0" u="none" strike="noStrike" dirty="0">
+                          <a:solidFill>
+                            <a:srgbClr val="000000"/>
+                          </a:solidFill>
+                          <a:effectLst/>
+                          <a:latin typeface="Calibri" panose="020F0502020204030204" pitchFamily="34" charset="0"/>
+                        </a:rPr>
+                        <a:t>Urology</a:t>
+                      </a:r>
+                    </a:p>
+                  </a:txBody>
+                  <a:tcPr marL="7620" marR="7620" marT="7620" marB="0" anchor="b"/>
+                </a:tc>
+                <a:extLst>
+                  <a:ext uri="{0D108BD9-81ED-4DB2-BD59-A6C34878D82A}">
+                    <a16:rowId xmlns:a16="http://schemas.microsoft.com/office/drawing/2014/main" val="2906176452"/>
+                  </a:ext>
+                </a:extLst>
+              </a:tr>
+              <a:tr h="353296">
+                <a:tc>
+                  <a:txBody>
+                    <a:bodyPr/>
+                    <a:lstStyle/>
+                    <a:p>
+                      <a:pPr algn="l" fontAlgn="b"/>
+                      <a:r>
+                        <a:rPr lang="en-US" sz="1100" b="0" i="0" u="none" strike="noStrike" kern="1200" dirty="0" err="1">
+                          <a:solidFill>
+                            <a:srgbClr val="000000"/>
+                          </a:solidFill>
+                          <a:effectLst/>
+                          <a:latin typeface="Calibri" panose="020F0502020204030204" pitchFamily="34" charset="0"/>
+                          <a:ea typeface="+mn-ea"/>
+                          <a:cs typeface="+mn-cs"/>
+                        </a:rPr>
+                        <a:t>Neuromodulation</a:t>
+                      </a:r>
+                      <a:r>
+                        <a:rPr lang="en-US" sz="1100" b="0" i="0" u="none" strike="noStrike" kern="1200" dirty="0">
+                          <a:solidFill>
+                            <a:srgbClr val="000000"/>
+                          </a:solidFill>
+                          <a:effectLst/>
+                          <a:latin typeface="Calibri" panose="020F0502020204030204" pitchFamily="34" charset="0"/>
+                          <a:ea typeface="+mn-ea"/>
+                          <a:cs typeface="+mn-cs"/>
+                        </a:rPr>
+                        <a:t> of Inflammation to Treat Heart Failure</a:t>
+                      </a:r>
+                      <a:r>
+                        <a:rPr lang="en-US" sz="1100" b="0" i="0" u="none" strike="noStrike" kern="1200" baseline="0" dirty="0">
+                          <a:solidFill>
+                            <a:srgbClr val="000000"/>
+                          </a:solidFill>
+                          <a:effectLst/>
+                          <a:latin typeface="Calibri" panose="020F0502020204030204" pitchFamily="34" charset="0"/>
+                          <a:ea typeface="+mn-ea"/>
+                          <a:cs typeface="+mn-cs"/>
+                        </a:rPr>
+                        <a:t> with Preserved Ejection Fraction (TIN HF)</a:t>
+                      </a:r>
+                      <a:endParaRPr lang="en-US" sz="1100" b="0" i="0" u="none" strike="noStrike" kern="1200" dirty="0">
+                        <a:solidFill>
+                          <a:srgbClr val="000000"/>
+                        </a:solidFill>
+                        <a:effectLst/>
+                        <a:latin typeface="Calibri" panose="020F0502020204030204" pitchFamily="34" charset="0"/>
+                        <a:ea typeface="+mn-ea"/>
+                        <a:cs typeface="+mn-cs"/>
+                      </a:endParaRPr>
+                    </a:p>
+                  </a:txBody>
+                  <a:tcPr marL="7620" marR="7620" marT="7620" marB="0" anchor="b"/>
+                </a:tc>
+                <a:tc>
+                  <a:txBody>
+                    <a:bodyPr/>
+                    <a:lstStyle/>
+                    <a:p>
+                      <a:pPr algn="l" fontAlgn="b"/>
+                      <a:r>
+                        <a:rPr lang="en-US" sz="1100" b="0" i="0" u="none" strike="noStrike" dirty="0">
+                          <a:solidFill>
+                            <a:srgbClr val="000000"/>
+                          </a:solidFill>
+                          <a:effectLst/>
+                          <a:latin typeface="Calibri" panose="020F0502020204030204" pitchFamily="34" charset="0"/>
+                        </a:rPr>
+                        <a:t>S. </a:t>
+                      </a:r>
+                      <a:r>
+                        <a:rPr lang="en-US" sz="1100" b="0" i="0" u="none" strike="noStrike" dirty="0" err="1">
+                          <a:solidFill>
+                            <a:srgbClr val="000000"/>
+                          </a:solidFill>
+                          <a:effectLst/>
+                          <a:latin typeface="Calibri" panose="020F0502020204030204" pitchFamily="34" charset="0"/>
+                        </a:rPr>
+                        <a:t>Stavrakis</a:t>
+                      </a:r>
+                      <a:endParaRPr lang="en-US" sz="1100" b="0" i="0" u="none" strike="noStrike" dirty="0">
+                        <a:solidFill>
+                          <a:srgbClr val="000000"/>
+                        </a:solidFill>
+                        <a:effectLst/>
+                        <a:latin typeface="Calibri" panose="020F0502020204030204" pitchFamily="34" charset="0"/>
+                      </a:endParaRPr>
+                    </a:p>
+                  </a:txBody>
+                  <a:tcPr marL="7620" marR="7620" marT="7620" marB="0" anchor="b"/>
+                </a:tc>
+                <a:tc>
+                  <a:txBody>
+                    <a:bodyPr/>
+                    <a:lstStyle/>
+                    <a:p>
+                      <a:pPr algn="l" fontAlgn="b"/>
+                      <a:r>
+                        <a:rPr lang="en-US" sz="1100" b="0" i="0" u="none" strike="noStrike" dirty="0">
+                          <a:solidFill>
+                            <a:srgbClr val="000000"/>
+                          </a:solidFill>
+                          <a:effectLst/>
+                          <a:latin typeface="Calibri" panose="020F0502020204030204" pitchFamily="34" charset="0"/>
+                        </a:rPr>
+                        <a:t>Cardiology</a:t>
+                      </a:r>
+                    </a:p>
+                  </a:txBody>
+                  <a:tcPr marL="7620" marR="7620" marT="7620" marB="0" anchor="b"/>
+                </a:tc>
+                <a:extLst>
+                  <a:ext uri="{0D108BD9-81ED-4DB2-BD59-A6C34878D82A}">
+                    <a16:rowId xmlns:a16="http://schemas.microsoft.com/office/drawing/2014/main" val="3562986470"/>
+                  </a:ext>
+                </a:extLst>
+              </a:tr>
+              <a:tr h="239252">
+                <a:tc>
+                  <a:txBody>
+                    <a:bodyPr/>
+                    <a:lstStyle/>
+                    <a:p>
+                      <a:pPr algn="l" fontAlgn="b"/>
+                      <a:r>
+                        <a:rPr lang="en-US" sz="1100" b="0" i="0" u="none" strike="noStrike" kern="1200" dirty="0">
+                          <a:solidFill>
+                            <a:srgbClr val="000000"/>
+                          </a:solidFill>
+                          <a:effectLst/>
+                          <a:latin typeface="Calibri" panose="020F0502020204030204" pitchFamily="34" charset="0"/>
+                          <a:ea typeface="+mn-ea"/>
+                          <a:cs typeface="+mn-cs"/>
+                        </a:rPr>
+                        <a:t>Management of Asthma</a:t>
+                      </a:r>
+                    </a:p>
+                  </a:txBody>
+                  <a:tcPr marL="7620" marR="7620" marT="7620" marB="0" anchor="b"/>
+                </a:tc>
+                <a:tc>
+                  <a:txBody>
+                    <a:bodyPr/>
+                    <a:lstStyle/>
+                    <a:p>
+                      <a:pPr algn="l" fontAlgn="b"/>
+                      <a:r>
+                        <a:rPr lang="en-US" sz="1100" b="0" i="0" u="none" strike="noStrike" dirty="0">
+                          <a:solidFill>
+                            <a:srgbClr val="000000"/>
+                          </a:solidFill>
+                          <a:effectLst/>
+                          <a:latin typeface="Calibri" panose="020F0502020204030204" pitchFamily="34" charset="0"/>
+                        </a:rPr>
+                        <a:t>M. Naifeh</a:t>
+                      </a:r>
+                    </a:p>
+                  </a:txBody>
+                  <a:tcPr marL="7620" marR="7620" marT="7620" marB="0" anchor="b"/>
+                </a:tc>
+                <a:tc>
+                  <a:txBody>
+                    <a:bodyPr/>
+                    <a:lstStyle/>
+                    <a:p>
+                      <a:pPr algn="l" fontAlgn="b"/>
+                      <a:r>
+                        <a:rPr lang="en-US" sz="1100" b="0" i="0" u="none" strike="noStrike" dirty="0">
+                          <a:solidFill>
+                            <a:srgbClr val="000000"/>
+                          </a:solidFill>
+                          <a:effectLst/>
+                          <a:latin typeface="Calibri" panose="020F0502020204030204" pitchFamily="34" charset="0"/>
+                        </a:rPr>
+                        <a:t>Pediatrics</a:t>
+                      </a:r>
+                    </a:p>
+                  </a:txBody>
+                  <a:tcPr marL="7620" marR="7620" marT="7620" marB="0" anchor="b"/>
+                </a:tc>
+                <a:extLst>
+                  <a:ext uri="{0D108BD9-81ED-4DB2-BD59-A6C34878D82A}">
+                    <a16:rowId xmlns:a16="http://schemas.microsoft.com/office/drawing/2014/main" val="1671168545"/>
+                  </a:ext>
+                </a:extLst>
+              </a:tr>
+              <a:tr h="239252">
+                <a:tc>
+                  <a:txBody>
+                    <a:bodyPr/>
+                    <a:lstStyle/>
+                    <a:p>
+                      <a:pPr algn="l" fontAlgn="b"/>
+                      <a:r>
+                        <a:rPr lang="en-US" sz="1100" b="0" i="0" u="none" strike="noStrike" kern="1200" dirty="0">
+                          <a:solidFill>
+                            <a:srgbClr val="000000"/>
+                          </a:solidFill>
+                          <a:effectLst/>
+                          <a:latin typeface="Calibri" panose="020F0502020204030204" pitchFamily="34" charset="0"/>
+                          <a:ea typeface="+mn-ea"/>
+                          <a:cs typeface="+mn-cs"/>
+                        </a:rPr>
+                        <a:t>VTE Automated</a:t>
+                      </a:r>
+                      <a:r>
+                        <a:rPr lang="en-US" sz="1100" b="0" i="0" u="none" strike="noStrike" kern="1200" baseline="0" dirty="0">
+                          <a:solidFill>
+                            <a:srgbClr val="000000"/>
+                          </a:solidFill>
+                          <a:effectLst/>
+                          <a:latin typeface="Calibri" panose="020F0502020204030204" pitchFamily="34" charset="0"/>
+                          <a:ea typeface="+mn-ea"/>
+                          <a:cs typeface="+mn-cs"/>
+                        </a:rPr>
+                        <a:t> </a:t>
+                      </a:r>
+                      <a:r>
+                        <a:rPr lang="en-US" sz="1100" b="0" i="0" u="none" strike="noStrike" kern="1200" dirty="0">
+                          <a:solidFill>
+                            <a:srgbClr val="000000"/>
+                          </a:solidFill>
+                          <a:effectLst/>
+                          <a:latin typeface="Calibri" panose="020F0502020204030204" pitchFamily="34" charset="0"/>
+                          <a:ea typeface="+mn-ea"/>
+                          <a:cs typeface="+mn-cs"/>
+                        </a:rPr>
+                        <a:t>Surveillance</a:t>
+                      </a:r>
+                    </a:p>
+                  </a:txBody>
+                  <a:tcPr marL="7620" marR="7620" marT="7620" marB="0" anchor="b"/>
+                </a:tc>
+                <a:tc>
+                  <a:txBody>
+                    <a:bodyPr/>
+                    <a:lstStyle/>
+                    <a:p>
+                      <a:pPr marL="0" indent="0" algn="l" fontAlgn="b">
+                        <a:buNone/>
+                      </a:pPr>
+                      <a:r>
+                        <a:rPr lang="en-US" sz="1100" b="0" i="0" u="none" strike="noStrike" baseline="0" dirty="0">
+                          <a:solidFill>
+                            <a:srgbClr val="000000"/>
+                          </a:solidFill>
+                          <a:effectLst/>
+                          <a:latin typeface="Calibri" panose="020F0502020204030204" pitchFamily="34" charset="0"/>
+                        </a:rPr>
+                        <a:t>A. </a:t>
+                      </a:r>
+                      <a:r>
+                        <a:rPr lang="en-US" sz="1100" b="0" i="0" u="none" strike="noStrike" baseline="0" dirty="0" err="1">
+                          <a:solidFill>
+                            <a:srgbClr val="000000"/>
+                          </a:solidFill>
+                          <a:effectLst/>
+                          <a:latin typeface="Calibri" panose="020F0502020204030204" pitchFamily="34" charset="0"/>
+                        </a:rPr>
+                        <a:t>Wendelboe</a:t>
+                      </a:r>
+                      <a:endParaRPr lang="en-US" sz="1100" b="0" i="0" u="none" strike="noStrike" dirty="0">
+                        <a:solidFill>
+                          <a:srgbClr val="000000"/>
+                        </a:solidFill>
+                        <a:effectLst/>
+                        <a:latin typeface="Calibri" panose="020F0502020204030204" pitchFamily="34" charset="0"/>
+                      </a:endParaRPr>
+                    </a:p>
+                  </a:txBody>
+                  <a:tcPr marL="7620" marR="7620" marT="7620" marB="0" anchor="b"/>
+                </a:tc>
+                <a:tc>
+                  <a:txBody>
+                    <a:bodyPr/>
+                    <a:lstStyle/>
+                    <a:p>
+                      <a:pPr algn="l" fontAlgn="b"/>
+                      <a:r>
+                        <a:rPr lang="en-US" sz="1100" b="0" i="0" u="none" strike="noStrike" dirty="0">
+                          <a:solidFill>
+                            <a:srgbClr val="000000"/>
+                          </a:solidFill>
+                          <a:effectLst/>
+                          <a:latin typeface="Calibri" panose="020F0502020204030204" pitchFamily="34" charset="0"/>
+                        </a:rPr>
+                        <a:t>Public</a:t>
+                      </a:r>
+                      <a:r>
+                        <a:rPr lang="en-US" sz="1100" b="0" i="0" u="none" strike="noStrike" baseline="0" dirty="0">
+                          <a:solidFill>
+                            <a:srgbClr val="000000"/>
+                          </a:solidFill>
+                          <a:effectLst/>
+                          <a:latin typeface="Calibri" panose="020F0502020204030204" pitchFamily="34" charset="0"/>
+                        </a:rPr>
+                        <a:t> Health</a:t>
+                      </a:r>
+                      <a:endParaRPr lang="en-US" sz="1100" b="0" i="0" u="none" strike="noStrike" dirty="0">
+                        <a:solidFill>
+                          <a:srgbClr val="000000"/>
+                        </a:solidFill>
+                        <a:effectLst/>
+                        <a:latin typeface="Calibri" panose="020F0502020204030204" pitchFamily="34" charset="0"/>
+                      </a:endParaRPr>
+                    </a:p>
+                  </a:txBody>
+                  <a:tcPr marL="7620" marR="7620" marT="7620" marB="0" anchor="b"/>
+                </a:tc>
+                <a:extLst>
+                  <a:ext uri="{0D108BD9-81ED-4DB2-BD59-A6C34878D82A}">
+                    <a16:rowId xmlns:a16="http://schemas.microsoft.com/office/drawing/2014/main" val="1894232362"/>
+                  </a:ext>
+                </a:extLst>
+              </a:tr>
+              <a:tr h="239252">
+                <a:tc>
+                  <a:txBody>
+                    <a:bodyPr/>
+                    <a:lstStyle/>
+                    <a:p>
+                      <a:pPr algn="l" fontAlgn="b"/>
+                      <a:r>
+                        <a:rPr lang="en-US" sz="1100" b="0" i="0" u="none" strike="noStrike" kern="1200" dirty="0">
+                          <a:solidFill>
+                            <a:srgbClr val="000000"/>
+                          </a:solidFill>
+                          <a:effectLst/>
+                          <a:latin typeface="Calibri" panose="020F0502020204030204" pitchFamily="34" charset="0"/>
+                          <a:ea typeface="+mn-ea"/>
+                          <a:cs typeface="+mn-cs"/>
+                        </a:rPr>
+                        <a:t>Oklahoma COVID19 Registry and Repository</a:t>
+                      </a:r>
+                    </a:p>
+                  </a:txBody>
+                  <a:tcPr marL="7620" marR="7620" marT="7620" marB="0" anchor="b"/>
+                </a:tc>
+                <a:tc>
+                  <a:txBody>
+                    <a:bodyPr/>
+                    <a:lstStyle/>
+                    <a:p>
+                      <a:pPr algn="l" fontAlgn="b"/>
+                      <a:r>
+                        <a:rPr lang="en-US" sz="1100" b="0" i="0" u="none" strike="noStrike" dirty="0">
+                          <a:solidFill>
+                            <a:srgbClr val="000000"/>
+                          </a:solidFill>
+                          <a:effectLst/>
+                          <a:latin typeface="Calibri" panose="020F0502020204030204" pitchFamily="34" charset="0"/>
+                        </a:rPr>
+                        <a:t>N. </a:t>
+                      </a:r>
+                      <a:r>
+                        <a:rPr lang="en-US" sz="1100" b="0" i="0" u="none" strike="noStrike" dirty="0" err="1">
+                          <a:solidFill>
+                            <a:srgbClr val="000000"/>
+                          </a:solidFill>
+                          <a:effectLst/>
+                          <a:latin typeface="Calibri" panose="020F0502020204030204" pitchFamily="34" charset="0"/>
+                        </a:rPr>
+                        <a:t>Agudelo</a:t>
+                      </a:r>
+                      <a:endParaRPr lang="en-US" sz="1100" b="0" i="0" u="none" strike="noStrike" dirty="0">
+                        <a:solidFill>
+                          <a:srgbClr val="000000"/>
+                        </a:solidFill>
+                        <a:effectLst/>
+                        <a:latin typeface="Calibri" panose="020F0502020204030204" pitchFamily="34" charset="0"/>
+                      </a:endParaRPr>
+                    </a:p>
+                  </a:txBody>
+                  <a:tcPr marL="7620" marR="7620" marT="7620" marB="0" anchor="b"/>
+                </a:tc>
+                <a:tc>
+                  <a:txBody>
+                    <a:bodyPr/>
+                    <a:lstStyle/>
+                    <a:p>
+                      <a:pPr algn="l" fontAlgn="b"/>
+                      <a:r>
+                        <a:rPr lang="en-US" sz="1100" b="0" i="0" u="none" strike="noStrike" dirty="0">
+                          <a:solidFill>
+                            <a:srgbClr val="000000"/>
+                          </a:solidFill>
+                          <a:effectLst/>
+                          <a:latin typeface="Calibri" panose="020F0502020204030204" pitchFamily="34" charset="0"/>
+                        </a:rPr>
+                        <a:t>Infectious</a:t>
+                      </a:r>
+                      <a:r>
+                        <a:rPr lang="en-US" sz="1100" b="0" i="0" u="none" strike="noStrike" baseline="0" dirty="0">
+                          <a:solidFill>
+                            <a:srgbClr val="000000"/>
+                          </a:solidFill>
+                          <a:effectLst/>
+                          <a:latin typeface="Calibri" panose="020F0502020204030204" pitchFamily="34" charset="0"/>
+                        </a:rPr>
+                        <a:t> Disease</a:t>
+                      </a:r>
+                      <a:endParaRPr lang="en-US" sz="1100" b="0" i="0" u="none" strike="noStrike" dirty="0">
+                        <a:solidFill>
+                          <a:srgbClr val="000000"/>
+                        </a:solidFill>
+                        <a:effectLst/>
+                        <a:latin typeface="Calibri" panose="020F0502020204030204" pitchFamily="34" charset="0"/>
+                      </a:endParaRPr>
+                    </a:p>
+                  </a:txBody>
+                  <a:tcPr marL="7620" marR="7620" marT="7620" marB="0" anchor="b"/>
+                </a:tc>
+                <a:extLst>
+                  <a:ext uri="{0D108BD9-81ED-4DB2-BD59-A6C34878D82A}">
+                    <a16:rowId xmlns:a16="http://schemas.microsoft.com/office/drawing/2014/main" val="2066418765"/>
+                  </a:ext>
+                </a:extLst>
+              </a:tr>
+            </a:tbl>
+          </a:graphicData>
+        </a:graphic>
+      </p:graphicFrame>
+      <p:sp>
+        <p:nvSpPr>
+          <p:cNvPr id="5" name="Rectangle 4"/>
+          <p:cNvSpPr/>
+          <p:nvPr/>
+        </p:nvSpPr>
+        <p:spPr>
+          <a:xfrm>
+            <a:off x="5468771" y="1615861"/>
+            <a:ext cx="734518" cy="276999"/>
+          </a:xfrm>
+          <a:prstGeom prst="rect">
+            <a:avLst/>
+          </a:prstGeom>
+          <a:noFill/>
+        </p:spPr>
+        <p:txBody>
+          <a:bodyPr wrap="square" lIns="91440" tIns="45720" rIns="91440" bIns="45720">
+            <a:spAutoFit/>
+          </a:bodyPr>
+          <a:lstStyle/>
+          <a:p>
+            <a:pPr algn="ctr"/>
+            <a:r>
+              <a:rPr lang="en-US" sz="1200" b="1" cap="none" spc="0" dirty="0">
+                <a:ln w="6600">
+                  <a:solidFill>
+                    <a:schemeClr val="accent2"/>
+                  </a:solidFill>
+                  <a:prstDash val="solid"/>
+                </a:ln>
+                <a:solidFill>
+                  <a:srgbClr val="FFFFFF"/>
+                </a:solidFill>
+                <a:effectLst>
+                  <a:outerShdw dist="38100" dir="2700000" algn="tl" rotWithShape="0">
+                    <a:schemeClr val="accent2"/>
+                  </a:outerShdw>
+                </a:effectLst>
+              </a:rPr>
+              <a:t>Registry</a:t>
+            </a:r>
+          </a:p>
+        </p:txBody>
+      </p:sp>
+      <p:sp>
+        <p:nvSpPr>
+          <p:cNvPr id="7" name="Title 1"/>
+          <p:cNvSpPr txBox="1">
+            <a:spLocks/>
+          </p:cNvSpPr>
+          <p:nvPr/>
+        </p:nvSpPr>
+        <p:spPr>
+          <a:xfrm>
+            <a:off x="699247" y="83257"/>
+            <a:ext cx="10515600" cy="985149"/>
+          </a:xfrm>
+          <a:prstGeom prst="rect">
+            <a:avLst/>
+          </a:prstGeom>
+        </p:spPr>
+        <p:txBody>
+          <a:bodyPr vert="horz" lIns="91440" tIns="45720" rIns="91440" bIns="45720" rtlCol="0" anchor="ctr">
+            <a:normAutofit fontScale="37500" lnSpcReduction="20000"/>
+          </a:bodyPr>
+          <a:lstStyle>
+            <a:lvl1pPr algn="l" defTabSz="914400" rtl="0" eaLnBrk="1" latinLnBrk="0" hangingPunct="1">
+              <a:lnSpc>
+                <a:spcPct val="90000"/>
+              </a:lnSpc>
+              <a:spcBef>
+                <a:spcPct val="0"/>
+              </a:spcBef>
+              <a:buNone/>
+              <a:defRPr sz="4400" kern="1200">
+                <a:solidFill>
+                  <a:schemeClr val="tx1"/>
+                </a:solidFill>
+                <a:latin typeface="+mj-lt"/>
+                <a:ea typeface="+mj-ea"/>
+                <a:cs typeface="+mj-cs"/>
+              </a:defRPr>
+            </a:lvl1pPr>
+          </a:lstStyle>
+          <a:p>
+            <a:pPr algn="ctr">
+              <a:lnSpc>
+                <a:spcPct val="120000"/>
+              </a:lnSpc>
+            </a:pPr>
+            <a:r>
+              <a:rPr lang="en-US" sz="8500" b="1" i="1" dirty="0">
+                <a:solidFill>
+                  <a:srgbClr val="0070C0"/>
+                </a:solidFill>
+              </a:rPr>
+              <a:t>Clinical Trials &amp; Other Research Studies Supported by the CRDW</a:t>
+            </a:r>
+            <a:br>
+              <a:rPr lang="en-US" sz="7100" b="1" i="1" dirty="0">
+                <a:solidFill>
+                  <a:srgbClr val="0070C0"/>
+                </a:solidFill>
+              </a:rPr>
+            </a:br>
+            <a:r>
+              <a:rPr lang="en-US" sz="6200" dirty="0">
+                <a:solidFill>
+                  <a:schemeClr val="bg1">
+                    <a:lumMod val="50000"/>
+                  </a:schemeClr>
+                </a:solidFill>
+              </a:rPr>
+              <a:t>since 2017; page 4</a:t>
+            </a:r>
+          </a:p>
+        </p:txBody>
+      </p:sp>
+      <p:graphicFrame>
+        <p:nvGraphicFramePr>
+          <p:cNvPr id="6" name="Table 5"/>
+          <p:cNvGraphicFramePr>
+            <a:graphicFrameLocks noGrp="1"/>
+          </p:cNvGraphicFramePr>
+          <p:nvPr/>
+        </p:nvGraphicFramePr>
+        <p:xfrm>
+          <a:off x="6203287" y="1345919"/>
+          <a:ext cx="5563262" cy="4865472"/>
+        </p:xfrm>
+        <a:graphic>
+          <a:graphicData uri="http://schemas.openxmlformats.org/drawingml/2006/table">
+            <a:tbl>
+              <a:tblPr>
+                <a:tableStyleId>{5C22544A-7EE6-4342-B048-85BDC9FD1C3A}</a:tableStyleId>
+              </a:tblPr>
+              <a:tblGrid>
+                <a:gridCol w="3451486">
+                  <a:extLst>
+                    <a:ext uri="{9D8B030D-6E8A-4147-A177-3AD203B41FA5}">
+                      <a16:colId xmlns:a16="http://schemas.microsoft.com/office/drawing/2014/main" val="1356431335"/>
+                    </a:ext>
+                  </a:extLst>
+                </a:gridCol>
+                <a:gridCol w="697764">
+                  <a:extLst>
+                    <a:ext uri="{9D8B030D-6E8A-4147-A177-3AD203B41FA5}">
+                      <a16:colId xmlns:a16="http://schemas.microsoft.com/office/drawing/2014/main" val="4074852346"/>
+                    </a:ext>
+                  </a:extLst>
+                </a:gridCol>
+                <a:gridCol w="1414012">
+                  <a:extLst>
+                    <a:ext uri="{9D8B030D-6E8A-4147-A177-3AD203B41FA5}">
+                      <a16:colId xmlns:a16="http://schemas.microsoft.com/office/drawing/2014/main" val="715510892"/>
+                    </a:ext>
+                  </a:extLst>
+                </a:gridCol>
+              </a:tblGrid>
+              <a:tr h="237037">
+                <a:tc>
+                  <a:txBody>
+                    <a:bodyPr/>
+                    <a:lstStyle/>
+                    <a:p>
+                      <a:pPr algn="l" fontAlgn="b"/>
+                      <a:r>
+                        <a:rPr lang="en-US" sz="1100" b="1" u="none" strike="noStrike" dirty="0">
+                          <a:effectLst/>
+                        </a:rPr>
+                        <a:t>Short Name</a:t>
+                      </a:r>
+                      <a:endParaRPr lang="en-US" sz="1100" b="1" i="0" u="none" strike="noStrike" dirty="0">
+                        <a:solidFill>
+                          <a:srgbClr val="000000"/>
+                        </a:solidFill>
+                        <a:effectLst/>
+                        <a:latin typeface="Calibri" panose="020F0502020204030204" pitchFamily="34" charset="0"/>
+                      </a:endParaRPr>
+                    </a:p>
+                  </a:txBody>
+                  <a:tcPr marL="7620" marR="7620" marT="7620" marB="0" anchor="b"/>
+                </a:tc>
+                <a:tc>
+                  <a:txBody>
+                    <a:bodyPr/>
+                    <a:lstStyle/>
+                    <a:p>
+                      <a:pPr algn="l" fontAlgn="b"/>
+                      <a:r>
+                        <a:rPr lang="en-US" sz="1100" b="1" u="none" strike="noStrike" dirty="0">
+                          <a:effectLst/>
+                        </a:rPr>
+                        <a:t>PI</a:t>
+                      </a:r>
+                      <a:endParaRPr lang="en-US" sz="1100" b="1" i="0" u="none" strike="noStrike" dirty="0">
+                        <a:solidFill>
+                          <a:srgbClr val="000000"/>
+                        </a:solidFill>
+                        <a:effectLst/>
+                        <a:latin typeface="Calibri" panose="020F0502020204030204" pitchFamily="34" charset="0"/>
+                      </a:endParaRPr>
+                    </a:p>
+                  </a:txBody>
+                  <a:tcPr marL="7620" marR="7620" marT="7620" marB="0" anchor="b"/>
+                </a:tc>
+                <a:tc>
+                  <a:txBody>
+                    <a:bodyPr/>
+                    <a:lstStyle/>
+                    <a:p>
+                      <a:pPr algn="l" fontAlgn="b"/>
+                      <a:r>
+                        <a:rPr lang="en-US" sz="1100" b="1" u="none" strike="noStrike" dirty="0">
+                          <a:effectLst/>
+                        </a:rPr>
+                        <a:t>Department/Specialty</a:t>
+                      </a:r>
+                      <a:endParaRPr lang="en-US" sz="1100" b="1" i="0" u="none" strike="noStrike" dirty="0">
+                        <a:solidFill>
+                          <a:srgbClr val="000000"/>
+                        </a:solidFill>
+                        <a:effectLst/>
+                        <a:latin typeface="Calibri" panose="020F0502020204030204" pitchFamily="34" charset="0"/>
+                      </a:endParaRPr>
+                    </a:p>
+                  </a:txBody>
+                  <a:tcPr marL="7620" marR="7620" marT="7620" marB="0" anchor="b"/>
+                </a:tc>
+                <a:extLst>
+                  <a:ext uri="{0D108BD9-81ED-4DB2-BD59-A6C34878D82A}">
+                    <a16:rowId xmlns:a16="http://schemas.microsoft.com/office/drawing/2014/main" val="1236399335"/>
+                  </a:ext>
+                </a:extLst>
+              </a:tr>
+              <a:tr h="237037">
+                <a:tc>
+                  <a:txBody>
+                    <a:bodyPr/>
+                    <a:lstStyle/>
+                    <a:p>
+                      <a:pPr algn="l" fontAlgn="b"/>
+                      <a:r>
+                        <a:rPr lang="en-US" sz="1100" b="0" i="0" u="none" strike="noStrike" kern="1200" baseline="0" dirty="0">
+                          <a:solidFill>
+                            <a:srgbClr val="000000"/>
+                          </a:solidFill>
+                          <a:effectLst/>
+                          <a:latin typeface="Calibri" panose="020F0502020204030204" pitchFamily="34" charset="0"/>
+                          <a:ea typeface="+mn-ea"/>
+                          <a:cs typeface="+mn-cs"/>
+                        </a:rPr>
+                        <a:t>Patterns of Clinical Deterioration in Critically Ill Children</a:t>
+                      </a:r>
+                    </a:p>
+                  </a:txBody>
+                  <a:tcPr marL="7620" marR="7620" marT="7620" marB="0" anchor="b"/>
+                </a:tc>
+                <a:tc>
+                  <a:txBody>
+                    <a:bodyPr/>
+                    <a:lstStyle/>
+                    <a:p>
+                      <a:pPr algn="l" fontAlgn="b"/>
+                      <a:r>
+                        <a:rPr lang="en-US" sz="1100" b="0" i="0" u="none" strike="noStrike" dirty="0">
+                          <a:solidFill>
+                            <a:srgbClr val="000000"/>
+                          </a:solidFill>
+                          <a:effectLst/>
+                          <a:latin typeface="Calibri" panose="020F0502020204030204" pitchFamily="34" charset="0"/>
+                        </a:rPr>
+                        <a:t>S. Brown</a:t>
+                      </a:r>
+                    </a:p>
+                  </a:txBody>
+                  <a:tcPr marL="7620" marR="7620" marT="7620" marB="0" anchor="b"/>
+                </a:tc>
+                <a:tc>
+                  <a:txBody>
+                    <a:bodyPr/>
+                    <a:lstStyle/>
+                    <a:p>
+                      <a:pPr algn="l" fontAlgn="b"/>
+                      <a:r>
+                        <a:rPr lang="en-US" sz="1100" b="0" i="0" u="none" strike="noStrike" dirty="0">
+                          <a:solidFill>
+                            <a:srgbClr val="000000"/>
+                          </a:solidFill>
+                          <a:effectLst/>
+                          <a:latin typeface="Calibri" panose="020F0502020204030204" pitchFamily="34" charset="0"/>
+                        </a:rPr>
+                        <a:t>Pediatrics</a:t>
+                      </a:r>
+                    </a:p>
+                  </a:txBody>
+                  <a:tcPr marL="7620" marR="7620" marT="7620" marB="0" anchor="b"/>
+                </a:tc>
+                <a:extLst>
+                  <a:ext uri="{0D108BD9-81ED-4DB2-BD59-A6C34878D82A}">
+                    <a16:rowId xmlns:a16="http://schemas.microsoft.com/office/drawing/2014/main" val="10001"/>
+                  </a:ext>
+                </a:extLst>
+              </a:tr>
+              <a:tr h="339725">
+                <a:tc>
+                  <a:txBody>
+                    <a:bodyPr/>
+                    <a:lstStyle/>
+                    <a:p>
+                      <a:pPr algn="l" fontAlgn="b"/>
+                      <a:r>
+                        <a:rPr lang="en-US" sz="1100" b="0" i="0" u="none" strike="noStrike" kern="1200" dirty="0">
+                          <a:solidFill>
+                            <a:srgbClr val="000000"/>
+                          </a:solidFill>
+                          <a:effectLst/>
+                          <a:latin typeface="Calibri" panose="020F0502020204030204" pitchFamily="34" charset="0"/>
+                          <a:ea typeface="+mn-ea"/>
+                          <a:cs typeface="+mn-cs"/>
+                        </a:rPr>
+                        <a:t>Incidence</a:t>
+                      </a:r>
+                      <a:r>
+                        <a:rPr lang="en-US" sz="1100" b="0" i="0" u="none" strike="noStrike" kern="1200" baseline="0" dirty="0">
+                          <a:solidFill>
+                            <a:srgbClr val="000000"/>
+                          </a:solidFill>
+                          <a:effectLst/>
+                          <a:latin typeface="Calibri" panose="020F0502020204030204" pitchFamily="34" charset="0"/>
+                          <a:ea typeface="+mn-ea"/>
+                          <a:cs typeface="+mn-cs"/>
+                        </a:rPr>
+                        <a:t> &amp; Risk Factors of NSAID Use in Post-Operative Patients</a:t>
+                      </a:r>
+                      <a:endParaRPr lang="en-US" sz="1100" b="0" i="0" u="none" strike="noStrike" kern="1200" dirty="0">
+                        <a:solidFill>
+                          <a:srgbClr val="000000"/>
+                        </a:solidFill>
+                        <a:effectLst/>
+                        <a:latin typeface="Calibri" panose="020F0502020204030204" pitchFamily="34" charset="0"/>
+                        <a:ea typeface="+mn-ea"/>
+                        <a:cs typeface="+mn-cs"/>
+                      </a:endParaRPr>
+                    </a:p>
+                  </a:txBody>
+                  <a:tcPr marL="7620" marR="7620" marT="7620" marB="0" anchor="b"/>
+                </a:tc>
+                <a:tc>
+                  <a:txBody>
+                    <a:bodyPr/>
+                    <a:lstStyle/>
+                    <a:p>
+                      <a:pPr algn="l" fontAlgn="b"/>
+                      <a:r>
+                        <a:rPr lang="en-US" sz="1100" b="0" i="0" u="none" strike="noStrike" dirty="0">
+                          <a:solidFill>
+                            <a:srgbClr val="000000"/>
+                          </a:solidFill>
+                          <a:effectLst/>
+                          <a:latin typeface="Calibri" panose="020F0502020204030204" pitchFamily="34" charset="0"/>
+                        </a:rPr>
+                        <a:t>H. </a:t>
+                      </a:r>
+                      <a:r>
+                        <a:rPr lang="en-US" sz="1100" b="0" i="0" u="none" strike="noStrike" dirty="0" err="1">
+                          <a:solidFill>
+                            <a:srgbClr val="000000"/>
+                          </a:solidFill>
+                          <a:effectLst/>
+                          <a:latin typeface="Calibri" panose="020F0502020204030204" pitchFamily="34" charset="0"/>
+                        </a:rPr>
+                        <a:t>Bitar</a:t>
+                      </a:r>
+                      <a:endParaRPr lang="en-US" sz="1100" b="0" i="0" u="none" strike="noStrike" dirty="0">
+                        <a:solidFill>
+                          <a:srgbClr val="000000"/>
+                        </a:solidFill>
+                        <a:effectLst/>
+                        <a:latin typeface="Calibri" panose="020F0502020204030204" pitchFamily="34" charset="0"/>
+                      </a:endParaRPr>
+                    </a:p>
+                  </a:txBody>
+                  <a:tcPr marL="7620" marR="7620" marT="7620" marB="0" anchor="b"/>
+                </a:tc>
+                <a:tc>
+                  <a:txBody>
+                    <a:bodyPr/>
+                    <a:lstStyle/>
+                    <a:p>
+                      <a:pPr algn="l" fontAlgn="b"/>
+                      <a:r>
+                        <a:rPr lang="en-US" sz="1100" b="0" i="0" u="none" strike="noStrike" dirty="0">
+                          <a:solidFill>
+                            <a:srgbClr val="000000"/>
+                          </a:solidFill>
+                          <a:effectLst/>
+                          <a:latin typeface="Calibri" panose="020F0502020204030204" pitchFamily="34" charset="0"/>
+                        </a:rPr>
+                        <a:t>Gastroenterology</a:t>
+                      </a:r>
+                    </a:p>
+                  </a:txBody>
+                  <a:tcPr marL="7620" marR="7620" marT="7620" marB="0" anchor="b"/>
+                </a:tc>
+                <a:extLst>
+                  <a:ext uri="{0D108BD9-81ED-4DB2-BD59-A6C34878D82A}">
+                    <a16:rowId xmlns:a16="http://schemas.microsoft.com/office/drawing/2014/main" val="3548785687"/>
+                  </a:ext>
+                </a:extLst>
+              </a:tr>
+              <a:tr h="339725">
+                <a:tc>
+                  <a:txBody>
+                    <a:bodyPr/>
+                    <a:lstStyle/>
+                    <a:p>
+                      <a:pPr algn="l" fontAlgn="b"/>
+                      <a:r>
+                        <a:rPr lang="en-US" sz="1100" b="0" i="0" u="none" strike="noStrike" kern="1200" baseline="0" dirty="0">
+                          <a:solidFill>
+                            <a:srgbClr val="000000"/>
+                          </a:solidFill>
+                          <a:effectLst/>
+                          <a:latin typeface="Calibri" panose="020F0502020204030204" pitchFamily="34" charset="0"/>
+                          <a:ea typeface="+mn-ea"/>
+                          <a:cs typeface="+mn-cs"/>
+                        </a:rPr>
+                        <a:t>Tube Complications in Pediatric Patients with Congenital Heart Disease</a:t>
+                      </a:r>
+                    </a:p>
+                  </a:txBody>
+                  <a:tcPr marL="7620" marR="7620" marT="7620" marB="0" anchor="b"/>
+                </a:tc>
+                <a:tc>
+                  <a:txBody>
+                    <a:bodyPr/>
+                    <a:lstStyle/>
+                    <a:p>
+                      <a:pPr algn="l" fontAlgn="b"/>
+                      <a:r>
+                        <a:rPr lang="en-US" sz="1100" b="0" i="0" u="none" strike="noStrike" dirty="0">
+                          <a:solidFill>
+                            <a:srgbClr val="000000"/>
+                          </a:solidFill>
+                          <a:effectLst/>
+                          <a:latin typeface="Calibri" panose="020F0502020204030204" pitchFamily="34" charset="0"/>
+                        </a:rPr>
+                        <a:t>C. Hunter</a:t>
+                      </a:r>
+                    </a:p>
+                  </a:txBody>
+                  <a:tcPr marL="7620" marR="7620" marT="7620" marB="0" anchor="b"/>
+                </a:tc>
+                <a:tc>
+                  <a:txBody>
+                    <a:bodyPr/>
+                    <a:lstStyle/>
+                    <a:p>
+                      <a:pPr algn="l" fontAlgn="b"/>
+                      <a:r>
+                        <a:rPr lang="en-US" sz="1100" b="0" i="0" u="none" strike="noStrike" dirty="0">
+                          <a:solidFill>
+                            <a:srgbClr val="000000"/>
+                          </a:solidFill>
+                          <a:effectLst/>
+                          <a:latin typeface="Calibri" panose="020F0502020204030204" pitchFamily="34" charset="0"/>
+                        </a:rPr>
+                        <a:t>Pediatrics</a:t>
+                      </a:r>
+                    </a:p>
+                  </a:txBody>
+                  <a:tcPr marL="7620" marR="7620" marT="7620" marB="0" anchor="b"/>
+                </a:tc>
+                <a:extLst>
+                  <a:ext uri="{0D108BD9-81ED-4DB2-BD59-A6C34878D82A}">
+                    <a16:rowId xmlns:a16="http://schemas.microsoft.com/office/drawing/2014/main" val="949879066"/>
+                  </a:ext>
+                </a:extLst>
+              </a:tr>
+              <a:tr h="350025">
+                <a:tc>
+                  <a:txBody>
+                    <a:bodyPr/>
+                    <a:lstStyle/>
+                    <a:p>
+                      <a:pPr algn="l" fontAlgn="b"/>
+                      <a:r>
+                        <a:rPr lang="en-US" sz="1100" b="0" i="0" u="none" strike="noStrike" kern="1200" baseline="0" dirty="0">
+                          <a:solidFill>
+                            <a:srgbClr val="000000"/>
+                          </a:solidFill>
+                          <a:effectLst/>
+                          <a:latin typeface="Calibri" panose="020F0502020204030204" pitchFamily="34" charset="0"/>
+                          <a:ea typeface="+mn-ea"/>
+                          <a:cs typeface="+mn-cs"/>
+                        </a:rPr>
+                        <a:t>Medical marijuana legalization in Oklahoma: effects on neonatal exposure to opiates</a:t>
+                      </a:r>
+                    </a:p>
+                  </a:txBody>
+                  <a:tcPr marL="7620" marR="7620" marT="7620" marB="0" anchor="b"/>
+                </a:tc>
+                <a:tc>
+                  <a:txBody>
+                    <a:bodyPr/>
+                    <a:lstStyle/>
+                    <a:p>
+                      <a:pPr marL="0" indent="0" algn="l" fontAlgn="b">
+                        <a:buAutoNum type="alphaUcPeriod"/>
+                      </a:pPr>
+                      <a:r>
+                        <a:rPr lang="en-US" sz="1100" b="0" i="0" u="none" strike="noStrike" baseline="0" dirty="0">
+                          <a:solidFill>
+                            <a:srgbClr val="000000"/>
+                          </a:solidFill>
+                          <a:effectLst/>
+                          <a:latin typeface="Calibri" panose="020F0502020204030204" pitchFamily="34" charset="0"/>
+                        </a:rPr>
+                        <a:t> </a:t>
+                      </a:r>
+                      <a:r>
+                        <a:rPr lang="en-US" sz="1100" b="0" i="0" u="none" strike="noStrike" baseline="0" dirty="0" err="1">
+                          <a:solidFill>
+                            <a:srgbClr val="000000"/>
+                          </a:solidFill>
+                          <a:effectLst/>
+                          <a:latin typeface="Calibri" panose="020F0502020204030204" pitchFamily="34" charset="0"/>
+                        </a:rPr>
+                        <a:t>Makkar</a:t>
+                      </a:r>
+                      <a:endParaRPr lang="en-US" sz="1100" b="0" i="0" u="none" strike="noStrike" dirty="0">
+                        <a:solidFill>
+                          <a:srgbClr val="000000"/>
+                        </a:solidFill>
+                        <a:effectLst/>
+                        <a:latin typeface="Calibri" panose="020F0502020204030204" pitchFamily="34" charset="0"/>
+                      </a:endParaRPr>
+                    </a:p>
+                  </a:txBody>
+                  <a:tcPr marL="7620" marR="7620" marT="7620" marB="0" anchor="b"/>
+                </a:tc>
+                <a:tc>
+                  <a:txBody>
+                    <a:bodyPr/>
+                    <a:lstStyle/>
+                    <a:p>
+                      <a:pPr algn="l" fontAlgn="b"/>
+                      <a:r>
+                        <a:rPr lang="en-US" sz="1100" b="0" i="0" u="none" strike="noStrike" dirty="0">
+                          <a:solidFill>
+                            <a:srgbClr val="000000"/>
+                          </a:solidFill>
+                          <a:effectLst/>
+                          <a:latin typeface="Calibri" panose="020F0502020204030204" pitchFamily="34" charset="0"/>
+                        </a:rPr>
+                        <a:t>Pediatrics</a:t>
+                      </a:r>
+                    </a:p>
+                  </a:txBody>
+                  <a:tcPr marL="7620" marR="7620" marT="7620" marB="0" anchor="b"/>
+                </a:tc>
+                <a:extLst>
+                  <a:ext uri="{0D108BD9-81ED-4DB2-BD59-A6C34878D82A}">
+                    <a16:rowId xmlns:a16="http://schemas.microsoft.com/office/drawing/2014/main" val="3222670053"/>
+                  </a:ext>
+                </a:extLst>
+              </a:tr>
+              <a:tr h="339725">
+                <a:tc>
+                  <a:txBody>
+                    <a:bodyPr/>
+                    <a:lstStyle/>
+                    <a:p>
+                      <a:pPr algn="l" fontAlgn="b"/>
+                      <a:r>
+                        <a:rPr lang="en-US" sz="1100" b="0" i="0" u="none" strike="noStrike" kern="1200" baseline="0" dirty="0" err="1">
+                          <a:solidFill>
+                            <a:srgbClr val="000000"/>
+                          </a:solidFill>
+                          <a:effectLst/>
+                          <a:latin typeface="Calibri" panose="020F0502020204030204" pitchFamily="34" charset="0"/>
+                          <a:ea typeface="+mn-ea"/>
+                          <a:cs typeface="+mn-cs"/>
+                        </a:rPr>
+                        <a:t>PROSpect</a:t>
+                      </a:r>
+                      <a:r>
+                        <a:rPr lang="en-US" sz="1100" b="0" i="0" u="none" strike="noStrike" kern="1200" baseline="0" dirty="0">
+                          <a:solidFill>
+                            <a:srgbClr val="000000"/>
+                          </a:solidFill>
+                          <a:effectLst/>
+                          <a:latin typeface="Calibri" panose="020F0502020204030204" pitchFamily="34" charset="0"/>
+                          <a:ea typeface="+mn-ea"/>
+                          <a:cs typeface="+mn-cs"/>
+                        </a:rPr>
+                        <a:t>: Prone and Oscillation Pediatric Clinical Trial COVID-19 Supplement</a:t>
+                      </a:r>
+                    </a:p>
+                  </a:txBody>
+                  <a:tcPr marL="7620" marR="7620" marT="7620" marB="0" anchor="b"/>
+                </a:tc>
+                <a:tc>
+                  <a:txBody>
+                    <a:bodyPr/>
+                    <a:lstStyle/>
+                    <a:p>
+                      <a:pPr marL="0" indent="0" algn="l" fontAlgn="b">
+                        <a:buNone/>
+                      </a:pPr>
+                      <a:r>
+                        <a:rPr lang="en-US" sz="1100" b="0" i="0" u="none" strike="noStrike" dirty="0">
+                          <a:solidFill>
+                            <a:srgbClr val="000000"/>
+                          </a:solidFill>
+                          <a:effectLst/>
+                          <a:latin typeface="Calibri" panose="020F0502020204030204" pitchFamily="34" charset="0"/>
+                        </a:rPr>
+                        <a:t>E. Henry</a:t>
+                      </a:r>
+                    </a:p>
+                  </a:txBody>
+                  <a:tcPr marL="7620" marR="7620" marT="7620" marB="0" anchor="b"/>
+                </a:tc>
+                <a:tc>
+                  <a:txBody>
+                    <a:bodyPr/>
+                    <a:lstStyle/>
+                    <a:p>
+                      <a:pPr algn="l" fontAlgn="b"/>
+                      <a:r>
+                        <a:rPr lang="en-US" sz="1100" b="0" i="0" u="none" strike="noStrike" dirty="0">
+                          <a:solidFill>
+                            <a:srgbClr val="000000"/>
+                          </a:solidFill>
+                          <a:effectLst/>
+                          <a:latin typeface="Calibri" panose="020F0502020204030204" pitchFamily="34" charset="0"/>
+                        </a:rPr>
+                        <a:t>Pediatrics</a:t>
+                      </a:r>
+                    </a:p>
+                  </a:txBody>
+                  <a:tcPr marL="7620" marR="7620" marT="7620" marB="0" anchor="b"/>
+                </a:tc>
+                <a:extLst>
+                  <a:ext uri="{0D108BD9-81ED-4DB2-BD59-A6C34878D82A}">
+                    <a16:rowId xmlns:a16="http://schemas.microsoft.com/office/drawing/2014/main" val="1661099666"/>
+                  </a:ext>
+                </a:extLst>
+              </a:tr>
+              <a:tr h="338215">
+                <a:tc>
+                  <a:txBody>
+                    <a:bodyPr/>
+                    <a:lstStyle/>
+                    <a:p>
+                      <a:pPr algn="l" fontAlgn="b"/>
+                      <a:r>
+                        <a:rPr lang="en-US" sz="1100" b="0" i="0" u="none" strike="noStrike" kern="1200" baseline="0" dirty="0">
+                          <a:solidFill>
+                            <a:schemeClr val="tx1"/>
+                          </a:solidFill>
+                          <a:effectLst/>
+                          <a:latin typeface="Calibri" panose="020F0502020204030204" pitchFamily="34" charset="0"/>
+                          <a:ea typeface="+mn-ea"/>
+                          <a:cs typeface="+mn-cs"/>
+                        </a:rPr>
+                        <a:t>Addressing Epidemiologic Gaps in Immune Thrombocytopenia: Pregnant and African American Patients</a:t>
+                      </a:r>
+                    </a:p>
+                  </a:txBody>
+                  <a:tcPr marL="7620" marR="7620" marT="7620" marB="0" anchor="b"/>
+                </a:tc>
+                <a:tc>
+                  <a:txBody>
+                    <a:bodyPr/>
+                    <a:lstStyle/>
+                    <a:p>
+                      <a:pPr algn="l" fontAlgn="b"/>
+                      <a:r>
+                        <a:rPr lang="en-US" sz="1100" b="0" i="0" u="none" strike="noStrike" dirty="0">
+                          <a:solidFill>
+                            <a:schemeClr val="tx1"/>
+                          </a:solidFill>
+                          <a:effectLst/>
+                          <a:latin typeface="Calibri" panose="020F0502020204030204" pitchFamily="34" charset="0"/>
+                        </a:rPr>
+                        <a:t>D. Terrell</a:t>
+                      </a:r>
+                    </a:p>
+                  </a:txBody>
+                  <a:tcPr marL="7620" marR="7620" marT="7620" marB="0" anchor="b"/>
+                </a:tc>
+                <a:tc>
+                  <a:txBody>
+                    <a:bodyPr/>
+                    <a:lstStyle/>
+                    <a:p>
+                      <a:pPr algn="l" fontAlgn="b"/>
+                      <a:r>
+                        <a:rPr lang="en-US" sz="1100" b="0" i="0" u="none" strike="noStrike" dirty="0">
+                          <a:solidFill>
+                            <a:schemeClr val="tx1"/>
+                          </a:solidFill>
+                          <a:effectLst/>
+                          <a:latin typeface="Calibri" panose="020F0502020204030204" pitchFamily="34" charset="0"/>
+                        </a:rPr>
+                        <a:t>Public Health</a:t>
+                      </a:r>
+                    </a:p>
+                  </a:txBody>
+                  <a:tcPr marL="7620" marR="7620" marT="7620" marB="0" anchor="b"/>
+                </a:tc>
+                <a:extLst>
+                  <a:ext uri="{0D108BD9-81ED-4DB2-BD59-A6C34878D82A}">
+                    <a16:rowId xmlns:a16="http://schemas.microsoft.com/office/drawing/2014/main" val="4172047643"/>
+                  </a:ext>
+                </a:extLst>
+              </a:tr>
+              <a:tr h="237037">
+                <a:tc>
+                  <a:txBody>
+                    <a:bodyPr/>
+                    <a:lstStyle/>
+                    <a:p>
+                      <a:pPr algn="l" fontAlgn="b"/>
+                      <a:r>
+                        <a:rPr lang="en-US" sz="1100" b="0" i="0" u="none" strike="noStrike" kern="1200" baseline="0" dirty="0">
+                          <a:solidFill>
+                            <a:schemeClr val="tx1"/>
+                          </a:solidFill>
+                          <a:effectLst/>
+                          <a:latin typeface="Calibri" panose="020F0502020204030204" pitchFamily="34" charset="0"/>
+                          <a:ea typeface="+mn-ea"/>
+                          <a:cs typeface="+mn-cs"/>
+                        </a:rPr>
+                        <a:t>TBD</a:t>
+                      </a:r>
+                    </a:p>
+                  </a:txBody>
+                  <a:tcPr marL="7620" marR="7620" marT="7620" marB="0" anchor="b"/>
+                </a:tc>
+                <a:tc>
+                  <a:txBody>
+                    <a:bodyPr/>
+                    <a:lstStyle/>
+                    <a:p>
+                      <a:pPr marL="0" indent="0" algn="l" fontAlgn="b">
+                        <a:buNone/>
+                      </a:pPr>
+                      <a:r>
+                        <a:rPr lang="en-US" sz="1100" b="0" i="0" u="none" strike="noStrike" kern="1200" baseline="0" dirty="0">
+                          <a:solidFill>
+                            <a:schemeClr val="tx1"/>
+                          </a:solidFill>
+                          <a:effectLst/>
+                          <a:latin typeface="Calibri" panose="020F0502020204030204" pitchFamily="34" charset="0"/>
+                          <a:ea typeface="+mn-ea"/>
+                          <a:cs typeface="+mn-cs"/>
+                        </a:rPr>
+                        <a:t>A. Paul</a:t>
+                      </a:r>
+                    </a:p>
+                  </a:txBody>
+                  <a:tcPr marL="7620" marR="7620" marT="7620" marB="0" anchor="b"/>
+                </a:tc>
+                <a:tc>
+                  <a:txBody>
+                    <a:bodyPr/>
+                    <a:lstStyle/>
+                    <a:p>
+                      <a:pPr marL="0" marR="0" lvl="0" indent="0" algn="l" defTabSz="914400" rtl="0" eaLnBrk="1" fontAlgn="b" latinLnBrk="0" hangingPunct="1">
+                        <a:lnSpc>
+                          <a:spcPct val="100000"/>
+                        </a:lnSpc>
+                        <a:spcBef>
+                          <a:spcPts val="0"/>
+                        </a:spcBef>
+                        <a:spcAft>
+                          <a:spcPts val="0"/>
+                        </a:spcAft>
+                        <a:buClrTx/>
+                        <a:buSzTx/>
+                        <a:buFontTx/>
+                        <a:buNone/>
+                        <a:tabLst/>
+                        <a:defRPr/>
+                      </a:pPr>
+                      <a:r>
+                        <a:rPr lang="en-US" sz="1100" b="0" i="0" u="none" strike="noStrike" kern="1200" dirty="0">
+                          <a:solidFill>
+                            <a:schemeClr val="tx1"/>
+                          </a:solidFill>
+                          <a:effectLst/>
+                          <a:latin typeface="Calibri" panose="020F0502020204030204" pitchFamily="34" charset="0"/>
+                          <a:ea typeface="+mn-ea"/>
+                          <a:cs typeface="+mn-cs"/>
+                        </a:rPr>
+                        <a:t>Neurology</a:t>
+                      </a:r>
+                    </a:p>
+                  </a:txBody>
+                  <a:tcPr marL="7620" marR="7620" marT="7620" marB="0" anchor="b"/>
+                </a:tc>
+                <a:extLst>
+                  <a:ext uri="{0D108BD9-81ED-4DB2-BD59-A6C34878D82A}">
+                    <a16:rowId xmlns:a16="http://schemas.microsoft.com/office/drawing/2014/main" val="1057878429"/>
+                  </a:ext>
+                </a:extLst>
+              </a:tr>
+              <a:tr h="338215">
+                <a:tc>
+                  <a:txBody>
+                    <a:bodyPr/>
+                    <a:lstStyle/>
+                    <a:p>
+                      <a:pPr algn="l" fontAlgn="b"/>
+                      <a:r>
+                        <a:rPr lang="en-US" sz="1100" b="0" i="0" u="none" strike="noStrike" kern="1200" dirty="0">
+                          <a:solidFill>
+                            <a:schemeClr val="tx1"/>
+                          </a:solidFill>
+                          <a:effectLst/>
+                          <a:latin typeface="Calibri" panose="020F0502020204030204" pitchFamily="34" charset="0"/>
+                          <a:ea typeface="+mn-ea"/>
+                          <a:cs typeface="+mn-cs"/>
+                        </a:rPr>
+                        <a:t>TBD</a:t>
+                      </a:r>
+                    </a:p>
+                  </a:txBody>
+                  <a:tcPr marL="7620" marR="7620" marT="7620" marB="0" anchor="b"/>
+                </a:tc>
+                <a:tc>
+                  <a:txBody>
+                    <a:bodyPr/>
+                    <a:lstStyle/>
+                    <a:p>
+                      <a:pPr algn="l" fontAlgn="b"/>
+                      <a:r>
+                        <a:rPr lang="en-US" sz="1100" b="0" i="0" u="none" strike="noStrike" dirty="0">
+                          <a:solidFill>
+                            <a:schemeClr val="tx1"/>
+                          </a:solidFill>
+                          <a:effectLst/>
+                          <a:latin typeface="Calibri" panose="020F0502020204030204" pitchFamily="34" charset="0"/>
+                        </a:rPr>
+                        <a:t>H. Wu</a:t>
+                      </a:r>
+                    </a:p>
+                  </a:txBody>
+                  <a:tcPr marL="7620" marR="7620" marT="7620" marB="0" anchor="b"/>
+                </a:tc>
+                <a:tc>
+                  <a:txBody>
+                    <a:bodyPr/>
+                    <a:lstStyle/>
+                    <a:p>
+                      <a:pPr marL="0" marR="0" lvl="0" indent="0" algn="l" defTabSz="914400" rtl="0" eaLnBrk="1" fontAlgn="b" latinLnBrk="0" hangingPunct="1">
+                        <a:lnSpc>
+                          <a:spcPct val="100000"/>
+                        </a:lnSpc>
+                        <a:spcBef>
+                          <a:spcPts val="0"/>
+                        </a:spcBef>
+                        <a:spcAft>
+                          <a:spcPts val="0"/>
+                        </a:spcAft>
+                        <a:buClrTx/>
+                        <a:buSzTx/>
+                        <a:buFontTx/>
+                        <a:buNone/>
+                        <a:tabLst/>
+                        <a:defRPr/>
+                      </a:pPr>
+                      <a:r>
+                        <a:rPr lang="en-US" sz="1100" b="0" i="0" u="none" strike="noStrike" dirty="0">
+                          <a:solidFill>
+                            <a:schemeClr val="tx1"/>
+                          </a:solidFill>
+                          <a:effectLst/>
+                          <a:latin typeface="Calibri" panose="020F0502020204030204" pitchFamily="34" charset="0"/>
+                        </a:rPr>
+                        <a:t>Pulmonary,</a:t>
+                      </a:r>
+                      <a:r>
+                        <a:rPr lang="en-US" sz="1100" b="0" i="0" u="none" strike="noStrike" baseline="0" dirty="0">
+                          <a:solidFill>
+                            <a:schemeClr val="tx1"/>
+                          </a:solidFill>
+                          <a:effectLst/>
+                          <a:latin typeface="Calibri" panose="020F0502020204030204" pitchFamily="34" charset="0"/>
+                        </a:rPr>
+                        <a:t> Critical Care, and Sleep Medicine</a:t>
+                      </a:r>
+                      <a:endParaRPr lang="en-US" sz="1100" b="0" i="0" u="none" strike="noStrike" dirty="0">
+                        <a:solidFill>
+                          <a:schemeClr val="tx1"/>
+                        </a:solidFill>
+                        <a:effectLst/>
+                        <a:latin typeface="Calibri" panose="020F0502020204030204" pitchFamily="34" charset="0"/>
+                      </a:endParaRPr>
+                    </a:p>
+                  </a:txBody>
+                  <a:tcPr marL="7620" marR="7620" marT="7620" marB="0" anchor="b"/>
+                </a:tc>
+                <a:extLst>
+                  <a:ext uri="{0D108BD9-81ED-4DB2-BD59-A6C34878D82A}">
+                    <a16:rowId xmlns:a16="http://schemas.microsoft.com/office/drawing/2014/main" val="3615318075"/>
+                  </a:ext>
+                </a:extLst>
+              </a:tr>
+              <a:tr h="338215">
+                <a:tc>
+                  <a:txBody>
+                    <a:bodyPr/>
+                    <a:lstStyle/>
+                    <a:p>
+                      <a:pPr marL="0" algn="l" defTabSz="914400" rtl="0" eaLnBrk="1" fontAlgn="b" latinLnBrk="0" hangingPunct="1"/>
+                      <a:r>
+                        <a:rPr lang="en-US" sz="1100" b="0" i="0" u="none" strike="noStrike" kern="1200" baseline="0" dirty="0">
+                          <a:solidFill>
+                            <a:schemeClr val="accent1">
+                              <a:lumMod val="50000"/>
+                            </a:schemeClr>
+                          </a:solidFill>
+                          <a:effectLst/>
+                          <a:latin typeface="Calibri" panose="020F0502020204030204" pitchFamily="34" charset="0"/>
+                          <a:ea typeface="+mn-ea"/>
+                          <a:cs typeface="+mn-cs"/>
+                        </a:rPr>
+                        <a:t>Promoting Human Papillomavirus Vaccine Uptake in High-Risk Adults (Uptake 2)</a:t>
+                      </a:r>
+                    </a:p>
+                  </a:txBody>
+                  <a:tcPr marL="7620" marR="7620" marT="7620" marB="0" anchor="b"/>
+                </a:tc>
+                <a:tc>
+                  <a:txBody>
+                    <a:bodyPr/>
+                    <a:lstStyle/>
+                    <a:p>
+                      <a:pPr algn="l" fontAlgn="b"/>
+                      <a:r>
+                        <a:rPr lang="en-US" sz="1100" b="0" i="0" u="none" strike="noStrike" dirty="0">
+                          <a:solidFill>
+                            <a:schemeClr val="accent1">
+                              <a:lumMod val="50000"/>
+                            </a:schemeClr>
+                          </a:solidFill>
+                          <a:effectLst/>
+                          <a:latin typeface="Calibri" panose="020F0502020204030204" pitchFamily="34" charset="0"/>
+                        </a:rPr>
+                        <a:t>T. Bui</a:t>
+                      </a:r>
+                    </a:p>
+                  </a:txBody>
+                  <a:tcPr marL="7620" marR="7620" marT="7620" marB="0" anchor="b"/>
+                </a:tc>
+                <a:tc>
+                  <a:txBody>
+                    <a:bodyPr/>
+                    <a:lstStyle/>
+                    <a:p>
+                      <a:pPr algn="l" fontAlgn="b"/>
+                      <a:r>
+                        <a:rPr lang="en-US" sz="1100" b="0" i="0" u="none" strike="noStrike" dirty="0">
+                          <a:solidFill>
+                            <a:schemeClr val="accent1">
+                              <a:lumMod val="50000"/>
+                            </a:schemeClr>
+                          </a:solidFill>
+                          <a:effectLst/>
+                          <a:latin typeface="Calibri" panose="020F0502020204030204" pitchFamily="34" charset="0"/>
+                        </a:rPr>
+                        <a:t>Family and Preventive Medicine</a:t>
+                      </a:r>
+                    </a:p>
+                  </a:txBody>
+                  <a:tcPr marL="7620" marR="7620" marT="7620" marB="0" anchor="b"/>
+                </a:tc>
+                <a:extLst>
+                  <a:ext uri="{0D108BD9-81ED-4DB2-BD59-A6C34878D82A}">
+                    <a16:rowId xmlns:a16="http://schemas.microsoft.com/office/drawing/2014/main" val="1810581365"/>
+                  </a:ext>
+                </a:extLst>
+              </a:tr>
+              <a:tr h="237037">
+                <a:tc>
+                  <a:txBody>
+                    <a:bodyPr/>
+                    <a:lstStyle/>
+                    <a:p>
+                      <a:pPr algn="l" fontAlgn="b"/>
+                      <a:r>
+                        <a:rPr lang="en-US" sz="1100" b="0" i="0" u="none" strike="noStrike" kern="1200" baseline="0" dirty="0">
+                          <a:solidFill>
+                            <a:schemeClr val="accent1">
+                              <a:lumMod val="50000"/>
+                            </a:schemeClr>
+                          </a:solidFill>
+                          <a:effectLst/>
+                          <a:latin typeface="Calibri" panose="020F0502020204030204" pitchFamily="34" charset="0"/>
+                          <a:ea typeface="+mn-ea"/>
+                          <a:cs typeface="+mn-cs"/>
+                        </a:rPr>
+                        <a:t>External Validation of an AI-Based ECG Tool to Identify Cardiomyopathy in Women of Reproductive Age</a:t>
+                      </a:r>
+                    </a:p>
+                  </a:txBody>
+                  <a:tcPr marL="7620" marR="7620" marT="7620" marB="0" anchor="b"/>
+                </a:tc>
+                <a:tc>
+                  <a:txBody>
+                    <a:bodyPr/>
+                    <a:lstStyle/>
+                    <a:p>
+                      <a:pPr algn="l" fontAlgn="b"/>
+                      <a:r>
+                        <a:rPr lang="en-US" sz="1100" b="0" i="0" u="none" strike="noStrike" dirty="0">
+                          <a:solidFill>
+                            <a:schemeClr val="accent1">
+                              <a:lumMod val="50000"/>
+                            </a:schemeClr>
+                          </a:solidFill>
+                          <a:effectLst/>
+                          <a:latin typeface="Calibri" panose="020F0502020204030204" pitchFamily="34" charset="0"/>
+                        </a:rPr>
+                        <a:t>M.</a:t>
+                      </a:r>
+                      <a:r>
+                        <a:rPr lang="en-US" sz="1100" b="0" i="0" u="none" strike="noStrike" baseline="0" dirty="0">
+                          <a:solidFill>
+                            <a:schemeClr val="accent1">
+                              <a:lumMod val="50000"/>
+                            </a:schemeClr>
+                          </a:solidFill>
+                          <a:effectLst/>
+                          <a:latin typeface="Calibri" panose="020F0502020204030204" pitchFamily="34" charset="0"/>
+                        </a:rPr>
+                        <a:t> Williams</a:t>
+                      </a:r>
+                      <a:endParaRPr lang="en-US" sz="1100" b="0" i="0" u="none" strike="noStrike" dirty="0">
+                        <a:solidFill>
+                          <a:schemeClr val="accent1">
+                            <a:lumMod val="50000"/>
+                          </a:schemeClr>
+                        </a:solidFill>
+                        <a:effectLst/>
+                        <a:latin typeface="Calibri" panose="020F0502020204030204" pitchFamily="34" charset="0"/>
+                      </a:endParaRPr>
+                    </a:p>
+                  </a:txBody>
+                  <a:tcPr marL="7620" marR="7620" marT="7620" marB="0" anchor="b"/>
+                </a:tc>
+                <a:tc>
+                  <a:txBody>
+                    <a:bodyPr/>
+                    <a:lstStyle/>
+                    <a:p>
+                      <a:pPr algn="l" fontAlgn="b"/>
+                      <a:r>
+                        <a:rPr lang="en-US" sz="1100" b="0" i="0" u="none" strike="noStrike" dirty="0">
+                          <a:solidFill>
+                            <a:schemeClr val="accent1">
+                              <a:lumMod val="50000"/>
+                            </a:schemeClr>
+                          </a:solidFill>
+                          <a:effectLst/>
+                          <a:latin typeface="Calibri" panose="020F0502020204030204" pitchFamily="34" charset="0"/>
+                        </a:rPr>
+                        <a:t>Obstetrics and Gynecology</a:t>
+                      </a:r>
+                    </a:p>
+                  </a:txBody>
+                  <a:tcPr marL="7620" marR="7620" marT="7620" marB="0" anchor="b"/>
+                </a:tc>
+                <a:extLst>
+                  <a:ext uri="{0D108BD9-81ED-4DB2-BD59-A6C34878D82A}">
+                    <a16:rowId xmlns:a16="http://schemas.microsoft.com/office/drawing/2014/main" val="240284698"/>
+                  </a:ext>
+                </a:extLst>
+              </a:tr>
+              <a:tr h="237037">
+                <a:tc>
+                  <a:txBody>
+                    <a:bodyPr/>
+                    <a:lstStyle/>
+                    <a:p>
+                      <a:pPr algn="l" fontAlgn="b"/>
+                      <a:r>
+                        <a:rPr lang="en-US" sz="1100" b="0" i="0" u="none" strike="noStrike" kern="1200" baseline="0" dirty="0">
+                          <a:solidFill>
+                            <a:schemeClr val="accent1">
+                              <a:lumMod val="50000"/>
+                            </a:schemeClr>
+                          </a:solidFill>
+                          <a:effectLst/>
+                          <a:latin typeface="Calibri" panose="020F0502020204030204" pitchFamily="34" charset="0"/>
+                          <a:ea typeface="+mn-ea"/>
+                          <a:cs typeface="+mn-cs"/>
+                        </a:rPr>
+                        <a:t>Aggregate Counts of COVID-19/MIS-C Patients</a:t>
+                      </a:r>
+                    </a:p>
+                  </a:txBody>
+                  <a:tcPr marL="7620" marR="7620" marT="7620" marB="0" anchor="b"/>
+                </a:tc>
+                <a:tc>
+                  <a:txBody>
+                    <a:bodyPr/>
+                    <a:lstStyle/>
+                    <a:p>
+                      <a:pPr marL="0" indent="0" algn="l" fontAlgn="b">
+                        <a:buNone/>
+                      </a:pPr>
+                      <a:r>
+                        <a:rPr lang="en-US" sz="1100" b="0" i="0" u="none" strike="noStrike" kern="1200" baseline="0" dirty="0">
+                          <a:solidFill>
+                            <a:schemeClr val="accent1">
+                              <a:lumMod val="50000"/>
+                            </a:schemeClr>
+                          </a:solidFill>
+                          <a:effectLst/>
+                          <a:latin typeface="Calibri" panose="020F0502020204030204" pitchFamily="34" charset="0"/>
+                          <a:ea typeface="+mn-ea"/>
+                          <a:cs typeface="+mn-cs"/>
+                        </a:rPr>
+                        <a:t>P. Darden</a:t>
+                      </a:r>
+                    </a:p>
+                  </a:txBody>
+                  <a:tcPr marL="7620" marR="7620" marT="7620" marB="0" anchor="b"/>
+                </a:tc>
+                <a:tc>
+                  <a:txBody>
+                    <a:bodyPr/>
+                    <a:lstStyle/>
+                    <a:p>
+                      <a:pPr algn="l" fontAlgn="b"/>
+                      <a:r>
+                        <a:rPr lang="en-US" sz="1100" b="0" i="0" u="none" strike="noStrike" kern="1200" dirty="0">
+                          <a:solidFill>
+                            <a:schemeClr val="accent1">
+                              <a:lumMod val="50000"/>
+                            </a:schemeClr>
+                          </a:solidFill>
+                          <a:effectLst/>
+                          <a:latin typeface="Calibri" panose="020F0502020204030204" pitchFamily="34" charset="0"/>
+                          <a:ea typeface="+mn-ea"/>
+                          <a:cs typeface="+mn-cs"/>
+                        </a:rPr>
+                        <a:t>Pediatrics</a:t>
+                      </a:r>
+                    </a:p>
+                  </a:txBody>
+                  <a:tcPr marL="7620" marR="7620" marT="7620" marB="0" anchor="b"/>
+                </a:tc>
+                <a:extLst>
+                  <a:ext uri="{0D108BD9-81ED-4DB2-BD59-A6C34878D82A}">
+                    <a16:rowId xmlns:a16="http://schemas.microsoft.com/office/drawing/2014/main" val="2906176452"/>
+                  </a:ext>
+                </a:extLst>
+              </a:tr>
+              <a:tr h="350025">
+                <a:tc>
+                  <a:txBody>
+                    <a:bodyPr/>
+                    <a:lstStyle/>
+                    <a:p>
+                      <a:pPr algn="l" fontAlgn="b"/>
+                      <a:r>
+                        <a:rPr lang="en-US" sz="1100" b="0" i="0" u="none" strike="noStrike" kern="1200" baseline="0" dirty="0">
+                          <a:solidFill>
+                            <a:schemeClr val="accent1">
+                              <a:lumMod val="50000"/>
+                            </a:schemeClr>
+                          </a:solidFill>
+                          <a:effectLst/>
+                          <a:latin typeface="Calibri" panose="020F0502020204030204" pitchFamily="34" charset="0"/>
+                          <a:ea typeface="+mn-ea"/>
+                          <a:cs typeface="+mn-cs"/>
+                        </a:rPr>
+                        <a:t>Fluid Management in Acute Respiratory Distress Syndrome due to COVID 19</a:t>
+                      </a:r>
+                    </a:p>
+                  </a:txBody>
+                  <a:tcPr marL="7620" marR="7620" marT="7620" marB="0" anchor="b"/>
+                </a:tc>
+                <a:tc>
+                  <a:txBody>
+                    <a:bodyPr/>
+                    <a:lstStyle/>
+                    <a:p>
+                      <a:pPr algn="l" fontAlgn="b"/>
+                      <a:r>
+                        <a:rPr lang="en-US" sz="1100" b="0" i="0" u="none" strike="noStrike" kern="1200" baseline="0" dirty="0">
+                          <a:solidFill>
+                            <a:schemeClr val="accent1">
+                              <a:lumMod val="50000"/>
+                            </a:schemeClr>
+                          </a:solidFill>
+                          <a:effectLst/>
+                          <a:latin typeface="Calibri" panose="020F0502020204030204" pitchFamily="34" charset="0"/>
+                          <a:ea typeface="+mn-ea"/>
+                          <a:cs typeface="+mn-cs"/>
+                        </a:rPr>
+                        <a:t>S. </a:t>
+                      </a:r>
+                      <a:r>
+                        <a:rPr lang="en-US" sz="1100" b="0" i="0" u="none" strike="noStrike" kern="1200" baseline="0" dirty="0" err="1">
+                          <a:solidFill>
+                            <a:schemeClr val="accent1">
+                              <a:lumMod val="50000"/>
+                            </a:schemeClr>
+                          </a:solidFill>
+                          <a:effectLst/>
+                          <a:latin typeface="Calibri" panose="020F0502020204030204" pitchFamily="34" charset="0"/>
+                          <a:ea typeface="+mn-ea"/>
+                          <a:cs typeface="+mn-cs"/>
+                        </a:rPr>
+                        <a:t>Dauok</a:t>
+                      </a:r>
+                      <a:endParaRPr lang="en-US" sz="1100" b="0" i="0" u="none" strike="noStrike" kern="1200" baseline="0" dirty="0">
+                        <a:solidFill>
+                          <a:schemeClr val="accent1">
+                            <a:lumMod val="50000"/>
+                          </a:schemeClr>
+                        </a:solidFill>
+                        <a:effectLst/>
+                        <a:latin typeface="Calibri" panose="020F0502020204030204" pitchFamily="34" charset="0"/>
+                        <a:ea typeface="+mn-ea"/>
+                        <a:cs typeface="+mn-cs"/>
+                      </a:endParaRPr>
+                    </a:p>
+                  </a:txBody>
+                  <a:tcPr marL="7620" marR="7620" marT="7620" marB="0" anchor="b"/>
+                </a:tc>
+                <a:tc>
+                  <a:txBody>
+                    <a:bodyPr/>
+                    <a:lstStyle/>
+                    <a:p>
+                      <a:pPr algn="l" fontAlgn="b"/>
+                      <a:r>
+                        <a:rPr lang="en-US" sz="1100" b="0" i="0" u="none" strike="noStrike" dirty="0">
+                          <a:solidFill>
+                            <a:schemeClr val="accent1">
+                              <a:lumMod val="50000"/>
+                            </a:schemeClr>
+                          </a:solidFill>
+                          <a:effectLst/>
+                          <a:latin typeface="Calibri" panose="020F0502020204030204" pitchFamily="34" charset="0"/>
+                        </a:rPr>
+                        <a:t>Pulmonary,</a:t>
+                      </a:r>
+                      <a:r>
+                        <a:rPr lang="en-US" sz="1100" b="0" i="0" u="none" strike="noStrike" baseline="0" dirty="0">
+                          <a:solidFill>
+                            <a:schemeClr val="accent1">
+                              <a:lumMod val="50000"/>
+                            </a:schemeClr>
+                          </a:solidFill>
+                          <a:effectLst/>
+                          <a:latin typeface="Calibri" panose="020F0502020204030204" pitchFamily="34" charset="0"/>
+                        </a:rPr>
+                        <a:t> Critical Care, and Sleep Medicine</a:t>
+                      </a:r>
+                      <a:endParaRPr lang="en-US" sz="1100" b="0" i="0" u="none" strike="noStrike" dirty="0">
+                        <a:solidFill>
+                          <a:schemeClr val="accent1">
+                            <a:lumMod val="50000"/>
+                          </a:schemeClr>
+                        </a:solidFill>
+                        <a:effectLst/>
+                        <a:latin typeface="Calibri" panose="020F0502020204030204" pitchFamily="34" charset="0"/>
+                      </a:endParaRPr>
+                    </a:p>
+                  </a:txBody>
+                  <a:tcPr marL="7620" marR="7620" marT="7620" marB="0" anchor="b"/>
+                </a:tc>
+                <a:extLst>
+                  <a:ext uri="{0D108BD9-81ED-4DB2-BD59-A6C34878D82A}">
+                    <a16:rowId xmlns:a16="http://schemas.microsoft.com/office/drawing/2014/main" val="3562986470"/>
+                  </a:ext>
+                </a:extLst>
+              </a:tr>
+              <a:tr h="237037">
+                <a:tc>
+                  <a:txBody>
+                    <a:bodyPr/>
+                    <a:lstStyle/>
+                    <a:p>
+                      <a:pPr algn="l" fontAlgn="b"/>
+                      <a:r>
+                        <a:rPr lang="en-US" sz="1100" b="0" i="0" u="none" strike="noStrike" kern="1200" baseline="0" dirty="0">
+                          <a:solidFill>
+                            <a:schemeClr val="accent1">
+                              <a:lumMod val="50000"/>
+                            </a:schemeClr>
+                          </a:solidFill>
+                          <a:effectLst/>
+                          <a:latin typeface="Calibri" panose="020F0502020204030204" pitchFamily="34" charset="0"/>
+                          <a:ea typeface="+mn-ea"/>
+                          <a:cs typeface="+mn-cs"/>
+                        </a:rPr>
+                        <a:t>TBD</a:t>
+                      </a:r>
+                    </a:p>
+                  </a:txBody>
+                  <a:tcPr marL="7620" marR="7620" marT="7620" marB="0" anchor="b"/>
+                </a:tc>
+                <a:tc>
+                  <a:txBody>
+                    <a:bodyPr/>
+                    <a:lstStyle/>
+                    <a:p>
+                      <a:pPr algn="l" fontAlgn="b"/>
+                      <a:r>
+                        <a:rPr lang="en-US" sz="1100" b="0" i="0" u="none" strike="noStrike" kern="1200" baseline="0" dirty="0">
+                          <a:solidFill>
+                            <a:schemeClr val="accent1">
+                              <a:lumMod val="50000"/>
+                            </a:schemeClr>
+                          </a:solidFill>
+                          <a:effectLst/>
+                          <a:latin typeface="Calibri" panose="020F0502020204030204" pitchFamily="34" charset="0"/>
+                          <a:ea typeface="+mn-ea"/>
+                          <a:cs typeface="+mn-cs"/>
+                        </a:rPr>
+                        <a:t>C. Cross</a:t>
+                      </a:r>
+                    </a:p>
+                  </a:txBody>
+                  <a:tcPr marL="7620" marR="7620" marT="7620" marB="0" anchor="b"/>
+                </a:tc>
+                <a:tc>
+                  <a:txBody>
+                    <a:bodyPr/>
+                    <a:lstStyle/>
+                    <a:p>
+                      <a:pPr marL="0" marR="0" lvl="0" indent="0" algn="l" defTabSz="914400" rtl="0" eaLnBrk="1" fontAlgn="b" latinLnBrk="0" hangingPunct="1">
+                        <a:lnSpc>
+                          <a:spcPct val="100000"/>
+                        </a:lnSpc>
+                        <a:spcBef>
+                          <a:spcPts val="0"/>
+                        </a:spcBef>
+                        <a:spcAft>
+                          <a:spcPts val="0"/>
+                        </a:spcAft>
+                        <a:buClrTx/>
+                        <a:buSzTx/>
+                        <a:buFontTx/>
+                        <a:buNone/>
+                        <a:tabLst/>
+                        <a:defRPr/>
+                      </a:pPr>
+                      <a:r>
+                        <a:rPr lang="en-US" sz="1100" b="0" i="0" u="none" strike="noStrike" dirty="0">
+                          <a:solidFill>
+                            <a:schemeClr val="accent1">
+                              <a:lumMod val="50000"/>
+                            </a:schemeClr>
+                          </a:solidFill>
+                          <a:effectLst/>
+                          <a:latin typeface="Calibri" panose="020F0502020204030204" pitchFamily="34" charset="0"/>
+                        </a:rPr>
+                        <a:t>Pulmonary,</a:t>
+                      </a:r>
+                      <a:r>
+                        <a:rPr lang="en-US" sz="1100" b="0" i="0" u="none" strike="noStrike" baseline="0" dirty="0">
+                          <a:solidFill>
+                            <a:schemeClr val="accent1">
+                              <a:lumMod val="50000"/>
+                            </a:schemeClr>
+                          </a:solidFill>
+                          <a:effectLst/>
+                          <a:latin typeface="Calibri" panose="020F0502020204030204" pitchFamily="34" charset="0"/>
+                        </a:rPr>
+                        <a:t> Critical Care, and Sleep Medicine</a:t>
+                      </a:r>
+                      <a:endParaRPr lang="en-US" sz="1100" b="0" i="0" u="none" strike="noStrike" dirty="0">
+                        <a:solidFill>
+                          <a:srgbClr val="0070C0"/>
+                        </a:solidFill>
+                        <a:effectLst/>
+                        <a:latin typeface="Calibri" panose="020F0502020204030204" pitchFamily="34" charset="0"/>
+                      </a:endParaRPr>
+                    </a:p>
+                  </a:txBody>
+                  <a:tcPr marL="7620" marR="7620" marT="7620" marB="0" anchor="b"/>
+                </a:tc>
+                <a:extLst>
+                  <a:ext uri="{0D108BD9-81ED-4DB2-BD59-A6C34878D82A}">
+                    <a16:rowId xmlns:a16="http://schemas.microsoft.com/office/drawing/2014/main" val="1671168545"/>
+                  </a:ext>
+                </a:extLst>
+              </a:tr>
+              <a:tr h="237037">
+                <a:tc>
+                  <a:txBody>
+                    <a:bodyPr/>
+                    <a:lstStyle/>
+                    <a:p>
+                      <a:pPr algn="l" fontAlgn="b"/>
+                      <a:endParaRPr lang="en-US" sz="1100" b="0" i="0" u="none" strike="noStrike" kern="1200" baseline="0" dirty="0">
+                        <a:solidFill>
+                          <a:schemeClr val="accent1">
+                            <a:lumMod val="50000"/>
+                          </a:schemeClr>
+                        </a:solidFill>
+                        <a:effectLst/>
+                        <a:latin typeface="Calibri" panose="020F0502020204030204" pitchFamily="34" charset="0"/>
+                        <a:ea typeface="+mn-ea"/>
+                        <a:cs typeface="+mn-cs"/>
+                      </a:endParaRPr>
+                    </a:p>
+                  </a:txBody>
+                  <a:tcPr marL="7620" marR="7620" marT="7620" marB="0" anchor="b"/>
+                </a:tc>
+                <a:tc>
+                  <a:txBody>
+                    <a:bodyPr/>
+                    <a:lstStyle/>
+                    <a:p>
+                      <a:pPr algn="l" fontAlgn="b"/>
+                      <a:endParaRPr lang="en-US" sz="1100" b="0" i="0" u="none" strike="noStrike" kern="1200" baseline="0" dirty="0">
+                        <a:solidFill>
+                          <a:schemeClr val="accent1">
+                            <a:lumMod val="50000"/>
+                          </a:schemeClr>
+                        </a:solidFill>
+                        <a:effectLst/>
+                        <a:latin typeface="Calibri" panose="020F0502020204030204" pitchFamily="34" charset="0"/>
+                        <a:ea typeface="+mn-ea"/>
+                        <a:cs typeface="+mn-cs"/>
+                      </a:endParaRPr>
+                    </a:p>
+                  </a:txBody>
+                  <a:tcPr marL="7620" marR="7620" marT="7620" marB="0" anchor="b"/>
+                </a:tc>
+                <a:tc>
+                  <a:txBody>
+                    <a:bodyPr/>
+                    <a:lstStyle/>
+                    <a:p>
+                      <a:pPr algn="l" fontAlgn="b"/>
+                      <a:endParaRPr lang="en-US" sz="1100" b="0" i="0" u="none" strike="noStrike" dirty="0">
+                        <a:solidFill>
+                          <a:schemeClr val="accent1">
+                            <a:lumMod val="50000"/>
+                          </a:schemeClr>
+                        </a:solidFill>
+                        <a:effectLst/>
+                        <a:latin typeface="Calibri" panose="020F0502020204030204" pitchFamily="34" charset="0"/>
+                      </a:endParaRPr>
+                    </a:p>
+                  </a:txBody>
+                  <a:tcPr marL="7620" marR="7620" marT="7620" marB="0" anchor="b"/>
+                </a:tc>
+                <a:extLst>
+                  <a:ext uri="{0D108BD9-81ED-4DB2-BD59-A6C34878D82A}">
+                    <a16:rowId xmlns:a16="http://schemas.microsoft.com/office/drawing/2014/main" val="1894232362"/>
+                  </a:ext>
+                </a:extLst>
+              </a:tr>
+              <a:tr h="237037">
+                <a:tc>
+                  <a:txBody>
+                    <a:bodyPr/>
+                    <a:lstStyle/>
+                    <a:p>
+                      <a:pPr algn="l" fontAlgn="b"/>
+                      <a:endParaRPr lang="en-US" sz="1100" b="0" i="0" u="none" strike="noStrike" kern="1200" baseline="0" dirty="0">
+                        <a:solidFill>
+                          <a:schemeClr val="accent1">
+                            <a:lumMod val="50000"/>
+                          </a:schemeClr>
+                        </a:solidFill>
+                        <a:effectLst/>
+                        <a:latin typeface="Calibri" panose="020F0502020204030204" pitchFamily="34" charset="0"/>
+                        <a:ea typeface="+mn-ea"/>
+                        <a:cs typeface="+mn-cs"/>
+                      </a:endParaRPr>
+                    </a:p>
+                  </a:txBody>
+                  <a:tcPr marL="7620" marR="7620" marT="7620" marB="0" anchor="b"/>
+                </a:tc>
+                <a:tc>
+                  <a:txBody>
+                    <a:bodyPr/>
+                    <a:lstStyle/>
+                    <a:p>
+                      <a:pPr algn="l" fontAlgn="b"/>
+                      <a:endParaRPr lang="en-US" sz="1100" b="0" i="0" u="none" strike="noStrike" kern="1200" baseline="0" dirty="0">
+                        <a:solidFill>
+                          <a:schemeClr val="accent1">
+                            <a:lumMod val="50000"/>
+                          </a:schemeClr>
+                        </a:solidFill>
+                        <a:effectLst/>
+                        <a:latin typeface="Calibri" panose="020F0502020204030204" pitchFamily="34" charset="0"/>
+                        <a:ea typeface="+mn-ea"/>
+                        <a:cs typeface="+mn-cs"/>
+                      </a:endParaRPr>
+                    </a:p>
+                  </a:txBody>
+                  <a:tcPr marL="7620" marR="7620" marT="7620" marB="0" anchor="b"/>
+                </a:tc>
+                <a:tc>
+                  <a:txBody>
+                    <a:bodyPr/>
+                    <a:lstStyle/>
+                    <a:p>
+                      <a:pPr marL="0" marR="0" lvl="0" indent="0" algn="l" defTabSz="914400" rtl="0" eaLnBrk="1" fontAlgn="b" latinLnBrk="0" hangingPunct="1">
+                        <a:lnSpc>
+                          <a:spcPct val="100000"/>
+                        </a:lnSpc>
+                        <a:spcBef>
+                          <a:spcPts val="0"/>
+                        </a:spcBef>
+                        <a:spcAft>
+                          <a:spcPts val="0"/>
+                        </a:spcAft>
+                        <a:buClrTx/>
+                        <a:buSzTx/>
+                        <a:buFontTx/>
+                        <a:buNone/>
+                        <a:tabLst/>
+                        <a:defRPr/>
+                      </a:pPr>
+                      <a:endParaRPr lang="en-US" sz="1100" b="0" i="0" u="none" strike="noStrike" dirty="0">
+                        <a:solidFill>
+                          <a:srgbClr val="0070C0"/>
+                        </a:solidFill>
+                        <a:effectLst/>
+                        <a:latin typeface="Calibri" panose="020F0502020204030204" pitchFamily="34" charset="0"/>
+                      </a:endParaRPr>
+                    </a:p>
+                  </a:txBody>
+                  <a:tcPr marL="7620" marR="7620" marT="7620" marB="0" anchor="b"/>
+                </a:tc>
+                <a:extLst>
+                  <a:ext uri="{0D108BD9-81ED-4DB2-BD59-A6C34878D82A}">
+                    <a16:rowId xmlns:a16="http://schemas.microsoft.com/office/drawing/2014/main" val="2066418765"/>
+                  </a:ext>
+                </a:extLst>
+              </a:tr>
+            </a:tbl>
+          </a:graphicData>
+        </a:graphic>
+      </p:graphicFrame>
+      <p:sp>
+        <p:nvSpPr>
+          <p:cNvPr id="8" name="Rectangle 7"/>
+          <p:cNvSpPr/>
+          <p:nvPr/>
+        </p:nvSpPr>
+        <p:spPr>
+          <a:xfrm>
+            <a:off x="5589788" y="5936121"/>
+            <a:ext cx="734518" cy="276999"/>
+          </a:xfrm>
+          <a:prstGeom prst="rect">
+            <a:avLst/>
+          </a:prstGeom>
+          <a:noFill/>
+        </p:spPr>
+        <p:txBody>
+          <a:bodyPr wrap="square" lIns="91440" tIns="45720" rIns="91440" bIns="45720">
+            <a:spAutoFit/>
+          </a:bodyPr>
+          <a:lstStyle/>
+          <a:p>
+            <a:pPr algn="ctr"/>
+            <a:r>
+              <a:rPr lang="en-US" sz="1200" b="1" cap="none" spc="0" dirty="0">
+                <a:ln w="6600">
+                  <a:solidFill>
+                    <a:schemeClr val="accent2"/>
+                  </a:solidFill>
+                  <a:prstDash val="solid"/>
+                </a:ln>
+                <a:solidFill>
+                  <a:srgbClr val="FFFFFF"/>
+                </a:solidFill>
+                <a:effectLst>
+                  <a:outerShdw dist="38100" dir="2700000" algn="tl" rotWithShape="0">
+                    <a:schemeClr val="accent2"/>
+                  </a:outerShdw>
+                </a:effectLst>
+              </a:rPr>
+              <a:t>Registry</a:t>
+            </a:r>
+          </a:p>
+        </p:txBody>
+      </p:sp>
+    </p:spTree>
+    <p:extLst>
+      <p:ext uri="{BB962C8B-B14F-4D97-AF65-F5344CB8AC3E}">
+        <p14:creationId xmlns:p14="http://schemas.microsoft.com/office/powerpoint/2010/main" val="3357819977"/>
+      </p:ext>
+    </p:extLst>
+  </p:cSld>
+  <p:clrMapOvr>
+    <a:masterClrMapping/>
+  </p:clrMapOvr>
+</p:sld>
+</file>
+
+<file path=ppt/slides/slide21.xml><?xml version="1.0" encoding="utf-8"?>
+<p:sld xmlns:a="http://schemas.openxmlformats.org/drawingml/2006/main" xmlns:r="http://schemas.openxmlformats.org/officeDocument/2006/relationships" xmlns:p="http://schemas.openxmlformats.org/presentationml/2006/main">
+  <p:cSld>
+    <p:spTree>
+      <p:nvGrpSpPr>
+        <p:cNvPr id="1" name=""/>
+        <p:cNvGrpSpPr/>
+        <p:nvPr/>
+      </p:nvGrpSpPr>
+      <p:grpSpPr>
+        <a:xfrm>
+          <a:off x="0" y="0"/>
+          <a:ext cx="0" cy="0"/>
+          <a:chOff x="0" y="0"/>
+          <a:chExt cx="0" cy="0"/>
+        </a:xfrm>
+      </p:grpSpPr>
+      <p:sp>
+        <p:nvSpPr>
+          <p:cNvPr id="2" name="Title 1"/>
+          <p:cNvSpPr>
+            <a:spLocks noGrp="1"/>
+          </p:cNvSpPr>
+          <p:nvPr>
+            <p:ph type="title"/>
+          </p:nvPr>
+        </p:nvSpPr>
+        <p:spPr>
+          <a:xfrm>
+            <a:off x="776452" y="19985"/>
+            <a:ext cx="10515600" cy="640416"/>
+          </a:xfrm>
+        </p:spPr>
+        <p:txBody>
+          <a:bodyPr>
+            <a:normAutofit/>
+          </a:bodyPr>
+          <a:lstStyle/>
+          <a:p>
+            <a:r>
+              <a:rPr lang="en-US" sz="3600" b="1" i="1" dirty="0">
+                <a:solidFill>
+                  <a:srgbClr val="0070C0"/>
+                </a:solidFill>
+              </a:rPr>
+              <a:t>IRB and Privacy Review Guidance</a:t>
+            </a:r>
+          </a:p>
+        </p:txBody>
+      </p:sp>
+      <p:sp>
+        <p:nvSpPr>
+          <p:cNvPr id="3" name="Content Placeholder 2"/>
+          <p:cNvSpPr>
+            <a:spLocks noGrp="1"/>
+          </p:cNvSpPr>
+          <p:nvPr>
+            <p:ph idx="1"/>
+          </p:nvPr>
+        </p:nvSpPr>
+        <p:spPr>
+          <a:xfrm>
+            <a:off x="88900" y="660402"/>
+            <a:ext cx="12103099" cy="6197598"/>
+          </a:xfrm>
+        </p:spPr>
+        <p:txBody>
+          <a:bodyPr>
+            <a:noAutofit/>
+          </a:bodyPr>
+          <a:lstStyle/>
+          <a:p>
+            <a:r>
+              <a:rPr lang="en-US" sz="2400" dirty="0"/>
+              <a:t>Requests that are preparatory to research must be submitted to the IRB/University Privacy Board for review and approval.</a:t>
+            </a:r>
+          </a:p>
+          <a:p>
+            <a:endParaRPr lang="en-US" sz="2400" dirty="0"/>
+          </a:p>
+          <a:p>
+            <a:r>
+              <a:rPr lang="en-US" sz="2400" dirty="0"/>
+              <a:t>Program Evaluation, CQI, &amp; Feasibility Assessments:</a:t>
+            </a:r>
+          </a:p>
+          <a:p>
+            <a:pPr lvl="1"/>
+            <a:r>
+              <a:rPr lang="en-US" sz="2000" dirty="0"/>
+              <a:t>If PHI is </a:t>
+            </a:r>
+            <a:r>
+              <a:rPr lang="en-US" sz="2000" b="1" u="sng" dirty="0"/>
+              <a:t>NOT</a:t>
+            </a:r>
+            <a:r>
+              <a:rPr lang="en-US" sz="2000" dirty="0"/>
+              <a:t> included, it is generally not considered human subjects research.</a:t>
+            </a:r>
+          </a:p>
+          <a:p>
+            <a:pPr lvl="1"/>
+            <a:r>
+              <a:rPr lang="en-US" sz="2000" dirty="0"/>
+              <a:t>A determination of human subjects research (DHSR) may be submitted to the IRB.</a:t>
+            </a:r>
+          </a:p>
+          <a:p>
+            <a:pPr lvl="1"/>
+            <a:r>
+              <a:rPr lang="en-US" sz="2000" dirty="0"/>
+              <a:t>Aggregate data may be provided without an IRB submission.</a:t>
+            </a:r>
+          </a:p>
+          <a:p>
+            <a:endParaRPr lang="en-US" sz="2400" dirty="0"/>
+          </a:p>
+          <a:p>
+            <a:r>
+              <a:rPr lang="en-US" sz="2400" dirty="0">
+                <a:solidFill>
+                  <a:schemeClr val="bg1">
+                    <a:lumMod val="50000"/>
+                  </a:schemeClr>
+                </a:solidFill>
+              </a:rPr>
+              <a:t>The following activities are </a:t>
+            </a:r>
+            <a:r>
+              <a:rPr lang="en-US" sz="2400" b="1" u="sng" dirty="0">
+                <a:solidFill>
+                  <a:schemeClr val="bg1">
+                    <a:lumMod val="50000"/>
+                  </a:schemeClr>
+                </a:solidFill>
+              </a:rPr>
+              <a:t>NOT</a:t>
+            </a:r>
+            <a:r>
+              <a:rPr lang="en-US" sz="2400" dirty="0">
+                <a:solidFill>
+                  <a:schemeClr val="bg1">
+                    <a:lumMod val="50000"/>
+                  </a:schemeClr>
+                </a:solidFill>
+              </a:rPr>
+              <a:t> human subjects research:</a:t>
+            </a:r>
+          </a:p>
+          <a:p>
+            <a:pPr lvl="1"/>
+            <a:r>
+              <a:rPr lang="en-US" sz="2000" dirty="0">
+                <a:solidFill>
+                  <a:schemeClr val="bg1">
+                    <a:lumMod val="50000"/>
+                  </a:schemeClr>
+                </a:solidFill>
+              </a:rPr>
+              <a:t>Classroom evaluation activities when assessment involves regular classroom activities and the results of the evaluation process are intended to be used for the sole purpose of enhancing teaching practices of the instructor</a:t>
+            </a:r>
+          </a:p>
+          <a:p>
+            <a:pPr lvl="1"/>
+            <a:r>
+              <a:rPr lang="en-US" sz="2000" dirty="0">
+                <a:solidFill>
+                  <a:schemeClr val="bg1">
+                    <a:lumMod val="50000"/>
+                  </a:schemeClr>
+                </a:solidFill>
+              </a:rPr>
+              <a:t>Quality improvement activities designed to enhance functionality of a department or campus program provided that results are not intended to be shared outside of the University</a:t>
+            </a:r>
+          </a:p>
+          <a:p>
+            <a:pPr lvl="1"/>
+            <a:r>
+              <a:rPr lang="en-US" sz="2000" dirty="0">
+                <a:solidFill>
+                  <a:schemeClr val="bg1">
+                    <a:lumMod val="50000"/>
+                  </a:schemeClr>
+                </a:solidFill>
+              </a:rPr>
+              <a:t>Program evaluations</a:t>
+            </a:r>
+          </a:p>
+          <a:p>
+            <a:pPr lvl="1"/>
+            <a:r>
+              <a:rPr lang="en-US" sz="2000" dirty="0">
+                <a:solidFill>
+                  <a:schemeClr val="bg1">
+                    <a:lumMod val="50000"/>
+                  </a:schemeClr>
+                </a:solidFill>
+              </a:rPr>
+              <a:t>Public health practice surveillance activities</a:t>
+            </a:r>
+          </a:p>
+        </p:txBody>
+      </p:sp>
+    </p:spTree>
+    <p:extLst>
+      <p:ext uri="{BB962C8B-B14F-4D97-AF65-F5344CB8AC3E}">
+        <p14:creationId xmlns:p14="http://schemas.microsoft.com/office/powerpoint/2010/main" val="1045530161"/>
+      </p:ext>
+    </p:extLst>
+  </p:cSld>
+  <p:clrMapOvr>
+    <a:masterClrMapping/>
+  </p:clrMapOvr>
+</p:sld>
+</file>
+
+<file path=ppt/slides/slide22.xml><?xml version="1.0" encoding="utf-8"?>
 <p:sld xmlns:a="http://schemas.openxmlformats.org/drawingml/2006/main" xmlns:r="http://schemas.openxmlformats.org/officeDocument/2006/relationships" xmlns:p="http://schemas.openxmlformats.org/presentationml/2006/main">
   <p:cSld>
     <p:spTree>
@@ -26914,7 +27219,7 @@
 </p:sld>
 </file>
 
-<file path=ppt/slides/slide21.xml><?xml version="1.0" encoding="utf-8"?>
+<file path=ppt/slides/slide23.xml><?xml version="1.0" encoding="utf-8"?>
 <p:sld xmlns:a="http://schemas.openxmlformats.org/drawingml/2006/main" xmlns:r="http://schemas.openxmlformats.org/officeDocument/2006/relationships" xmlns:p="http://schemas.openxmlformats.org/presentationml/2006/main">
   <p:cSld>
     <p:spTree>
@@ -27094,7 +27399,7 @@
 </p:sld>
 </file>
 
-<file path=ppt/slides/slide22.xml><?xml version="1.0" encoding="utf-8"?>
+<file path=ppt/slides/slide24.xml><?xml version="1.0" encoding="utf-8"?>
 <p:sld xmlns:a="http://schemas.openxmlformats.org/drawingml/2006/main" xmlns:r="http://schemas.openxmlformats.org/officeDocument/2006/relationships" xmlns:p="http://schemas.openxmlformats.org/presentationml/2006/main">
   <p:cSld>
     <p:spTree>
@@ -27205,7 +27510,7 @@
 </p:sld>
 </file>
 
-<file path=ppt/slides/slide23.xml><?xml version="1.0" encoding="utf-8"?>
+<file path=ppt/slides/slide25.xml><?xml version="1.0" encoding="utf-8"?>
 <p:sld xmlns:a="http://schemas.openxmlformats.org/drawingml/2006/main" xmlns:r="http://schemas.openxmlformats.org/officeDocument/2006/relationships" xmlns:p="http://schemas.openxmlformats.org/presentationml/2006/main">
   <p:cSld>
     <p:spTree>
@@ -27448,7 +27753,7 @@
 </p:sld>
 </file>
 
-<file path=ppt/slides/slide24.xml><?xml version="1.0" encoding="utf-8"?>
+<file path=ppt/slides/slide26.xml><?xml version="1.0" encoding="utf-8"?>
 <p:sld xmlns:a="http://schemas.openxmlformats.org/drawingml/2006/main" xmlns:r="http://schemas.openxmlformats.org/officeDocument/2006/relationships" xmlns:p="http://schemas.openxmlformats.org/presentationml/2006/main">
   <p:cSld>
     <p:spTree>
@@ -27633,7 +27938,7 @@
 </p:sld>
 </file>
 
-<file path=ppt/slides/slide25.xml><?xml version="1.0" encoding="utf-8"?>
+<file path=ppt/slides/slide27.xml><?xml version="1.0" encoding="utf-8"?>
 <p:sld xmlns:a="http://schemas.openxmlformats.org/drawingml/2006/main" xmlns:r="http://schemas.openxmlformats.org/officeDocument/2006/relationships" xmlns:p="http://schemas.openxmlformats.org/presentationml/2006/main">
   <p:cSld>
     <p:spTree>
@@ -27679,23 +27984,7 @@
                   <a:srgbClr val="0070C0"/>
                 </a:solidFill>
               </a:rPr>
-              <a:t>Establish Thresholds for </a:t>
-            </a:r>
-            <a:r>
-              <a:rPr lang="en-US" b="1" i="1" dirty="0" smtClean="0">
-                <a:solidFill>
-                  <a:srgbClr val="0070C0"/>
-                </a:solidFill>
-              </a:rPr>
-              <a:t>Tier 2 Governance </a:t>
-            </a:r>
-            <a:r>
-              <a:rPr lang="en-US" b="1" i="1" dirty="0">
-                <a:solidFill>
-                  <a:srgbClr val="0070C0"/>
-                </a:solidFill>
-              </a:rPr>
-              <a:t>Review</a:t>
+              <a:t>Establish Thresholds for Tier 2 Governance Review</a:t>
             </a:r>
           </a:p>
         </p:txBody>
@@ -27726,16 +28015,8 @@
               <a:buNone/>
             </a:pPr>
             <a:r>
-              <a:rPr lang="en-US" dirty="0" smtClean="0"/>
-              <a:t>All </a:t>
-            </a:r>
-            <a:r>
               <a:rPr lang="en-US" dirty="0"/>
-              <a:t>CRDW requests must be submitted to the IRB, but some may warrant additional review by this board. Our proposed thresholds are</a:t>
-            </a:r>
-            <a:r>
-              <a:rPr lang="en-US" dirty="0" smtClean="0"/>
-              <a:t>:</a:t>
+              <a:t>All CRDW requests must be submitted to the IRB, but some may warrant additional review by this board. Our proposed thresholds are:</a:t>
             </a:r>
           </a:p>
           <a:p>
@@ -27751,19 +28032,7 @@
             </a:pPr>
             <a:r>
               <a:rPr lang="en-US" dirty="0"/>
-              <a:t>Count of included patients </a:t>
-            </a:r>
-            <a:r>
-              <a:rPr lang="en-US" dirty="0" smtClean="0"/>
-              <a:t>exceeds </a:t>
-            </a:r>
-            <a:r>
-              <a:rPr lang="en-US" dirty="0"/>
-              <a:t>10,000, </a:t>
-            </a:r>
-            <a:r>
-              <a:rPr lang="en-US" dirty="0" smtClean="0"/>
-              <a:t>or</a:t>
+              <a:t>Count of included patients exceeds 10,000, or</a:t>
             </a:r>
           </a:p>
           <a:p>
@@ -27772,22 +28041,14 @@
               <a:buAutoNum type="arabicPeriod"/>
             </a:pPr>
             <a:r>
-              <a:rPr lang="en-US" sz="2800" dirty="0" smtClean="0"/>
-              <a:t>PI requests a </a:t>
-            </a:r>
-            <a:r>
               <a:rPr lang="en-US" sz="2800" dirty="0"/>
-              <a:t>new method for delivery of PHI </a:t>
-            </a:r>
-            <a:r>
-              <a:rPr lang="en-US" sz="2800" dirty="0" smtClean="0"/>
-              <a:t/>
+              <a:t>PI requests a new method for delivery of PHI </a:t>
             </a:r>
             <a:br>
-              <a:rPr lang="en-US" sz="2800" dirty="0" smtClean="0"/>
+              <a:rPr lang="en-US" sz="2800" dirty="0"/>
             </a:br>
             <a:r>
-              <a:rPr lang="en-US" sz="2800" dirty="0" smtClean="0"/>
+              <a:rPr lang="en-US" sz="2800" dirty="0"/>
               <a:t>(</a:t>
             </a:r>
             <a:r>
@@ -27796,11 +28057,7 @@
             </a:r>
             <a:r>
               <a:rPr lang="en-US" sz="2800" dirty="0"/>
-              <a:t>, automated exports to a new OSDH FTP server), </a:t>
-            </a:r>
-            <a:r>
-              <a:rPr lang="en-US" sz="2800" dirty="0" smtClean="0"/>
-              <a:t>or</a:t>
+              <a:t>, automated exports to a new OSDH FTP server), or</a:t>
             </a:r>
           </a:p>
           <a:p>
@@ -27809,16 +28066,8 @@
               <a:buAutoNum type="arabicPeriod"/>
             </a:pPr>
             <a:r>
-              <a:rPr lang="en-US" sz="2800" dirty="0" smtClean="0"/>
-              <a:t>Recipients </a:t>
-            </a:r>
-            <a:r>
               <a:rPr lang="en-US" sz="2800" dirty="0"/>
-              <a:t>of PHI are external to OUHSC, </a:t>
-            </a:r>
-            <a:r>
-              <a:rPr lang="en-US" sz="2800" dirty="0" smtClean="0"/>
-              <a:t>or</a:t>
+              <a:t>Recipients of PHI are external to OUHSC, or</a:t>
             </a:r>
           </a:p>
           <a:p>
@@ -27827,20 +28076,8 @@
               <a:buAutoNum type="arabicPeriod"/>
             </a:pPr>
             <a:r>
-              <a:rPr lang="en-US" sz="2800" dirty="0" smtClean="0"/>
-              <a:t>CRDW </a:t>
-            </a:r>
-            <a:r>
               <a:rPr lang="en-US" sz="2800" dirty="0"/>
-              <a:t>team has concerns about broad language in the protocol </a:t>
-            </a:r>
-            <a:r>
-              <a:rPr lang="en-US" sz="2800" dirty="0" smtClean="0"/>
-              <a:t>or </a:t>
-            </a:r>
-            <a:r>
-              <a:rPr lang="en-US" sz="2800" dirty="0"/>
-              <a:t>study application (</a:t>
+              <a:t>CRDW team has concerns about broad language in the protocol or study application (</a:t>
             </a:r>
             <a:r>
               <a:rPr lang="en-US" sz="2800" i="1" dirty="0"/>
@@ -27848,11 +28085,7 @@
             </a:r>
             <a:r>
               <a:rPr lang="en-US" sz="2800" dirty="0"/>
-              <a:t>, “relevant medical history”, “clinical documentation”, “outcomes”), </a:t>
-            </a:r>
-            <a:r>
-              <a:rPr lang="en-US" sz="2800" dirty="0" smtClean="0"/>
-              <a:t>or</a:t>
+              <a:t>, “relevant medical history”, “clinical documentation”, “outcomes”), or</a:t>
             </a:r>
           </a:p>
           <a:p>
@@ -27861,16 +28094,8 @@
               <a:buAutoNum type="arabicPeriod"/>
             </a:pPr>
             <a:r>
-              <a:rPr lang="en-US" sz="2800" dirty="0" smtClean="0"/>
-              <a:t>Extracted CRDW dataset contributes to a registry (</a:t>
-            </a:r>
-            <a:r>
               <a:rPr lang="en-US" sz="2800" dirty="0"/>
-              <a:t>internal </a:t>
-            </a:r>
-            <a:r>
-              <a:rPr lang="en-US" sz="2800" dirty="0" smtClean="0"/>
-              <a:t>or multi-site).</a:t>
+              <a:t>Extracted CRDW dataset contributes to a registry (internal or multi-site).</a:t>
             </a:r>
           </a:p>
           <a:p>
@@ -27879,7 +28104,7 @@
               <a:buAutoNum type="arabicPeriod"/>
             </a:pPr>
             <a:r>
-              <a:rPr lang="en-US" sz="2800" dirty="0" smtClean="0">
+              <a:rPr lang="en-US" sz="2800" dirty="0">
                 <a:solidFill>
                   <a:srgbClr val="0070C0"/>
                 </a:solidFill>
@@ -27894,7 +28119,7 @@
               </a:spcBef>
               <a:buNone/>
             </a:pPr>
-            <a:endParaRPr lang="en-US" sz="2800" dirty="0" smtClean="0">
+            <a:endParaRPr lang="en-US" sz="2800" dirty="0">
               <a:solidFill>
                 <a:srgbClr val="0070C0"/>
               </a:solidFill>
@@ -27908,7 +28133,7 @@
               <a:buNone/>
             </a:pPr>
             <a:r>
-              <a:rPr lang="en-US" sz="2800" dirty="0" smtClean="0"/>
+              <a:rPr lang="en-US" sz="2800" dirty="0"/>
               <a:t>If so, how can organize these additional reviews to avoid delays post-IRB approval?</a:t>
             </a:r>
           </a:p>
@@ -27919,15 +28144,15 @@
               </a:spcBef>
             </a:pPr>
             <a:r>
-              <a:rPr lang="en-US" sz="2800" dirty="0" smtClean="0"/>
+              <a:rPr lang="en-US" sz="2800" dirty="0"/>
               <a:t>For example, a checkbox in </a:t>
             </a:r>
             <a:r>
-              <a:rPr lang="en-US" sz="2800" dirty="0" err="1" smtClean="0"/>
+              <a:rPr lang="en-US" sz="2800" dirty="0" err="1"/>
               <a:t>iRIS</a:t>
             </a:r>
             <a:r>
-              <a:rPr lang="en-US" sz="2800" dirty="0" smtClean="0"/>
+              <a:rPr lang="en-US" sz="2800" dirty="0"/>
               <a:t> for each threshold triggers the review submission</a:t>
             </a:r>
           </a:p>
@@ -27946,7 +28171,7 @@
 </p:sld>
 </file>
 
-<file path=ppt/slides/slide26.xml><?xml version="1.0" encoding="utf-8"?>
+<file path=ppt/slides/slide28.xml><?xml version="1.0" encoding="utf-8"?>
 <p:sld xmlns:a="http://schemas.openxmlformats.org/drawingml/2006/main" xmlns:r="http://schemas.openxmlformats.org/officeDocument/2006/relationships" xmlns:p="http://schemas.openxmlformats.org/presentationml/2006/main">
   <p:cSld>
     <p:spTree>
@@ -28118,7 +28343,7 @@
 </p:sld>
 </file>
 
-<file path=ppt/slides/slide27.xml><?xml version="1.0" encoding="utf-8"?>
+<file path=ppt/slides/slide29.xml><?xml version="1.0" encoding="utf-8"?>
 <p:sld xmlns:a="http://schemas.openxmlformats.org/drawingml/2006/main" xmlns:r="http://schemas.openxmlformats.org/officeDocument/2006/relationships" xmlns:p="http://schemas.openxmlformats.org/presentationml/2006/main">
   <p:cSld>
     <p:spTree>
@@ -28430,300 +28655,6 @@
 </p:sld>
 </file>
 
-<file path=ppt/slides/slide28.xml><?xml version="1.0" encoding="utf-8"?>
-<p:sld xmlns:a="http://schemas.openxmlformats.org/drawingml/2006/main" xmlns:r="http://schemas.openxmlformats.org/officeDocument/2006/relationships" xmlns:p="http://schemas.openxmlformats.org/presentationml/2006/main">
-  <p:cSld>
-    <p:spTree>
-      <p:nvGrpSpPr>
-        <p:cNvPr id="1" name=""/>
-        <p:cNvGrpSpPr/>
-        <p:nvPr/>
-      </p:nvGrpSpPr>
-      <p:grpSpPr>
-        <a:xfrm>
-          <a:off x="0" y="0"/>
-          <a:ext cx="0" cy="0"/>
-          <a:chOff x="0" y="0"/>
-          <a:chExt cx="0" cy="0"/>
-        </a:xfrm>
-      </p:grpSpPr>
-      <p:sp>
-        <p:nvSpPr>
-          <p:cNvPr id="2" name="Title 1"/>
-          <p:cNvSpPr>
-            <a:spLocks noGrp="1"/>
-          </p:cNvSpPr>
-          <p:nvPr>
-            <p:ph type="title"/>
-          </p:nvPr>
-        </p:nvSpPr>
-        <p:spPr>
-          <a:xfrm>
-            <a:off x="565151" y="70785"/>
-            <a:ext cx="10515600" cy="640416"/>
-          </a:xfrm>
-        </p:spPr>
-        <p:txBody>
-          <a:bodyPr>
-            <a:normAutofit/>
-          </a:bodyPr>
-          <a:lstStyle/>
-          <a:p>
-            <a:r>
-              <a:rPr lang="en-US" sz="3600" b="1" i="1" dirty="0" smtClean="0">
-                <a:solidFill>
-                  <a:srgbClr val="0070C0"/>
-                </a:solidFill>
-              </a:rPr>
-              <a:t>Requested Resources to Further Develop the CRDW</a:t>
-            </a:r>
-            <a:endParaRPr lang="en-US" sz="3600" b="1" i="1" dirty="0">
-              <a:solidFill>
-                <a:srgbClr val="0070C0"/>
-              </a:solidFill>
-            </a:endParaRPr>
-          </a:p>
-        </p:txBody>
-      </p:sp>
-      <p:sp>
-        <p:nvSpPr>
-          <p:cNvPr id="3" name="Content Placeholder 2"/>
-          <p:cNvSpPr>
-            <a:spLocks noGrp="1"/>
-          </p:cNvSpPr>
-          <p:nvPr>
-            <p:ph idx="1"/>
-          </p:nvPr>
-        </p:nvSpPr>
-        <p:spPr>
-          <a:xfrm>
-            <a:off x="565151" y="768351"/>
-            <a:ext cx="10814050" cy="5918200"/>
-          </a:xfrm>
-        </p:spPr>
-        <p:txBody>
-          <a:bodyPr>
-            <a:noAutofit/>
-          </a:bodyPr>
-          <a:lstStyle/>
-          <a:p>
-            <a:pPr marL="457200" lvl="1" indent="-457200">
-              <a:buFont typeface="+mj-lt"/>
-              <a:buAutoNum type="arabicPeriod"/>
-            </a:pPr>
-            <a:r>
-              <a:rPr lang="en-US" sz="2200" dirty="0"/>
-              <a:t>Ideally, IRB would implement a procedure to allow for CDRW upon initial approval without adding staff to KSP (e.g., a check-box on the application indicating use of CDRW to obtain data</a:t>
-            </a:r>
-            <a:r>
-              <a:rPr lang="en-US" sz="2200" dirty="0" smtClean="0"/>
-              <a:t>).</a:t>
-            </a:r>
-            <a:endParaRPr lang="en-US" sz="2200" dirty="0"/>
-          </a:p>
-          <a:p>
-            <a:pPr marL="457200" lvl="1" indent="-457200">
-              <a:buFont typeface="+mj-lt"/>
-              <a:buAutoNum type="arabicPeriod"/>
-            </a:pPr>
-            <a:r>
-              <a:rPr lang="en-US" sz="2200" dirty="0" smtClean="0"/>
-              <a:t>Routine meetings </a:t>
-            </a:r>
-            <a:r>
-              <a:rPr lang="en-US" sz="2200" dirty="0"/>
-              <a:t>with an OUM Clinical Information Specialist / Application Analyst (someone like Megan Posada</a:t>
-            </a:r>
-            <a:r>
-              <a:rPr lang="en-US" sz="2200" dirty="0" smtClean="0"/>
-              <a:t>). </a:t>
-            </a:r>
-            <a:endParaRPr lang="en-US" sz="2200" dirty="0"/>
-          </a:p>
-          <a:p>
-            <a:pPr marL="457200" lvl="1" indent="-457200">
-              <a:buFont typeface="+mj-lt"/>
-              <a:buAutoNum type="arabicPeriod"/>
-            </a:pPr>
-            <a:r>
-              <a:rPr lang="en-US" sz="2200" dirty="0"/>
-              <a:t>We would like read-only access to the other Meditech warehouse (being developed by </a:t>
-            </a:r>
-            <a:r>
-              <a:rPr lang="en-US" sz="2200" dirty="0" err="1"/>
-              <a:t>CereCore</a:t>
-            </a:r>
-            <a:r>
-              <a:rPr lang="en-US" sz="2200" dirty="0"/>
-              <a:t>).  This would help validate our version of the warehouse, and occasionally fill-in holes for requests not covered by our research-focused warehouse</a:t>
-            </a:r>
-            <a:r>
-              <a:rPr lang="en-US" sz="2200" dirty="0" smtClean="0"/>
-              <a:t>. </a:t>
-            </a:r>
-          </a:p>
-          <a:p>
-            <a:pPr marL="457200" lvl="1" indent="-457200">
-              <a:buFont typeface="+mj-lt"/>
-              <a:buAutoNum type="arabicPeriod"/>
-            </a:pPr>
-            <a:r>
-              <a:rPr lang="en-US" sz="2200" dirty="0" smtClean="0"/>
-              <a:t>Ticketing </a:t>
-            </a:r>
-            <a:r>
-              <a:rPr lang="en-US" sz="2200" dirty="0"/>
-              <a:t>system to manage incoming CRDW requests</a:t>
-            </a:r>
-          </a:p>
-          <a:p>
-            <a:pPr marL="457200" lvl="1" indent="-457200">
-              <a:buFont typeface="+mj-lt"/>
-              <a:buAutoNum type="arabicPeriod"/>
-            </a:pPr>
-            <a:r>
-              <a:rPr lang="en-US" sz="2200" dirty="0" smtClean="0"/>
-              <a:t>OMOP’s </a:t>
-            </a:r>
-            <a:r>
-              <a:rPr lang="en-US" sz="2200" dirty="0"/>
-              <a:t>Atlas Reporting Tool (</a:t>
-            </a:r>
-            <a:r>
-              <a:rPr lang="en-US" sz="2200" dirty="0">
-                <a:hlinkClick r:id="rId3"/>
-              </a:rPr>
-              <a:t>https://www.ohdsi.org/atlas-a-unified-interface-for-the-ohdsi-tools</a:t>
-            </a:r>
-            <a:r>
-              <a:rPr lang="en-US" sz="2200" dirty="0" smtClean="0">
-                <a:hlinkClick r:id="rId3"/>
-              </a:rPr>
-              <a:t>/</a:t>
-            </a:r>
-            <a:r>
-              <a:rPr lang="en-US" sz="2200" dirty="0" smtClean="0"/>
-              <a:t>) </a:t>
-            </a:r>
-            <a:endParaRPr lang="en-US" sz="2200" dirty="0"/>
-          </a:p>
-          <a:p>
-            <a:pPr marL="457200" lvl="1" indent="-457200">
-              <a:buFont typeface="+mj-lt"/>
-              <a:buAutoNum type="arabicPeriod"/>
-            </a:pPr>
-            <a:r>
-              <a:rPr lang="en-US" sz="2200" dirty="0" err="1"/>
-              <a:t>TriNetX</a:t>
-            </a:r>
-            <a:r>
-              <a:rPr lang="en-US" sz="2200" dirty="0"/>
-              <a:t> (</a:t>
-            </a:r>
-            <a:r>
-              <a:rPr lang="en-US" sz="2200" dirty="0">
-                <a:hlinkClick r:id="rId4"/>
-              </a:rPr>
-              <a:t>https://trinetx.com</a:t>
-            </a:r>
-            <a:r>
-              <a:rPr lang="en-US" sz="2200" dirty="0" smtClean="0">
-                <a:hlinkClick r:id="rId4"/>
-              </a:rPr>
-              <a:t>/</a:t>
-            </a:r>
-            <a:r>
-              <a:rPr lang="en-US" sz="2200" dirty="0" smtClean="0"/>
-              <a:t>)</a:t>
-            </a:r>
-            <a:endParaRPr lang="en-US" sz="2200" dirty="0"/>
-          </a:p>
-          <a:p>
-            <a:pPr marL="457200" lvl="1" indent="-457200">
-              <a:buFont typeface="+mj-lt"/>
-              <a:buAutoNum type="arabicPeriod"/>
-            </a:pPr>
-            <a:r>
-              <a:rPr lang="en-US" sz="2200" dirty="0"/>
-              <a:t>Spark (</a:t>
-            </a:r>
-            <a:r>
-              <a:rPr lang="en-US" sz="2200" dirty="0">
-                <a:hlinkClick r:id="rId5"/>
-              </a:rPr>
-              <a:t>https://spark.apache.org</a:t>
-            </a:r>
-            <a:r>
-              <a:rPr lang="en-US" sz="2200" dirty="0" smtClean="0">
-                <a:hlinkClick r:id="rId5"/>
-              </a:rPr>
-              <a:t>/</a:t>
-            </a:r>
-            <a:r>
-              <a:rPr lang="en-US" sz="2200" dirty="0" smtClean="0"/>
-              <a:t>)</a:t>
-            </a:r>
-          </a:p>
-          <a:p>
-            <a:pPr marL="457200" lvl="1" indent="-457200">
-              <a:buFontTx/>
-              <a:buChar char="-"/>
-            </a:pPr>
-            <a:endParaRPr lang="en-US" sz="2200" dirty="0" smtClean="0"/>
-          </a:p>
-          <a:p>
-            <a:pPr marL="457200" lvl="1" indent="-457200">
-              <a:buFontTx/>
-              <a:buChar char="-"/>
-            </a:pPr>
-            <a:r>
-              <a:rPr lang="en-US" sz="2200" dirty="0" smtClean="0"/>
-              <a:t>Completed:</a:t>
-            </a:r>
-            <a:endParaRPr lang="en-US" sz="2200" dirty="0"/>
-          </a:p>
-          <a:p>
-            <a:pPr marL="914400" lvl="2" indent="-457200">
-              <a:buFontTx/>
-              <a:buChar char="-"/>
-            </a:pPr>
-            <a:r>
-              <a:rPr lang="en-US" dirty="0">
-                <a:solidFill>
-                  <a:schemeClr val="bg1">
-                    <a:lumMod val="50000"/>
-                  </a:schemeClr>
-                </a:solidFill>
-              </a:rPr>
-              <a:t>Meditech Compiled HTML </a:t>
-            </a:r>
-            <a:r>
-              <a:rPr lang="en-US" dirty="0" smtClean="0">
-                <a:solidFill>
-                  <a:schemeClr val="bg1">
-                    <a:lumMod val="50000"/>
-                  </a:schemeClr>
-                </a:solidFill>
-              </a:rPr>
-              <a:t>Help</a:t>
-            </a:r>
-            <a:endParaRPr lang="en-US" sz="2800" dirty="0"/>
-          </a:p>
-        </p:txBody>
-      </p:sp>
-    </p:spTree>
-    <p:extLst>
-      <p:ext uri="{BB962C8B-B14F-4D97-AF65-F5344CB8AC3E}">
-        <p14:creationId xmlns:p14="http://schemas.microsoft.com/office/powerpoint/2010/main" val="3479593431"/>
-      </p:ext>
-    </p:extLst>
-  </p:cSld>
-  <p:clrMapOvr>
-    <a:masterClrMapping/>
-  </p:clrMapOvr>
-</p:sld>
-</file>
-
 <file path=ppt/slides/slide3.xml><?xml version="1.0" encoding="utf-8"?>
 <p:sld xmlns:a="http://schemas.openxmlformats.org/drawingml/2006/main" xmlns:r="http://schemas.openxmlformats.org/officeDocument/2006/relationships" xmlns:p="http://schemas.openxmlformats.org/presentationml/2006/main">
   <p:cSld>
@@ -28999,6 +28930,238 @@
     <p:extLst>
       <p:ext uri="{BB962C8B-B14F-4D97-AF65-F5344CB8AC3E}">
         <p14:creationId xmlns:p14="http://schemas.microsoft.com/office/powerpoint/2010/main" val="2124685461"/>
+      </p:ext>
+    </p:extLst>
+  </p:cSld>
+  <p:clrMapOvr>
+    <a:masterClrMapping/>
+  </p:clrMapOvr>
+</p:sld>
+</file>
+
+<file path=ppt/slides/slide30.xml><?xml version="1.0" encoding="utf-8"?>
+<p:sld xmlns:a="http://schemas.openxmlformats.org/drawingml/2006/main" xmlns:r="http://schemas.openxmlformats.org/officeDocument/2006/relationships" xmlns:p="http://schemas.openxmlformats.org/presentationml/2006/main">
+  <p:cSld>
+    <p:spTree>
+      <p:nvGrpSpPr>
+        <p:cNvPr id="1" name=""/>
+        <p:cNvGrpSpPr/>
+        <p:nvPr/>
+      </p:nvGrpSpPr>
+      <p:grpSpPr>
+        <a:xfrm>
+          <a:off x="0" y="0"/>
+          <a:ext cx="0" cy="0"/>
+          <a:chOff x="0" y="0"/>
+          <a:chExt cx="0" cy="0"/>
+        </a:xfrm>
+      </p:grpSpPr>
+      <p:sp>
+        <p:nvSpPr>
+          <p:cNvPr id="2" name="Title 1"/>
+          <p:cNvSpPr>
+            <a:spLocks noGrp="1"/>
+          </p:cNvSpPr>
+          <p:nvPr>
+            <p:ph type="title"/>
+          </p:nvPr>
+        </p:nvSpPr>
+        <p:spPr>
+          <a:xfrm>
+            <a:off x="565151" y="70785"/>
+            <a:ext cx="10515600" cy="640416"/>
+          </a:xfrm>
+        </p:spPr>
+        <p:txBody>
+          <a:bodyPr>
+            <a:normAutofit/>
+          </a:bodyPr>
+          <a:lstStyle/>
+          <a:p>
+            <a:r>
+              <a:rPr lang="en-US" sz="3600" b="1" i="1" dirty="0">
+                <a:solidFill>
+                  <a:srgbClr val="0070C0"/>
+                </a:solidFill>
+              </a:rPr>
+              <a:t>Requested Resources to Further Develop the CRDW</a:t>
+            </a:r>
+          </a:p>
+        </p:txBody>
+      </p:sp>
+      <p:sp>
+        <p:nvSpPr>
+          <p:cNvPr id="3" name="Content Placeholder 2"/>
+          <p:cNvSpPr>
+            <a:spLocks noGrp="1"/>
+          </p:cNvSpPr>
+          <p:nvPr>
+            <p:ph idx="1"/>
+          </p:nvPr>
+        </p:nvSpPr>
+        <p:spPr>
+          <a:xfrm>
+            <a:off x="565151" y="768351"/>
+            <a:ext cx="10814050" cy="5918200"/>
+          </a:xfrm>
+        </p:spPr>
+        <p:txBody>
+          <a:bodyPr>
+            <a:noAutofit/>
+          </a:bodyPr>
+          <a:lstStyle/>
+          <a:p>
+            <a:pPr marL="457200" lvl="1" indent="-457200">
+              <a:buFont typeface="+mj-lt"/>
+              <a:buAutoNum type="arabicPeriod"/>
+            </a:pPr>
+            <a:r>
+              <a:rPr lang="en-US" sz="2200" dirty="0"/>
+              <a:t>Ideally, IRB would implement a procedure to allow for CDRW upon initial approval without adding staff to KSP (e.g., a check-box on the application indicating use of CDRW to obtain data).</a:t>
+            </a:r>
+          </a:p>
+          <a:p>
+            <a:pPr marL="457200" lvl="1" indent="-457200">
+              <a:buFont typeface="+mj-lt"/>
+              <a:buAutoNum type="arabicPeriod"/>
+            </a:pPr>
+            <a:r>
+              <a:rPr lang="en-US" sz="2200" dirty="0"/>
+              <a:t>Routine meetings with an OUM Clinical Information Specialist / Application Analyst (someone like Megan Posada). </a:t>
+            </a:r>
+          </a:p>
+          <a:p>
+            <a:pPr marL="457200" lvl="1" indent="-457200">
+              <a:buFont typeface="+mj-lt"/>
+              <a:buAutoNum type="arabicPeriod"/>
+            </a:pPr>
+            <a:r>
+              <a:rPr lang="en-US" sz="2200" dirty="0"/>
+              <a:t>We would like read-only access to the other Meditech warehouse (being developed by </a:t>
+            </a:r>
+            <a:r>
+              <a:rPr lang="en-US" sz="2200" dirty="0" err="1"/>
+              <a:t>CereCore</a:t>
+            </a:r>
+            <a:r>
+              <a:rPr lang="en-US" sz="2200" dirty="0"/>
+              <a:t>).  This would help validate our version of the warehouse, and occasionally fill-in holes for requests not covered by our research-focused warehouse. </a:t>
+            </a:r>
+          </a:p>
+          <a:p>
+            <a:pPr marL="457200" lvl="1" indent="-457200">
+              <a:buFont typeface="+mj-lt"/>
+              <a:buAutoNum type="arabicPeriod"/>
+            </a:pPr>
+            <a:r>
+              <a:rPr lang="en-US" sz="2200" dirty="0"/>
+              <a:t>Ticketing system to manage incoming CRDW requests</a:t>
+            </a:r>
+          </a:p>
+          <a:p>
+            <a:pPr marL="457200" lvl="1" indent="-457200">
+              <a:buFont typeface="+mj-lt"/>
+              <a:buAutoNum type="arabicPeriod"/>
+            </a:pPr>
+            <a:r>
+              <a:rPr lang="en-US" sz="2200" dirty="0"/>
+              <a:t>OMOP’s Atlas Reporting Tool (</a:t>
+            </a:r>
+            <a:r>
+              <a:rPr lang="en-US" sz="2200" dirty="0">
+                <a:hlinkClick r:id="rId3"/>
+              </a:rPr>
+              <a:t>https://www.ohdsi.org/atlas-a-unified-interface-for-the-ohdsi-tools/</a:t>
+            </a:r>
+            <a:r>
+              <a:rPr lang="en-US" sz="2200" dirty="0"/>
+              <a:t>) </a:t>
+            </a:r>
+          </a:p>
+          <a:p>
+            <a:pPr marL="457200" lvl="1" indent="-457200">
+              <a:buFont typeface="+mj-lt"/>
+              <a:buAutoNum type="arabicPeriod"/>
+            </a:pPr>
+            <a:r>
+              <a:rPr lang="en-US" sz="2200" dirty="0" err="1"/>
+              <a:t>TriNetX</a:t>
+            </a:r>
+            <a:r>
+              <a:rPr lang="en-US" sz="2200" dirty="0"/>
+              <a:t> (</a:t>
+            </a:r>
+            <a:r>
+              <a:rPr lang="en-US" sz="2200" dirty="0">
+                <a:hlinkClick r:id="rId4"/>
+              </a:rPr>
+              <a:t>https://trinetx.com/</a:t>
+            </a:r>
+            <a:r>
+              <a:rPr lang="en-US" sz="2200" dirty="0"/>
+              <a:t>)</a:t>
+            </a:r>
+          </a:p>
+          <a:p>
+            <a:pPr marL="457200" lvl="1" indent="-457200">
+              <a:buFont typeface="+mj-lt"/>
+              <a:buAutoNum type="arabicPeriod"/>
+            </a:pPr>
+            <a:r>
+              <a:rPr lang="en-US" sz="2200" dirty="0"/>
+              <a:t>Spark (</a:t>
+            </a:r>
+            <a:r>
+              <a:rPr lang="en-US" sz="2200" dirty="0">
+                <a:hlinkClick r:id="rId5"/>
+              </a:rPr>
+              <a:t>https://spark.apache.org/</a:t>
+            </a:r>
+            <a:r>
+              <a:rPr lang="en-US" sz="2200" dirty="0"/>
+              <a:t>)</a:t>
+            </a:r>
+          </a:p>
+          <a:p>
+            <a:pPr marL="457200" lvl="1" indent="-457200">
+              <a:buFontTx/>
+              <a:buChar char="-"/>
+            </a:pPr>
+            <a:endParaRPr lang="en-US" sz="2200" dirty="0"/>
+          </a:p>
+          <a:p>
+            <a:pPr marL="457200" lvl="1" indent="-457200">
+              <a:buFontTx/>
+              <a:buChar char="-"/>
+            </a:pPr>
+            <a:r>
+              <a:rPr lang="en-US" sz="2200" dirty="0"/>
+              <a:t>Completed:</a:t>
+            </a:r>
+          </a:p>
+          <a:p>
+            <a:pPr marL="914400" lvl="2" indent="-457200">
+              <a:buFontTx/>
+              <a:buChar char="-"/>
+            </a:pPr>
+            <a:r>
+              <a:rPr lang="en-US" dirty="0">
+                <a:solidFill>
+                  <a:schemeClr val="bg1">
+                    <a:lumMod val="50000"/>
+                  </a:schemeClr>
+                </a:solidFill>
+              </a:rPr>
+              <a:t>Meditech Compiled HTML Help</a:t>
+            </a:r>
+            <a:endParaRPr lang="en-US" sz="2800" dirty="0"/>
+          </a:p>
+        </p:txBody>
+      </p:sp>
+    </p:spTree>
+    <p:extLst>
+      <p:ext uri="{BB962C8B-B14F-4D97-AF65-F5344CB8AC3E}">
+        <p14:creationId xmlns:p14="http://schemas.microsoft.com/office/powerpoint/2010/main" val="3479593431"/>
       </p:ext>
     </p:extLst>
   </p:cSld>
@@ -29565,6 +29728,156 @@
           <a:chExt cx="0" cy="0"/>
         </a:xfrm>
       </p:grpSpPr>
+      <p:pic>
+        <p:nvPicPr>
+          <p:cNvPr id="5" name="Picture 4">
+            <a:extLst>
+              <a:ext uri="{FF2B5EF4-FFF2-40B4-BE49-F238E27FC236}">
+                <a16:creationId xmlns:a16="http://schemas.microsoft.com/office/drawing/2014/main" id="{1354617B-F810-4707-8A3E-5C7621460491}"/>
+              </a:ext>
+            </a:extLst>
+          </p:cNvPr>
+          <p:cNvPicPr>
+            <a:picLocks noChangeAspect="1"/>
+          </p:cNvPicPr>
+          <p:nvPr/>
+        </p:nvPicPr>
+        <p:blipFill>
+          <a:blip r:embed="rId2"/>
+          <a:stretch>
+            <a:fillRect/>
+          </a:stretch>
+        </p:blipFill>
+        <p:spPr>
+          <a:xfrm>
+            <a:off x="965199" y="159418"/>
+            <a:ext cx="10004325" cy="6539163"/>
+          </a:xfrm>
+          <a:prstGeom prst="rect">
+            <a:avLst/>
+          </a:prstGeom>
+        </p:spPr>
+      </p:pic>
+    </p:spTree>
+    <p:extLst>
+      <p:ext uri="{BB962C8B-B14F-4D97-AF65-F5344CB8AC3E}">
+        <p14:creationId xmlns:p14="http://schemas.microsoft.com/office/powerpoint/2010/main" val="2275880739"/>
+      </p:ext>
+    </p:extLst>
+  </p:cSld>
+  <p:clrMapOvr>
+    <a:masterClrMapping/>
+  </p:clrMapOvr>
+</p:sld>
+</file>
+
+<file path=ppt/slides/slide7.xml><?xml version="1.0" encoding="utf-8"?>
+<p:sld xmlns:a="http://schemas.openxmlformats.org/drawingml/2006/main" xmlns:r="http://schemas.openxmlformats.org/officeDocument/2006/relationships" xmlns:p="http://schemas.openxmlformats.org/presentationml/2006/main">
+  <p:cSld>
+    <p:spTree>
+      <p:nvGrpSpPr>
+        <p:cNvPr id="1" name=""/>
+        <p:cNvGrpSpPr/>
+        <p:nvPr/>
+      </p:nvGrpSpPr>
+      <p:grpSpPr>
+        <a:xfrm>
+          <a:off x="0" y="0"/>
+          <a:ext cx="0" cy="0"/>
+          <a:chOff x="0" y="0"/>
+          <a:chExt cx="0" cy="0"/>
+        </a:xfrm>
+      </p:grpSpPr>
+      <p:pic>
+        <p:nvPicPr>
+          <p:cNvPr id="3" name="Picture 2">
+            <a:extLst>
+              <a:ext uri="{FF2B5EF4-FFF2-40B4-BE49-F238E27FC236}">
+                <a16:creationId xmlns:a16="http://schemas.microsoft.com/office/drawing/2014/main" id="{6E142927-45DF-11F1-6DF8-CC541BC27689}"/>
+              </a:ext>
+            </a:extLst>
+          </p:cNvPr>
+          <p:cNvPicPr>
+            <a:picLocks noChangeAspect="1"/>
+          </p:cNvPicPr>
+          <p:nvPr/>
+        </p:nvPicPr>
+        <p:blipFill>
+          <a:blip r:embed="rId2"/>
+          <a:stretch>
+            <a:fillRect/>
+          </a:stretch>
+        </p:blipFill>
+        <p:spPr>
+          <a:xfrm>
+            <a:off x="1729696" y="0"/>
+            <a:ext cx="3618739" cy="6858000"/>
+          </a:xfrm>
+          <a:prstGeom prst="rect">
+            <a:avLst/>
+          </a:prstGeom>
+        </p:spPr>
+      </p:pic>
+      <p:pic>
+        <p:nvPicPr>
+          <p:cNvPr id="5" name="Picture 4">
+            <a:extLst>
+              <a:ext uri="{FF2B5EF4-FFF2-40B4-BE49-F238E27FC236}">
+                <a16:creationId xmlns:a16="http://schemas.microsoft.com/office/drawing/2014/main" id="{AFF81709-42DF-FD7E-F40E-71B72243A728}"/>
+              </a:ext>
+            </a:extLst>
+          </p:cNvPr>
+          <p:cNvPicPr>
+            <a:picLocks noChangeAspect="1"/>
+          </p:cNvPicPr>
+          <p:nvPr/>
+        </p:nvPicPr>
+        <p:blipFill>
+          <a:blip r:embed="rId3"/>
+          <a:stretch>
+            <a:fillRect/>
+          </a:stretch>
+        </p:blipFill>
+        <p:spPr>
+          <a:xfrm>
+            <a:off x="5705324" y="0"/>
+            <a:ext cx="3592286" cy="6858000"/>
+          </a:xfrm>
+          <a:prstGeom prst="rect">
+            <a:avLst/>
+          </a:prstGeom>
+        </p:spPr>
+      </p:pic>
+    </p:spTree>
+    <p:extLst>
+      <p:ext uri="{BB962C8B-B14F-4D97-AF65-F5344CB8AC3E}">
+        <p14:creationId xmlns:p14="http://schemas.microsoft.com/office/powerpoint/2010/main" val="803225379"/>
+      </p:ext>
+    </p:extLst>
+  </p:cSld>
+  <p:clrMapOvr>
+    <a:masterClrMapping/>
+  </p:clrMapOvr>
+</p:sld>
+</file>
+
+<file path=ppt/slides/slide8.xml><?xml version="1.0" encoding="utf-8"?>
+<p:sld xmlns:a="http://schemas.openxmlformats.org/drawingml/2006/main" xmlns:r="http://schemas.openxmlformats.org/officeDocument/2006/relationships" xmlns:p="http://schemas.openxmlformats.org/presentationml/2006/main">
+  <p:cSld>
+    <p:spTree>
+      <p:nvGrpSpPr>
+        <p:cNvPr id="1" name=""/>
+        <p:cNvGrpSpPr/>
+        <p:nvPr/>
+      </p:nvGrpSpPr>
+      <p:grpSpPr>
+        <a:xfrm>
+          <a:off x="0" y="0"/>
+          <a:ext cx="0" cy="0"/>
+          <a:chOff x="0" y="0"/>
+          <a:chExt cx="0" cy="0"/>
+        </a:xfrm>
+      </p:grpSpPr>
       <p:graphicFrame>
         <p:nvGraphicFramePr>
           <p:cNvPr id="7" name="Diagram 6"/>
@@ -30023,7 +30336,7 @@
 </p:sld>
 </file>
 
-<file path=ppt/slides/slide7.xml><?xml version="1.0" encoding="utf-8"?>
+<file path=ppt/slides/slide9.xml><?xml version="1.0" encoding="utf-8"?>
 <p:sld xmlns:a="http://schemas.openxmlformats.org/drawingml/2006/main" xmlns:r="http://schemas.openxmlformats.org/officeDocument/2006/relationships" xmlns:p="http://schemas.openxmlformats.org/presentationml/2006/main">
   <p:cSld>
     <p:spTree>
@@ -30107,18 +30420,13 @@
           <a:p>
             <a:pPr algn="ctr"/>
             <a:r>
-              <a:rPr lang="en-US" sz="3600" b="1" i="1" dirty="0" smtClean="0">
+              <a:rPr lang="en-US" sz="3600" b="1" i="1" dirty="0">
                 <a:solidFill>
                   <a:srgbClr val="0070C0"/>
                 </a:solidFill>
               </a:rPr>
               <a:t>Sample Rolling Eligibility Report</a:t>
             </a:r>
-            <a:endParaRPr lang="en-US" sz="3600" b="1" i="1" dirty="0">
-              <a:solidFill>
-                <a:srgbClr val="0070C0"/>
-              </a:solidFill>
-            </a:endParaRPr>
           </a:p>
         </p:txBody>
       </p:sp>
@@ -30126,473 +30434,6 @@
     <p:extLst>
       <p:ext uri="{BB962C8B-B14F-4D97-AF65-F5344CB8AC3E}">
         <p14:creationId xmlns:p14="http://schemas.microsoft.com/office/powerpoint/2010/main" val="3942023187"/>
-      </p:ext>
-    </p:extLst>
-  </p:cSld>
-  <p:clrMapOvr>
-    <a:masterClrMapping/>
-  </p:clrMapOvr>
-</p:sld>
-</file>
-
-<file path=ppt/slides/slide8.xml><?xml version="1.0" encoding="utf-8"?>
-<p:sld xmlns:a="http://schemas.openxmlformats.org/drawingml/2006/main" xmlns:r="http://schemas.openxmlformats.org/officeDocument/2006/relationships" xmlns:p="http://schemas.openxmlformats.org/presentationml/2006/main">
-  <p:cSld>
-    <p:spTree>
-      <p:nvGrpSpPr>
-        <p:cNvPr id="1" name=""/>
-        <p:cNvGrpSpPr/>
-        <p:nvPr/>
-      </p:nvGrpSpPr>
-      <p:grpSpPr>
-        <a:xfrm>
-          <a:off x="0" y="0"/>
-          <a:ext cx="0" cy="0"/>
-          <a:chOff x="0" y="0"/>
-          <a:chExt cx="0" cy="0"/>
-        </a:xfrm>
-      </p:grpSpPr>
-      <p:sp>
-        <p:nvSpPr>
-          <p:cNvPr id="2" name="Title 1"/>
-          <p:cNvSpPr>
-            <a:spLocks noGrp="1"/>
-          </p:cNvSpPr>
-          <p:nvPr>
-            <p:ph type="title"/>
-          </p:nvPr>
-        </p:nvSpPr>
-        <p:spPr>
-          <a:xfrm>
-            <a:off x="793750" y="320675"/>
-            <a:ext cx="10515600" cy="600075"/>
-          </a:xfrm>
-        </p:spPr>
-        <p:txBody>
-          <a:bodyPr>
-            <a:noAutofit/>
-          </a:bodyPr>
-          <a:lstStyle/>
-          <a:p>
-            <a:r>
-              <a:rPr lang="en-US" sz="3200" b="1" i="1" dirty="0">
-                <a:solidFill>
-                  <a:srgbClr val="0070C0"/>
-                </a:solidFill>
-              </a:rPr>
-              <a:t>Encouraging Secure Data Practices</a:t>
-            </a:r>
-          </a:p>
-        </p:txBody>
-      </p:sp>
-      <p:sp>
-        <p:nvSpPr>
-          <p:cNvPr id="6" name="Content Placeholder 5"/>
-          <p:cNvSpPr>
-            <a:spLocks noGrp="1"/>
-          </p:cNvSpPr>
-          <p:nvPr>
-            <p:ph idx="1"/>
-          </p:nvPr>
-        </p:nvSpPr>
-        <p:spPr>
-          <a:xfrm>
-            <a:off x="139700" y="1060449"/>
-            <a:ext cx="11722100" cy="5727701"/>
-          </a:xfrm>
-        </p:spPr>
-        <p:txBody>
-          <a:bodyPr>
-            <a:normAutofit lnSpcReduction="10000"/>
-          </a:bodyPr>
-          <a:lstStyle/>
-          <a:p>
-            <a:pPr marL="0" indent="0">
-              <a:buNone/>
-            </a:pPr>
-            <a:r>
-              <a:rPr lang="en-US" dirty="0">
-                <a:solidFill>
-                  <a:srgbClr val="000000"/>
-                </a:solidFill>
-              </a:rPr>
-              <a:t>Our goal is to deliver the data extracts to researchers in a way that makes it easy for them to follow best practices.</a:t>
-            </a:r>
-          </a:p>
-          <a:p>
-            <a:endParaRPr lang="en-US" dirty="0">
-              <a:solidFill>
-                <a:srgbClr val="000000"/>
-              </a:solidFill>
-            </a:endParaRPr>
-          </a:p>
-          <a:p>
-            <a:pPr marL="0" indent="0">
-              <a:buNone/>
-            </a:pPr>
-            <a:r>
-              <a:rPr lang="en-US" dirty="0">
-                <a:solidFill>
-                  <a:srgbClr val="000000"/>
-                </a:solidFill>
-              </a:rPr>
-              <a:t>Delivery of PHI, depending on the dataset and researcher</a:t>
-            </a:r>
-          </a:p>
-          <a:p>
-            <a:pPr lvl="1"/>
-            <a:r>
-              <a:rPr lang="en-US" u="sng" dirty="0">
-                <a:solidFill>
-                  <a:srgbClr val="000000"/>
-                </a:solidFill>
-              </a:rPr>
-              <a:t>SFT</a:t>
-            </a:r>
-            <a:r>
-              <a:rPr lang="en-US" dirty="0">
-                <a:solidFill>
-                  <a:srgbClr val="000000"/>
-                </a:solidFill>
-              </a:rPr>
-              <a:t> for one-time transfers</a:t>
-            </a:r>
-          </a:p>
-          <a:p>
-            <a:pPr lvl="1"/>
-            <a:r>
-              <a:rPr lang="en-US" u="sng" dirty="0">
-                <a:solidFill>
-                  <a:srgbClr val="000000"/>
-                </a:solidFill>
-              </a:rPr>
-              <a:t>HSC file servers</a:t>
-            </a:r>
-            <a:r>
-              <a:rPr lang="en-US" dirty="0">
-                <a:solidFill>
-                  <a:srgbClr val="000000"/>
-                </a:solidFill>
-              </a:rPr>
-              <a:t> for recurring transfers</a:t>
-            </a:r>
-          </a:p>
-          <a:p>
-            <a:pPr lvl="1"/>
-            <a:r>
-              <a:rPr lang="en-US" u="sng" dirty="0">
-                <a:solidFill>
-                  <a:srgbClr val="000000"/>
-                </a:solidFill>
-              </a:rPr>
-              <a:t>REDCap</a:t>
-            </a:r>
-            <a:r>
-              <a:rPr lang="en-US" dirty="0">
-                <a:solidFill>
-                  <a:srgbClr val="000000"/>
-                </a:solidFill>
-              </a:rPr>
-              <a:t> for recruiting projects (users manually enter data as we refresh info daily)</a:t>
-            </a:r>
-          </a:p>
-          <a:p>
-            <a:pPr lvl="1"/>
-            <a:r>
-              <a:rPr lang="en-US" dirty="0">
-                <a:solidFill>
-                  <a:srgbClr val="000000"/>
-                </a:solidFill>
-              </a:rPr>
-              <a:t>Never email</a:t>
-            </a:r>
-          </a:p>
-          <a:p>
-            <a:endParaRPr lang="en-US" dirty="0">
-              <a:solidFill>
-                <a:srgbClr val="000000"/>
-              </a:solidFill>
-            </a:endParaRPr>
-          </a:p>
-          <a:p>
-            <a:pPr marL="0" indent="0">
-              <a:buNone/>
-            </a:pPr>
-            <a:r>
-              <a:rPr lang="en-US" dirty="0">
-                <a:solidFill>
-                  <a:srgbClr val="000000"/>
-                </a:solidFill>
-              </a:rPr>
-              <a:t>Common mitigations include</a:t>
-            </a:r>
-          </a:p>
-          <a:p>
-            <a:pPr lvl="1"/>
-            <a:r>
-              <a:rPr lang="en-US" dirty="0">
-                <a:solidFill>
-                  <a:srgbClr val="000000"/>
-                </a:solidFill>
-              </a:rPr>
-              <a:t>Withholding PHI fields</a:t>
-            </a:r>
-          </a:p>
-          <a:p>
-            <a:pPr lvl="1"/>
-            <a:r>
-              <a:rPr lang="en-US" dirty="0">
-                <a:solidFill>
-                  <a:srgbClr val="000000"/>
-                </a:solidFill>
-              </a:rPr>
-              <a:t>Obfuscating PHI fields (</a:t>
-            </a:r>
-            <a:r>
-              <a:rPr lang="en-US" i="1" dirty="0">
-                <a:solidFill>
-                  <a:srgbClr val="000000"/>
-                </a:solidFill>
-              </a:rPr>
-              <a:t>e.g.</a:t>
-            </a:r>
-            <a:r>
-              <a:rPr lang="en-US" dirty="0">
-                <a:solidFill>
-                  <a:srgbClr val="000000"/>
-                </a:solidFill>
-              </a:rPr>
-              <a:t>, birth year instead of birth date)</a:t>
-            </a:r>
-          </a:p>
-          <a:p>
-            <a:pPr lvl="1"/>
-            <a:r>
-              <a:rPr lang="en-US" dirty="0">
-                <a:solidFill>
-                  <a:srgbClr val="000000"/>
-                </a:solidFill>
-              </a:rPr>
-              <a:t>Pre-calculating fields to avoid PHI (</a:t>
-            </a:r>
-            <a:r>
-              <a:rPr lang="en-US" i="1" dirty="0">
-                <a:solidFill>
-                  <a:srgbClr val="000000"/>
-                </a:solidFill>
-              </a:rPr>
-              <a:t>e.g.</a:t>
-            </a:r>
-            <a:r>
-              <a:rPr lang="en-US" dirty="0">
-                <a:solidFill>
-                  <a:srgbClr val="000000"/>
-                </a:solidFill>
-              </a:rPr>
-              <a:t>, we calculate the age at visit, instead of sending visit &amp; birth dates)</a:t>
-            </a:r>
-          </a:p>
-        </p:txBody>
-      </p:sp>
-    </p:spTree>
-    <p:extLst>
-      <p:ext uri="{BB962C8B-B14F-4D97-AF65-F5344CB8AC3E}">
-        <p14:creationId xmlns:p14="http://schemas.microsoft.com/office/powerpoint/2010/main" val="4147606731"/>
-      </p:ext>
-    </p:extLst>
-  </p:cSld>
-  <p:clrMapOvr>
-    <a:masterClrMapping/>
-  </p:clrMapOvr>
-</p:sld>
-</file>
-
-<file path=ppt/slides/slide9.xml><?xml version="1.0" encoding="utf-8"?>
-<p:sld xmlns:a="http://schemas.openxmlformats.org/drawingml/2006/main" xmlns:r="http://schemas.openxmlformats.org/officeDocument/2006/relationships" xmlns:p="http://schemas.openxmlformats.org/presentationml/2006/main">
-  <p:cSld>
-    <p:spTree>
-      <p:nvGrpSpPr>
-        <p:cNvPr id="1" name=""/>
-        <p:cNvGrpSpPr/>
-        <p:nvPr/>
-      </p:nvGrpSpPr>
-      <p:grpSpPr>
-        <a:xfrm>
-          <a:off x="0" y="0"/>
-          <a:ext cx="0" cy="0"/>
-          <a:chOff x="0" y="0"/>
-          <a:chExt cx="0" cy="0"/>
-        </a:xfrm>
-      </p:grpSpPr>
-      <p:sp>
-        <p:nvSpPr>
-          <p:cNvPr id="2" name="Title 1"/>
-          <p:cNvSpPr>
-            <a:spLocks noGrp="1"/>
-          </p:cNvSpPr>
-          <p:nvPr>
-            <p:ph type="title"/>
-          </p:nvPr>
-        </p:nvSpPr>
-        <p:spPr>
-          <a:xfrm>
-            <a:off x="565151" y="70785"/>
-            <a:ext cx="10515600" cy="640416"/>
-          </a:xfrm>
-        </p:spPr>
-        <p:txBody>
-          <a:bodyPr>
-            <a:normAutofit/>
-          </a:bodyPr>
-          <a:lstStyle/>
-          <a:p>
-            <a:r>
-              <a:rPr lang="en-US" sz="3600" b="1" i="1" dirty="0">
-                <a:solidFill>
-                  <a:srgbClr val="0070C0"/>
-                </a:solidFill>
-              </a:rPr>
-              <a:t>N3C: National COVID Cohort Collaborative</a:t>
-            </a:r>
-          </a:p>
-        </p:txBody>
-      </p:sp>
-      <p:sp>
-        <p:nvSpPr>
-          <p:cNvPr id="3" name="Content Placeholder 2"/>
-          <p:cNvSpPr>
-            <a:spLocks noGrp="1"/>
-          </p:cNvSpPr>
-          <p:nvPr>
-            <p:ph idx="1"/>
-          </p:nvPr>
-        </p:nvSpPr>
-        <p:spPr>
-          <a:xfrm>
-            <a:off x="565151" y="1239139"/>
-            <a:ext cx="10814050" cy="5447411"/>
-          </a:xfrm>
-        </p:spPr>
-        <p:txBody>
-          <a:bodyPr>
-            <a:noAutofit/>
-          </a:bodyPr>
-          <a:lstStyle/>
-          <a:p>
-            <a:pPr marL="457200" lvl="1" indent="-457200">
-              <a:buFontTx/>
-              <a:buChar char="-"/>
-            </a:pPr>
-            <a:r>
-              <a:rPr lang="en-US" sz="2800" dirty="0"/>
-              <a:t>60+ US institutions </a:t>
-            </a:r>
-            <a:r>
-              <a:rPr lang="en-US" sz="2800" dirty="0" smtClean="0"/>
-              <a:t>from 20+ statues contribute EHR </a:t>
-            </a:r>
-            <a:r>
-              <a:rPr lang="en-US" sz="2800" dirty="0"/>
-              <a:t>data in an OMOP model</a:t>
-            </a:r>
-          </a:p>
-          <a:p>
-            <a:pPr marL="457200" lvl="1" indent="-457200">
-              <a:buFontTx/>
-              <a:buChar char="-"/>
-            </a:pPr>
-            <a:endParaRPr lang="en-US" sz="2800" dirty="0"/>
-          </a:p>
-          <a:p>
-            <a:pPr marL="457200" lvl="1" indent="-457200">
-              <a:buFontTx/>
-              <a:buChar char="-"/>
-            </a:pPr>
-            <a:r>
-              <a:rPr lang="en-US" sz="2800" dirty="0"/>
-              <a:t>Datasets are accessible only through a browser to NIH’s cluster</a:t>
-            </a:r>
-          </a:p>
-          <a:p>
-            <a:pPr marL="914400" lvl="2" indent="-457200">
-              <a:buFontTx/>
-              <a:buChar char="-"/>
-            </a:pPr>
-            <a:r>
-              <a:rPr lang="en-US" sz="2400" dirty="0"/>
-              <a:t>Spark, Python, R</a:t>
-            </a:r>
-          </a:p>
-          <a:p>
-            <a:pPr marL="914400" lvl="2" indent="-457200">
-              <a:buFontTx/>
-              <a:buChar char="-"/>
-            </a:pPr>
-            <a:r>
-              <a:rPr lang="en-US" sz="2400" dirty="0"/>
-              <a:t>Lots of governance steps, but not as many as you’d think</a:t>
-            </a:r>
-          </a:p>
-          <a:p>
-            <a:pPr marL="914400" lvl="2" indent="-457200">
-              <a:buFontTx/>
-              <a:buChar char="-"/>
-            </a:pPr>
-            <a:endParaRPr lang="en-US" sz="2400" dirty="0"/>
-          </a:p>
-          <a:p>
-            <a:pPr marL="457200" lvl="1" indent="-457200">
-              <a:buFontTx/>
-              <a:buChar char="-"/>
-            </a:pPr>
-            <a:r>
-              <a:rPr lang="en-US" sz="2800" dirty="0"/>
-              <a:t>We believe this type of collaboration will be important in the future</a:t>
-            </a:r>
-          </a:p>
-          <a:p>
-            <a:pPr marL="457200" lvl="1" indent="-457200">
-              <a:buFontTx/>
-              <a:buChar char="-"/>
-            </a:pPr>
-            <a:endParaRPr lang="en-US" sz="2800" dirty="0"/>
-          </a:p>
-          <a:p>
-            <a:pPr marL="457200" lvl="1" indent="-457200">
-              <a:buFontTx/>
-              <a:buChar char="-"/>
-            </a:pPr>
-            <a:r>
-              <a:rPr lang="en-US" sz="2800" dirty="0"/>
-              <a:t>We’re recruiting OU collaborators</a:t>
-            </a:r>
-          </a:p>
-          <a:p>
-            <a:pPr marL="914400" lvl="2" indent="-457200">
-              <a:buFontTx/>
-              <a:buChar char="-"/>
-            </a:pPr>
-            <a:r>
-              <a:rPr lang="en-US" sz="2400" dirty="0"/>
-              <a:t>particularly statisticians, data scientists, and clinicians </a:t>
-            </a:r>
-          </a:p>
-          <a:p>
-            <a:pPr marL="914400" lvl="2" indent="-457200">
-              <a:buFontTx/>
-              <a:buChar char="-"/>
-            </a:pPr>
-            <a:r>
-              <a:rPr lang="en-US" sz="2400" dirty="0"/>
-              <a:t>tell us if anyone has a research question, or want to join an existing project</a:t>
-            </a:r>
-          </a:p>
-        </p:txBody>
-      </p:sp>
-    </p:spTree>
-    <p:extLst>
-      <p:ext uri="{BB962C8B-B14F-4D97-AF65-F5344CB8AC3E}">
-        <p14:creationId xmlns:p14="http://schemas.microsoft.com/office/powerpoint/2010/main" val="1806386402"/>
       </p:ext>
     </p:extLst>
   </p:cSld>
